--- a/survey2/survey2.pptx
+++ b/survey2/survey2.pptx
@@ -1,46 +1,46 @@
 
 <file path=ppt/presentation.xml><?xml version="1.0" encoding="utf-8"?>
-<p:presentation xmlns:a="http://schemas.openxmlformats.org/drawingml/2006/main" xmlns:r="http://schemas.openxmlformats.org/officeDocument/2006/relationships" xmlns:mc="http://schemas.openxmlformats.org/markup-compatibility/2006" xmlns:mv="urn:schemas-microsoft-com:mac:vml" xmlns:p="http://schemas.openxmlformats.org/presentationml/2006/main" xmlns:c="http://schemas.openxmlformats.org/drawingml/2006/chart" xmlns:dgm="http://schemas.openxmlformats.org/drawingml/2006/diagram" xmlns:o="urn:schemas-microsoft-com:office:office" xmlns:v="urn:schemas-microsoft-com:vml" xmlns:pvml="urn:schemas-microsoft-com:office:powerpoint" xmlns:com="http://schemas.openxmlformats.org/drawingml/2006/compatibility" xmlns:p14="http://schemas.microsoft.com/office/powerpoint/2010/main" autoCompressPictures="0" strictFirstAndLastChars="0" saveSubsetFonts="1">
+<p:presentation xmlns:a="http://schemas.openxmlformats.org/drawingml/2006/main" xmlns:r="http://schemas.openxmlformats.org/officeDocument/2006/relationships" xmlns:p="http://schemas.openxmlformats.org/presentationml/2006/main" strictFirstAndLastChars="0" saveSubsetFonts="1" autoCompressPictures="0">
   <p:sldMasterIdLst>
-    <p:sldMasterId id="2147483659" r:id="rId4"/>
+    <p:sldMasterId id="2147483659" r:id="rId1"/>
   </p:sldMasterIdLst>
   <p:notesMasterIdLst>
-    <p:notesMasterId r:id="rId5"/>
+    <p:notesMasterId r:id="rId30"/>
   </p:notesMasterIdLst>
   <p:sldIdLst>
-    <p:sldId id="256" r:id="rId6"/>
-    <p:sldId id="257" r:id="rId7"/>
-    <p:sldId id="258" r:id="rId8"/>
-    <p:sldId id="259" r:id="rId9"/>
-    <p:sldId id="260" r:id="rId10"/>
-    <p:sldId id="261" r:id="rId11"/>
-    <p:sldId id="262" r:id="rId12"/>
-    <p:sldId id="263" r:id="rId13"/>
-    <p:sldId id="264" r:id="rId14"/>
-    <p:sldId id="265" r:id="rId15"/>
-    <p:sldId id="266" r:id="rId16"/>
-    <p:sldId id="267" r:id="rId17"/>
-    <p:sldId id="268" r:id="rId18"/>
-    <p:sldId id="269" r:id="rId19"/>
-    <p:sldId id="270" r:id="rId20"/>
-    <p:sldId id="271" r:id="rId21"/>
-    <p:sldId id="272" r:id="rId22"/>
-    <p:sldId id="273" r:id="rId23"/>
-    <p:sldId id="274" r:id="rId24"/>
-    <p:sldId id="275" r:id="rId25"/>
-    <p:sldId id="276" r:id="rId26"/>
-    <p:sldId id="277" r:id="rId27"/>
-    <p:sldId id="278" r:id="rId28"/>
-    <p:sldId id="279" r:id="rId29"/>
-    <p:sldId id="280" r:id="rId30"/>
-    <p:sldId id="281" r:id="rId31"/>
-    <p:sldId id="282" r:id="rId32"/>
-    <p:sldId id="283" r:id="rId33"/>
+    <p:sldId id="256" r:id="rId2"/>
+    <p:sldId id="257" r:id="rId3"/>
+    <p:sldId id="258" r:id="rId4"/>
+    <p:sldId id="259" r:id="rId5"/>
+    <p:sldId id="260" r:id="rId6"/>
+    <p:sldId id="261" r:id="rId7"/>
+    <p:sldId id="262" r:id="rId8"/>
+    <p:sldId id="263" r:id="rId9"/>
+    <p:sldId id="264" r:id="rId10"/>
+    <p:sldId id="265" r:id="rId11"/>
+    <p:sldId id="266" r:id="rId12"/>
+    <p:sldId id="267" r:id="rId13"/>
+    <p:sldId id="268" r:id="rId14"/>
+    <p:sldId id="269" r:id="rId15"/>
+    <p:sldId id="270" r:id="rId16"/>
+    <p:sldId id="271" r:id="rId17"/>
+    <p:sldId id="272" r:id="rId18"/>
+    <p:sldId id="273" r:id="rId19"/>
+    <p:sldId id="274" r:id="rId20"/>
+    <p:sldId id="275" r:id="rId21"/>
+    <p:sldId id="276" r:id="rId22"/>
+    <p:sldId id="277" r:id="rId23"/>
+    <p:sldId id="278" r:id="rId24"/>
+    <p:sldId id="279" r:id="rId25"/>
+    <p:sldId id="280" r:id="rId26"/>
+    <p:sldId id="281" r:id="rId27"/>
+    <p:sldId id="282" r:id="rId28"/>
+    <p:sldId id="283" r:id="rId29"/>
   </p:sldIdLst>
-  <p:sldSz cy="5143500" cx="9144000"/>
+  <p:sldSz cx="9144000" cy="5143500" type="screen16x9"/>
   <p:notesSz cx="6858000" cy="9144000"/>
   <p:defaultTextStyle>
-    <a:defPPr lvl="0" marR="0" rtl="0" algn="l">
+    <a:defPPr marR="0" lvl="0" algn="l" rtl="0">
       <a:lnSpc>
         <a:spcPct val="100000"/>
       </a:lnSpc>
@@ -51,7 +51,7 @@
         <a:spcPts val="0"/>
       </a:spcAft>
     </a:defPPr>
-    <a:lvl1pPr lvl="0" marR="0" rtl="0" algn="l">
+    <a:lvl1pPr marR="0" lvl="0" algn="l" rtl="0">
       <a:lnSpc>
         <a:spcPct val="100000"/>
       </a:lnSpc>
@@ -62,7 +62,7 @@
         <a:spcPts val="0"/>
       </a:spcAft>
       <a:buNone/>
-      <a:defRPr b="0" i="0" sz="1400" u="none" cap="none" strike="noStrike">
+      <a:defRPr sz="1400" b="0" i="0" u="none" strike="noStrike" cap="none">
         <a:solidFill>
           <a:srgbClr val="000000"/>
         </a:solidFill>
@@ -72,7 +72,7 @@
         <a:sym typeface="Arial"/>
       </a:defRPr>
     </a:lvl1pPr>
-    <a:lvl2pPr lvl="1" marR="0" rtl="0" algn="l">
+    <a:lvl2pPr marR="0" lvl="1" algn="l" rtl="0">
       <a:lnSpc>
         <a:spcPct val="100000"/>
       </a:lnSpc>
@@ -83,7 +83,7 @@
         <a:spcPts val="0"/>
       </a:spcAft>
       <a:buNone/>
-      <a:defRPr b="0" i="0" sz="1400" u="none" cap="none" strike="noStrike">
+      <a:defRPr sz="1400" b="0" i="0" u="none" strike="noStrike" cap="none">
         <a:solidFill>
           <a:srgbClr val="000000"/>
         </a:solidFill>
@@ -93,7 +93,7 @@
         <a:sym typeface="Arial"/>
       </a:defRPr>
     </a:lvl2pPr>
-    <a:lvl3pPr lvl="2" marR="0" rtl="0" algn="l">
+    <a:lvl3pPr marR="0" lvl="2" algn="l" rtl="0">
       <a:lnSpc>
         <a:spcPct val="100000"/>
       </a:lnSpc>
@@ -104,7 +104,7 @@
         <a:spcPts val="0"/>
       </a:spcAft>
       <a:buNone/>
-      <a:defRPr b="0" i="0" sz="1400" u="none" cap="none" strike="noStrike">
+      <a:defRPr sz="1400" b="0" i="0" u="none" strike="noStrike" cap="none">
         <a:solidFill>
           <a:srgbClr val="000000"/>
         </a:solidFill>
@@ -114,7 +114,7 @@
         <a:sym typeface="Arial"/>
       </a:defRPr>
     </a:lvl3pPr>
-    <a:lvl4pPr lvl="3" marR="0" rtl="0" algn="l">
+    <a:lvl4pPr marR="0" lvl="3" algn="l" rtl="0">
       <a:lnSpc>
         <a:spcPct val="100000"/>
       </a:lnSpc>
@@ -125,7 +125,7 @@
         <a:spcPts val="0"/>
       </a:spcAft>
       <a:buNone/>
-      <a:defRPr b="0" i="0" sz="1400" u="none" cap="none" strike="noStrike">
+      <a:defRPr sz="1400" b="0" i="0" u="none" strike="noStrike" cap="none">
         <a:solidFill>
           <a:srgbClr val="000000"/>
         </a:solidFill>
@@ -135,7 +135,7 @@
         <a:sym typeface="Arial"/>
       </a:defRPr>
     </a:lvl4pPr>
-    <a:lvl5pPr lvl="4" marR="0" rtl="0" algn="l">
+    <a:lvl5pPr marR="0" lvl="4" algn="l" rtl="0">
       <a:lnSpc>
         <a:spcPct val="100000"/>
       </a:lnSpc>
@@ -146,7 +146,7 @@
         <a:spcPts val="0"/>
       </a:spcAft>
       <a:buNone/>
-      <a:defRPr b="0" i="0" sz="1400" u="none" cap="none" strike="noStrike">
+      <a:defRPr sz="1400" b="0" i="0" u="none" strike="noStrike" cap="none">
         <a:solidFill>
           <a:srgbClr val="000000"/>
         </a:solidFill>
@@ -156,7 +156,7 @@
         <a:sym typeface="Arial"/>
       </a:defRPr>
     </a:lvl5pPr>
-    <a:lvl6pPr lvl="5" marR="0" rtl="0" algn="l">
+    <a:lvl6pPr marR="0" lvl="5" algn="l" rtl="0">
       <a:lnSpc>
         <a:spcPct val="100000"/>
       </a:lnSpc>
@@ -167,7 +167,7 @@
         <a:spcPts val="0"/>
       </a:spcAft>
       <a:buNone/>
-      <a:defRPr b="0" i="0" sz="1400" u="none" cap="none" strike="noStrike">
+      <a:defRPr sz="1400" b="0" i="0" u="none" strike="noStrike" cap="none">
         <a:solidFill>
           <a:srgbClr val="000000"/>
         </a:solidFill>
@@ -177,7 +177,7 @@
         <a:sym typeface="Arial"/>
       </a:defRPr>
     </a:lvl6pPr>
-    <a:lvl7pPr lvl="6" marR="0" rtl="0" algn="l">
+    <a:lvl7pPr marR="0" lvl="6" algn="l" rtl="0">
       <a:lnSpc>
         <a:spcPct val="100000"/>
       </a:lnSpc>
@@ -188,7 +188,7 @@
         <a:spcPts val="0"/>
       </a:spcAft>
       <a:buNone/>
-      <a:defRPr b="0" i="0" sz="1400" u="none" cap="none" strike="noStrike">
+      <a:defRPr sz="1400" b="0" i="0" u="none" strike="noStrike" cap="none">
         <a:solidFill>
           <a:srgbClr val="000000"/>
         </a:solidFill>
@@ -198,7 +198,7 @@
         <a:sym typeface="Arial"/>
       </a:defRPr>
     </a:lvl7pPr>
-    <a:lvl8pPr lvl="7" marR="0" rtl="0" algn="l">
+    <a:lvl8pPr marR="0" lvl="7" algn="l" rtl="0">
       <a:lnSpc>
         <a:spcPct val="100000"/>
       </a:lnSpc>
@@ -209,7 +209,7 @@
         <a:spcPts val="0"/>
       </a:spcAft>
       <a:buNone/>
-      <a:defRPr b="0" i="0" sz="1400" u="none" cap="none" strike="noStrike">
+      <a:defRPr sz="1400" b="0" i="0" u="none" strike="noStrike" cap="none">
         <a:solidFill>
           <a:srgbClr val="000000"/>
         </a:solidFill>
@@ -219,7 +219,7 @@
         <a:sym typeface="Arial"/>
       </a:defRPr>
     </a:lvl8pPr>
-    <a:lvl9pPr lvl="8" marR="0" rtl="0" algn="l">
+    <a:lvl9pPr marR="0" lvl="8" algn="l" rtl="0">
       <a:lnSpc>
         <a:spcPct val="100000"/>
       </a:lnSpc>
@@ -230,7 +230,7 @@
         <a:spcPts val="0"/>
       </a:spcAft>
       <a:buNone/>
-      <a:defRPr b="0" i="0" sz="1400" u="none" cap="none" strike="noStrike">
+      <a:defRPr sz="1400" b="0" i="0" u="none" strike="noStrike" cap="none">
         <a:solidFill>
           <a:srgbClr val="000000"/>
         </a:solidFill>
@@ -245,11 +245,16 @@
 </file>
 
 <file path=ppt/notesMasters/notesMaster1.xml><?xml version="1.0" encoding="utf-8"?>
-<p:notesMaster xmlns:a="http://schemas.openxmlformats.org/drawingml/2006/main" xmlns:r="http://schemas.openxmlformats.org/officeDocument/2006/relationships" xmlns:mc="http://schemas.openxmlformats.org/markup-compatibility/2006" xmlns:mv="urn:schemas-microsoft-com:mac:vml" xmlns:p="http://schemas.openxmlformats.org/presentationml/2006/main" xmlns:c="http://schemas.openxmlformats.org/drawingml/2006/chart" xmlns:dgm="http://schemas.openxmlformats.org/drawingml/2006/diagram" xmlns:o="urn:schemas-microsoft-com:office:office" xmlns:v="urn:schemas-microsoft-com:vml" xmlns:pvml="urn:schemas-microsoft-com:office:powerpoint" xmlns:com="http://schemas.openxmlformats.org/drawingml/2006/compatibility" xmlns:p14="http://schemas.microsoft.com/office/powerpoint/2010/main">
+<p:notesMaster xmlns:a="http://schemas.openxmlformats.org/drawingml/2006/main" xmlns:r="http://schemas.openxmlformats.org/officeDocument/2006/relationships" xmlns:p="http://schemas.openxmlformats.org/presentationml/2006/main">
   <p:cSld>
+    <p:bg>
+      <p:bgRef idx="1001">
+        <a:schemeClr val="bg1"/>
+      </p:bgRef>
+    </p:bg>
     <p:spTree>
       <p:nvGrpSpPr>
-        <p:cNvPr id="2" name="Shape 2"/>
+        <p:cNvPr id="1" name="Shape 2"/>
         <p:cNvGrpSpPr/>
         <p:nvPr/>
       </p:nvGrpSpPr>
@@ -264,9 +269,11 @@
       <p:sp>
         <p:nvSpPr>
           <p:cNvPr id="3" name="Shape 3"/>
-          <p:cNvSpPr/>
-          <p:nvPr>
-            <p:ph idx="2" type="sldImg"/>
+          <p:cNvSpPr>
+            <a:spLocks noGrp="1" noRot="1" noChangeAspect="1"/>
+          </p:cNvSpPr>
+          <p:nvPr>
+            <p:ph type="sldImg" idx="2"/>
           </p:nvPr>
         </p:nvSpPr>
         <p:spPr>
@@ -275,8 +282,13 @@
             <a:ext cx="6096075" cy="3429000"/>
           </a:xfrm>
           <a:custGeom>
+            <a:avLst/>
+            <a:gdLst/>
+            <a:ahLst/>
+            <a:cxnLst/>
+            <a:rect l="0" t="0" r="0" b="0"/>
             <a:pathLst>
-              <a:path extrusionOk="0" h="120000" w="120000">
+              <a:path w="120000" h="120000" extrusionOk="0">
                 <a:moveTo>
                   <a:pt x="0" y="0"/>
                 </a:moveTo>
@@ -294,23 +306,25 @@
             </a:pathLst>
           </a:custGeom>
           <a:noFill/>
-          <a:ln cap="flat" cmpd="sng" w="9525">
+          <a:ln w="9525" cap="flat" cmpd="sng">
             <a:solidFill>
               <a:srgbClr val="000000"/>
             </a:solidFill>
             <a:prstDash val="solid"/>
             <a:round/>
-            <a:headEnd len="med" w="med" type="none"/>
-            <a:tailEnd len="med" w="med" type="none"/>
+            <a:headEnd type="none" w="med" len="med"/>
+            <a:tailEnd type="none" w="med" len="med"/>
           </a:ln>
         </p:spPr>
       </p:sp>
       <p:sp>
         <p:nvSpPr>
           <p:cNvPr id="4" name="Shape 4"/>
-          <p:cNvSpPr txBox="1"/>
-          <p:nvPr>
-            <p:ph idx="1" type="body"/>
+          <p:cNvSpPr txBox="1">
+            <a:spLocks noGrp="1"/>
+          </p:cNvSpPr>
+          <p:nvPr>
+            <p:ph type="body" idx="1"/>
           </p:nvPr>
         </p:nvSpPr>
         <p:spPr>
@@ -327,7 +341,7 @@
           </a:ln>
         </p:spPr>
         <p:txBody>
-          <a:bodyPr anchorCtr="0" anchor="t" bIns="91425" lIns="91425" rIns="91425" tIns="91425"/>
+          <a:bodyPr lIns="91425" tIns="91425" rIns="91425" bIns="91425" anchor="t" anchorCtr="0"/>
           <a:lstStyle>
             <a:lvl1pPr lvl="0">
               <a:spcBef>
@@ -384,21 +398,115 @@
               <a:defRPr sz="1100"/>
             </a:lvl9pPr>
           </a:lstStyle>
-          <a:p/>
+          <a:p>
+            <a:endParaRPr/>
+          </a:p>
         </p:txBody>
       </p:sp>
     </p:spTree>
   </p:cSld>
-  <p:clrMap accent1="accent1" accent2="accent2" accent3="accent3" accent4="accent4" accent5="accent5" accent6="accent6" bg1="lt1" bg2="dk2" tx1="dk1" tx2="lt2" folHlink="folHlink" hlink="hlink"/>
+  <p:clrMap bg1="lt1" tx1="dk1" bg2="dk2" tx2="lt2" accent1="accent1" accent2="accent2" accent3="accent3" accent4="accent4" accent5="accent5" accent6="accent6" hlink="hlink" folHlink="folHlink"/>
+  <p:notesStyle>
+    <a:lvl1pPr marL="0" algn="l" defTabSz="914400" rtl="0" eaLnBrk="1" latinLnBrk="0" hangingPunct="1">
+      <a:defRPr sz="1200" kern="1200">
+        <a:solidFill>
+          <a:schemeClr val="tx1"/>
+        </a:solidFill>
+        <a:latin typeface="+mn-lt"/>
+        <a:ea typeface="+mn-ea"/>
+        <a:cs typeface="+mn-cs"/>
+      </a:defRPr>
+    </a:lvl1pPr>
+    <a:lvl2pPr marL="457200" algn="l" defTabSz="914400" rtl="0" eaLnBrk="1" latinLnBrk="0" hangingPunct="1">
+      <a:defRPr sz="1200" kern="1200">
+        <a:solidFill>
+          <a:schemeClr val="tx1"/>
+        </a:solidFill>
+        <a:latin typeface="+mn-lt"/>
+        <a:ea typeface="+mn-ea"/>
+        <a:cs typeface="+mn-cs"/>
+      </a:defRPr>
+    </a:lvl2pPr>
+    <a:lvl3pPr marL="914400" algn="l" defTabSz="914400" rtl="0" eaLnBrk="1" latinLnBrk="0" hangingPunct="1">
+      <a:defRPr sz="1200" kern="1200">
+        <a:solidFill>
+          <a:schemeClr val="tx1"/>
+        </a:solidFill>
+        <a:latin typeface="+mn-lt"/>
+        <a:ea typeface="+mn-ea"/>
+        <a:cs typeface="+mn-cs"/>
+      </a:defRPr>
+    </a:lvl3pPr>
+    <a:lvl4pPr marL="1371600" algn="l" defTabSz="914400" rtl="0" eaLnBrk="1" latinLnBrk="0" hangingPunct="1">
+      <a:defRPr sz="1200" kern="1200">
+        <a:solidFill>
+          <a:schemeClr val="tx1"/>
+        </a:solidFill>
+        <a:latin typeface="+mn-lt"/>
+        <a:ea typeface="+mn-ea"/>
+        <a:cs typeface="+mn-cs"/>
+      </a:defRPr>
+    </a:lvl4pPr>
+    <a:lvl5pPr marL="1828800" algn="l" defTabSz="914400" rtl="0" eaLnBrk="1" latinLnBrk="0" hangingPunct="1">
+      <a:defRPr sz="1200" kern="1200">
+        <a:solidFill>
+          <a:schemeClr val="tx1"/>
+        </a:solidFill>
+        <a:latin typeface="+mn-lt"/>
+        <a:ea typeface="+mn-ea"/>
+        <a:cs typeface="+mn-cs"/>
+      </a:defRPr>
+    </a:lvl5pPr>
+    <a:lvl6pPr marL="2286000" algn="l" defTabSz="914400" rtl="0" eaLnBrk="1" latinLnBrk="0" hangingPunct="1">
+      <a:defRPr sz="1200" kern="1200">
+        <a:solidFill>
+          <a:schemeClr val="tx1"/>
+        </a:solidFill>
+        <a:latin typeface="+mn-lt"/>
+        <a:ea typeface="+mn-ea"/>
+        <a:cs typeface="+mn-cs"/>
+      </a:defRPr>
+    </a:lvl6pPr>
+    <a:lvl7pPr marL="2743200" algn="l" defTabSz="914400" rtl="0" eaLnBrk="1" latinLnBrk="0" hangingPunct="1">
+      <a:defRPr sz="1200" kern="1200">
+        <a:solidFill>
+          <a:schemeClr val="tx1"/>
+        </a:solidFill>
+        <a:latin typeface="+mn-lt"/>
+        <a:ea typeface="+mn-ea"/>
+        <a:cs typeface="+mn-cs"/>
+      </a:defRPr>
+    </a:lvl7pPr>
+    <a:lvl8pPr marL="3200400" algn="l" defTabSz="914400" rtl="0" eaLnBrk="1" latinLnBrk="0" hangingPunct="1">
+      <a:defRPr sz="1200" kern="1200">
+        <a:solidFill>
+          <a:schemeClr val="tx1"/>
+        </a:solidFill>
+        <a:latin typeface="+mn-lt"/>
+        <a:ea typeface="+mn-ea"/>
+        <a:cs typeface="+mn-cs"/>
+      </a:defRPr>
+    </a:lvl8pPr>
+    <a:lvl9pPr marL="3657600" algn="l" defTabSz="914400" rtl="0" eaLnBrk="1" latinLnBrk="0" hangingPunct="1">
+      <a:defRPr sz="1200" kern="1200">
+        <a:solidFill>
+          <a:schemeClr val="tx1"/>
+        </a:solidFill>
+        <a:latin typeface="+mn-lt"/>
+        <a:ea typeface="+mn-ea"/>
+        <a:cs typeface="+mn-cs"/>
+      </a:defRPr>
+    </a:lvl9pPr>
+  </p:notesStyle>
 </p:notesMaster>
 </file>
 
 <file path=ppt/notesSlides/notesSlide1.xml><?xml version="1.0" encoding="utf-8"?>
-<p:notes xmlns:a="http://schemas.openxmlformats.org/drawingml/2006/main" xmlns:r="http://schemas.openxmlformats.org/officeDocument/2006/relationships" xmlns:mc="http://schemas.openxmlformats.org/markup-compatibility/2006" xmlns:mv="urn:schemas-microsoft-com:mac:vml" xmlns:p="http://schemas.openxmlformats.org/presentationml/2006/main" xmlns:c="http://schemas.openxmlformats.org/drawingml/2006/chart" xmlns:dgm="http://schemas.openxmlformats.org/drawingml/2006/diagram" xmlns:o="urn:schemas-microsoft-com:office:office" xmlns:v="urn:schemas-microsoft-com:vml" xmlns:pvml="urn:schemas-microsoft-com:office:powerpoint" xmlns:com="http://schemas.openxmlformats.org/drawingml/2006/compatibility" xmlns:p14="http://schemas.microsoft.com/office/powerpoint/2010/main" showMasterPhAnim="0" showMasterSp="0">
+<p:notes xmlns:a="http://schemas.openxmlformats.org/drawingml/2006/main" xmlns:r="http://schemas.openxmlformats.org/officeDocument/2006/relationships" xmlns:p="http://schemas.openxmlformats.org/presentationml/2006/main" showMasterSp="0" showMasterPhAnim="0">
   <p:cSld>
     <p:spTree>
       <p:nvGrpSpPr>
-        <p:cNvPr id="50" name="Shape 50"/>
+        <p:cNvPr id="1" name="Shape 50"/>
         <p:cNvGrpSpPr/>
         <p:nvPr/>
       </p:nvGrpSpPr>
@@ -413,9 +521,11 @@
       <p:sp>
         <p:nvSpPr>
           <p:cNvPr id="51" name="Shape 51"/>
-          <p:cNvSpPr/>
-          <p:nvPr>
-            <p:ph idx="2" type="sldImg"/>
+          <p:cNvSpPr>
+            <a:spLocks noGrp="1" noRot="1" noChangeAspect="1"/>
+          </p:cNvSpPr>
+          <p:nvPr>
+            <p:ph type="sldImg" idx="2"/>
           </p:nvPr>
         </p:nvSpPr>
         <p:spPr>
@@ -424,8 +534,13 @@
             <a:ext cx="6096075" cy="3429000"/>
           </a:xfrm>
           <a:custGeom>
+            <a:avLst/>
+            <a:gdLst/>
+            <a:ahLst/>
+            <a:cxnLst/>
+            <a:rect l="0" t="0" r="0" b="0"/>
             <a:pathLst>
-              <a:path extrusionOk="0" h="120000" w="120000">
+              <a:path w="120000" h="120000" extrusionOk="0">
                 <a:moveTo>
                   <a:pt x="0" y="0"/>
                 </a:moveTo>
@@ -447,9 +562,11 @@
       <p:sp>
         <p:nvSpPr>
           <p:cNvPr id="52" name="Shape 52"/>
-          <p:cNvSpPr txBox="1"/>
-          <p:nvPr>
-            <p:ph idx="1" type="body"/>
+          <p:cNvSpPr txBox="1">
+            <a:spLocks noGrp="1"/>
+          </p:cNvSpPr>
+          <p:nvPr>
+            <p:ph type="body" idx="1"/>
           </p:nvPr>
         </p:nvSpPr>
         <p:spPr>
@@ -462,7 +579,7 @@
           </a:prstGeom>
         </p:spPr>
         <p:txBody>
-          <a:bodyPr anchorCtr="0" anchor="t" bIns="91425" lIns="91425" rIns="91425" tIns="91425">
+          <a:bodyPr lIns="91425" tIns="91425" rIns="91425" bIns="91425" anchor="t" anchorCtr="0">
             <a:noAutofit/>
           </a:bodyPr>
           <a:lstStyle/>
@@ -473,9 +590,6 @@
               </a:spcBef>
               <a:buNone/>
             </a:pPr>
-            <a:r>
-              <a:t/>
-            </a:r>
             <a:endParaRPr/>
           </a:p>
         </p:txBody>
@@ -489,11 +603,11 @@
 </file>
 
 <file path=ppt/notesSlides/notesSlide10.xml><?xml version="1.0" encoding="utf-8"?>
-<p:notes xmlns:a="http://schemas.openxmlformats.org/drawingml/2006/main" xmlns:r="http://schemas.openxmlformats.org/officeDocument/2006/relationships" xmlns:mc="http://schemas.openxmlformats.org/markup-compatibility/2006" xmlns:mv="urn:schemas-microsoft-com:mac:vml" xmlns:p="http://schemas.openxmlformats.org/presentationml/2006/main" xmlns:c="http://schemas.openxmlformats.org/drawingml/2006/chart" xmlns:dgm="http://schemas.openxmlformats.org/drawingml/2006/diagram" xmlns:o="urn:schemas-microsoft-com:office:office" xmlns:v="urn:schemas-microsoft-com:vml" xmlns:pvml="urn:schemas-microsoft-com:office:powerpoint" xmlns:com="http://schemas.openxmlformats.org/drawingml/2006/compatibility" xmlns:p14="http://schemas.microsoft.com/office/powerpoint/2010/main" showMasterPhAnim="0" showMasterSp="0">
+<p:notes xmlns:a="http://schemas.openxmlformats.org/drawingml/2006/main" xmlns:r="http://schemas.openxmlformats.org/officeDocument/2006/relationships" xmlns:p="http://schemas.openxmlformats.org/presentationml/2006/main" showMasterSp="0" showMasterPhAnim="0">
   <p:cSld>
     <p:spTree>
       <p:nvGrpSpPr>
-        <p:cNvPr id="100" name="Shape 100"/>
+        <p:cNvPr id="1" name="Shape 100"/>
         <p:cNvGrpSpPr/>
         <p:nvPr/>
       </p:nvGrpSpPr>
@@ -508,9 +622,11 @@
       <p:sp>
         <p:nvSpPr>
           <p:cNvPr id="101" name="Shape 101"/>
-          <p:cNvSpPr/>
-          <p:nvPr>
-            <p:ph idx="2" type="sldImg"/>
+          <p:cNvSpPr>
+            <a:spLocks noGrp="1" noRot="1" noChangeAspect="1"/>
+          </p:cNvSpPr>
+          <p:nvPr>
+            <p:ph type="sldImg" idx="2"/>
           </p:nvPr>
         </p:nvSpPr>
         <p:spPr>
@@ -519,8 +635,13 @@
             <a:ext cx="6096000" cy="3429000"/>
           </a:xfrm>
           <a:custGeom>
+            <a:avLst/>
+            <a:gdLst/>
+            <a:ahLst/>
+            <a:cxnLst/>
+            <a:rect l="0" t="0" r="0" b="0"/>
             <a:pathLst>
-              <a:path extrusionOk="0" h="120000" w="120000">
+              <a:path w="120000" h="120000" extrusionOk="0">
                 <a:moveTo>
                   <a:pt x="0" y="0"/>
                 </a:moveTo>
@@ -542,9 +663,11 @@
       <p:sp>
         <p:nvSpPr>
           <p:cNvPr id="102" name="Shape 102"/>
-          <p:cNvSpPr txBox="1"/>
-          <p:nvPr>
-            <p:ph idx="1" type="body"/>
+          <p:cNvSpPr txBox="1">
+            <a:spLocks noGrp="1"/>
+          </p:cNvSpPr>
+          <p:nvPr>
+            <p:ph type="body" idx="1"/>
           </p:nvPr>
         </p:nvSpPr>
         <p:spPr>
@@ -557,7 +680,7 @@
           </a:prstGeom>
         </p:spPr>
         <p:txBody>
-          <a:bodyPr anchorCtr="0" anchor="t" bIns="91425" lIns="91425" rIns="91425" tIns="91425">
+          <a:bodyPr lIns="91425" tIns="91425" rIns="91425" bIns="91425" anchor="t" anchorCtr="0">
             <a:noAutofit/>
           </a:bodyPr>
           <a:lstStyle/>
@@ -568,9 +691,6 @@
               </a:spcBef>
               <a:buNone/>
             </a:pPr>
-            <a:r>
-              <a:t/>
-            </a:r>
             <a:endParaRPr/>
           </a:p>
         </p:txBody>
@@ -584,11 +704,11 @@
 </file>
 
 <file path=ppt/notesSlides/notesSlide11.xml><?xml version="1.0" encoding="utf-8"?>
-<p:notes xmlns:a="http://schemas.openxmlformats.org/drawingml/2006/main" xmlns:r="http://schemas.openxmlformats.org/officeDocument/2006/relationships" xmlns:mc="http://schemas.openxmlformats.org/markup-compatibility/2006" xmlns:mv="urn:schemas-microsoft-com:mac:vml" xmlns:p="http://schemas.openxmlformats.org/presentationml/2006/main" xmlns:c="http://schemas.openxmlformats.org/drawingml/2006/chart" xmlns:dgm="http://schemas.openxmlformats.org/drawingml/2006/diagram" xmlns:o="urn:schemas-microsoft-com:office:office" xmlns:v="urn:schemas-microsoft-com:vml" xmlns:pvml="urn:schemas-microsoft-com:office:powerpoint" xmlns:com="http://schemas.openxmlformats.org/drawingml/2006/compatibility" xmlns:p14="http://schemas.microsoft.com/office/powerpoint/2010/main" showMasterPhAnim="0" showMasterSp="0">
+<p:notes xmlns:a="http://schemas.openxmlformats.org/drawingml/2006/main" xmlns:r="http://schemas.openxmlformats.org/officeDocument/2006/relationships" xmlns:p="http://schemas.openxmlformats.org/presentationml/2006/main" showMasterSp="0" showMasterPhAnim="0">
   <p:cSld>
     <p:spTree>
       <p:nvGrpSpPr>
-        <p:cNvPr id="107" name="Shape 107"/>
+        <p:cNvPr id="1" name="Shape 107"/>
         <p:cNvGrpSpPr/>
         <p:nvPr/>
       </p:nvGrpSpPr>
@@ -603,19 +723,26 @@
       <p:sp>
         <p:nvSpPr>
           <p:cNvPr id="108" name="Shape 108"/>
-          <p:cNvSpPr/>
-          <p:nvPr>
-            <p:ph idx="2" type="sldImg"/>
-          </p:nvPr>
-        </p:nvSpPr>
-        <p:spPr>
-          <a:xfrm>
-            <a:off x="381300" y="685800"/>
+          <p:cNvSpPr>
+            <a:spLocks noGrp="1" noRot="1" noChangeAspect="1"/>
+          </p:cNvSpPr>
+          <p:nvPr>
+            <p:ph type="sldImg" idx="2"/>
+          </p:nvPr>
+        </p:nvSpPr>
+        <p:spPr>
+          <a:xfrm>
+            <a:off x="381000" y="685800"/>
             <a:ext cx="6096000" cy="3429000"/>
           </a:xfrm>
           <a:custGeom>
+            <a:avLst/>
+            <a:gdLst/>
+            <a:ahLst/>
+            <a:cxnLst/>
+            <a:rect l="0" t="0" r="0" b="0"/>
             <a:pathLst>
-              <a:path extrusionOk="0" h="120000" w="120000">
+              <a:path w="120000" h="120000" extrusionOk="0">
                 <a:moveTo>
                   <a:pt x="0" y="0"/>
                 </a:moveTo>
@@ -637,9 +764,11 @@
       <p:sp>
         <p:nvSpPr>
           <p:cNvPr id="109" name="Shape 109"/>
-          <p:cNvSpPr txBox="1"/>
-          <p:nvPr>
-            <p:ph idx="1" type="body"/>
+          <p:cNvSpPr txBox="1">
+            <a:spLocks noGrp="1"/>
+          </p:cNvSpPr>
+          <p:nvPr>
+            <p:ph type="body" idx="1"/>
           </p:nvPr>
         </p:nvSpPr>
         <p:spPr>
@@ -652,7 +781,7 @@
           </a:prstGeom>
         </p:spPr>
         <p:txBody>
-          <a:bodyPr anchorCtr="0" anchor="t" bIns="91425" lIns="91425" rIns="91425" tIns="91425">
+          <a:bodyPr lIns="91425" tIns="91425" rIns="91425" bIns="91425" anchor="t" anchorCtr="0">
             <a:noAutofit/>
           </a:bodyPr>
           <a:lstStyle/>
@@ -663,9 +792,6 @@
               </a:spcBef>
               <a:buNone/>
             </a:pPr>
-            <a:r>
-              <a:t/>
-            </a:r>
             <a:endParaRPr/>
           </a:p>
         </p:txBody>
@@ -679,11 +805,11 @@
 </file>
 
 <file path=ppt/notesSlides/notesSlide12.xml><?xml version="1.0" encoding="utf-8"?>
-<p:notes xmlns:a="http://schemas.openxmlformats.org/drawingml/2006/main" xmlns:r="http://schemas.openxmlformats.org/officeDocument/2006/relationships" xmlns:mc="http://schemas.openxmlformats.org/markup-compatibility/2006" xmlns:mv="urn:schemas-microsoft-com:mac:vml" xmlns:p="http://schemas.openxmlformats.org/presentationml/2006/main" xmlns:c="http://schemas.openxmlformats.org/drawingml/2006/chart" xmlns:dgm="http://schemas.openxmlformats.org/drawingml/2006/diagram" xmlns:o="urn:schemas-microsoft-com:office:office" xmlns:v="urn:schemas-microsoft-com:vml" xmlns:pvml="urn:schemas-microsoft-com:office:powerpoint" xmlns:com="http://schemas.openxmlformats.org/drawingml/2006/compatibility" xmlns:p14="http://schemas.microsoft.com/office/powerpoint/2010/main" showMasterPhAnim="0" showMasterSp="0">
+<p:notes xmlns:a="http://schemas.openxmlformats.org/drawingml/2006/main" xmlns:r="http://schemas.openxmlformats.org/officeDocument/2006/relationships" xmlns:p="http://schemas.openxmlformats.org/presentationml/2006/main" showMasterSp="0" showMasterPhAnim="0">
   <p:cSld>
     <p:spTree>
       <p:nvGrpSpPr>
-        <p:cNvPr id="202" name="Shape 202"/>
+        <p:cNvPr id="1" name="Shape 202"/>
         <p:cNvGrpSpPr/>
         <p:nvPr/>
       </p:nvGrpSpPr>
@@ -698,9 +824,11 @@
       <p:sp>
         <p:nvSpPr>
           <p:cNvPr id="203" name="Shape 203"/>
-          <p:cNvSpPr/>
-          <p:nvPr>
-            <p:ph idx="2" type="sldImg"/>
+          <p:cNvSpPr>
+            <a:spLocks noGrp="1" noRot="1" noChangeAspect="1"/>
+          </p:cNvSpPr>
+          <p:nvPr>
+            <p:ph type="sldImg" idx="2"/>
           </p:nvPr>
         </p:nvSpPr>
         <p:spPr>
@@ -709,8 +837,13 @@
             <a:ext cx="6096000" cy="3429000"/>
           </a:xfrm>
           <a:custGeom>
+            <a:avLst/>
+            <a:gdLst/>
+            <a:ahLst/>
+            <a:cxnLst/>
+            <a:rect l="0" t="0" r="0" b="0"/>
             <a:pathLst>
-              <a:path extrusionOk="0" h="120000" w="120000">
+              <a:path w="120000" h="120000" extrusionOk="0">
                 <a:moveTo>
                   <a:pt x="0" y="0"/>
                 </a:moveTo>
@@ -732,9 +865,11 @@
       <p:sp>
         <p:nvSpPr>
           <p:cNvPr id="204" name="Shape 204"/>
-          <p:cNvSpPr txBox="1"/>
-          <p:nvPr>
-            <p:ph idx="1" type="body"/>
+          <p:cNvSpPr txBox="1">
+            <a:spLocks noGrp="1"/>
+          </p:cNvSpPr>
+          <p:nvPr>
+            <p:ph type="body" idx="1"/>
           </p:nvPr>
         </p:nvSpPr>
         <p:spPr>
@@ -747,7 +882,7 @@
           </a:prstGeom>
         </p:spPr>
         <p:txBody>
-          <a:bodyPr anchorCtr="0" anchor="t" bIns="91425" lIns="91425" rIns="91425" tIns="91425">
+          <a:bodyPr lIns="91425" tIns="91425" rIns="91425" bIns="91425" anchor="t" anchorCtr="0">
             <a:noAutofit/>
           </a:bodyPr>
           <a:lstStyle/>
@@ -758,9 +893,6 @@
               </a:spcBef>
               <a:buNone/>
             </a:pPr>
-            <a:r>
-              <a:t/>
-            </a:r>
             <a:endParaRPr/>
           </a:p>
         </p:txBody>
@@ -774,11 +906,11 @@
 </file>
 
 <file path=ppt/notesSlides/notesSlide13.xml><?xml version="1.0" encoding="utf-8"?>
-<p:notes xmlns:a="http://schemas.openxmlformats.org/drawingml/2006/main" xmlns:r="http://schemas.openxmlformats.org/officeDocument/2006/relationships" xmlns:mc="http://schemas.openxmlformats.org/markup-compatibility/2006" xmlns:mv="urn:schemas-microsoft-com:mac:vml" xmlns:p="http://schemas.openxmlformats.org/presentationml/2006/main" xmlns:c="http://schemas.openxmlformats.org/drawingml/2006/chart" xmlns:dgm="http://schemas.openxmlformats.org/drawingml/2006/diagram" xmlns:o="urn:schemas-microsoft-com:office:office" xmlns:v="urn:schemas-microsoft-com:vml" xmlns:pvml="urn:schemas-microsoft-com:office:powerpoint" xmlns:com="http://schemas.openxmlformats.org/drawingml/2006/compatibility" xmlns:p14="http://schemas.microsoft.com/office/powerpoint/2010/main" showMasterPhAnim="0" showMasterSp="0">
+<p:notes xmlns:a="http://schemas.openxmlformats.org/drawingml/2006/main" xmlns:r="http://schemas.openxmlformats.org/officeDocument/2006/relationships" xmlns:p="http://schemas.openxmlformats.org/presentationml/2006/main" showMasterSp="0" showMasterPhAnim="0">
   <p:cSld>
     <p:spTree>
       <p:nvGrpSpPr>
-        <p:cNvPr id="210" name="Shape 210"/>
+        <p:cNvPr id="1" name="Shape 210"/>
         <p:cNvGrpSpPr/>
         <p:nvPr/>
       </p:nvGrpSpPr>
@@ -793,9 +925,11 @@
       <p:sp>
         <p:nvSpPr>
           <p:cNvPr id="211" name="Shape 211"/>
-          <p:cNvSpPr/>
-          <p:nvPr>
-            <p:ph idx="2" type="sldImg"/>
+          <p:cNvSpPr>
+            <a:spLocks noGrp="1" noRot="1" noChangeAspect="1"/>
+          </p:cNvSpPr>
+          <p:nvPr>
+            <p:ph type="sldImg" idx="2"/>
           </p:nvPr>
         </p:nvSpPr>
         <p:spPr>
@@ -804,8 +938,13 @@
             <a:ext cx="6096000" cy="3429000"/>
           </a:xfrm>
           <a:custGeom>
+            <a:avLst/>
+            <a:gdLst/>
+            <a:ahLst/>
+            <a:cxnLst/>
+            <a:rect l="0" t="0" r="0" b="0"/>
             <a:pathLst>
-              <a:path extrusionOk="0" h="120000" w="120000">
+              <a:path w="120000" h="120000" extrusionOk="0">
                 <a:moveTo>
                   <a:pt x="0" y="0"/>
                 </a:moveTo>
@@ -827,9 +966,11 @@
       <p:sp>
         <p:nvSpPr>
           <p:cNvPr id="212" name="Shape 212"/>
-          <p:cNvSpPr txBox="1"/>
-          <p:nvPr>
-            <p:ph idx="1" type="body"/>
+          <p:cNvSpPr txBox="1">
+            <a:spLocks noGrp="1"/>
+          </p:cNvSpPr>
+          <p:nvPr>
+            <p:ph type="body" idx="1"/>
           </p:nvPr>
         </p:nvSpPr>
         <p:spPr>
@@ -842,7 +983,7 @@
           </a:prstGeom>
         </p:spPr>
         <p:txBody>
-          <a:bodyPr anchorCtr="0" anchor="t" bIns="91425" lIns="91425" rIns="91425" tIns="91425">
+          <a:bodyPr lIns="91425" tIns="91425" rIns="91425" bIns="91425" anchor="t" anchorCtr="0">
             <a:noAutofit/>
           </a:bodyPr>
           <a:lstStyle/>
@@ -853,9 +994,6 @@
               </a:spcBef>
               <a:buNone/>
             </a:pPr>
-            <a:r>
-              <a:t/>
-            </a:r>
             <a:endParaRPr/>
           </a:p>
         </p:txBody>
@@ -869,11 +1007,11 @@
 </file>
 
 <file path=ppt/notesSlides/notesSlide14.xml><?xml version="1.0" encoding="utf-8"?>
-<p:notes xmlns:a="http://schemas.openxmlformats.org/drawingml/2006/main" xmlns:r="http://schemas.openxmlformats.org/officeDocument/2006/relationships" xmlns:mc="http://schemas.openxmlformats.org/markup-compatibility/2006" xmlns:mv="urn:schemas-microsoft-com:mac:vml" xmlns:p="http://schemas.openxmlformats.org/presentationml/2006/main" xmlns:c="http://schemas.openxmlformats.org/drawingml/2006/chart" xmlns:dgm="http://schemas.openxmlformats.org/drawingml/2006/diagram" xmlns:o="urn:schemas-microsoft-com:office:office" xmlns:v="urn:schemas-microsoft-com:vml" xmlns:pvml="urn:schemas-microsoft-com:office:powerpoint" xmlns:com="http://schemas.openxmlformats.org/drawingml/2006/compatibility" xmlns:p14="http://schemas.microsoft.com/office/powerpoint/2010/main" showMasterPhAnim="0" showMasterSp="0">
+<p:notes xmlns:a="http://schemas.openxmlformats.org/drawingml/2006/main" xmlns:r="http://schemas.openxmlformats.org/officeDocument/2006/relationships" xmlns:p="http://schemas.openxmlformats.org/presentationml/2006/main" showMasterSp="0" showMasterPhAnim="0">
   <p:cSld>
     <p:spTree>
       <p:nvGrpSpPr>
-        <p:cNvPr id="215" name="Shape 215"/>
+        <p:cNvPr id="1" name="Shape 215"/>
         <p:cNvGrpSpPr/>
         <p:nvPr/>
       </p:nvGrpSpPr>
@@ -888,9 +1026,11 @@
       <p:sp>
         <p:nvSpPr>
           <p:cNvPr id="216" name="Shape 216"/>
-          <p:cNvSpPr/>
-          <p:nvPr>
-            <p:ph idx="2" type="sldImg"/>
+          <p:cNvSpPr>
+            <a:spLocks noGrp="1" noRot="1" noChangeAspect="1"/>
+          </p:cNvSpPr>
+          <p:nvPr>
+            <p:ph type="sldImg" idx="2"/>
           </p:nvPr>
         </p:nvSpPr>
         <p:spPr>
@@ -899,8 +1039,13 @@
             <a:ext cx="6096000" cy="3429000"/>
           </a:xfrm>
           <a:custGeom>
+            <a:avLst/>
+            <a:gdLst/>
+            <a:ahLst/>
+            <a:cxnLst/>
+            <a:rect l="0" t="0" r="0" b="0"/>
             <a:pathLst>
-              <a:path extrusionOk="0" h="120000" w="120000">
+              <a:path w="120000" h="120000" extrusionOk="0">
                 <a:moveTo>
                   <a:pt x="0" y="0"/>
                 </a:moveTo>
@@ -922,9 +1067,11 @@
       <p:sp>
         <p:nvSpPr>
           <p:cNvPr id="217" name="Shape 217"/>
-          <p:cNvSpPr txBox="1"/>
-          <p:nvPr>
-            <p:ph idx="1" type="body"/>
+          <p:cNvSpPr txBox="1">
+            <a:spLocks noGrp="1"/>
+          </p:cNvSpPr>
+          <p:nvPr>
+            <p:ph type="body" idx="1"/>
           </p:nvPr>
         </p:nvSpPr>
         <p:spPr>
@@ -937,7 +1084,7 @@
           </a:prstGeom>
         </p:spPr>
         <p:txBody>
-          <a:bodyPr anchorCtr="0" anchor="t" bIns="91425" lIns="91425" rIns="91425" tIns="91425">
+          <a:bodyPr lIns="91425" tIns="91425" rIns="91425" bIns="91425" anchor="t" anchorCtr="0">
             <a:noAutofit/>
           </a:bodyPr>
           <a:lstStyle/>
@@ -948,9 +1095,6 @@
               </a:spcBef>
               <a:buNone/>
             </a:pPr>
-            <a:r>
-              <a:t/>
-            </a:r>
             <a:endParaRPr/>
           </a:p>
         </p:txBody>
@@ -964,11 +1108,11 @@
 </file>
 
 <file path=ppt/notesSlides/notesSlide15.xml><?xml version="1.0" encoding="utf-8"?>
-<p:notes xmlns:a="http://schemas.openxmlformats.org/drawingml/2006/main" xmlns:r="http://schemas.openxmlformats.org/officeDocument/2006/relationships" xmlns:mc="http://schemas.openxmlformats.org/markup-compatibility/2006" xmlns:mv="urn:schemas-microsoft-com:mac:vml" xmlns:p="http://schemas.openxmlformats.org/presentationml/2006/main" xmlns:c="http://schemas.openxmlformats.org/drawingml/2006/chart" xmlns:dgm="http://schemas.openxmlformats.org/drawingml/2006/diagram" xmlns:o="urn:schemas-microsoft-com:office:office" xmlns:v="urn:schemas-microsoft-com:vml" xmlns:pvml="urn:schemas-microsoft-com:office:powerpoint" xmlns:com="http://schemas.openxmlformats.org/drawingml/2006/compatibility" xmlns:p14="http://schemas.microsoft.com/office/powerpoint/2010/main" showMasterPhAnim="0" showMasterSp="0">
+<p:notes xmlns:a="http://schemas.openxmlformats.org/drawingml/2006/main" xmlns:r="http://schemas.openxmlformats.org/officeDocument/2006/relationships" xmlns:p="http://schemas.openxmlformats.org/presentationml/2006/main" showMasterSp="0" showMasterPhAnim="0">
   <p:cSld>
     <p:spTree>
       <p:nvGrpSpPr>
-        <p:cNvPr id="221" name="Shape 221"/>
+        <p:cNvPr id="1" name="Shape 221"/>
         <p:cNvGrpSpPr/>
         <p:nvPr/>
       </p:nvGrpSpPr>
@@ -983,9 +1127,11 @@
       <p:sp>
         <p:nvSpPr>
           <p:cNvPr id="222" name="Shape 222"/>
-          <p:cNvSpPr/>
-          <p:nvPr>
-            <p:ph idx="2" type="sldImg"/>
+          <p:cNvSpPr>
+            <a:spLocks noGrp="1" noRot="1" noChangeAspect="1"/>
+          </p:cNvSpPr>
+          <p:nvPr>
+            <p:ph type="sldImg" idx="2"/>
           </p:nvPr>
         </p:nvSpPr>
         <p:spPr>
@@ -994,8 +1140,13 @@
             <a:ext cx="6096000" cy="3429000"/>
           </a:xfrm>
           <a:custGeom>
+            <a:avLst/>
+            <a:gdLst/>
+            <a:ahLst/>
+            <a:cxnLst/>
+            <a:rect l="0" t="0" r="0" b="0"/>
             <a:pathLst>
-              <a:path extrusionOk="0" h="120000" w="120000">
+              <a:path w="120000" h="120000" extrusionOk="0">
                 <a:moveTo>
                   <a:pt x="0" y="0"/>
                 </a:moveTo>
@@ -1017,9 +1168,11 @@
       <p:sp>
         <p:nvSpPr>
           <p:cNvPr id="223" name="Shape 223"/>
-          <p:cNvSpPr txBox="1"/>
-          <p:nvPr>
-            <p:ph idx="1" type="body"/>
+          <p:cNvSpPr txBox="1">
+            <a:spLocks noGrp="1"/>
+          </p:cNvSpPr>
+          <p:nvPr>
+            <p:ph type="body" idx="1"/>
           </p:nvPr>
         </p:nvSpPr>
         <p:spPr>
@@ -1032,7 +1185,7 @@
           </a:prstGeom>
         </p:spPr>
         <p:txBody>
-          <a:bodyPr anchorCtr="0" anchor="t" bIns="91425" lIns="91425" rIns="91425" tIns="91425">
+          <a:bodyPr lIns="91425" tIns="91425" rIns="91425" bIns="91425" anchor="t" anchorCtr="0">
             <a:noAutofit/>
           </a:bodyPr>
           <a:lstStyle/>
@@ -1043,9 +1196,6 @@
               </a:spcBef>
               <a:buNone/>
             </a:pPr>
-            <a:r>
-              <a:t/>
-            </a:r>
             <a:endParaRPr/>
           </a:p>
         </p:txBody>
@@ -1059,11 +1209,11 @@
 </file>
 
 <file path=ppt/notesSlides/notesSlide16.xml><?xml version="1.0" encoding="utf-8"?>
-<p:notes xmlns:a="http://schemas.openxmlformats.org/drawingml/2006/main" xmlns:r="http://schemas.openxmlformats.org/officeDocument/2006/relationships" xmlns:mc="http://schemas.openxmlformats.org/markup-compatibility/2006" xmlns:mv="urn:schemas-microsoft-com:mac:vml" xmlns:p="http://schemas.openxmlformats.org/presentationml/2006/main" xmlns:c="http://schemas.openxmlformats.org/drawingml/2006/chart" xmlns:dgm="http://schemas.openxmlformats.org/drawingml/2006/diagram" xmlns:o="urn:schemas-microsoft-com:office:office" xmlns:v="urn:schemas-microsoft-com:vml" xmlns:pvml="urn:schemas-microsoft-com:office:powerpoint" xmlns:com="http://schemas.openxmlformats.org/drawingml/2006/compatibility" xmlns:p14="http://schemas.microsoft.com/office/powerpoint/2010/main" showMasterPhAnim="0" showMasterSp="0">
+<p:notes xmlns:a="http://schemas.openxmlformats.org/drawingml/2006/main" xmlns:r="http://schemas.openxmlformats.org/officeDocument/2006/relationships" xmlns:p="http://schemas.openxmlformats.org/presentationml/2006/main" showMasterSp="0" showMasterPhAnim="0">
   <p:cSld>
     <p:spTree>
       <p:nvGrpSpPr>
-        <p:cNvPr id="227" name="Shape 227"/>
+        <p:cNvPr id="1" name="Shape 227"/>
         <p:cNvGrpSpPr/>
         <p:nvPr/>
       </p:nvGrpSpPr>
@@ -1078,9 +1228,11 @@
       <p:sp>
         <p:nvSpPr>
           <p:cNvPr id="228" name="Shape 228"/>
-          <p:cNvSpPr/>
-          <p:nvPr>
-            <p:ph idx="2" type="sldImg"/>
+          <p:cNvSpPr>
+            <a:spLocks noGrp="1" noRot="1" noChangeAspect="1"/>
+          </p:cNvSpPr>
+          <p:nvPr>
+            <p:ph type="sldImg" idx="2"/>
           </p:nvPr>
         </p:nvSpPr>
         <p:spPr>
@@ -1089,8 +1241,13 @@
             <a:ext cx="6096000" cy="3429000"/>
           </a:xfrm>
           <a:custGeom>
+            <a:avLst/>
+            <a:gdLst/>
+            <a:ahLst/>
+            <a:cxnLst/>
+            <a:rect l="0" t="0" r="0" b="0"/>
             <a:pathLst>
-              <a:path extrusionOk="0" h="120000" w="120000">
+              <a:path w="120000" h="120000" extrusionOk="0">
                 <a:moveTo>
                   <a:pt x="0" y="0"/>
                 </a:moveTo>
@@ -1112,9 +1269,11 @@
       <p:sp>
         <p:nvSpPr>
           <p:cNvPr id="229" name="Shape 229"/>
-          <p:cNvSpPr txBox="1"/>
-          <p:nvPr>
-            <p:ph idx="1" type="body"/>
+          <p:cNvSpPr txBox="1">
+            <a:spLocks noGrp="1"/>
+          </p:cNvSpPr>
+          <p:nvPr>
+            <p:ph type="body" idx="1"/>
           </p:nvPr>
         </p:nvSpPr>
         <p:spPr>
@@ -1127,7 +1286,7 @@
           </a:prstGeom>
         </p:spPr>
         <p:txBody>
-          <a:bodyPr anchorCtr="0" anchor="t" bIns="91425" lIns="91425" rIns="91425" tIns="91425">
+          <a:bodyPr lIns="91425" tIns="91425" rIns="91425" bIns="91425" anchor="t" anchorCtr="0">
             <a:noAutofit/>
           </a:bodyPr>
           <a:lstStyle/>
@@ -1138,9 +1297,6 @@
               </a:spcBef>
               <a:buNone/>
             </a:pPr>
-            <a:r>
-              <a:t/>
-            </a:r>
             <a:endParaRPr/>
           </a:p>
         </p:txBody>
@@ -1154,11 +1310,11 @@
 </file>
 
 <file path=ppt/notesSlides/notesSlide17.xml><?xml version="1.0" encoding="utf-8"?>
-<p:notes xmlns:a="http://schemas.openxmlformats.org/drawingml/2006/main" xmlns:r="http://schemas.openxmlformats.org/officeDocument/2006/relationships" xmlns:mc="http://schemas.openxmlformats.org/markup-compatibility/2006" xmlns:mv="urn:schemas-microsoft-com:mac:vml" xmlns:p="http://schemas.openxmlformats.org/presentationml/2006/main" xmlns:c="http://schemas.openxmlformats.org/drawingml/2006/chart" xmlns:dgm="http://schemas.openxmlformats.org/drawingml/2006/diagram" xmlns:o="urn:schemas-microsoft-com:office:office" xmlns:v="urn:schemas-microsoft-com:vml" xmlns:pvml="urn:schemas-microsoft-com:office:powerpoint" xmlns:com="http://schemas.openxmlformats.org/drawingml/2006/compatibility" xmlns:p14="http://schemas.microsoft.com/office/powerpoint/2010/main" showMasterPhAnim="0" showMasterSp="0">
+<p:notes xmlns:a="http://schemas.openxmlformats.org/drawingml/2006/main" xmlns:r="http://schemas.openxmlformats.org/officeDocument/2006/relationships" xmlns:p="http://schemas.openxmlformats.org/presentationml/2006/main" showMasterSp="0" showMasterPhAnim="0">
   <p:cSld>
     <p:spTree>
       <p:nvGrpSpPr>
-        <p:cNvPr id="232" name="Shape 232"/>
+        <p:cNvPr id="1" name="Shape 232"/>
         <p:cNvGrpSpPr/>
         <p:nvPr/>
       </p:nvGrpSpPr>
@@ -1173,9 +1329,11 @@
       <p:sp>
         <p:nvSpPr>
           <p:cNvPr id="233" name="Shape 233"/>
-          <p:cNvSpPr/>
-          <p:nvPr>
-            <p:ph idx="2" type="sldImg"/>
+          <p:cNvSpPr>
+            <a:spLocks noGrp="1" noRot="1" noChangeAspect="1"/>
+          </p:cNvSpPr>
+          <p:nvPr>
+            <p:ph type="sldImg" idx="2"/>
           </p:nvPr>
         </p:nvSpPr>
         <p:spPr>
@@ -1184,8 +1342,13 @@
             <a:ext cx="6096000" cy="3429000"/>
           </a:xfrm>
           <a:custGeom>
+            <a:avLst/>
+            <a:gdLst/>
+            <a:ahLst/>
+            <a:cxnLst/>
+            <a:rect l="0" t="0" r="0" b="0"/>
             <a:pathLst>
-              <a:path extrusionOk="0" h="120000" w="120000">
+              <a:path w="120000" h="120000" extrusionOk="0">
                 <a:moveTo>
                   <a:pt x="0" y="0"/>
                 </a:moveTo>
@@ -1207,9 +1370,11 @@
       <p:sp>
         <p:nvSpPr>
           <p:cNvPr id="234" name="Shape 234"/>
-          <p:cNvSpPr txBox="1"/>
-          <p:nvPr>
-            <p:ph idx="1" type="body"/>
+          <p:cNvSpPr txBox="1">
+            <a:spLocks noGrp="1"/>
+          </p:cNvSpPr>
+          <p:nvPr>
+            <p:ph type="body" idx="1"/>
           </p:nvPr>
         </p:nvSpPr>
         <p:spPr>
@@ -1222,7 +1387,7 @@
           </a:prstGeom>
         </p:spPr>
         <p:txBody>
-          <a:bodyPr anchorCtr="0" anchor="t" bIns="91425" lIns="91425" rIns="91425" tIns="91425">
+          <a:bodyPr lIns="91425" tIns="91425" rIns="91425" bIns="91425" anchor="t" anchorCtr="0">
             <a:noAutofit/>
           </a:bodyPr>
           <a:lstStyle/>
@@ -1233,9 +1398,6 @@
               </a:spcBef>
               <a:buNone/>
             </a:pPr>
-            <a:r>
-              <a:t/>
-            </a:r>
             <a:endParaRPr/>
           </a:p>
         </p:txBody>
@@ -1249,11 +1411,11 @@
 </file>
 
 <file path=ppt/notesSlides/notesSlide18.xml><?xml version="1.0" encoding="utf-8"?>
-<p:notes xmlns:a="http://schemas.openxmlformats.org/drawingml/2006/main" xmlns:r="http://schemas.openxmlformats.org/officeDocument/2006/relationships" xmlns:mc="http://schemas.openxmlformats.org/markup-compatibility/2006" xmlns:mv="urn:schemas-microsoft-com:mac:vml" xmlns:p="http://schemas.openxmlformats.org/presentationml/2006/main" xmlns:c="http://schemas.openxmlformats.org/drawingml/2006/chart" xmlns:dgm="http://schemas.openxmlformats.org/drawingml/2006/diagram" xmlns:o="urn:schemas-microsoft-com:office:office" xmlns:v="urn:schemas-microsoft-com:vml" xmlns:pvml="urn:schemas-microsoft-com:office:powerpoint" xmlns:com="http://schemas.openxmlformats.org/drawingml/2006/compatibility" xmlns:p14="http://schemas.microsoft.com/office/powerpoint/2010/main" showMasterPhAnim="0" showMasterSp="0">
+<p:notes xmlns:a="http://schemas.openxmlformats.org/drawingml/2006/main" xmlns:r="http://schemas.openxmlformats.org/officeDocument/2006/relationships" xmlns:p="http://schemas.openxmlformats.org/presentationml/2006/main" showMasterSp="0" showMasterPhAnim="0">
   <p:cSld>
     <p:spTree>
       <p:nvGrpSpPr>
-        <p:cNvPr id="238" name="Shape 238"/>
+        <p:cNvPr id="1" name="Shape 238"/>
         <p:cNvGrpSpPr/>
         <p:nvPr/>
       </p:nvGrpSpPr>
@@ -1268,9 +1430,11 @@
       <p:sp>
         <p:nvSpPr>
           <p:cNvPr id="239" name="Shape 239"/>
-          <p:cNvSpPr/>
-          <p:nvPr>
-            <p:ph idx="2" type="sldImg"/>
+          <p:cNvSpPr>
+            <a:spLocks noGrp="1" noRot="1" noChangeAspect="1"/>
+          </p:cNvSpPr>
+          <p:nvPr>
+            <p:ph type="sldImg" idx="2"/>
           </p:nvPr>
         </p:nvSpPr>
         <p:spPr>
@@ -1279,8 +1443,13 @@
             <a:ext cx="6096000" cy="3429000"/>
           </a:xfrm>
           <a:custGeom>
+            <a:avLst/>
+            <a:gdLst/>
+            <a:ahLst/>
+            <a:cxnLst/>
+            <a:rect l="0" t="0" r="0" b="0"/>
             <a:pathLst>
-              <a:path extrusionOk="0" h="120000" w="120000">
+              <a:path w="120000" h="120000" extrusionOk="0">
                 <a:moveTo>
                   <a:pt x="0" y="0"/>
                 </a:moveTo>
@@ -1302,9 +1471,11 @@
       <p:sp>
         <p:nvSpPr>
           <p:cNvPr id="240" name="Shape 240"/>
-          <p:cNvSpPr txBox="1"/>
-          <p:nvPr>
-            <p:ph idx="1" type="body"/>
+          <p:cNvSpPr txBox="1">
+            <a:spLocks noGrp="1"/>
+          </p:cNvSpPr>
+          <p:nvPr>
+            <p:ph type="body" idx="1"/>
           </p:nvPr>
         </p:nvSpPr>
         <p:spPr>
@@ -1317,7 +1488,7 @@
           </a:prstGeom>
         </p:spPr>
         <p:txBody>
-          <a:bodyPr anchorCtr="0" anchor="t" bIns="91425" lIns="91425" rIns="91425" tIns="91425">
+          <a:bodyPr lIns="91425" tIns="91425" rIns="91425" bIns="91425" anchor="t" anchorCtr="0">
             <a:noAutofit/>
           </a:bodyPr>
           <a:lstStyle/>
@@ -1328,9 +1499,6 @@
               </a:spcBef>
               <a:buNone/>
             </a:pPr>
-            <a:r>
-              <a:t/>
-            </a:r>
             <a:endParaRPr/>
           </a:p>
         </p:txBody>
@@ -1344,11 +1512,11 @@
 </file>
 
 <file path=ppt/notesSlides/notesSlide19.xml><?xml version="1.0" encoding="utf-8"?>
-<p:notes xmlns:a="http://schemas.openxmlformats.org/drawingml/2006/main" xmlns:r="http://schemas.openxmlformats.org/officeDocument/2006/relationships" xmlns:mc="http://schemas.openxmlformats.org/markup-compatibility/2006" xmlns:mv="urn:schemas-microsoft-com:mac:vml" xmlns:p="http://schemas.openxmlformats.org/presentationml/2006/main" xmlns:c="http://schemas.openxmlformats.org/drawingml/2006/chart" xmlns:dgm="http://schemas.openxmlformats.org/drawingml/2006/diagram" xmlns:o="urn:schemas-microsoft-com:office:office" xmlns:v="urn:schemas-microsoft-com:vml" xmlns:pvml="urn:schemas-microsoft-com:office:powerpoint" xmlns:com="http://schemas.openxmlformats.org/drawingml/2006/compatibility" xmlns:p14="http://schemas.microsoft.com/office/powerpoint/2010/main" showMasterPhAnim="0" showMasterSp="0">
+<p:notes xmlns:a="http://schemas.openxmlformats.org/drawingml/2006/main" xmlns:r="http://schemas.openxmlformats.org/officeDocument/2006/relationships" xmlns:p="http://schemas.openxmlformats.org/presentationml/2006/main" showMasterSp="0" showMasterPhAnim="0">
   <p:cSld>
     <p:spTree>
       <p:nvGrpSpPr>
-        <p:cNvPr id="244" name="Shape 244"/>
+        <p:cNvPr id="1" name="Shape 244"/>
         <p:cNvGrpSpPr/>
         <p:nvPr/>
       </p:nvGrpSpPr>
@@ -1363,9 +1531,11 @@
       <p:sp>
         <p:nvSpPr>
           <p:cNvPr id="245" name="Shape 245"/>
-          <p:cNvSpPr/>
-          <p:nvPr>
-            <p:ph idx="2" type="sldImg"/>
+          <p:cNvSpPr>
+            <a:spLocks noGrp="1" noRot="1" noChangeAspect="1"/>
+          </p:cNvSpPr>
+          <p:nvPr>
+            <p:ph type="sldImg" idx="2"/>
           </p:nvPr>
         </p:nvSpPr>
         <p:spPr>
@@ -1374,8 +1544,13 @@
             <a:ext cx="6096000" cy="3429000"/>
           </a:xfrm>
           <a:custGeom>
+            <a:avLst/>
+            <a:gdLst/>
+            <a:ahLst/>
+            <a:cxnLst/>
+            <a:rect l="0" t="0" r="0" b="0"/>
             <a:pathLst>
-              <a:path extrusionOk="0" h="120000" w="120000">
+              <a:path w="120000" h="120000" extrusionOk="0">
                 <a:moveTo>
                   <a:pt x="0" y="0"/>
                 </a:moveTo>
@@ -1397,9 +1572,11 @@
       <p:sp>
         <p:nvSpPr>
           <p:cNvPr id="246" name="Shape 246"/>
-          <p:cNvSpPr txBox="1"/>
-          <p:nvPr>
-            <p:ph idx="1" type="body"/>
+          <p:cNvSpPr txBox="1">
+            <a:spLocks noGrp="1"/>
+          </p:cNvSpPr>
+          <p:nvPr>
+            <p:ph type="body" idx="1"/>
           </p:nvPr>
         </p:nvSpPr>
         <p:spPr>
@@ -1412,7 +1589,7 @@
           </a:prstGeom>
         </p:spPr>
         <p:txBody>
-          <a:bodyPr anchorCtr="0" anchor="t" bIns="91425" lIns="91425" rIns="91425" tIns="91425">
+          <a:bodyPr lIns="91425" tIns="91425" rIns="91425" bIns="91425" anchor="t" anchorCtr="0">
             <a:noAutofit/>
           </a:bodyPr>
           <a:lstStyle/>
@@ -1423,9 +1600,6 @@
               </a:spcBef>
               <a:buNone/>
             </a:pPr>
-            <a:r>
-              <a:t/>
-            </a:r>
             <a:endParaRPr/>
           </a:p>
         </p:txBody>
@@ -1439,11 +1613,11 @@
 </file>
 
 <file path=ppt/notesSlides/notesSlide2.xml><?xml version="1.0" encoding="utf-8"?>
-<p:notes xmlns:a="http://schemas.openxmlformats.org/drawingml/2006/main" xmlns:r="http://schemas.openxmlformats.org/officeDocument/2006/relationships" xmlns:mc="http://schemas.openxmlformats.org/markup-compatibility/2006" xmlns:mv="urn:schemas-microsoft-com:mac:vml" xmlns:p="http://schemas.openxmlformats.org/presentationml/2006/main" xmlns:c="http://schemas.openxmlformats.org/drawingml/2006/chart" xmlns:dgm="http://schemas.openxmlformats.org/drawingml/2006/diagram" xmlns:o="urn:schemas-microsoft-com:office:office" xmlns:v="urn:schemas-microsoft-com:vml" xmlns:pvml="urn:schemas-microsoft-com:office:powerpoint" xmlns:com="http://schemas.openxmlformats.org/drawingml/2006/compatibility" xmlns:p14="http://schemas.microsoft.com/office/powerpoint/2010/main" showMasterPhAnim="0" showMasterSp="0">
+<p:notes xmlns:a="http://schemas.openxmlformats.org/drawingml/2006/main" xmlns:r="http://schemas.openxmlformats.org/officeDocument/2006/relationships" xmlns:p="http://schemas.openxmlformats.org/presentationml/2006/main" showMasterSp="0" showMasterPhAnim="0">
   <p:cSld>
     <p:spTree>
       <p:nvGrpSpPr>
-        <p:cNvPr id="56" name="Shape 56"/>
+        <p:cNvPr id="1" name="Shape 56"/>
         <p:cNvGrpSpPr/>
         <p:nvPr/>
       </p:nvGrpSpPr>
@@ -1458,9 +1632,11 @@
       <p:sp>
         <p:nvSpPr>
           <p:cNvPr id="57" name="Shape 57"/>
-          <p:cNvSpPr/>
-          <p:nvPr>
-            <p:ph idx="2" type="sldImg"/>
+          <p:cNvSpPr>
+            <a:spLocks noGrp="1" noRot="1" noChangeAspect="1"/>
+          </p:cNvSpPr>
+          <p:nvPr>
+            <p:ph type="sldImg" idx="2"/>
           </p:nvPr>
         </p:nvSpPr>
         <p:spPr>
@@ -1469,8 +1645,13 @@
             <a:ext cx="6096000" cy="3429000"/>
           </a:xfrm>
           <a:custGeom>
+            <a:avLst/>
+            <a:gdLst/>
+            <a:ahLst/>
+            <a:cxnLst/>
+            <a:rect l="0" t="0" r="0" b="0"/>
             <a:pathLst>
-              <a:path extrusionOk="0" h="120000" w="120000">
+              <a:path w="120000" h="120000" extrusionOk="0">
                 <a:moveTo>
                   <a:pt x="0" y="0"/>
                 </a:moveTo>
@@ -1492,9 +1673,11 @@
       <p:sp>
         <p:nvSpPr>
           <p:cNvPr id="58" name="Shape 58"/>
-          <p:cNvSpPr txBox="1"/>
-          <p:nvPr>
-            <p:ph idx="1" type="body"/>
+          <p:cNvSpPr txBox="1">
+            <a:spLocks noGrp="1"/>
+          </p:cNvSpPr>
+          <p:nvPr>
+            <p:ph type="body" idx="1"/>
           </p:nvPr>
         </p:nvSpPr>
         <p:spPr>
@@ -1507,7 +1690,7 @@
           </a:prstGeom>
         </p:spPr>
         <p:txBody>
-          <a:bodyPr anchorCtr="0" anchor="t" bIns="91425" lIns="91425" rIns="91425" tIns="91425">
+          <a:bodyPr lIns="91425" tIns="91425" rIns="91425" bIns="91425" anchor="t" anchorCtr="0">
             <a:noAutofit/>
           </a:bodyPr>
           <a:lstStyle/>
@@ -1518,9 +1701,6 @@
               </a:spcBef>
               <a:buNone/>
             </a:pPr>
-            <a:r>
-              <a:t/>
-            </a:r>
             <a:endParaRPr/>
           </a:p>
         </p:txBody>
@@ -1534,11 +1714,11 @@
 </file>
 
 <file path=ppt/notesSlides/notesSlide20.xml><?xml version="1.0" encoding="utf-8"?>
-<p:notes xmlns:a="http://schemas.openxmlformats.org/drawingml/2006/main" xmlns:r="http://schemas.openxmlformats.org/officeDocument/2006/relationships" xmlns:mc="http://schemas.openxmlformats.org/markup-compatibility/2006" xmlns:mv="urn:schemas-microsoft-com:mac:vml" xmlns:p="http://schemas.openxmlformats.org/presentationml/2006/main" xmlns:c="http://schemas.openxmlformats.org/drawingml/2006/chart" xmlns:dgm="http://schemas.openxmlformats.org/drawingml/2006/diagram" xmlns:o="urn:schemas-microsoft-com:office:office" xmlns:v="urn:schemas-microsoft-com:vml" xmlns:pvml="urn:schemas-microsoft-com:office:powerpoint" xmlns:com="http://schemas.openxmlformats.org/drawingml/2006/compatibility" xmlns:p14="http://schemas.microsoft.com/office/powerpoint/2010/main" showMasterPhAnim="0" showMasterSp="0">
+<p:notes xmlns:a="http://schemas.openxmlformats.org/drawingml/2006/main" xmlns:r="http://schemas.openxmlformats.org/officeDocument/2006/relationships" xmlns:p="http://schemas.openxmlformats.org/presentationml/2006/main" showMasterSp="0" showMasterPhAnim="0">
   <p:cSld>
     <p:spTree>
       <p:nvGrpSpPr>
-        <p:cNvPr id="249" name="Shape 249"/>
+        <p:cNvPr id="1" name="Shape 249"/>
         <p:cNvGrpSpPr/>
         <p:nvPr/>
       </p:nvGrpSpPr>
@@ -1553,9 +1733,11 @@
       <p:sp>
         <p:nvSpPr>
           <p:cNvPr id="250" name="Shape 250"/>
-          <p:cNvSpPr/>
-          <p:nvPr>
-            <p:ph idx="2" type="sldImg"/>
+          <p:cNvSpPr>
+            <a:spLocks noGrp="1" noRot="1" noChangeAspect="1"/>
+          </p:cNvSpPr>
+          <p:nvPr>
+            <p:ph type="sldImg" idx="2"/>
           </p:nvPr>
         </p:nvSpPr>
         <p:spPr>
@@ -1564,8 +1746,13 @@
             <a:ext cx="6096000" cy="3429000"/>
           </a:xfrm>
           <a:custGeom>
+            <a:avLst/>
+            <a:gdLst/>
+            <a:ahLst/>
+            <a:cxnLst/>
+            <a:rect l="0" t="0" r="0" b="0"/>
             <a:pathLst>
-              <a:path extrusionOk="0" h="120000" w="120000">
+              <a:path w="120000" h="120000" extrusionOk="0">
                 <a:moveTo>
                   <a:pt x="0" y="0"/>
                 </a:moveTo>
@@ -1587,9 +1774,11 @@
       <p:sp>
         <p:nvSpPr>
           <p:cNvPr id="251" name="Shape 251"/>
-          <p:cNvSpPr txBox="1"/>
-          <p:nvPr>
-            <p:ph idx="1" type="body"/>
+          <p:cNvSpPr txBox="1">
+            <a:spLocks noGrp="1"/>
+          </p:cNvSpPr>
+          <p:nvPr>
+            <p:ph type="body" idx="1"/>
           </p:nvPr>
         </p:nvSpPr>
         <p:spPr>
@@ -1602,7 +1791,7 @@
           </a:prstGeom>
         </p:spPr>
         <p:txBody>
-          <a:bodyPr anchorCtr="0" anchor="t" bIns="91425" lIns="91425" rIns="91425" tIns="91425">
+          <a:bodyPr lIns="91425" tIns="91425" rIns="91425" bIns="91425" anchor="t" anchorCtr="0">
             <a:noAutofit/>
           </a:bodyPr>
           <a:lstStyle/>
@@ -1634,9 +1823,6 @@
               </a:spcBef>
               <a:buNone/>
             </a:pPr>
-            <a:r>
-              <a:t/>
-            </a:r>
             <a:endParaRPr/>
           </a:p>
         </p:txBody>
@@ -1650,11 +1836,11 @@
 </file>
 
 <file path=ppt/notesSlides/notesSlide21.xml><?xml version="1.0" encoding="utf-8"?>
-<p:notes xmlns:a="http://schemas.openxmlformats.org/drawingml/2006/main" xmlns:r="http://schemas.openxmlformats.org/officeDocument/2006/relationships" xmlns:mc="http://schemas.openxmlformats.org/markup-compatibility/2006" xmlns:mv="urn:schemas-microsoft-com:mac:vml" xmlns:p="http://schemas.openxmlformats.org/presentationml/2006/main" xmlns:c="http://schemas.openxmlformats.org/drawingml/2006/chart" xmlns:dgm="http://schemas.openxmlformats.org/drawingml/2006/diagram" xmlns:o="urn:schemas-microsoft-com:office:office" xmlns:v="urn:schemas-microsoft-com:vml" xmlns:pvml="urn:schemas-microsoft-com:office:powerpoint" xmlns:com="http://schemas.openxmlformats.org/drawingml/2006/compatibility" xmlns:p14="http://schemas.microsoft.com/office/powerpoint/2010/main" showMasterPhAnim="0" showMasterSp="0">
+<p:notes xmlns:a="http://schemas.openxmlformats.org/drawingml/2006/main" xmlns:r="http://schemas.openxmlformats.org/officeDocument/2006/relationships" xmlns:p="http://schemas.openxmlformats.org/presentationml/2006/main" showMasterSp="0" showMasterPhAnim="0">
   <p:cSld>
     <p:spTree>
       <p:nvGrpSpPr>
-        <p:cNvPr id="254" name="Shape 254"/>
+        <p:cNvPr id="1" name="Shape 254"/>
         <p:cNvGrpSpPr/>
         <p:nvPr/>
       </p:nvGrpSpPr>
@@ -1669,9 +1855,11 @@
       <p:sp>
         <p:nvSpPr>
           <p:cNvPr id="255" name="Shape 255"/>
-          <p:cNvSpPr/>
-          <p:nvPr>
-            <p:ph idx="2" type="sldImg"/>
+          <p:cNvSpPr>
+            <a:spLocks noGrp="1" noRot="1" noChangeAspect="1"/>
+          </p:cNvSpPr>
+          <p:nvPr>
+            <p:ph type="sldImg" idx="2"/>
           </p:nvPr>
         </p:nvSpPr>
         <p:spPr>
@@ -1680,8 +1868,13 @@
             <a:ext cx="6096000" cy="3429000"/>
           </a:xfrm>
           <a:custGeom>
+            <a:avLst/>
+            <a:gdLst/>
+            <a:ahLst/>
+            <a:cxnLst/>
+            <a:rect l="0" t="0" r="0" b="0"/>
             <a:pathLst>
-              <a:path extrusionOk="0" h="120000" w="120000">
+              <a:path w="120000" h="120000" extrusionOk="0">
                 <a:moveTo>
                   <a:pt x="0" y="0"/>
                 </a:moveTo>
@@ -1703,9 +1896,11 @@
       <p:sp>
         <p:nvSpPr>
           <p:cNvPr id="256" name="Shape 256"/>
-          <p:cNvSpPr txBox="1"/>
-          <p:nvPr>
-            <p:ph idx="1" type="body"/>
+          <p:cNvSpPr txBox="1">
+            <a:spLocks noGrp="1"/>
+          </p:cNvSpPr>
+          <p:nvPr>
+            <p:ph type="body" idx="1"/>
           </p:nvPr>
         </p:nvSpPr>
         <p:spPr>
@@ -1718,7 +1913,7 @@
           </a:prstGeom>
         </p:spPr>
         <p:txBody>
-          <a:bodyPr anchorCtr="0" anchor="t" bIns="91425" lIns="91425" rIns="91425" tIns="91425">
+          <a:bodyPr lIns="91425" tIns="91425" rIns="91425" bIns="91425" anchor="t" anchorCtr="0">
             <a:noAutofit/>
           </a:bodyPr>
           <a:lstStyle/>
@@ -1729,9 +1924,6 @@
               </a:spcBef>
               <a:buNone/>
             </a:pPr>
-            <a:r>
-              <a:t/>
-            </a:r>
             <a:endParaRPr/>
           </a:p>
         </p:txBody>
@@ -1745,11 +1937,11 @@
 </file>
 
 <file path=ppt/notesSlides/notesSlide22.xml><?xml version="1.0" encoding="utf-8"?>
-<p:notes xmlns:a="http://schemas.openxmlformats.org/drawingml/2006/main" xmlns:r="http://schemas.openxmlformats.org/officeDocument/2006/relationships" xmlns:mc="http://schemas.openxmlformats.org/markup-compatibility/2006" xmlns:mv="urn:schemas-microsoft-com:mac:vml" xmlns:p="http://schemas.openxmlformats.org/presentationml/2006/main" xmlns:c="http://schemas.openxmlformats.org/drawingml/2006/chart" xmlns:dgm="http://schemas.openxmlformats.org/drawingml/2006/diagram" xmlns:o="urn:schemas-microsoft-com:office:office" xmlns:v="urn:schemas-microsoft-com:vml" xmlns:pvml="urn:schemas-microsoft-com:office:powerpoint" xmlns:com="http://schemas.openxmlformats.org/drawingml/2006/compatibility" xmlns:p14="http://schemas.microsoft.com/office/powerpoint/2010/main" showMasterPhAnim="0" showMasterSp="0">
+<p:notes xmlns:a="http://schemas.openxmlformats.org/drawingml/2006/main" xmlns:r="http://schemas.openxmlformats.org/officeDocument/2006/relationships" xmlns:p="http://schemas.openxmlformats.org/presentationml/2006/main" showMasterSp="0" showMasterPhAnim="0">
   <p:cSld>
     <p:spTree>
       <p:nvGrpSpPr>
-        <p:cNvPr id="264" name="Shape 264"/>
+        <p:cNvPr id="1" name="Shape 264"/>
         <p:cNvGrpSpPr/>
         <p:nvPr/>
       </p:nvGrpSpPr>
@@ -1764,9 +1956,11 @@
       <p:sp>
         <p:nvSpPr>
           <p:cNvPr id="265" name="Shape 265"/>
-          <p:cNvSpPr/>
-          <p:nvPr>
-            <p:ph idx="2" type="sldImg"/>
+          <p:cNvSpPr>
+            <a:spLocks noGrp="1" noRot="1" noChangeAspect="1"/>
+          </p:cNvSpPr>
+          <p:nvPr>
+            <p:ph type="sldImg" idx="2"/>
           </p:nvPr>
         </p:nvSpPr>
         <p:spPr>
@@ -1775,8 +1969,13 @@
             <a:ext cx="6096000" cy="3429000"/>
           </a:xfrm>
           <a:custGeom>
+            <a:avLst/>
+            <a:gdLst/>
+            <a:ahLst/>
+            <a:cxnLst/>
+            <a:rect l="0" t="0" r="0" b="0"/>
             <a:pathLst>
-              <a:path extrusionOk="0" h="120000" w="120000">
+              <a:path w="120000" h="120000" extrusionOk="0">
                 <a:moveTo>
                   <a:pt x="0" y="0"/>
                 </a:moveTo>
@@ -1798,9 +1997,11 @@
       <p:sp>
         <p:nvSpPr>
           <p:cNvPr id="266" name="Shape 266"/>
-          <p:cNvSpPr txBox="1"/>
-          <p:nvPr>
-            <p:ph idx="1" type="body"/>
+          <p:cNvSpPr txBox="1">
+            <a:spLocks noGrp="1"/>
+          </p:cNvSpPr>
+          <p:nvPr>
+            <p:ph type="body" idx="1"/>
           </p:nvPr>
         </p:nvSpPr>
         <p:spPr>
@@ -1813,7 +2014,7 @@
           </a:prstGeom>
         </p:spPr>
         <p:txBody>
-          <a:bodyPr anchorCtr="0" anchor="t" bIns="91425" lIns="91425" rIns="91425" tIns="91425">
+          <a:bodyPr lIns="91425" tIns="91425" rIns="91425" bIns="91425" anchor="t" anchorCtr="0">
             <a:noAutofit/>
           </a:bodyPr>
           <a:lstStyle/>
@@ -1824,9 +2025,6 @@
               </a:spcBef>
               <a:buNone/>
             </a:pPr>
-            <a:r>
-              <a:t/>
-            </a:r>
             <a:endParaRPr/>
           </a:p>
         </p:txBody>
@@ -1840,11 +2038,11 @@
 </file>
 
 <file path=ppt/notesSlides/notesSlide23.xml><?xml version="1.0" encoding="utf-8"?>
-<p:notes xmlns:a="http://schemas.openxmlformats.org/drawingml/2006/main" xmlns:r="http://schemas.openxmlformats.org/officeDocument/2006/relationships" xmlns:mc="http://schemas.openxmlformats.org/markup-compatibility/2006" xmlns:mv="urn:schemas-microsoft-com:mac:vml" xmlns:p="http://schemas.openxmlformats.org/presentationml/2006/main" xmlns:c="http://schemas.openxmlformats.org/drawingml/2006/chart" xmlns:dgm="http://schemas.openxmlformats.org/drawingml/2006/diagram" xmlns:o="urn:schemas-microsoft-com:office:office" xmlns:v="urn:schemas-microsoft-com:vml" xmlns:pvml="urn:schemas-microsoft-com:office:powerpoint" xmlns:com="http://schemas.openxmlformats.org/drawingml/2006/compatibility" xmlns:p14="http://schemas.microsoft.com/office/powerpoint/2010/main" showMasterPhAnim="0" showMasterSp="0">
+<p:notes xmlns:a="http://schemas.openxmlformats.org/drawingml/2006/main" xmlns:r="http://schemas.openxmlformats.org/officeDocument/2006/relationships" xmlns:p="http://schemas.openxmlformats.org/presentationml/2006/main" showMasterSp="0" showMasterPhAnim="0">
   <p:cSld>
     <p:spTree>
       <p:nvGrpSpPr>
-        <p:cNvPr id="270" name="Shape 270"/>
+        <p:cNvPr id="1" name="Shape 270"/>
         <p:cNvGrpSpPr/>
         <p:nvPr/>
       </p:nvGrpSpPr>
@@ -1859,9 +2057,11 @@
       <p:sp>
         <p:nvSpPr>
           <p:cNvPr id="271" name="Shape 271"/>
-          <p:cNvSpPr/>
-          <p:nvPr>
-            <p:ph idx="2" type="sldImg"/>
+          <p:cNvSpPr>
+            <a:spLocks noGrp="1" noRot="1" noChangeAspect="1"/>
+          </p:cNvSpPr>
+          <p:nvPr>
+            <p:ph type="sldImg" idx="2"/>
           </p:nvPr>
         </p:nvSpPr>
         <p:spPr>
@@ -1870,8 +2070,13 @@
             <a:ext cx="6096000" cy="3429000"/>
           </a:xfrm>
           <a:custGeom>
+            <a:avLst/>
+            <a:gdLst/>
+            <a:ahLst/>
+            <a:cxnLst/>
+            <a:rect l="0" t="0" r="0" b="0"/>
             <a:pathLst>
-              <a:path extrusionOk="0" h="120000" w="120000">
+              <a:path w="120000" h="120000" extrusionOk="0">
                 <a:moveTo>
                   <a:pt x="0" y="0"/>
                 </a:moveTo>
@@ -1893,9 +2098,11 @@
       <p:sp>
         <p:nvSpPr>
           <p:cNvPr id="272" name="Shape 272"/>
-          <p:cNvSpPr txBox="1"/>
-          <p:nvPr>
-            <p:ph idx="1" type="body"/>
+          <p:cNvSpPr txBox="1">
+            <a:spLocks noGrp="1"/>
+          </p:cNvSpPr>
+          <p:nvPr>
+            <p:ph type="body" idx="1"/>
           </p:nvPr>
         </p:nvSpPr>
         <p:spPr>
@@ -1908,7 +2115,7 @@
           </a:prstGeom>
         </p:spPr>
         <p:txBody>
-          <a:bodyPr anchorCtr="0" anchor="t" bIns="91425" lIns="91425" rIns="91425" tIns="91425">
+          <a:bodyPr lIns="91425" tIns="91425" rIns="91425" bIns="91425" anchor="t" anchorCtr="0">
             <a:noAutofit/>
           </a:bodyPr>
           <a:lstStyle/>
@@ -1919,9 +2126,6 @@
               </a:spcBef>
               <a:buNone/>
             </a:pPr>
-            <a:r>
-              <a:t/>
-            </a:r>
             <a:endParaRPr/>
           </a:p>
         </p:txBody>
@@ -1935,11 +2139,11 @@
 </file>
 
 <file path=ppt/notesSlides/notesSlide24.xml><?xml version="1.0" encoding="utf-8"?>
-<p:notes xmlns:a="http://schemas.openxmlformats.org/drawingml/2006/main" xmlns:r="http://schemas.openxmlformats.org/officeDocument/2006/relationships" xmlns:mc="http://schemas.openxmlformats.org/markup-compatibility/2006" xmlns:mv="urn:schemas-microsoft-com:mac:vml" xmlns:p="http://schemas.openxmlformats.org/presentationml/2006/main" xmlns:c="http://schemas.openxmlformats.org/drawingml/2006/chart" xmlns:dgm="http://schemas.openxmlformats.org/drawingml/2006/diagram" xmlns:o="urn:schemas-microsoft-com:office:office" xmlns:v="urn:schemas-microsoft-com:vml" xmlns:pvml="urn:schemas-microsoft-com:office:powerpoint" xmlns:com="http://schemas.openxmlformats.org/drawingml/2006/compatibility" xmlns:p14="http://schemas.microsoft.com/office/powerpoint/2010/main" showMasterPhAnim="0" showMasterSp="0">
+<p:notes xmlns:a="http://schemas.openxmlformats.org/drawingml/2006/main" xmlns:r="http://schemas.openxmlformats.org/officeDocument/2006/relationships" xmlns:p="http://schemas.openxmlformats.org/presentationml/2006/main" showMasterSp="0" showMasterPhAnim="0">
   <p:cSld>
     <p:spTree>
       <p:nvGrpSpPr>
-        <p:cNvPr id="276" name="Shape 276"/>
+        <p:cNvPr id="1" name="Shape 276"/>
         <p:cNvGrpSpPr/>
         <p:nvPr/>
       </p:nvGrpSpPr>
@@ -1954,9 +2158,11 @@
       <p:sp>
         <p:nvSpPr>
           <p:cNvPr id="277" name="Shape 277"/>
-          <p:cNvSpPr/>
-          <p:nvPr>
-            <p:ph idx="2" type="sldImg"/>
+          <p:cNvSpPr>
+            <a:spLocks noGrp="1" noRot="1" noChangeAspect="1"/>
+          </p:cNvSpPr>
+          <p:nvPr>
+            <p:ph type="sldImg" idx="2"/>
           </p:nvPr>
         </p:nvSpPr>
         <p:spPr>
@@ -1965,8 +2171,13 @@
             <a:ext cx="6096000" cy="3429000"/>
           </a:xfrm>
           <a:custGeom>
+            <a:avLst/>
+            <a:gdLst/>
+            <a:ahLst/>
+            <a:cxnLst/>
+            <a:rect l="0" t="0" r="0" b="0"/>
             <a:pathLst>
-              <a:path extrusionOk="0" h="120000" w="120000">
+              <a:path w="120000" h="120000" extrusionOk="0">
                 <a:moveTo>
                   <a:pt x="0" y="0"/>
                 </a:moveTo>
@@ -1988,9 +2199,11 @@
       <p:sp>
         <p:nvSpPr>
           <p:cNvPr id="278" name="Shape 278"/>
-          <p:cNvSpPr txBox="1"/>
-          <p:nvPr>
-            <p:ph idx="1" type="body"/>
+          <p:cNvSpPr txBox="1">
+            <a:spLocks noGrp="1"/>
+          </p:cNvSpPr>
+          <p:nvPr>
+            <p:ph type="body" idx="1"/>
           </p:nvPr>
         </p:nvSpPr>
         <p:spPr>
@@ -2003,7 +2216,7 @@
           </a:prstGeom>
         </p:spPr>
         <p:txBody>
-          <a:bodyPr anchorCtr="0" anchor="t" bIns="91425" lIns="91425" rIns="91425" tIns="91425">
+          <a:bodyPr lIns="91425" tIns="91425" rIns="91425" bIns="91425" anchor="t" anchorCtr="0">
             <a:noAutofit/>
           </a:bodyPr>
           <a:lstStyle/>
@@ -2030,11 +2243,11 @@
 </file>
 
 <file path=ppt/notesSlides/notesSlide25.xml><?xml version="1.0" encoding="utf-8"?>
-<p:notes xmlns:a="http://schemas.openxmlformats.org/drawingml/2006/main" xmlns:r="http://schemas.openxmlformats.org/officeDocument/2006/relationships" xmlns:mc="http://schemas.openxmlformats.org/markup-compatibility/2006" xmlns:mv="urn:schemas-microsoft-com:mac:vml" xmlns:p="http://schemas.openxmlformats.org/presentationml/2006/main" xmlns:c="http://schemas.openxmlformats.org/drawingml/2006/chart" xmlns:dgm="http://schemas.openxmlformats.org/drawingml/2006/diagram" xmlns:o="urn:schemas-microsoft-com:office:office" xmlns:v="urn:schemas-microsoft-com:vml" xmlns:pvml="urn:schemas-microsoft-com:office:powerpoint" xmlns:com="http://schemas.openxmlformats.org/drawingml/2006/compatibility" xmlns:p14="http://schemas.microsoft.com/office/powerpoint/2010/main" showMasterPhAnim="0" showMasterSp="0">
+<p:notes xmlns:a="http://schemas.openxmlformats.org/drawingml/2006/main" xmlns:r="http://schemas.openxmlformats.org/officeDocument/2006/relationships" xmlns:p="http://schemas.openxmlformats.org/presentationml/2006/main" showMasterSp="0" showMasterPhAnim="0">
   <p:cSld>
     <p:spTree>
       <p:nvGrpSpPr>
-        <p:cNvPr id="282" name="Shape 282"/>
+        <p:cNvPr id="1" name="Shape 282"/>
         <p:cNvGrpSpPr/>
         <p:nvPr/>
       </p:nvGrpSpPr>
@@ -2049,9 +2262,11 @@
       <p:sp>
         <p:nvSpPr>
           <p:cNvPr id="283" name="Shape 283"/>
-          <p:cNvSpPr/>
-          <p:nvPr>
-            <p:ph idx="2" type="sldImg"/>
+          <p:cNvSpPr>
+            <a:spLocks noGrp="1" noRot="1" noChangeAspect="1"/>
+          </p:cNvSpPr>
+          <p:nvPr>
+            <p:ph type="sldImg" idx="2"/>
           </p:nvPr>
         </p:nvSpPr>
         <p:spPr>
@@ -2060,8 +2275,13 @@
             <a:ext cx="6096000" cy="3429000"/>
           </a:xfrm>
           <a:custGeom>
+            <a:avLst/>
+            <a:gdLst/>
+            <a:ahLst/>
+            <a:cxnLst/>
+            <a:rect l="0" t="0" r="0" b="0"/>
             <a:pathLst>
-              <a:path extrusionOk="0" h="120000" w="120000">
+              <a:path w="120000" h="120000" extrusionOk="0">
                 <a:moveTo>
                   <a:pt x="0" y="0"/>
                 </a:moveTo>
@@ -2083,9 +2303,11 @@
       <p:sp>
         <p:nvSpPr>
           <p:cNvPr id="284" name="Shape 284"/>
-          <p:cNvSpPr txBox="1"/>
-          <p:nvPr>
-            <p:ph idx="1" type="body"/>
+          <p:cNvSpPr txBox="1">
+            <a:spLocks noGrp="1"/>
+          </p:cNvSpPr>
+          <p:nvPr>
+            <p:ph type="body" idx="1"/>
           </p:nvPr>
         </p:nvSpPr>
         <p:spPr>
@@ -2098,7 +2320,7 @@
           </a:prstGeom>
         </p:spPr>
         <p:txBody>
-          <a:bodyPr anchorCtr="0" anchor="t" bIns="91425" lIns="91425" rIns="91425" tIns="91425">
+          <a:bodyPr lIns="91425" tIns="91425" rIns="91425" bIns="91425" anchor="t" anchorCtr="0">
             <a:noAutofit/>
           </a:bodyPr>
           <a:lstStyle/>
@@ -2109,9 +2331,6 @@
               </a:spcBef>
               <a:buNone/>
             </a:pPr>
-            <a:r>
-              <a:t/>
-            </a:r>
             <a:endParaRPr/>
           </a:p>
         </p:txBody>
@@ -2125,11 +2344,11 @@
 </file>
 
 <file path=ppt/notesSlides/notesSlide26.xml><?xml version="1.0" encoding="utf-8"?>
-<p:notes xmlns:a="http://schemas.openxmlformats.org/drawingml/2006/main" xmlns:r="http://schemas.openxmlformats.org/officeDocument/2006/relationships" xmlns:mc="http://schemas.openxmlformats.org/markup-compatibility/2006" xmlns:mv="urn:schemas-microsoft-com:mac:vml" xmlns:p="http://schemas.openxmlformats.org/presentationml/2006/main" xmlns:c="http://schemas.openxmlformats.org/drawingml/2006/chart" xmlns:dgm="http://schemas.openxmlformats.org/drawingml/2006/diagram" xmlns:o="urn:schemas-microsoft-com:office:office" xmlns:v="urn:schemas-microsoft-com:vml" xmlns:pvml="urn:schemas-microsoft-com:office:powerpoint" xmlns:com="http://schemas.openxmlformats.org/drawingml/2006/compatibility" xmlns:p14="http://schemas.microsoft.com/office/powerpoint/2010/main" showMasterPhAnim="0" showMasterSp="0">
+<p:notes xmlns:a="http://schemas.openxmlformats.org/drawingml/2006/main" xmlns:r="http://schemas.openxmlformats.org/officeDocument/2006/relationships" xmlns:p="http://schemas.openxmlformats.org/presentationml/2006/main" showMasterSp="0" showMasterPhAnim="0">
   <p:cSld>
     <p:spTree>
       <p:nvGrpSpPr>
-        <p:cNvPr id="288" name="Shape 288"/>
+        <p:cNvPr id="1" name="Shape 288"/>
         <p:cNvGrpSpPr/>
         <p:nvPr/>
       </p:nvGrpSpPr>
@@ -2144,9 +2363,11 @@
       <p:sp>
         <p:nvSpPr>
           <p:cNvPr id="289" name="Shape 289"/>
-          <p:cNvSpPr/>
-          <p:nvPr>
-            <p:ph idx="2" type="sldImg"/>
+          <p:cNvSpPr>
+            <a:spLocks noGrp="1" noRot="1" noChangeAspect="1"/>
+          </p:cNvSpPr>
+          <p:nvPr>
+            <p:ph type="sldImg" idx="2"/>
           </p:nvPr>
         </p:nvSpPr>
         <p:spPr>
@@ -2155,8 +2376,13 @@
             <a:ext cx="6096000" cy="3429000"/>
           </a:xfrm>
           <a:custGeom>
+            <a:avLst/>
+            <a:gdLst/>
+            <a:ahLst/>
+            <a:cxnLst/>
+            <a:rect l="0" t="0" r="0" b="0"/>
             <a:pathLst>
-              <a:path extrusionOk="0" h="120000" w="120000">
+              <a:path w="120000" h="120000" extrusionOk="0">
                 <a:moveTo>
                   <a:pt x="0" y="0"/>
                 </a:moveTo>
@@ -2178,9 +2404,11 @@
       <p:sp>
         <p:nvSpPr>
           <p:cNvPr id="290" name="Shape 290"/>
-          <p:cNvSpPr txBox="1"/>
-          <p:nvPr>
-            <p:ph idx="1" type="body"/>
+          <p:cNvSpPr txBox="1">
+            <a:spLocks noGrp="1"/>
+          </p:cNvSpPr>
+          <p:nvPr>
+            <p:ph type="body" idx="1"/>
           </p:nvPr>
         </p:nvSpPr>
         <p:spPr>
@@ -2193,7 +2421,7 @@
           </a:prstGeom>
         </p:spPr>
         <p:txBody>
-          <a:bodyPr anchorCtr="0" anchor="t" bIns="91425" lIns="91425" rIns="91425" tIns="91425">
+          <a:bodyPr lIns="91425" tIns="91425" rIns="91425" bIns="91425" anchor="t" anchorCtr="0">
             <a:noAutofit/>
           </a:bodyPr>
           <a:lstStyle/>
@@ -2204,9 +2432,6 @@
               </a:spcBef>
               <a:buNone/>
             </a:pPr>
-            <a:r>
-              <a:t/>
-            </a:r>
             <a:endParaRPr/>
           </a:p>
         </p:txBody>
@@ -2220,11 +2445,11 @@
 </file>
 
 <file path=ppt/notesSlides/notesSlide27.xml><?xml version="1.0" encoding="utf-8"?>
-<p:notes xmlns:a="http://schemas.openxmlformats.org/drawingml/2006/main" xmlns:r="http://schemas.openxmlformats.org/officeDocument/2006/relationships" xmlns:mc="http://schemas.openxmlformats.org/markup-compatibility/2006" xmlns:mv="urn:schemas-microsoft-com:mac:vml" xmlns:p="http://schemas.openxmlformats.org/presentationml/2006/main" xmlns:c="http://schemas.openxmlformats.org/drawingml/2006/chart" xmlns:dgm="http://schemas.openxmlformats.org/drawingml/2006/diagram" xmlns:o="urn:schemas-microsoft-com:office:office" xmlns:v="urn:schemas-microsoft-com:vml" xmlns:pvml="urn:schemas-microsoft-com:office:powerpoint" xmlns:com="http://schemas.openxmlformats.org/drawingml/2006/compatibility" xmlns:p14="http://schemas.microsoft.com/office/powerpoint/2010/main" showMasterPhAnim="0" showMasterSp="0">
+<p:notes xmlns:a="http://schemas.openxmlformats.org/drawingml/2006/main" xmlns:r="http://schemas.openxmlformats.org/officeDocument/2006/relationships" xmlns:p="http://schemas.openxmlformats.org/presentationml/2006/main" showMasterSp="0" showMasterPhAnim="0">
   <p:cSld>
     <p:spTree>
       <p:nvGrpSpPr>
-        <p:cNvPr id="294" name="Shape 294"/>
+        <p:cNvPr id="1" name="Shape 294"/>
         <p:cNvGrpSpPr/>
         <p:nvPr/>
       </p:nvGrpSpPr>
@@ -2239,9 +2464,11 @@
       <p:sp>
         <p:nvSpPr>
           <p:cNvPr id="295" name="Shape 295"/>
-          <p:cNvSpPr/>
-          <p:nvPr>
-            <p:ph idx="2" type="sldImg"/>
+          <p:cNvSpPr>
+            <a:spLocks noGrp="1" noRot="1" noChangeAspect="1"/>
+          </p:cNvSpPr>
+          <p:nvPr>
+            <p:ph type="sldImg" idx="2"/>
           </p:nvPr>
         </p:nvSpPr>
         <p:spPr>
@@ -2250,8 +2477,13 @@
             <a:ext cx="6096000" cy="3429000"/>
           </a:xfrm>
           <a:custGeom>
+            <a:avLst/>
+            <a:gdLst/>
+            <a:ahLst/>
+            <a:cxnLst/>
+            <a:rect l="0" t="0" r="0" b="0"/>
             <a:pathLst>
-              <a:path extrusionOk="0" h="120000" w="120000">
+              <a:path w="120000" h="120000" extrusionOk="0">
                 <a:moveTo>
                   <a:pt x="0" y="0"/>
                 </a:moveTo>
@@ -2273,9 +2505,11 @@
       <p:sp>
         <p:nvSpPr>
           <p:cNvPr id="296" name="Shape 296"/>
-          <p:cNvSpPr txBox="1"/>
-          <p:nvPr>
-            <p:ph idx="1" type="body"/>
+          <p:cNvSpPr txBox="1">
+            <a:spLocks noGrp="1"/>
+          </p:cNvSpPr>
+          <p:nvPr>
+            <p:ph type="body" idx="1"/>
           </p:nvPr>
         </p:nvSpPr>
         <p:spPr>
@@ -2288,7 +2522,7 @@
           </a:prstGeom>
         </p:spPr>
         <p:txBody>
-          <a:bodyPr anchorCtr="0" anchor="t" bIns="91425" lIns="91425" rIns="91425" tIns="91425">
+          <a:bodyPr lIns="91425" tIns="91425" rIns="91425" bIns="91425" anchor="t" anchorCtr="0">
             <a:noAutofit/>
           </a:bodyPr>
           <a:lstStyle/>
@@ -2299,9 +2533,6 @@
               </a:spcBef>
               <a:buNone/>
             </a:pPr>
-            <a:r>
-              <a:t/>
-            </a:r>
             <a:endParaRPr/>
           </a:p>
         </p:txBody>
@@ -2315,11 +2546,11 @@
 </file>
 
 <file path=ppt/notesSlides/notesSlide28.xml><?xml version="1.0" encoding="utf-8"?>
-<p:notes xmlns:a="http://schemas.openxmlformats.org/drawingml/2006/main" xmlns:r="http://schemas.openxmlformats.org/officeDocument/2006/relationships" xmlns:mc="http://schemas.openxmlformats.org/markup-compatibility/2006" xmlns:mv="urn:schemas-microsoft-com:mac:vml" xmlns:p="http://schemas.openxmlformats.org/presentationml/2006/main" xmlns:c="http://schemas.openxmlformats.org/drawingml/2006/chart" xmlns:dgm="http://schemas.openxmlformats.org/drawingml/2006/diagram" xmlns:o="urn:schemas-microsoft-com:office:office" xmlns:v="urn:schemas-microsoft-com:vml" xmlns:pvml="urn:schemas-microsoft-com:office:powerpoint" xmlns:com="http://schemas.openxmlformats.org/drawingml/2006/compatibility" xmlns:p14="http://schemas.microsoft.com/office/powerpoint/2010/main" showMasterPhAnim="0" showMasterSp="0">
+<p:notes xmlns:a="http://schemas.openxmlformats.org/drawingml/2006/main" xmlns:r="http://schemas.openxmlformats.org/officeDocument/2006/relationships" xmlns:p="http://schemas.openxmlformats.org/presentationml/2006/main" showMasterSp="0" showMasterPhAnim="0">
   <p:cSld>
     <p:spTree>
       <p:nvGrpSpPr>
-        <p:cNvPr id="300" name="Shape 300"/>
+        <p:cNvPr id="1" name="Shape 300"/>
         <p:cNvGrpSpPr/>
         <p:nvPr/>
       </p:nvGrpSpPr>
@@ -2334,9 +2565,11 @@
       <p:sp>
         <p:nvSpPr>
           <p:cNvPr id="301" name="Shape 301"/>
-          <p:cNvSpPr/>
-          <p:nvPr>
-            <p:ph idx="2" type="sldImg"/>
+          <p:cNvSpPr>
+            <a:spLocks noGrp="1" noRot="1" noChangeAspect="1"/>
+          </p:cNvSpPr>
+          <p:nvPr>
+            <p:ph type="sldImg" idx="2"/>
           </p:nvPr>
         </p:nvSpPr>
         <p:spPr>
@@ -2345,8 +2578,13 @@
             <a:ext cx="6096000" cy="3429000"/>
           </a:xfrm>
           <a:custGeom>
+            <a:avLst/>
+            <a:gdLst/>
+            <a:ahLst/>
+            <a:cxnLst/>
+            <a:rect l="0" t="0" r="0" b="0"/>
             <a:pathLst>
-              <a:path extrusionOk="0" h="120000" w="120000">
+              <a:path w="120000" h="120000" extrusionOk="0">
                 <a:moveTo>
                   <a:pt x="0" y="0"/>
                 </a:moveTo>
@@ -2368,9 +2606,11 @@
       <p:sp>
         <p:nvSpPr>
           <p:cNvPr id="302" name="Shape 302"/>
-          <p:cNvSpPr txBox="1"/>
-          <p:nvPr>
-            <p:ph idx="1" type="body"/>
+          <p:cNvSpPr txBox="1">
+            <a:spLocks noGrp="1"/>
+          </p:cNvSpPr>
+          <p:nvPr>
+            <p:ph type="body" idx="1"/>
           </p:nvPr>
         </p:nvSpPr>
         <p:spPr>
@@ -2383,7 +2623,7 @@
           </a:prstGeom>
         </p:spPr>
         <p:txBody>
-          <a:bodyPr anchorCtr="0" anchor="t" bIns="91425" lIns="91425" rIns="91425" tIns="91425">
+          <a:bodyPr lIns="91425" tIns="91425" rIns="91425" bIns="91425" anchor="t" anchorCtr="0">
             <a:noAutofit/>
           </a:bodyPr>
           <a:lstStyle/>
@@ -2394,9 +2634,6 @@
               </a:spcBef>
               <a:buNone/>
             </a:pPr>
-            <a:r>
-              <a:t/>
-            </a:r>
             <a:endParaRPr/>
           </a:p>
         </p:txBody>
@@ -2410,11 +2647,11 @@
 </file>
 
 <file path=ppt/notesSlides/notesSlide3.xml><?xml version="1.0" encoding="utf-8"?>
-<p:notes xmlns:a="http://schemas.openxmlformats.org/drawingml/2006/main" xmlns:r="http://schemas.openxmlformats.org/officeDocument/2006/relationships" xmlns:mc="http://schemas.openxmlformats.org/markup-compatibility/2006" xmlns:mv="urn:schemas-microsoft-com:mac:vml" xmlns:p="http://schemas.openxmlformats.org/presentationml/2006/main" xmlns:c="http://schemas.openxmlformats.org/drawingml/2006/chart" xmlns:dgm="http://schemas.openxmlformats.org/drawingml/2006/diagram" xmlns:o="urn:schemas-microsoft-com:office:office" xmlns:v="urn:schemas-microsoft-com:vml" xmlns:pvml="urn:schemas-microsoft-com:office:powerpoint" xmlns:com="http://schemas.openxmlformats.org/drawingml/2006/compatibility" xmlns:p14="http://schemas.microsoft.com/office/powerpoint/2010/main" showMasterPhAnim="0" showMasterSp="0">
+<p:notes xmlns:a="http://schemas.openxmlformats.org/drawingml/2006/main" xmlns:r="http://schemas.openxmlformats.org/officeDocument/2006/relationships" xmlns:p="http://schemas.openxmlformats.org/presentationml/2006/main" showMasterSp="0" showMasterPhAnim="0">
   <p:cSld>
     <p:spTree>
       <p:nvGrpSpPr>
-        <p:cNvPr id="61" name="Shape 61"/>
+        <p:cNvPr id="1" name="Shape 61"/>
         <p:cNvGrpSpPr/>
         <p:nvPr/>
       </p:nvGrpSpPr>
@@ -2429,9 +2666,11 @@
       <p:sp>
         <p:nvSpPr>
           <p:cNvPr id="62" name="Shape 62"/>
-          <p:cNvSpPr/>
-          <p:nvPr>
-            <p:ph idx="2" type="sldImg"/>
+          <p:cNvSpPr>
+            <a:spLocks noGrp="1" noRot="1" noChangeAspect="1"/>
+          </p:cNvSpPr>
+          <p:nvPr>
+            <p:ph type="sldImg" idx="2"/>
           </p:nvPr>
         </p:nvSpPr>
         <p:spPr>
@@ -2440,8 +2679,13 @@
             <a:ext cx="6096000" cy="3429000"/>
           </a:xfrm>
           <a:custGeom>
+            <a:avLst/>
+            <a:gdLst/>
+            <a:ahLst/>
+            <a:cxnLst/>
+            <a:rect l="0" t="0" r="0" b="0"/>
             <a:pathLst>
-              <a:path extrusionOk="0" h="120000" w="120000">
+              <a:path w="120000" h="120000" extrusionOk="0">
                 <a:moveTo>
                   <a:pt x="0" y="0"/>
                 </a:moveTo>
@@ -2463,9 +2707,11 @@
       <p:sp>
         <p:nvSpPr>
           <p:cNvPr id="63" name="Shape 63"/>
-          <p:cNvSpPr txBox="1"/>
-          <p:nvPr>
-            <p:ph idx="1" type="body"/>
+          <p:cNvSpPr txBox="1">
+            <a:spLocks noGrp="1"/>
+          </p:cNvSpPr>
+          <p:nvPr>
+            <p:ph type="body" idx="1"/>
           </p:nvPr>
         </p:nvSpPr>
         <p:spPr>
@@ -2478,7 +2724,7 @@
           </a:prstGeom>
         </p:spPr>
         <p:txBody>
-          <a:bodyPr anchorCtr="0" anchor="t" bIns="91425" lIns="91425" rIns="91425" tIns="91425">
+          <a:bodyPr lIns="91425" tIns="91425" rIns="91425" bIns="91425" anchor="t" anchorCtr="0">
             <a:noAutofit/>
           </a:bodyPr>
           <a:lstStyle/>
@@ -2505,11 +2751,11 @@
 </file>
 
 <file path=ppt/notesSlides/notesSlide4.xml><?xml version="1.0" encoding="utf-8"?>
-<p:notes xmlns:a="http://schemas.openxmlformats.org/drawingml/2006/main" xmlns:r="http://schemas.openxmlformats.org/officeDocument/2006/relationships" xmlns:mc="http://schemas.openxmlformats.org/markup-compatibility/2006" xmlns:mv="urn:schemas-microsoft-com:mac:vml" xmlns:p="http://schemas.openxmlformats.org/presentationml/2006/main" xmlns:c="http://schemas.openxmlformats.org/drawingml/2006/chart" xmlns:dgm="http://schemas.openxmlformats.org/drawingml/2006/diagram" xmlns:o="urn:schemas-microsoft-com:office:office" xmlns:v="urn:schemas-microsoft-com:vml" xmlns:pvml="urn:schemas-microsoft-com:office:powerpoint" xmlns:com="http://schemas.openxmlformats.org/drawingml/2006/compatibility" xmlns:p14="http://schemas.microsoft.com/office/powerpoint/2010/main" showMasterPhAnim="0" showMasterSp="0">
+<p:notes xmlns:a="http://schemas.openxmlformats.org/drawingml/2006/main" xmlns:r="http://schemas.openxmlformats.org/officeDocument/2006/relationships" xmlns:p="http://schemas.openxmlformats.org/presentationml/2006/main" showMasterSp="0" showMasterPhAnim="0">
   <p:cSld>
     <p:spTree>
       <p:nvGrpSpPr>
-        <p:cNvPr id="67" name="Shape 67"/>
+        <p:cNvPr id="1" name="Shape 67"/>
         <p:cNvGrpSpPr/>
         <p:nvPr/>
       </p:nvGrpSpPr>
@@ -2524,9 +2770,11 @@
       <p:sp>
         <p:nvSpPr>
           <p:cNvPr id="68" name="Shape 68"/>
-          <p:cNvSpPr/>
-          <p:nvPr>
-            <p:ph idx="2" type="sldImg"/>
+          <p:cNvSpPr>
+            <a:spLocks noGrp="1" noRot="1" noChangeAspect="1"/>
+          </p:cNvSpPr>
+          <p:nvPr>
+            <p:ph type="sldImg" idx="2"/>
           </p:nvPr>
         </p:nvSpPr>
         <p:spPr>
@@ -2535,8 +2783,13 @@
             <a:ext cx="6096000" cy="3429000"/>
           </a:xfrm>
           <a:custGeom>
+            <a:avLst/>
+            <a:gdLst/>
+            <a:ahLst/>
+            <a:cxnLst/>
+            <a:rect l="0" t="0" r="0" b="0"/>
             <a:pathLst>
-              <a:path extrusionOk="0" h="120000" w="120000">
+              <a:path w="120000" h="120000" extrusionOk="0">
                 <a:moveTo>
                   <a:pt x="0" y="0"/>
                 </a:moveTo>
@@ -2558,9 +2811,11 @@
       <p:sp>
         <p:nvSpPr>
           <p:cNvPr id="69" name="Shape 69"/>
-          <p:cNvSpPr txBox="1"/>
-          <p:nvPr>
-            <p:ph idx="1" type="body"/>
+          <p:cNvSpPr txBox="1">
+            <a:spLocks noGrp="1"/>
+          </p:cNvSpPr>
+          <p:nvPr>
+            <p:ph type="body" idx="1"/>
           </p:nvPr>
         </p:nvSpPr>
         <p:spPr>
@@ -2573,7 +2828,7 @@
           </a:prstGeom>
         </p:spPr>
         <p:txBody>
-          <a:bodyPr anchorCtr="0" anchor="t" bIns="91425" lIns="91425" rIns="91425" tIns="91425">
+          <a:bodyPr lIns="91425" tIns="91425" rIns="91425" bIns="91425" anchor="t" anchorCtr="0">
             <a:noAutofit/>
           </a:bodyPr>
           <a:lstStyle/>
@@ -2584,9 +2839,6 @@
               </a:spcBef>
               <a:buNone/>
             </a:pPr>
-            <a:r>
-              <a:t/>
-            </a:r>
             <a:endParaRPr/>
           </a:p>
         </p:txBody>
@@ -2600,11 +2852,11 @@
 </file>
 
 <file path=ppt/notesSlides/notesSlide5.xml><?xml version="1.0" encoding="utf-8"?>
-<p:notes xmlns:a="http://schemas.openxmlformats.org/drawingml/2006/main" xmlns:r="http://schemas.openxmlformats.org/officeDocument/2006/relationships" xmlns:mc="http://schemas.openxmlformats.org/markup-compatibility/2006" xmlns:mv="urn:schemas-microsoft-com:mac:vml" xmlns:p="http://schemas.openxmlformats.org/presentationml/2006/main" xmlns:c="http://schemas.openxmlformats.org/drawingml/2006/chart" xmlns:dgm="http://schemas.openxmlformats.org/drawingml/2006/diagram" xmlns:o="urn:schemas-microsoft-com:office:office" xmlns:v="urn:schemas-microsoft-com:vml" xmlns:pvml="urn:schemas-microsoft-com:office:powerpoint" xmlns:com="http://schemas.openxmlformats.org/drawingml/2006/compatibility" xmlns:p14="http://schemas.microsoft.com/office/powerpoint/2010/main" showMasterPhAnim="0" showMasterSp="0">
+<p:notes xmlns:a="http://schemas.openxmlformats.org/drawingml/2006/main" xmlns:r="http://schemas.openxmlformats.org/officeDocument/2006/relationships" xmlns:p="http://schemas.openxmlformats.org/presentationml/2006/main" showMasterSp="0" showMasterPhAnim="0">
   <p:cSld>
     <p:spTree>
       <p:nvGrpSpPr>
-        <p:cNvPr id="72" name="Shape 72"/>
+        <p:cNvPr id="1" name="Shape 72"/>
         <p:cNvGrpSpPr/>
         <p:nvPr/>
       </p:nvGrpSpPr>
@@ -2619,9 +2871,11 @@
       <p:sp>
         <p:nvSpPr>
           <p:cNvPr id="73" name="Shape 73"/>
-          <p:cNvSpPr/>
-          <p:nvPr>
-            <p:ph idx="2" type="sldImg"/>
+          <p:cNvSpPr>
+            <a:spLocks noGrp="1" noRot="1" noChangeAspect="1"/>
+          </p:cNvSpPr>
+          <p:nvPr>
+            <p:ph type="sldImg" idx="2"/>
           </p:nvPr>
         </p:nvSpPr>
         <p:spPr>
@@ -2630,8 +2884,13 @@
             <a:ext cx="6096000" cy="3429000"/>
           </a:xfrm>
           <a:custGeom>
+            <a:avLst/>
+            <a:gdLst/>
+            <a:ahLst/>
+            <a:cxnLst/>
+            <a:rect l="0" t="0" r="0" b="0"/>
             <a:pathLst>
-              <a:path extrusionOk="0" h="120000" w="120000">
+              <a:path w="120000" h="120000" extrusionOk="0">
                 <a:moveTo>
                   <a:pt x="0" y="0"/>
                 </a:moveTo>
@@ -2653,9 +2912,11 @@
       <p:sp>
         <p:nvSpPr>
           <p:cNvPr id="74" name="Shape 74"/>
-          <p:cNvSpPr txBox="1"/>
-          <p:nvPr>
-            <p:ph idx="1" type="body"/>
+          <p:cNvSpPr txBox="1">
+            <a:spLocks noGrp="1"/>
+          </p:cNvSpPr>
+          <p:nvPr>
+            <p:ph type="body" idx="1"/>
           </p:nvPr>
         </p:nvSpPr>
         <p:spPr>
@@ -2668,7 +2929,7 @@
           </a:prstGeom>
         </p:spPr>
         <p:txBody>
-          <a:bodyPr anchorCtr="0" anchor="t" bIns="91425" lIns="91425" rIns="91425" tIns="91425">
+          <a:bodyPr lIns="91425" tIns="91425" rIns="91425" bIns="91425" anchor="t" anchorCtr="0">
             <a:noAutofit/>
           </a:bodyPr>
           <a:lstStyle/>
@@ -2679,9 +2940,6 @@
               </a:spcBef>
               <a:buNone/>
             </a:pPr>
-            <a:r>
-              <a:t/>
-            </a:r>
             <a:endParaRPr/>
           </a:p>
         </p:txBody>
@@ -2695,11 +2953,11 @@
 </file>
 
 <file path=ppt/notesSlides/notesSlide6.xml><?xml version="1.0" encoding="utf-8"?>
-<p:notes xmlns:a="http://schemas.openxmlformats.org/drawingml/2006/main" xmlns:r="http://schemas.openxmlformats.org/officeDocument/2006/relationships" xmlns:mc="http://schemas.openxmlformats.org/markup-compatibility/2006" xmlns:mv="urn:schemas-microsoft-com:mac:vml" xmlns:p="http://schemas.openxmlformats.org/presentationml/2006/main" xmlns:c="http://schemas.openxmlformats.org/drawingml/2006/chart" xmlns:dgm="http://schemas.openxmlformats.org/drawingml/2006/diagram" xmlns:o="urn:schemas-microsoft-com:office:office" xmlns:v="urn:schemas-microsoft-com:vml" xmlns:pvml="urn:schemas-microsoft-com:office:powerpoint" xmlns:com="http://schemas.openxmlformats.org/drawingml/2006/compatibility" xmlns:p14="http://schemas.microsoft.com/office/powerpoint/2010/main" showMasterPhAnim="0" showMasterSp="0">
+<p:notes xmlns:a="http://schemas.openxmlformats.org/drawingml/2006/main" xmlns:r="http://schemas.openxmlformats.org/officeDocument/2006/relationships" xmlns:p="http://schemas.openxmlformats.org/presentationml/2006/main" showMasterSp="0" showMasterPhAnim="0">
   <p:cSld>
     <p:spTree>
       <p:nvGrpSpPr>
-        <p:cNvPr id="78" name="Shape 78"/>
+        <p:cNvPr id="1" name="Shape 78"/>
         <p:cNvGrpSpPr/>
         <p:nvPr/>
       </p:nvGrpSpPr>
@@ -2714,9 +2972,11 @@
       <p:sp>
         <p:nvSpPr>
           <p:cNvPr id="79" name="Shape 79"/>
-          <p:cNvSpPr/>
-          <p:nvPr>
-            <p:ph idx="2" type="sldImg"/>
+          <p:cNvSpPr>
+            <a:spLocks noGrp="1" noRot="1" noChangeAspect="1"/>
+          </p:cNvSpPr>
+          <p:nvPr>
+            <p:ph type="sldImg" idx="2"/>
           </p:nvPr>
         </p:nvSpPr>
         <p:spPr>
@@ -2725,8 +2985,13 @@
             <a:ext cx="6096000" cy="3429000"/>
           </a:xfrm>
           <a:custGeom>
+            <a:avLst/>
+            <a:gdLst/>
+            <a:ahLst/>
+            <a:cxnLst/>
+            <a:rect l="0" t="0" r="0" b="0"/>
             <a:pathLst>
-              <a:path extrusionOk="0" h="120000" w="120000">
+              <a:path w="120000" h="120000" extrusionOk="0">
                 <a:moveTo>
                   <a:pt x="0" y="0"/>
                 </a:moveTo>
@@ -2748,9 +3013,11 @@
       <p:sp>
         <p:nvSpPr>
           <p:cNvPr id="80" name="Shape 80"/>
-          <p:cNvSpPr txBox="1"/>
-          <p:nvPr>
-            <p:ph idx="1" type="body"/>
+          <p:cNvSpPr txBox="1">
+            <a:spLocks noGrp="1"/>
+          </p:cNvSpPr>
+          <p:nvPr>
+            <p:ph type="body" idx="1"/>
           </p:nvPr>
         </p:nvSpPr>
         <p:spPr>
@@ -2763,7 +3030,7 @@
           </a:prstGeom>
         </p:spPr>
         <p:txBody>
-          <a:bodyPr anchorCtr="0" anchor="t" bIns="91425" lIns="91425" rIns="91425" tIns="91425">
+          <a:bodyPr lIns="91425" tIns="91425" rIns="91425" bIns="91425" anchor="t" anchorCtr="0">
             <a:noAutofit/>
           </a:bodyPr>
           <a:lstStyle/>
@@ -2774,9 +3041,6 @@
               </a:spcBef>
               <a:buNone/>
             </a:pPr>
-            <a:r>
-              <a:t/>
-            </a:r>
             <a:endParaRPr/>
           </a:p>
         </p:txBody>
@@ -2790,11 +3054,11 @@
 </file>
 
 <file path=ppt/notesSlides/notesSlide7.xml><?xml version="1.0" encoding="utf-8"?>
-<p:notes xmlns:a="http://schemas.openxmlformats.org/drawingml/2006/main" xmlns:r="http://schemas.openxmlformats.org/officeDocument/2006/relationships" xmlns:mc="http://schemas.openxmlformats.org/markup-compatibility/2006" xmlns:mv="urn:schemas-microsoft-com:mac:vml" xmlns:p="http://schemas.openxmlformats.org/presentationml/2006/main" xmlns:c="http://schemas.openxmlformats.org/drawingml/2006/chart" xmlns:dgm="http://schemas.openxmlformats.org/drawingml/2006/diagram" xmlns:o="urn:schemas-microsoft-com:office:office" xmlns:v="urn:schemas-microsoft-com:vml" xmlns:pvml="urn:schemas-microsoft-com:office:powerpoint" xmlns:com="http://schemas.openxmlformats.org/drawingml/2006/compatibility" xmlns:p14="http://schemas.microsoft.com/office/powerpoint/2010/main" showMasterPhAnim="0" showMasterSp="0">
+<p:notes xmlns:a="http://schemas.openxmlformats.org/drawingml/2006/main" xmlns:r="http://schemas.openxmlformats.org/officeDocument/2006/relationships" xmlns:p="http://schemas.openxmlformats.org/presentationml/2006/main" showMasterSp="0" showMasterPhAnim="0">
   <p:cSld>
     <p:spTree>
       <p:nvGrpSpPr>
-        <p:cNvPr id="83" name="Shape 83"/>
+        <p:cNvPr id="1" name="Shape 83"/>
         <p:cNvGrpSpPr/>
         <p:nvPr/>
       </p:nvGrpSpPr>
@@ -2809,9 +3073,11 @@
       <p:sp>
         <p:nvSpPr>
           <p:cNvPr id="84" name="Shape 84"/>
-          <p:cNvSpPr/>
-          <p:nvPr>
-            <p:ph idx="2" type="sldImg"/>
+          <p:cNvSpPr>
+            <a:spLocks noGrp="1" noRot="1" noChangeAspect="1"/>
+          </p:cNvSpPr>
+          <p:nvPr>
+            <p:ph type="sldImg" idx="2"/>
           </p:nvPr>
         </p:nvSpPr>
         <p:spPr>
@@ -2820,8 +3086,13 @@
             <a:ext cx="6096000" cy="3429000"/>
           </a:xfrm>
           <a:custGeom>
+            <a:avLst/>
+            <a:gdLst/>
+            <a:ahLst/>
+            <a:cxnLst/>
+            <a:rect l="0" t="0" r="0" b="0"/>
             <a:pathLst>
-              <a:path extrusionOk="0" h="120000" w="120000">
+              <a:path w="120000" h="120000" extrusionOk="0">
                 <a:moveTo>
                   <a:pt x="0" y="0"/>
                 </a:moveTo>
@@ -2843,9 +3114,11 @@
       <p:sp>
         <p:nvSpPr>
           <p:cNvPr id="85" name="Shape 85"/>
-          <p:cNvSpPr txBox="1"/>
-          <p:nvPr>
-            <p:ph idx="1" type="body"/>
+          <p:cNvSpPr txBox="1">
+            <a:spLocks noGrp="1"/>
+          </p:cNvSpPr>
+          <p:nvPr>
+            <p:ph type="body" idx="1"/>
           </p:nvPr>
         </p:nvSpPr>
         <p:spPr>
@@ -2858,7 +3131,7 @@
           </a:prstGeom>
         </p:spPr>
         <p:txBody>
-          <a:bodyPr anchorCtr="0" anchor="t" bIns="91425" lIns="91425" rIns="91425" tIns="91425">
+          <a:bodyPr lIns="91425" tIns="91425" rIns="91425" bIns="91425" anchor="t" anchorCtr="0">
             <a:noAutofit/>
           </a:bodyPr>
           <a:lstStyle/>
@@ -2869,9 +3142,6 @@
               </a:spcBef>
               <a:buNone/>
             </a:pPr>
-            <a:r>
-              <a:t/>
-            </a:r>
             <a:endParaRPr/>
           </a:p>
         </p:txBody>
@@ -2885,11 +3155,11 @@
 </file>
 
 <file path=ppt/notesSlides/notesSlide8.xml><?xml version="1.0" encoding="utf-8"?>
-<p:notes xmlns:a="http://schemas.openxmlformats.org/drawingml/2006/main" xmlns:r="http://schemas.openxmlformats.org/officeDocument/2006/relationships" xmlns:mc="http://schemas.openxmlformats.org/markup-compatibility/2006" xmlns:mv="urn:schemas-microsoft-com:mac:vml" xmlns:p="http://schemas.openxmlformats.org/presentationml/2006/main" xmlns:c="http://schemas.openxmlformats.org/drawingml/2006/chart" xmlns:dgm="http://schemas.openxmlformats.org/drawingml/2006/diagram" xmlns:o="urn:schemas-microsoft-com:office:office" xmlns:v="urn:schemas-microsoft-com:vml" xmlns:pvml="urn:schemas-microsoft-com:office:powerpoint" xmlns:com="http://schemas.openxmlformats.org/drawingml/2006/compatibility" xmlns:p14="http://schemas.microsoft.com/office/powerpoint/2010/main" showMasterPhAnim="0" showMasterSp="0">
+<p:notes xmlns:a="http://schemas.openxmlformats.org/drawingml/2006/main" xmlns:r="http://schemas.openxmlformats.org/officeDocument/2006/relationships" xmlns:p="http://schemas.openxmlformats.org/presentationml/2006/main" showMasterSp="0" showMasterPhAnim="0">
   <p:cSld>
     <p:spTree>
       <p:nvGrpSpPr>
-        <p:cNvPr id="88" name="Shape 88"/>
+        <p:cNvPr id="1" name="Shape 88"/>
         <p:cNvGrpSpPr/>
         <p:nvPr/>
       </p:nvGrpSpPr>
@@ -2904,9 +3174,11 @@
       <p:sp>
         <p:nvSpPr>
           <p:cNvPr id="89" name="Shape 89"/>
-          <p:cNvSpPr/>
-          <p:nvPr>
-            <p:ph idx="2" type="sldImg"/>
+          <p:cNvSpPr>
+            <a:spLocks noGrp="1" noRot="1" noChangeAspect="1"/>
+          </p:cNvSpPr>
+          <p:nvPr>
+            <p:ph type="sldImg" idx="2"/>
           </p:nvPr>
         </p:nvSpPr>
         <p:spPr>
@@ -2915,8 +3187,13 @@
             <a:ext cx="6096000" cy="3429000"/>
           </a:xfrm>
           <a:custGeom>
+            <a:avLst/>
+            <a:gdLst/>
+            <a:ahLst/>
+            <a:cxnLst/>
+            <a:rect l="0" t="0" r="0" b="0"/>
             <a:pathLst>
-              <a:path extrusionOk="0" h="120000" w="120000">
+              <a:path w="120000" h="120000" extrusionOk="0">
                 <a:moveTo>
                   <a:pt x="0" y="0"/>
                 </a:moveTo>
@@ -2938,9 +3215,11 @@
       <p:sp>
         <p:nvSpPr>
           <p:cNvPr id="90" name="Shape 90"/>
-          <p:cNvSpPr txBox="1"/>
-          <p:nvPr>
-            <p:ph idx="1" type="body"/>
+          <p:cNvSpPr txBox="1">
+            <a:spLocks noGrp="1"/>
+          </p:cNvSpPr>
+          <p:nvPr>
+            <p:ph type="body" idx="1"/>
           </p:nvPr>
         </p:nvSpPr>
         <p:spPr>
@@ -2953,7 +3232,7 @@
           </a:prstGeom>
         </p:spPr>
         <p:txBody>
-          <a:bodyPr anchorCtr="0" anchor="t" bIns="91425" lIns="91425" rIns="91425" tIns="91425">
+          <a:bodyPr lIns="91425" tIns="91425" rIns="91425" bIns="91425" anchor="t" anchorCtr="0">
             <a:noAutofit/>
           </a:bodyPr>
           <a:lstStyle/>
@@ -2964,9 +3243,6 @@
               </a:spcBef>
               <a:buNone/>
             </a:pPr>
-            <a:r>
-              <a:t/>
-            </a:r>
             <a:endParaRPr/>
           </a:p>
         </p:txBody>
@@ -2980,11 +3256,11 @@
 </file>
 
 <file path=ppt/notesSlides/notesSlide9.xml><?xml version="1.0" encoding="utf-8"?>
-<p:notes xmlns:a="http://schemas.openxmlformats.org/drawingml/2006/main" xmlns:r="http://schemas.openxmlformats.org/officeDocument/2006/relationships" xmlns:mc="http://schemas.openxmlformats.org/markup-compatibility/2006" xmlns:mv="urn:schemas-microsoft-com:mac:vml" xmlns:p="http://schemas.openxmlformats.org/presentationml/2006/main" xmlns:c="http://schemas.openxmlformats.org/drawingml/2006/chart" xmlns:dgm="http://schemas.openxmlformats.org/drawingml/2006/diagram" xmlns:o="urn:schemas-microsoft-com:office:office" xmlns:v="urn:schemas-microsoft-com:vml" xmlns:pvml="urn:schemas-microsoft-com:office:powerpoint" xmlns:com="http://schemas.openxmlformats.org/drawingml/2006/compatibility" xmlns:p14="http://schemas.microsoft.com/office/powerpoint/2010/main" showMasterPhAnim="0" showMasterSp="0">
+<p:notes xmlns:a="http://schemas.openxmlformats.org/drawingml/2006/main" xmlns:r="http://schemas.openxmlformats.org/officeDocument/2006/relationships" xmlns:p="http://schemas.openxmlformats.org/presentationml/2006/main" showMasterSp="0" showMasterPhAnim="0">
   <p:cSld>
     <p:spTree>
       <p:nvGrpSpPr>
-        <p:cNvPr id="95" name="Shape 95"/>
+        <p:cNvPr id="1" name="Shape 95"/>
         <p:cNvGrpSpPr/>
         <p:nvPr/>
       </p:nvGrpSpPr>
@@ -2999,9 +3275,11 @@
       <p:sp>
         <p:nvSpPr>
           <p:cNvPr id="96" name="Shape 96"/>
-          <p:cNvSpPr/>
-          <p:nvPr>
-            <p:ph idx="2" type="sldImg"/>
+          <p:cNvSpPr>
+            <a:spLocks noGrp="1" noRot="1" noChangeAspect="1"/>
+          </p:cNvSpPr>
+          <p:nvPr>
+            <p:ph type="sldImg" idx="2"/>
           </p:nvPr>
         </p:nvSpPr>
         <p:spPr>
@@ -3010,8 +3288,13 @@
             <a:ext cx="6096000" cy="3429000"/>
           </a:xfrm>
           <a:custGeom>
+            <a:avLst/>
+            <a:gdLst/>
+            <a:ahLst/>
+            <a:cxnLst/>
+            <a:rect l="0" t="0" r="0" b="0"/>
             <a:pathLst>
-              <a:path extrusionOk="0" h="120000" w="120000">
+              <a:path w="120000" h="120000" extrusionOk="0">
                 <a:moveTo>
                   <a:pt x="0" y="0"/>
                 </a:moveTo>
@@ -3033,9 +3316,11 @@
       <p:sp>
         <p:nvSpPr>
           <p:cNvPr id="97" name="Shape 97"/>
-          <p:cNvSpPr txBox="1"/>
-          <p:nvPr>
-            <p:ph idx="1" type="body"/>
+          <p:cNvSpPr txBox="1">
+            <a:spLocks noGrp="1"/>
+          </p:cNvSpPr>
+          <p:nvPr>
+            <p:ph type="body" idx="1"/>
           </p:nvPr>
         </p:nvSpPr>
         <p:spPr>
@@ -3048,7 +3333,7 @@
           </a:prstGeom>
         </p:spPr>
         <p:txBody>
-          <a:bodyPr anchorCtr="0" anchor="t" bIns="91425" lIns="91425" rIns="91425" tIns="91425">
+          <a:bodyPr lIns="91425" tIns="91425" rIns="91425" bIns="91425" anchor="t" anchorCtr="0">
             <a:noAutofit/>
           </a:bodyPr>
           <a:lstStyle/>
@@ -3059,9 +3344,6 @@
               </a:spcBef>
               <a:buNone/>
             </a:pPr>
-            <a:r>
-              <a:t/>
-            </a:r>
             <a:endParaRPr/>
           </a:p>
         </p:txBody>
@@ -3075,11 +3357,11 @@
 </file>
 
 <file path=ppt/slideLayouts/slideLayout1.xml><?xml version="1.0" encoding="utf-8"?>
-<p:sldLayout xmlns:a="http://schemas.openxmlformats.org/drawingml/2006/main" xmlns:r="http://schemas.openxmlformats.org/officeDocument/2006/relationships" xmlns:mc="http://schemas.openxmlformats.org/markup-compatibility/2006" xmlns:mv="urn:schemas-microsoft-com:mac:vml" xmlns:p="http://schemas.openxmlformats.org/presentationml/2006/main" xmlns:c="http://schemas.openxmlformats.org/drawingml/2006/chart" xmlns:dgm="http://schemas.openxmlformats.org/drawingml/2006/diagram" xmlns:o="urn:schemas-microsoft-com:office:office" xmlns:v="urn:schemas-microsoft-com:vml" xmlns:pvml="urn:schemas-microsoft-com:office:powerpoint" xmlns:com="http://schemas.openxmlformats.org/drawingml/2006/compatibility" xmlns:p14="http://schemas.microsoft.com/office/powerpoint/2010/main" type="title">
+<p:sldLayout xmlns:a="http://schemas.openxmlformats.org/drawingml/2006/main" xmlns:r="http://schemas.openxmlformats.org/officeDocument/2006/relationships" xmlns:p="http://schemas.openxmlformats.org/presentationml/2006/main" type="title">
   <p:cSld name="Title slide">
     <p:spTree>
       <p:nvGrpSpPr>
-        <p:cNvPr id="9" name="Shape 9"/>
+        <p:cNvPr id="1" name="Shape 9"/>
         <p:cNvGrpSpPr/>
         <p:nvPr/>
       </p:nvGrpSpPr>
@@ -3094,7 +3376,9 @@
       <p:sp>
         <p:nvSpPr>
           <p:cNvPr id="10" name="Shape 10"/>
-          <p:cNvSpPr txBox="1"/>
+          <p:cNvSpPr txBox="1">
+            <a:spLocks noGrp="1"/>
+          </p:cNvSpPr>
           <p:nvPr>
             <p:ph type="ctrTitle"/>
           </p:nvPr>
@@ -3109,7 +3393,7 @@
           </a:prstGeom>
         </p:spPr>
         <p:txBody>
-          <a:bodyPr anchorCtr="0" anchor="b" bIns="91425" lIns="91425" rIns="91425" tIns="91425"/>
+          <a:bodyPr lIns="91425" tIns="91425" rIns="91425" bIns="91425" anchor="b" anchorCtr="0"/>
           <a:lstStyle>
             <a:lvl1pPr lvl="0" algn="ctr">
               <a:spcBef>
@@ -3175,15 +3459,19 @@
               <a:defRPr sz="5200"/>
             </a:lvl9pPr>
           </a:lstStyle>
-          <a:p/>
+          <a:p>
+            <a:endParaRPr/>
+          </a:p>
         </p:txBody>
       </p:sp>
       <p:sp>
         <p:nvSpPr>
           <p:cNvPr id="11" name="Shape 11"/>
-          <p:cNvSpPr txBox="1"/>
-          <p:nvPr>
-            <p:ph idx="1" type="subTitle"/>
+          <p:cNvSpPr txBox="1">
+            <a:spLocks noGrp="1"/>
+          </p:cNvSpPr>
+          <p:nvPr>
+            <p:ph type="subTitle" idx="1"/>
           </p:nvPr>
         </p:nvSpPr>
         <p:spPr>
@@ -3196,7 +3484,7 @@
           </a:prstGeom>
         </p:spPr>
         <p:txBody>
-          <a:bodyPr anchorCtr="0" anchor="t" bIns="91425" lIns="91425" rIns="91425" tIns="91425"/>
+          <a:bodyPr lIns="91425" tIns="91425" rIns="91425" bIns="91425" anchor="t" anchorCtr="0"/>
           <a:lstStyle>
             <a:lvl1pPr lvl="0" algn="ctr">
               <a:lnSpc>
@@ -3325,15 +3613,19 @@
               <a:defRPr sz="2800"/>
             </a:lvl9pPr>
           </a:lstStyle>
-          <a:p/>
+          <a:p>
+            <a:endParaRPr/>
+          </a:p>
         </p:txBody>
       </p:sp>
       <p:sp>
         <p:nvSpPr>
           <p:cNvPr id="12" name="Shape 12"/>
-          <p:cNvSpPr txBox="1"/>
-          <p:nvPr>
-            <p:ph idx="12" type="sldNum"/>
+          <p:cNvSpPr txBox="1">
+            <a:spLocks noGrp="1"/>
+          </p:cNvSpPr>
+          <p:nvPr>
+            <p:ph type="sldNum" idx="12"/>
           </p:nvPr>
         </p:nvSpPr>
         <p:spPr>
@@ -3346,7 +3638,7 @@
           </a:prstGeom>
         </p:spPr>
         <p:txBody>
-          <a:bodyPr anchorCtr="0" anchor="ctr" bIns="91425" lIns="91425" rIns="91425" tIns="91425">
+          <a:bodyPr lIns="91425" tIns="91425" rIns="91425" bIns="91425" anchor="ctr" anchorCtr="0">
             <a:noAutofit/>
           </a:bodyPr>
           <a:lstStyle/>
@@ -3361,6 +3653,7 @@
               <a:rPr lang="en"/>
               <a:t>‹#›</a:t>
             </a:fld>
+            <a:endParaRPr lang="en"/>
           </a:p>
         </p:txBody>
       </p:sp>
@@ -3373,11 +3666,11 @@
 </file>
 
 <file path=ppt/slideLayouts/slideLayout10.xml><?xml version="1.0" encoding="utf-8"?>
-<p:sldLayout xmlns:a="http://schemas.openxmlformats.org/drawingml/2006/main" xmlns:r="http://schemas.openxmlformats.org/officeDocument/2006/relationships" xmlns:mc="http://schemas.openxmlformats.org/markup-compatibility/2006" xmlns:mv="urn:schemas-microsoft-com:mac:vml" xmlns:p="http://schemas.openxmlformats.org/presentationml/2006/main" xmlns:c="http://schemas.openxmlformats.org/drawingml/2006/chart" xmlns:dgm="http://schemas.openxmlformats.org/drawingml/2006/diagram" xmlns:o="urn:schemas-microsoft-com:office:office" xmlns:v="urn:schemas-microsoft-com:vml" xmlns:pvml="urn:schemas-microsoft-com:office:powerpoint" xmlns:com="http://schemas.openxmlformats.org/drawingml/2006/compatibility" xmlns:p14="http://schemas.microsoft.com/office/powerpoint/2010/main">
+<p:sldLayout xmlns:a="http://schemas.openxmlformats.org/drawingml/2006/main" xmlns:r="http://schemas.openxmlformats.org/officeDocument/2006/relationships" xmlns:p="http://schemas.openxmlformats.org/presentationml/2006/main">
   <p:cSld name="Big number">
     <p:spTree>
       <p:nvGrpSpPr>
-        <p:cNvPr id="44" name="Shape 44"/>
+        <p:cNvPr id="1" name="Shape 44"/>
         <p:cNvGrpSpPr/>
         <p:nvPr/>
       </p:nvGrpSpPr>
@@ -3392,7 +3685,9 @@
       <p:sp>
         <p:nvSpPr>
           <p:cNvPr id="45" name="Shape 45"/>
-          <p:cNvSpPr txBox="1"/>
+          <p:cNvSpPr txBox="1">
+            <a:spLocks noGrp="1"/>
+          </p:cNvSpPr>
           <p:nvPr>
             <p:ph type="title"/>
           </p:nvPr>
@@ -3407,7 +3702,7 @@
           </a:prstGeom>
         </p:spPr>
         <p:txBody>
-          <a:bodyPr anchorCtr="0" anchor="b" bIns="91425" lIns="91425" rIns="91425" tIns="91425"/>
+          <a:bodyPr lIns="91425" tIns="91425" rIns="91425" bIns="91425" anchor="b" anchorCtr="0"/>
           <a:lstStyle>
             <a:lvl1pPr lvl="0" algn="ctr">
               <a:spcBef>
@@ -3473,15 +3768,19 @@
               <a:defRPr sz="12000"/>
             </a:lvl9pPr>
           </a:lstStyle>
-          <a:p/>
+          <a:p>
+            <a:endParaRPr/>
+          </a:p>
         </p:txBody>
       </p:sp>
       <p:sp>
         <p:nvSpPr>
           <p:cNvPr id="46" name="Shape 46"/>
-          <p:cNvSpPr txBox="1"/>
-          <p:nvPr>
-            <p:ph idx="1" type="body"/>
+          <p:cNvSpPr txBox="1">
+            <a:spLocks noGrp="1"/>
+          </p:cNvSpPr>
+          <p:nvPr>
+            <p:ph type="body" idx="1"/>
           </p:nvPr>
         </p:nvSpPr>
         <p:spPr>
@@ -3494,7 +3793,7 @@
           </a:prstGeom>
         </p:spPr>
         <p:txBody>
-          <a:bodyPr anchorCtr="0" anchor="t" bIns="91425" lIns="91425" rIns="91425" tIns="91425"/>
+          <a:bodyPr lIns="91425" tIns="91425" rIns="91425" bIns="91425" anchor="t" anchorCtr="0"/>
           <a:lstStyle>
             <a:lvl1pPr lvl="0" algn="ctr">
               <a:spcBef>
@@ -3551,15 +3850,19 @@
               <a:defRPr/>
             </a:lvl9pPr>
           </a:lstStyle>
-          <a:p/>
+          <a:p>
+            <a:endParaRPr/>
+          </a:p>
         </p:txBody>
       </p:sp>
       <p:sp>
         <p:nvSpPr>
           <p:cNvPr id="47" name="Shape 47"/>
-          <p:cNvSpPr txBox="1"/>
-          <p:nvPr>
-            <p:ph idx="12" type="sldNum"/>
+          <p:cNvSpPr txBox="1">
+            <a:spLocks noGrp="1"/>
+          </p:cNvSpPr>
+          <p:nvPr>
+            <p:ph type="sldNum" idx="12"/>
           </p:nvPr>
         </p:nvSpPr>
         <p:spPr>
@@ -3572,7 +3875,7 @@
           </a:prstGeom>
         </p:spPr>
         <p:txBody>
-          <a:bodyPr anchorCtr="0" anchor="ctr" bIns="91425" lIns="91425" rIns="91425" tIns="91425">
+          <a:bodyPr lIns="91425" tIns="91425" rIns="91425" bIns="91425" anchor="ctr" anchorCtr="0">
             <a:noAutofit/>
           </a:bodyPr>
           <a:lstStyle/>
@@ -3587,6 +3890,7 @@
               <a:rPr lang="en"/>
               <a:t>‹#›</a:t>
             </a:fld>
+            <a:endParaRPr lang="en"/>
           </a:p>
         </p:txBody>
       </p:sp>
@@ -3599,11 +3903,11 @@
 </file>
 
 <file path=ppt/slideLayouts/slideLayout11.xml><?xml version="1.0" encoding="utf-8"?>
-<p:sldLayout xmlns:a="http://schemas.openxmlformats.org/drawingml/2006/main" xmlns:r="http://schemas.openxmlformats.org/officeDocument/2006/relationships" xmlns:mc="http://schemas.openxmlformats.org/markup-compatibility/2006" xmlns:mv="urn:schemas-microsoft-com:mac:vml" xmlns:p="http://schemas.openxmlformats.org/presentationml/2006/main" xmlns:c="http://schemas.openxmlformats.org/drawingml/2006/chart" xmlns:dgm="http://schemas.openxmlformats.org/drawingml/2006/diagram" xmlns:o="urn:schemas-microsoft-com:office:office" xmlns:v="urn:schemas-microsoft-com:vml" xmlns:pvml="urn:schemas-microsoft-com:office:powerpoint" xmlns:com="http://schemas.openxmlformats.org/drawingml/2006/compatibility" xmlns:p14="http://schemas.microsoft.com/office/powerpoint/2010/main" type="blank">
+<p:sldLayout xmlns:a="http://schemas.openxmlformats.org/drawingml/2006/main" xmlns:r="http://schemas.openxmlformats.org/officeDocument/2006/relationships" xmlns:p="http://schemas.openxmlformats.org/presentationml/2006/main" type="blank">
   <p:cSld name="Blank">
     <p:spTree>
       <p:nvGrpSpPr>
-        <p:cNvPr id="48" name="Shape 48"/>
+        <p:cNvPr id="1" name="Shape 48"/>
         <p:cNvGrpSpPr/>
         <p:nvPr/>
       </p:nvGrpSpPr>
@@ -3618,9 +3922,11 @@
       <p:sp>
         <p:nvSpPr>
           <p:cNvPr id="49" name="Shape 49"/>
-          <p:cNvSpPr txBox="1"/>
-          <p:nvPr>
-            <p:ph idx="12" type="sldNum"/>
+          <p:cNvSpPr txBox="1">
+            <a:spLocks noGrp="1"/>
+          </p:cNvSpPr>
+          <p:nvPr>
+            <p:ph type="sldNum" idx="12"/>
           </p:nvPr>
         </p:nvSpPr>
         <p:spPr>
@@ -3633,7 +3939,7 @@
           </a:prstGeom>
         </p:spPr>
         <p:txBody>
-          <a:bodyPr anchorCtr="0" anchor="ctr" bIns="91425" lIns="91425" rIns="91425" tIns="91425">
+          <a:bodyPr lIns="91425" tIns="91425" rIns="91425" bIns="91425" anchor="ctr" anchorCtr="0">
             <a:noAutofit/>
           </a:bodyPr>
           <a:lstStyle/>
@@ -3648,6 +3954,7 @@
               <a:rPr lang="en"/>
               <a:t>‹#›</a:t>
             </a:fld>
+            <a:endParaRPr lang="en"/>
           </a:p>
         </p:txBody>
       </p:sp>
@@ -3660,11 +3967,11 @@
 </file>
 
 <file path=ppt/slideLayouts/slideLayout2.xml><?xml version="1.0" encoding="utf-8"?>
-<p:sldLayout xmlns:a="http://schemas.openxmlformats.org/drawingml/2006/main" xmlns:r="http://schemas.openxmlformats.org/officeDocument/2006/relationships" xmlns:mc="http://schemas.openxmlformats.org/markup-compatibility/2006" xmlns:mv="urn:schemas-microsoft-com:mac:vml" xmlns:p="http://schemas.openxmlformats.org/presentationml/2006/main" xmlns:c="http://schemas.openxmlformats.org/drawingml/2006/chart" xmlns:dgm="http://schemas.openxmlformats.org/drawingml/2006/diagram" xmlns:o="urn:schemas-microsoft-com:office:office" xmlns:v="urn:schemas-microsoft-com:vml" xmlns:pvml="urn:schemas-microsoft-com:office:powerpoint" xmlns:com="http://schemas.openxmlformats.org/drawingml/2006/compatibility" xmlns:p14="http://schemas.microsoft.com/office/powerpoint/2010/main" type="secHead">
+<p:sldLayout xmlns:a="http://schemas.openxmlformats.org/drawingml/2006/main" xmlns:r="http://schemas.openxmlformats.org/officeDocument/2006/relationships" xmlns:p="http://schemas.openxmlformats.org/presentationml/2006/main" type="secHead">
   <p:cSld name="Section header">
     <p:spTree>
       <p:nvGrpSpPr>
-        <p:cNvPr id="13" name="Shape 13"/>
+        <p:cNvPr id="1" name="Shape 13"/>
         <p:cNvGrpSpPr/>
         <p:nvPr/>
       </p:nvGrpSpPr>
@@ -3679,7 +3986,9 @@
       <p:sp>
         <p:nvSpPr>
           <p:cNvPr id="14" name="Shape 14"/>
-          <p:cNvSpPr txBox="1"/>
+          <p:cNvSpPr txBox="1">
+            <a:spLocks noGrp="1"/>
+          </p:cNvSpPr>
           <p:nvPr>
             <p:ph type="title"/>
           </p:nvPr>
@@ -3694,7 +4003,7 @@
           </a:prstGeom>
         </p:spPr>
         <p:txBody>
-          <a:bodyPr anchorCtr="0" anchor="ctr" bIns="91425" lIns="91425" rIns="91425" tIns="91425"/>
+          <a:bodyPr lIns="91425" tIns="91425" rIns="91425" bIns="91425" anchor="ctr" anchorCtr="0"/>
           <a:lstStyle>
             <a:lvl1pPr lvl="0" algn="ctr">
               <a:spcBef>
@@ -3760,15 +4069,19 @@
               <a:defRPr sz="3600"/>
             </a:lvl9pPr>
           </a:lstStyle>
-          <a:p/>
+          <a:p>
+            <a:endParaRPr/>
+          </a:p>
         </p:txBody>
       </p:sp>
       <p:sp>
         <p:nvSpPr>
           <p:cNvPr id="15" name="Shape 15"/>
-          <p:cNvSpPr txBox="1"/>
-          <p:nvPr>
-            <p:ph idx="12" type="sldNum"/>
+          <p:cNvSpPr txBox="1">
+            <a:spLocks noGrp="1"/>
+          </p:cNvSpPr>
+          <p:nvPr>
+            <p:ph type="sldNum" idx="12"/>
           </p:nvPr>
         </p:nvSpPr>
         <p:spPr>
@@ -3781,7 +4094,7 @@
           </a:prstGeom>
         </p:spPr>
         <p:txBody>
-          <a:bodyPr anchorCtr="0" anchor="ctr" bIns="91425" lIns="91425" rIns="91425" tIns="91425">
+          <a:bodyPr lIns="91425" tIns="91425" rIns="91425" bIns="91425" anchor="ctr" anchorCtr="0">
             <a:noAutofit/>
           </a:bodyPr>
           <a:lstStyle/>
@@ -3796,6 +4109,7 @@
               <a:rPr lang="en"/>
               <a:t>‹#›</a:t>
             </a:fld>
+            <a:endParaRPr lang="en"/>
           </a:p>
         </p:txBody>
       </p:sp>
@@ -3808,11 +4122,11 @@
 </file>
 
 <file path=ppt/slideLayouts/slideLayout3.xml><?xml version="1.0" encoding="utf-8"?>
-<p:sldLayout xmlns:a="http://schemas.openxmlformats.org/drawingml/2006/main" xmlns:r="http://schemas.openxmlformats.org/officeDocument/2006/relationships" xmlns:mc="http://schemas.openxmlformats.org/markup-compatibility/2006" xmlns:mv="urn:schemas-microsoft-com:mac:vml" xmlns:p="http://schemas.openxmlformats.org/presentationml/2006/main" xmlns:c="http://schemas.openxmlformats.org/drawingml/2006/chart" xmlns:dgm="http://schemas.openxmlformats.org/drawingml/2006/diagram" xmlns:o="urn:schemas-microsoft-com:office:office" xmlns:v="urn:schemas-microsoft-com:vml" xmlns:pvml="urn:schemas-microsoft-com:office:powerpoint" xmlns:com="http://schemas.openxmlformats.org/drawingml/2006/compatibility" xmlns:p14="http://schemas.microsoft.com/office/powerpoint/2010/main" type="tx">
+<p:sldLayout xmlns:a="http://schemas.openxmlformats.org/drawingml/2006/main" xmlns:r="http://schemas.openxmlformats.org/officeDocument/2006/relationships" xmlns:p="http://schemas.openxmlformats.org/presentationml/2006/main" type="tx">
   <p:cSld name="Title and body">
     <p:spTree>
       <p:nvGrpSpPr>
-        <p:cNvPr id="16" name="Shape 16"/>
+        <p:cNvPr id="1" name="Shape 16"/>
         <p:cNvGrpSpPr/>
         <p:nvPr/>
       </p:nvGrpSpPr>
@@ -3827,7 +4141,9 @@
       <p:sp>
         <p:nvSpPr>
           <p:cNvPr id="17" name="Shape 17"/>
-          <p:cNvSpPr txBox="1"/>
+          <p:cNvSpPr txBox="1">
+            <a:spLocks noGrp="1"/>
+          </p:cNvSpPr>
           <p:nvPr>
             <p:ph type="title"/>
           </p:nvPr>
@@ -3842,7 +4158,7 @@
           </a:prstGeom>
         </p:spPr>
         <p:txBody>
-          <a:bodyPr anchorCtr="0" anchor="t" bIns="91425" lIns="91425" rIns="91425" tIns="91425"/>
+          <a:bodyPr lIns="91425" tIns="91425" rIns="91425" bIns="91425" anchor="t" anchorCtr="0"/>
           <a:lstStyle>
             <a:lvl1pPr lvl="0">
               <a:spcBef>
@@ -3899,15 +4215,19 @@
               <a:defRPr/>
             </a:lvl9pPr>
           </a:lstStyle>
-          <a:p/>
+          <a:p>
+            <a:endParaRPr/>
+          </a:p>
         </p:txBody>
       </p:sp>
       <p:sp>
         <p:nvSpPr>
           <p:cNvPr id="18" name="Shape 18"/>
-          <p:cNvSpPr txBox="1"/>
-          <p:nvPr>
-            <p:ph idx="1" type="body"/>
+          <p:cNvSpPr txBox="1">
+            <a:spLocks noGrp="1"/>
+          </p:cNvSpPr>
+          <p:nvPr>
+            <p:ph type="body" idx="1"/>
           </p:nvPr>
         </p:nvSpPr>
         <p:spPr>
@@ -3920,7 +4240,7 @@
           </a:prstGeom>
         </p:spPr>
         <p:txBody>
-          <a:bodyPr anchorCtr="0" anchor="t" bIns="91425" lIns="91425" rIns="91425" tIns="91425"/>
+          <a:bodyPr lIns="91425" tIns="91425" rIns="91425" bIns="91425" anchor="t" anchorCtr="0"/>
           <a:lstStyle>
             <a:lvl1pPr lvl="0">
               <a:spcBef>
@@ -3977,15 +4297,19 @@
               <a:defRPr/>
             </a:lvl9pPr>
           </a:lstStyle>
-          <a:p/>
+          <a:p>
+            <a:endParaRPr/>
+          </a:p>
         </p:txBody>
       </p:sp>
       <p:sp>
         <p:nvSpPr>
           <p:cNvPr id="19" name="Shape 19"/>
-          <p:cNvSpPr txBox="1"/>
-          <p:nvPr>
-            <p:ph idx="12" type="sldNum"/>
+          <p:cNvSpPr txBox="1">
+            <a:spLocks noGrp="1"/>
+          </p:cNvSpPr>
+          <p:nvPr>
+            <p:ph type="sldNum" idx="12"/>
           </p:nvPr>
         </p:nvSpPr>
         <p:spPr>
@@ -3998,7 +4322,7 @@
           </a:prstGeom>
         </p:spPr>
         <p:txBody>
-          <a:bodyPr anchorCtr="0" anchor="ctr" bIns="91425" lIns="91425" rIns="91425" tIns="91425">
+          <a:bodyPr lIns="91425" tIns="91425" rIns="91425" bIns="91425" anchor="ctr" anchorCtr="0">
             <a:noAutofit/>
           </a:bodyPr>
           <a:lstStyle/>
@@ -4013,6 +4337,7 @@
               <a:rPr lang="en"/>
               <a:t>‹#›</a:t>
             </a:fld>
+            <a:endParaRPr lang="en"/>
           </a:p>
         </p:txBody>
       </p:sp>
@@ -4025,11 +4350,11 @@
 </file>
 
 <file path=ppt/slideLayouts/slideLayout4.xml><?xml version="1.0" encoding="utf-8"?>
-<p:sldLayout xmlns:a="http://schemas.openxmlformats.org/drawingml/2006/main" xmlns:r="http://schemas.openxmlformats.org/officeDocument/2006/relationships" xmlns:mc="http://schemas.openxmlformats.org/markup-compatibility/2006" xmlns:mv="urn:schemas-microsoft-com:mac:vml" xmlns:p="http://schemas.openxmlformats.org/presentationml/2006/main" xmlns:c="http://schemas.openxmlformats.org/drawingml/2006/chart" xmlns:dgm="http://schemas.openxmlformats.org/drawingml/2006/diagram" xmlns:o="urn:schemas-microsoft-com:office:office" xmlns:v="urn:schemas-microsoft-com:vml" xmlns:pvml="urn:schemas-microsoft-com:office:powerpoint" xmlns:com="http://schemas.openxmlformats.org/drawingml/2006/compatibility" xmlns:p14="http://schemas.microsoft.com/office/powerpoint/2010/main" type="twoColTx">
+<p:sldLayout xmlns:a="http://schemas.openxmlformats.org/drawingml/2006/main" xmlns:r="http://schemas.openxmlformats.org/officeDocument/2006/relationships" xmlns:p="http://schemas.openxmlformats.org/presentationml/2006/main" type="twoColTx">
   <p:cSld name="Title and two columns">
     <p:spTree>
       <p:nvGrpSpPr>
-        <p:cNvPr id="20" name="Shape 20"/>
+        <p:cNvPr id="1" name="Shape 20"/>
         <p:cNvGrpSpPr/>
         <p:nvPr/>
       </p:nvGrpSpPr>
@@ -4044,7 +4369,9 @@
       <p:sp>
         <p:nvSpPr>
           <p:cNvPr id="21" name="Shape 21"/>
-          <p:cNvSpPr txBox="1"/>
+          <p:cNvSpPr txBox="1">
+            <a:spLocks noGrp="1"/>
+          </p:cNvSpPr>
           <p:nvPr>
             <p:ph type="title"/>
           </p:nvPr>
@@ -4059,7 +4386,7 @@
           </a:prstGeom>
         </p:spPr>
         <p:txBody>
-          <a:bodyPr anchorCtr="0" anchor="t" bIns="91425" lIns="91425" rIns="91425" tIns="91425"/>
+          <a:bodyPr lIns="91425" tIns="91425" rIns="91425" bIns="91425" anchor="t" anchorCtr="0"/>
           <a:lstStyle>
             <a:lvl1pPr lvl="0">
               <a:spcBef>
@@ -4116,15 +4443,19 @@
               <a:defRPr/>
             </a:lvl9pPr>
           </a:lstStyle>
-          <a:p/>
+          <a:p>
+            <a:endParaRPr/>
+          </a:p>
         </p:txBody>
       </p:sp>
       <p:sp>
         <p:nvSpPr>
           <p:cNvPr id="22" name="Shape 22"/>
-          <p:cNvSpPr txBox="1"/>
-          <p:nvPr>
-            <p:ph idx="1" type="body"/>
+          <p:cNvSpPr txBox="1">
+            <a:spLocks noGrp="1"/>
+          </p:cNvSpPr>
+          <p:nvPr>
+            <p:ph type="body" idx="1"/>
           </p:nvPr>
         </p:nvSpPr>
         <p:spPr>
@@ -4137,7 +4468,7 @@
           </a:prstGeom>
         </p:spPr>
         <p:txBody>
-          <a:bodyPr anchorCtr="0" anchor="t" bIns="91425" lIns="91425" rIns="91425" tIns="91425"/>
+          <a:bodyPr lIns="91425" tIns="91425" rIns="91425" bIns="91425" anchor="t" anchorCtr="0"/>
           <a:lstStyle>
             <a:lvl1pPr lvl="0">
               <a:spcBef>
@@ -4203,15 +4534,19 @@
               <a:defRPr sz="1200"/>
             </a:lvl9pPr>
           </a:lstStyle>
-          <a:p/>
+          <a:p>
+            <a:endParaRPr/>
+          </a:p>
         </p:txBody>
       </p:sp>
       <p:sp>
         <p:nvSpPr>
           <p:cNvPr id="23" name="Shape 23"/>
-          <p:cNvSpPr txBox="1"/>
-          <p:nvPr>
-            <p:ph idx="2" type="body"/>
+          <p:cNvSpPr txBox="1">
+            <a:spLocks noGrp="1"/>
+          </p:cNvSpPr>
+          <p:nvPr>
+            <p:ph type="body" idx="2"/>
           </p:nvPr>
         </p:nvSpPr>
         <p:spPr>
@@ -4224,7 +4559,7 @@
           </a:prstGeom>
         </p:spPr>
         <p:txBody>
-          <a:bodyPr anchorCtr="0" anchor="t" bIns="91425" lIns="91425" rIns="91425" tIns="91425"/>
+          <a:bodyPr lIns="91425" tIns="91425" rIns="91425" bIns="91425" anchor="t" anchorCtr="0"/>
           <a:lstStyle>
             <a:lvl1pPr lvl="0">
               <a:spcBef>
@@ -4290,15 +4625,19 @@
               <a:defRPr sz="1200"/>
             </a:lvl9pPr>
           </a:lstStyle>
-          <a:p/>
+          <a:p>
+            <a:endParaRPr/>
+          </a:p>
         </p:txBody>
       </p:sp>
       <p:sp>
         <p:nvSpPr>
           <p:cNvPr id="24" name="Shape 24"/>
-          <p:cNvSpPr txBox="1"/>
-          <p:nvPr>
-            <p:ph idx="12" type="sldNum"/>
+          <p:cNvSpPr txBox="1">
+            <a:spLocks noGrp="1"/>
+          </p:cNvSpPr>
+          <p:nvPr>
+            <p:ph type="sldNum" idx="12"/>
           </p:nvPr>
         </p:nvSpPr>
         <p:spPr>
@@ -4311,7 +4650,7 @@
           </a:prstGeom>
         </p:spPr>
         <p:txBody>
-          <a:bodyPr anchorCtr="0" anchor="ctr" bIns="91425" lIns="91425" rIns="91425" tIns="91425">
+          <a:bodyPr lIns="91425" tIns="91425" rIns="91425" bIns="91425" anchor="ctr" anchorCtr="0">
             <a:noAutofit/>
           </a:bodyPr>
           <a:lstStyle/>
@@ -4326,6 +4665,7 @@
               <a:rPr lang="en"/>
               <a:t>‹#›</a:t>
             </a:fld>
+            <a:endParaRPr lang="en"/>
           </a:p>
         </p:txBody>
       </p:sp>
@@ -4338,11 +4678,11 @@
 </file>
 
 <file path=ppt/slideLayouts/slideLayout5.xml><?xml version="1.0" encoding="utf-8"?>
-<p:sldLayout xmlns:a="http://schemas.openxmlformats.org/drawingml/2006/main" xmlns:r="http://schemas.openxmlformats.org/officeDocument/2006/relationships" xmlns:mc="http://schemas.openxmlformats.org/markup-compatibility/2006" xmlns:mv="urn:schemas-microsoft-com:mac:vml" xmlns:p="http://schemas.openxmlformats.org/presentationml/2006/main" xmlns:c="http://schemas.openxmlformats.org/drawingml/2006/chart" xmlns:dgm="http://schemas.openxmlformats.org/drawingml/2006/diagram" xmlns:o="urn:schemas-microsoft-com:office:office" xmlns:v="urn:schemas-microsoft-com:vml" xmlns:pvml="urn:schemas-microsoft-com:office:powerpoint" xmlns:com="http://schemas.openxmlformats.org/drawingml/2006/compatibility" xmlns:p14="http://schemas.microsoft.com/office/powerpoint/2010/main" type="titleOnly">
+<p:sldLayout xmlns:a="http://schemas.openxmlformats.org/drawingml/2006/main" xmlns:r="http://schemas.openxmlformats.org/officeDocument/2006/relationships" xmlns:p="http://schemas.openxmlformats.org/presentationml/2006/main" type="titleOnly">
   <p:cSld name="Title only">
     <p:spTree>
       <p:nvGrpSpPr>
-        <p:cNvPr id="25" name="Shape 25"/>
+        <p:cNvPr id="1" name="Shape 25"/>
         <p:cNvGrpSpPr/>
         <p:nvPr/>
       </p:nvGrpSpPr>
@@ -4357,7 +4697,9 @@
       <p:sp>
         <p:nvSpPr>
           <p:cNvPr id="26" name="Shape 26"/>
-          <p:cNvSpPr txBox="1"/>
+          <p:cNvSpPr txBox="1">
+            <a:spLocks noGrp="1"/>
+          </p:cNvSpPr>
           <p:nvPr>
             <p:ph type="title"/>
           </p:nvPr>
@@ -4372,7 +4714,7 @@
           </a:prstGeom>
         </p:spPr>
         <p:txBody>
-          <a:bodyPr anchorCtr="0" anchor="t" bIns="91425" lIns="91425" rIns="91425" tIns="91425"/>
+          <a:bodyPr lIns="91425" tIns="91425" rIns="91425" bIns="91425" anchor="t" anchorCtr="0"/>
           <a:lstStyle>
             <a:lvl1pPr lvl="0">
               <a:spcBef>
@@ -4429,15 +4771,19 @@
               <a:defRPr/>
             </a:lvl9pPr>
           </a:lstStyle>
-          <a:p/>
+          <a:p>
+            <a:endParaRPr/>
+          </a:p>
         </p:txBody>
       </p:sp>
       <p:sp>
         <p:nvSpPr>
           <p:cNvPr id="27" name="Shape 27"/>
-          <p:cNvSpPr txBox="1"/>
-          <p:nvPr>
-            <p:ph idx="12" type="sldNum"/>
+          <p:cNvSpPr txBox="1">
+            <a:spLocks noGrp="1"/>
+          </p:cNvSpPr>
+          <p:nvPr>
+            <p:ph type="sldNum" idx="12"/>
           </p:nvPr>
         </p:nvSpPr>
         <p:spPr>
@@ -4450,7 +4796,7 @@
           </a:prstGeom>
         </p:spPr>
         <p:txBody>
-          <a:bodyPr anchorCtr="0" anchor="ctr" bIns="91425" lIns="91425" rIns="91425" tIns="91425">
+          <a:bodyPr lIns="91425" tIns="91425" rIns="91425" bIns="91425" anchor="ctr" anchorCtr="0">
             <a:noAutofit/>
           </a:bodyPr>
           <a:lstStyle/>
@@ -4465,6 +4811,7 @@
               <a:rPr lang="en"/>
               <a:t>‹#›</a:t>
             </a:fld>
+            <a:endParaRPr lang="en"/>
           </a:p>
         </p:txBody>
       </p:sp>
@@ -4477,11 +4824,11 @@
 </file>
 
 <file path=ppt/slideLayouts/slideLayout6.xml><?xml version="1.0" encoding="utf-8"?>
-<p:sldLayout xmlns:a="http://schemas.openxmlformats.org/drawingml/2006/main" xmlns:r="http://schemas.openxmlformats.org/officeDocument/2006/relationships" xmlns:mc="http://schemas.openxmlformats.org/markup-compatibility/2006" xmlns:mv="urn:schemas-microsoft-com:mac:vml" xmlns:p="http://schemas.openxmlformats.org/presentationml/2006/main" xmlns:c="http://schemas.openxmlformats.org/drawingml/2006/chart" xmlns:dgm="http://schemas.openxmlformats.org/drawingml/2006/diagram" xmlns:o="urn:schemas-microsoft-com:office:office" xmlns:v="urn:schemas-microsoft-com:vml" xmlns:pvml="urn:schemas-microsoft-com:office:powerpoint" xmlns:com="http://schemas.openxmlformats.org/drawingml/2006/compatibility" xmlns:p14="http://schemas.microsoft.com/office/powerpoint/2010/main">
+<p:sldLayout xmlns:a="http://schemas.openxmlformats.org/drawingml/2006/main" xmlns:r="http://schemas.openxmlformats.org/officeDocument/2006/relationships" xmlns:p="http://schemas.openxmlformats.org/presentationml/2006/main">
   <p:cSld name="One column text">
     <p:spTree>
       <p:nvGrpSpPr>
-        <p:cNvPr id="28" name="Shape 28"/>
+        <p:cNvPr id="1" name="Shape 28"/>
         <p:cNvGrpSpPr/>
         <p:nvPr/>
       </p:nvGrpSpPr>
@@ -4496,7 +4843,9 @@
       <p:sp>
         <p:nvSpPr>
           <p:cNvPr id="29" name="Shape 29"/>
-          <p:cNvSpPr txBox="1"/>
+          <p:cNvSpPr txBox="1">
+            <a:spLocks noGrp="1"/>
+          </p:cNvSpPr>
           <p:nvPr>
             <p:ph type="title"/>
           </p:nvPr>
@@ -4511,7 +4860,7 @@
           </a:prstGeom>
         </p:spPr>
         <p:txBody>
-          <a:bodyPr anchorCtr="0" anchor="b" bIns="91425" lIns="91425" rIns="91425" tIns="91425"/>
+          <a:bodyPr lIns="91425" tIns="91425" rIns="91425" bIns="91425" anchor="b" anchorCtr="0"/>
           <a:lstStyle>
             <a:lvl1pPr lvl="0">
               <a:spcBef>
@@ -4577,15 +4926,19 @@
               <a:defRPr sz="2400"/>
             </a:lvl9pPr>
           </a:lstStyle>
-          <a:p/>
+          <a:p>
+            <a:endParaRPr/>
+          </a:p>
         </p:txBody>
       </p:sp>
       <p:sp>
         <p:nvSpPr>
           <p:cNvPr id="30" name="Shape 30"/>
-          <p:cNvSpPr txBox="1"/>
-          <p:nvPr>
-            <p:ph idx="1" type="body"/>
+          <p:cNvSpPr txBox="1">
+            <a:spLocks noGrp="1"/>
+          </p:cNvSpPr>
+          <p:nvPr>
+            <p:ph type="body" idx="1"/>
           </p:nvPr>
         </p:nvSpPr>
         <p:spPr>
@@ -4598,7 +4951,7 @@
           </a:prstGeom>
         </p:spPr>
         <p:txBody>
-          <a:bodyPr anchorCtr="0" anchor="t" bIns="91425" lIns="91425" rIns="91425" tIns="91425"/>
+          <a:bodyPr lIns="91425" tIns="91425" rIns="91425" bIns="91425" anchor="t" anchorCtr="0"/>
           <a:lstStyle>
             <a:lvl1pPr lvl="0">
               <a:spcBef>
@@ -4664,15 +5017,19 @@
               <a:defRPr sz="1200"/>
             </a:lvl9pPr>
           </a:lstStyle>
-          <a:p/>
+          <a:p>
+            <a:endParaRPr/>
+          </a:p>
         </p:txBody>
       </p:sp>
       <p:sp>
         <p:nvSpPr>
           <p:cNvPr id="31" name="Shape 31"/>
-          <p:cNvSpPr txBox="1"/>
-          <p:nvPr>
-            <p:ph idx="12" type="sldNum"/>
+          <p:cNvSpPr txBox="1">
+            <a:spLocks noGrp="1"/>
+          </p:cNvSpPr>
+          <p:nvPr>
+            <p:ph type="sldNum" idx="12"/>
           </p:nvPr>
         </p:nvSpPr>
         <p:spPr>
@@ -4685,7 +5042,7 @@
           </a:prstGeom>
         </p:spPr>
         <p:txBody>
-          <a:bodyPr anchorCtr="0" anchor="ctr" bIns="91425" lIns="91425" rIns="91425" tIns="91425">
+          <a:bodyPr lIns="91425" tIns="91425" rIns="91425" bIns="91425" anchor="ctr" anchorCtr="0">
             <a:noAutofit/>
           </a:bodyPr>
           <a:lstStyle/>
@@ -4700,6 +5057,7 @@
               <a:rPr lang="en"/>
               <a:t>‹#›</a:t>
             </a:fld>
+            <a:endParaRPr lang="en"/>
           </a:p>
         </p:txBody>
       </p:sp>
@@ -4712,11 +5070,11 @@
 </file>
 
 <file path=ppt/slideLayouts/slideLayout7.xml><?xml version="1.0" encoding="utf-8"?>
-<p:sldLayout xmlns:a="http://schemas.openxmlformats.org/drawingml/2006/main" xmlns:r="http://schemas.openxmlformats.org/officeDocument/2006/relationships" xmlns:mc="http://schemas.openxmlformats.org/markup-compatibility/2006" xmlns:mv="urn:schemas-microsoft-com:mac:vml" xmlns:p="http://schemas.openxmlformats.org/presentationml/2006/main" xmlns:c="http://schemas.openxmlformats.org/drawingml/2006/chart" xmlns:dgm="http://schemas.openxmlformats.org/drawingml/2006/diagram" xmlns:o="urn:schemas-microsoft-com:office:office" xmlns:v="urn:schemas-microsoft-com:vml" xmlns:pvml="urn:schemas-microsoft-com:office:powerpoint" xmlns:com="http://schemas.openxmlformats.org/drawingml/2006/compatibility" xmlns:p14="http://schemas.microsoft.com/office/powerpoint/2010/main">
+<p:sldLayout xmlns:a="http://schemas.openxmlformats.org/drawingml/2006/main" xmlns:r="http://schemas.openxmlformats.org/officeDocument/2006/relationships" xmlns:p="http://schemas.openxmlformats.org/presentationml/2006/main">
   <p:cSld name="Main point">
     <p:spTree>
       <p:nvGrpSpPr>
-        <p:cNvPr id="32" name="Shape 32"/>
+        <p:cNvPr id="1" name="Shape 32"/>
         <p:cNvGrpSpPr/>
         <p:nvPr/>
       </p:nvGrpSpPr>
@@ -4731,7 +5089,9 @@
       <p:sp>
         <p:nvSpPr>
           <p:cNvPr id="33" name="Shape 33"/>
-          <p:cNvSpPr txBox="1"/>
+          <p:cNvSpPr txBox="1">
+            <a:spLocks noGrp="1"/>
+          </p:cNvSpPr>
           <p:nvPr>
             <p:ph type="title"/>
           </p:nvPr>
@@ -4746,7 +5106,7 @@
           </a:prstGeom>
         </p:spPr>
         <p:txBody>
-          <a:bodyPr anchorCtr="0" anchor="ctr" bIns="91425" lIns="91425" rIns="91425" tIns="91425"/>
+          <a:bodyPr lIns="91425" tIns="91425" rIns="91425" bIns="91425" anchor="ctr" anchorCtr="0"/>
           <a:lstStyle>
             <a:lvl1pPr lvl="0">
               <a:spcBef>
@@ -4812,15 +5172,19 @@
               <a:defRPr sz="4800"/>
             </a:lvl9pPr>
           </a:lstStyle>
-          <a:p/>
+          <a:p>
+            <a:endParaRPr/>
+          </a:p>
         </p:txBody>
       </p:sp>
       <p:sp>
         <p:nvSpPr>
           <p:cNvPr id="34" name="Shape 34"/>
-          <p:cNvSpPr txBox="1"/>
-          <p:nvPr>
-            <p:ph idx="12" type="sldNum"/>
+          <p:cNvSpPr txBox="1">
+            <a:spLocks noGrp="1"/>
+          </p:cNvSpPr>
+          <p:nvPr>
+            <p:ph type="sldNum" idx="12"/>
           </p:nvPr>
         </p:nvSpPr>
         <p:spPr>
@@ -4833,7 +5197,7 @@
           </a:prstGeom>
         </p:spPr>
         <p:txBody>
-          <a:bodyPr anchorCtr="0" anchor="ctr" bIns="91425" lIns="91425" rIns="91425" tIns="91425">
+          <a:bodyPr lIns="91425" tIns="91425" rIns="91425" bIns="91425" anchor="ctr" anchorCtr="0">
             <a:noAutofit/>
           </a:bodyPr>
           <a:lstStyle/>
@@ -4848,6 +5212,7 @@
               <a:rPr lang="en"/>
               <a:t>‹#›</a:t>
             </a:fld>
+            <a:endParaRPr lang="en"/>
           </a:p>
         </p:txBody>
       </p:sp>
@@ -4860,11 +5225,11 @@
 </file>
 
 <file path=ppt/slideLayouts/slideLayout8.xml><?xml version="1.0" encoding="utf-8"?>
-<p:sldLayout xmlns:a="http://schemas.openxmlformats.org/drawingml/2006/main" xmlns:r="http://schemas.openxmlformats.org/officeDocument/2006/relationships" xmlns:mc="http://schemas.openxmlformats.org/markup-compatibility/2006" xmlns:mv="urn:schemas-microsoft-com:mac:vml" xmlns:p="http://schemas.openxmlformats.org/presentationml/2006/main" xmlns:c="http://schemas.openxmlformats.org/drawingml/2006/chart" xmlns:dgm="http://schemas.openxmlformats.org/drawingml/2006/diagram" xmlns:o="urn:schemas-microsoft-com:office:office" xmlns:v="urn:schemas-microsoft-com:vml" xmlns:pvml="urn:schemas-microsoft-com:office:powerpoint" xmlns:com="http://schemas.openxmlformats.org/drawingml/2006/compatibility" xmlns:p14="http://schemas.microsoft.com/office/powerpoint/2010/main">
+<p:sldLayout xmlns:a="http://schemas.openxmlformats.org/drawingml/2006/main" xmlns:r="http://schemas.openxmlformats.org/officeDocument/2006/relationships" xmlns:p="http://schemas.openxmlformats.org/presentationml/2006/main">
   <p:cSld name="Section title and description">
     <p:spTree>
       <p:nvGrpSpPr>
-        <p:cNvPr id="35" name="Shape 35"/>
+        <p:cNvPr id="1" name="Shape 35"/>
         <p:cNvGrpSpPr/>
         <p:nvPr/>
       </p:nvGrpSpPr>
@@ -4898,7 +5263,7 @@
           </a:ln>
         </p:spPr>
         <p:txBody>
-          <a:bodyPr anchorCtr="0" anchor="ctr" bIns="91425" lIns="91425" rIns="91425" tIns="91425">
+          <a:bodyPr lIns="91425" tIns="91425" rIns="91425" bIns="91425" anchor="ctr" anchorCtr="0">
             <a:noAutofit/>
           </a:bodyPr>
           <a:lstStyle/>
@@ -4909,9 +5274,6 @@
               </a:spcBef>
               <a:buNone/>
             </a:pPr>
-            <a:r>
-              <a:t/>
-            </a:r>
             <a:endParaRPr/>
           </a:p>
         </p:txBody>
@@ -4919,7 +5281,9 @@
       <p:sp>
         <p:nvSpPr>
           <p:cNvPr id="37" name="Shape 37"/>
-          <p:cNvSpPr txBox="1"/>
+          <p:cNvSpPr txBox="1">
+            <a:spLocks noGrp="1"/>
+          </p:cNvSpPr>
           <p:nvPr>
             <p:ph type="title"/>
           </p:nvPr>
@@ -4934,7 +5298,7 @@
           </a:prstGeom>
         </p:spPr>
         <p:txBody>
-          <a:bodyPr anchorCtr="0" anchor="b" bIns="91425" lIns="91425" rIns="91425" tIns="91425"/>
+          <a:bodyPr lIns="91425" tIns="91425" rIns="91425" bIns="91425" anchor="b" anchorCtr="0"/>
           <a:lstStyle>
             <a:lvl1pPr lvl="0" algn="ctr">
               <a:spcBef>
@@ -5000,15 +5364,19 @@
               <a:defRPr sz="4200"/>
             </a:lvl9pPr>
           </a:lstStyle>
-          <a:p/>
+          <a:p>
+            <a:endParaRPr/>
+          </a:p>
         </p:txBody>
       </p:sp>
       <p:sp>
         <p:nvSpPr>
           <p:cNvPr id="38" name="Shape 38"/>
-          <p:cNvSpPr txBox="1"/>
-          <p:nvPr>
-            <p:ph idx="1" type="subTitle"/>
+          <p:cNvSpPr txBox="1">
+            <a:spLocks noGrp="1"/>
+          </p:cNvSpPr>
+          <p:nvPr>
+            <p:ph type="subTitle" idx="1"/>
           </p:nvPr>
         </p:nvSpPr>
         <p:spPr>
@@ -5021,7 +5389,7 @@
           </a:prstGeom>
         </p:spPr>
         <p:txBody>
-          <a:bodyPr anchorCtr="0" anchor="t" bIns="91425" lIns="91425" rIns="91425" tIns="91425"/>
+          <a:bodyPr lIns="91425" tIns="91425" rIns="91425" bIns="91425" anchor="t" anchorCtr="0"/>
           <a:lstStyle>
             <a:lvl1pPr lvl="0" algn="ctr">
               <a:lnSpc>
@@ -5150,15 +5518,19 @@
               <a:defRPr sz="2100"/>
             </a:lvl9pPr>
           </a:lstStyle>
-          <a:p/>
+          <a:p>
+            <a:endParaRPr/>
+          </a:p>
         </p:txBody>
       </p:sp>
       <p:sp>
         <p:nvSpPr>
           <p:cNvPr id="39" name="Shape 39"/>
-          <p:cNvSpPr txBox="1"/>
-          <p:nvPr>
-            <p:ph idx="2" type="body"/>
+          <p:cNvSpPr txBox="1">
+            <a:spLocks noGrp="1"/>
+          </p:cNvSpPr>
+          <p:nvPr>
+            <p:ph type="body" idx="2"/>
           </p:nvPr>
         </p:nvSpPr>
         <p:spPr>
@@ -5171,7 +5543,7 @@
           </a:prstGeom>
         </p:spPr>
         <p:txBody>
-          <a:bodyPr anchorCtr="0" anchor="ctr" bIns="91425" lIns="91425" rIns="91425" tIns="91425"/>
+          <a:bodyPr lIns="91425" tIns="91425" rIns="91425" bIns="91425" anchor="ctr" anchorCtr="0"/>
           <a:lstStyle>
             <a:lvl1pPr lvl="0">
               <a:spcBef>
@@ -5228,15 +5600,19 @@
               <a:defRPr/>
             </a:lvl9pPr>
           </a:lstStyle>
-          <a:p/>
+          <a:p>
+            <a:endParaRPr/>
+          </a:p>
         </p:txBody>
       </p:sp>
       <p:sp>
         <p:nvSpPr>
           <p:cNvPr id="40" name="Shape 40"/>
-          <p:cNvSpPr txBox="1"/>
-          <p:nvPr>
-            <p:ph idx="12" type="sldNum"/>
+          <p:cNvSpPr txBox="1">
+            <a:spLocks noGrp="1"/>
+          </p:cNvSpPr>
+          <p:nvPr>
+            <p:ph type="sldNum" idx="12"/>
           </p:nvPr>
         </p:nvSpPr>
         <p:spPr>
@@ -5249,7 +5625,7 @@
           </a:prstGeom>
         </p:spPr>
         <p:txBody>
-          <a:bodyPr anchorCtr="0" anchor="ctr" bIns="91425" lIns="91425" rIns="91425" tIns="91425">
+          <a:bodyPr lIns="91425" tIns="91425" rIns="91425" bIns="91425" anchor="ctr" anchorCtr="0">
             <a:noAutofit/>
           </a:bodyPr>
           <a:lstStyle/>
@@ -5264,6 +5640,7 @@
               <a:rPr lang="en"/>
               <a:t>‹#›</a:t>
             </a:fld>
+            <a:endParaRPr lang="en"/>
           </a:p>
         </p:txBody>
       </p:sp>
@@ -5276,11 +5653,11 @@
 </file>
 
 <file path=ppt/slideLayouts/slideLayout9.xml><?xml version="1.0" encoding="utf-8"?>
-<p:sldLayout xmlns:a="http://schemas.openxmlformats.org/drawingml/2006/main" xmlns:r="http://schemas.openxmlformats.org/officeDocument/2006/relationships" xmlns:mc="http://schemas.openxmlformats.org/markup-compatibility/2006" xmlns:mv="urn:schemas-microsoft-com:mac:vml" xmlns:p="http://schemas.openxmlformats.org/presentationml/2006/main" xmlns:c="http://schemas.openxmlformats.org/drawingml/2006/chart" xmlns:dgm="http://schemas.openxmlformats.org/drawingml/2006/diagram" xmlns:o="urn:schemas-microsoft-com:office:office" xmlns:v="urn:schemas-microsoft-com:vml" xmlns:pvml="urn:schemas-microsoft-com:office:powerpoint" xmlns:com="http://schemas.openxmlformats.org/drawingml/2006/compatibility" xmlns:p14="http://schemas.microsoft.com/office/powerpoint/2010/main">
+<p:sldLayout xmlns:a="http://schemas.openxmlformats.org/drawingml/2006/main" xmlns:r="http://schemas.openxmlformats.org/officeDocument/2006/relationships" xmlns:p="http://schemas.openxmlformats.org/presentationml/2006/main">
   <p:cSld name="Caption">
     <p:spTree>
       <p:nvGrpSpPr>
-        <p:cNvPr id="41" name="Shape 41"/>
+        <p:cNvPr id="1" name="Shape 41"/>
         <p:cNvGrpSpPr/>
         <p:nvPr/>
       </p:nvGrpSpPr>
@@ -5295,9 +5672,11 @@
       <p:sp>
         <p:nvSpPr>
           <p:cNvPr id="42" name="Shape 42"/>
-          <p:cNvSpPr txBox="1"/>
-          <p:nvPr>
-            <p:ph idx="1" type="body"/>
+          <p:cNvSpPr txBox="1">
+            <a:spLocks noGrp="1"/>
+          </p:cNvSpPr>
+          <p:nvPr>
+            <p:ph type="body" idx="1"/>
           </p:nvPr>
         </p:nvSpPr>
         <p:spPr>
@@ -5310,7 +5689,7 @@
           </a:prstGeom>
         </p:spPr>
         <p:txBody>
-          <a:bodyPr anchorCtr="0" anchor="ctr" bIns="91425" lIns="91425" rIns="91425" tIns="91425"/>
+          <a:bodyPr lIns="91425" tIns="91425" rIns="91425" bIns="91425" anchor="ctr" anchorCtr="0"/>
           <a:lstStyle>
             <a:lvl1pPr lvl="0">
               <a:lnSpc>
@@ -5326,15 +5705,19 @@
               <a:defRPr/>
             </a:lvl1pPr>
           </a:lstStyle>
-          <a:p/>
+          <a:p>
+            <a:endParaRPr/>
+          </a:p>
         </p:txBody>
       </p:sp>
       <p:sp>
         <p:nvSpPr>
           <p:cNvPr id="43" name="Shape 43"/>
-          <p:cNvSpPr txBox="1"/>
-          <p:nvPr>
-            <p:ph idx="12" type="sldNum"/>
+          <p:cNvSpPr txBox="1">
+            <a:spLocks noGrp="1"/>
+          </p:cNvSpPr>
+          <p:nvPr>
+            <p:ph type="sldNum" idx="12"/>
           </p:nvPr>
         </p:nvSpPr>
         <p:spPr>
@@ -5347,7 +5730,7 @@
           </a:prstGeom>
         </p:spPr>
         <p:txBody>
-          <a:bodyPr anchorCtr="0" anchor="ctr" bIns="91425" lIns="91425" rIns="91425" tIns="91425">
+          <a:bodyPr lIns="91425" tIns="91425" rIns="91425" bIns="91425" anchor="ctr" anchorCtr="0">
             <a:noAutofit/>
           </a:bodyPr>
           <a:lstStyle/>
@@ -5362,6 +5745,7 @@
               <a:rPr lang="en"/>
               <a:t>‹#›</a:t>
             </a:fld>
+            <a:endParaRPr lang="en"/>
           </a:p>
         </p:txBody>
       </p:sp>
@@ -5374,18 +5758,19 @@
 </file>
 
 <file path=ppt/slideMasters/slideMaster1.xml><?xml version="1.0" encoding="utf-8"?>
-<p:sldMaster xmlns:a="http://schemas.openxmlformats.org/drawingml/2006/main" xmlns:r="http://schemas.openxmlformats.org/officeDocument/2006/relationships" xmlns:mc="http://schemas.openxmlformats.org/markup-compatibility/2006" xmlns:mv="urn:schemas-microsoft-com:mac:vml" xmlns:p="http://schemas.openxmlformats.org/presentationml/2006/main" xmlns:c="http://schemas.openxmlformats.org/drawingml/2006/chart" xmlns:dgm="http://schemas.openxmlformats.org/drawingml/2006/diagram" xmlns:o="urn:schemas-microsoft-com:office:office" xmlns:v="urn:schemas-microsoft-com:vml" xmlns:pvml="urn:schemas-microsoft-com:office:powerpoint" xmlns:com="http://schemas.openxmlformats.org/drawingml/2006/compatibility" xmlns:p14="http://schemas.microsoft.com/office/powerpoint/2010/main">
+<p:sldMaster xmlns:a="http://schemas.openxmlformats.org/drawingml/2006/main" xmlns:r="http://schemas.openxmlformats.org/officeDocument/2006/relationships" xmlns:p="http://schemas.openxmlformats.org/presentationml/2006/main">
   <p:cSld>
     <p:bg>
       <p:bgPr>
         <a:solidFill>
           <a:schemeClr val="lt1"/>
         </a:solidFill>
+        <a:effectLst/>
       </p:bgPr>
     </p:bg>
     <p:spTree>
       <p:nvGrpSpPr>
-        <p:cNvPr id="5" name="Shape 5"/>
+        <p:cNvPr id="1" name="Shape 5"/>
         <p:cNvGrpSpPr/>
         <p:nvPr/>
       </p:nvGrpSpPr>
@@ -5400,7 +5785,9 @@
       <p:sp>
         <p:nvSpPr>
           <p:cNvPr id="6" name="Shape 6"/>
-          <p:cNvSpPr txBox="1"/>
+          <p:cNvSpPr txBox="1">
+            <a:spLocks noGrp="1"/>
+          </p:cNvSpPr>
           <p:nvPr>
             <p:ph type="title"/>
           </p:nvPr>
@@ -5419,7 +5806,7 @@
           </a:ln>
         </p:spPr>
         <p:txBody>
-          <a:bodyPr anchorCtr="0" anchor="t" bIns="91425" lIns="91425" rIns="91425" tIns="91425"/>
+          <a:bodyPr lIns="91425" tIns="91425" rIns="91425" bIns="91425" anchor="t" anchorCtr="0"/>
           <a:lstStyle>
             <a:lvl1pPr lvl="0">
               <a:spcBef>
@@ -5557,15 +5944,19 @@
               </a:defRPr>
             </a:lvl9pPr>
           </a:lstStyle>
-          <a:p/>
+          <a:p>
+            <a:endParaRPr/>
+          </a:p>
         </p:txBody>
       </p:sp>
       <p:sp>
         <p:nvSpPr>
           <p:cNvPr id="7" name="Shape 7"/>
-          <p:cNvSpPr txBox="1"/>
-          <p:nvPr>
-            <p:ph idx="1" type="body"/>
+          <p:cNvSpPr txBox="1">
+            <a:spLocks noGrp="1"/>
+          </p:cNvSpPr>
+          <p:nvPr>
+            <p:ph type="body" idx="1"/>
           </p:nvPr>
         </p:nvSpPr>
         <p:spPr>
@@ -5582,7 +5973,7 @@
           </a:ln>
         </p:spPr>
         <p:txBody>
-          <a:bodyPr anchorCtr="0" anchor="t" bIns="91425" lIns="91425" rIns="91425" tIns="91425"/>
+          <a:bodyPr lIns="91425" tIns="91425" rIns="91425" bIns="91425" anchor="t" anchorCtr="0"/>
           <a:lstStyle>
             <a:lvl1pPr lvl="0">
               <a:lnSpc>
@@ -5757,15 +6148,19 @@
               </a:defRPr>
             </a:lvl9pPr>
           </a:lstStyle>
-          <a:p/>
+          <a:p>
+            <a:endParaRPr/>
+          </a:p>
         </p:txBody>
       </p:sp>
       <p:sp>
         <p:nvSpPr>
           <p:cNvPr id="8" name="Shape 8"/>
-          <p:cNvSpPr txBox="1"/>
-          <p:nvPr>
-            <p:ph idx="12" type="sldNum"/>
+          <p:cNvSpPr txBox="1">
+            <a:spLocks noGrp="1"/>
+          </p:cNvSpPr>
+          <p:nvPr>
+            <p:ph type="sldNum" idx="12"/>
           </p:nvPr>
         </p:nvSpPr>
         <p:spPr>
@@ -5782,7 +6177,7 @@
           </a:ln>
         </p:spPr>
         <p:txBody>
-          <a:bodyPr anchorCtr="0" anchor="ctr" bIns="91425" lIns="91425" rIns="91425" tIns="91425">
+          <a:bodyPr lIns="91425" tIns="91425" rIns="91425" bIns="91425" anchor="ctr" anchorCtr="0">
             <a:noAutofit/>
           </a:bodyPr>
           <a:lstStyle/>
@@ -5801,12 +6196,17 @@
               </a:rPr>
               <a:t>‹#›</a:t>
             </a:fld>
+            <a:endParaRPr lang="en" sz="1000">
+              <a:solidFill>
+                <a:schemeClr val="dk2"/>
+              </a:solidFill>
+            </a:endParaRPr>
           </a:p>
         </p:txBody>
       </p:sp>
     </p:spTree>
   </p:cSld>
-  <p:clrMap accent1="accent1" accent2="accent2" accent3="accent3" accent4="accent4" accent5="accent5" accent6="accent6" bg1="lt1" bg2="dk2" tx1="dk1" tx2="lt2" folHlink="folHlink" hlink="hlink"/>
+  <p:clrMap bg1="lt1" tx1="dk1" bg2="dk2" tx2="lt2" accent1="accent1" accent2="accent2" accent3="accent3" accent4="accent4" accent5="accent5" accent6="accent6" hlink="hlink" folHlink="folHlink"/>
   <p:sldLayoutIdLst>
     <p:sldLayoutId id="2147483648" r:id="rId1"/>
     <p:sldLayoutId id="2147483649" r:id="rId2"/>
@@ -5820,10 +6220,10 @@
     <p:sldLayoutId id="2147483657" r:id="rId10"/>
     <p:sldLayoutId id="2147483658" r:id="rId11"/>
   </p:sldLayoutIdLst>
-  <p:hf dt="0" ftr="0" hdr="0" sldNum="0"/>
+  <p:hf sldNum="0" hdr="0" ftr="0" dt="0"/>
   <p:txStyles>
     <p:titleStyle>
-      <a:defPPr lvl="0" marR="0" rtl="0" algn="l">
+      <a:defPPr marR="0" lvl="0" algn="l" rtl="0">
         <a:lnSpc>
           <a:spcPct val="100000"/>
         </a:lnSpc>
@@ -5834,7 +6234,7 @@
           <a:spcPts val="0"/>
         </a:spcAft>
       </a:defPPr>
-      <a:lvl1pPr lvl="0" marR="0" rtl="0" algn="l">
+      <a:lvl1pPr marR="0" lvl="0" algn="l" rtl="0">
         <a:lnSpc>
           <a:spcPct val="100000"/>
         </a:lnSpc>
@@ -5845,7 +6245,7 @@
           <a:spcPts val="0"/>
         </a:spcAft>
         <a:buNone/>
-        <a:defRPr b="0" i="0" sz="1400" u="none" cap="none" strike="noStrike">
+        <a:defRPr sz="1400" b="0" i="0" u="none" strike="noStrike" cap="none">
           <a:solidFill>
             <a:srgbClr val="000000"/>
           </a:solidFill>
@@ -5857,7 +6257,7 @@
       </a:lvl1pPr>
     </p:titleStyle>
     <p:bodyStyle>
-      <a:defPPr lvl="0" marR="0" rtl="0" algn="l">
+      <a:defPPr marR="0" lvl="0" algn="l" rtl="0">
         <a:lnSpc>
           <a:spcPct val="100000"/>
         </a:lnSpc>
@@ -5868,7 +6268,7 @@
           <a:spcPts val="0"/>
         </a:spcAft>
       </a:defPPr>
-      <a:lvl1pPr lvl="0" marR="0" rtl="0" algn="l">
+      <a:lvl1pPr marR="0" lvl="0" algn="l" rtl="0">
         <a:lnSpc>
           <a:spcPct val="100000"/>
         </a:lnSpc>
@@ -5879,7 +6279,7 @@
           <a:spcPts val="0"/>
         </a:spcAft>
         <a:buNone/>
-        <a:defRPr b="0" i="0" sz="1400" u="none" cap="none" strike="noStrike">
+        <a:defRPr sz="1400" b="0" i="0" u="none" strike="noStrike" cap="none">
           <a:solidFill>
             <a:srgbClr val="000000"/>
           </a:solidFill>
@@ -5889,7 +6289,7 @@
           <a:sym typeface="Arial"/>
         </a:defRPr>
       </a:lvl1pPr>
-      <a:lvl2pPr lvl="1" marR="0" rtl="0" algn="l">
+      <a:lvl2pPr marR="0" lvl="1" algn="l" rtl="0">
         <a:lnSpc>
           <a:spcPct val="100000"/>
         </a:lnSpc>
@@ -5900,7 +6300,7 @@
           <a:spcPts val="0"/>
         </a:spcAft>
         <a:buNone/>
-        <a:defRPr b="0" i="0" sz="1400" u="none" cap="none" strike="noStrike">
+        <a:defRPr sz="1400" b="0" i="0" u="none" strike="noStrike" cap="none">
           <a:solidFill>
             <a:srgbClr val="000000"/>
           </a:solidFill>
@@ -5910,7 +6310,7 @@
           <a:sym typeface="Arial"/>
         </a:defRPr>
       </a:lvl2pPr>
-      <a:lvl3pPr lvl="2" marR="0" rtl="0" algn="l">
+      <a:lvl3pPr marR="0" lvl="2" algn="l" rtl="0">
         <a:lnSpc>
           <a:spcPct val="100000"/>
         </a:lnSpc>
@@ -5921,7 +6321,7 @@
           <a:spcPts val="0"/>
         </a:spcAft>
         <a:buNone/>
-        <a:defRPr b="0" i="0" sz="1400" u="none" cap="none" strike="noStrike">
+        <a:defRPr sz="1400" b="0" i="0" u="none" strike="noStrike" cap="none">
           <a:solidFill>
             <a:srgbClr val="000000"/>
           </a:solidFill>
@@ -5931,7 +6331,7 @@
           <a:sym typeface="Arial"/>
         </a:defRPr>
       </a:lvl3pPr>
-      <a:lvl4pPr lvl="3" marR="0" rtl="0" algn="l">
+      <a:lvl4pPr marR="0" lvl="3" algn="l" rtl="0">
         <a:lnSpc>
           <a:spcPct val="100000"/>
         </a:lnSpc>
@@ -5942,7 +6342,7 @@
           <a:spcPts val="0"/>
         </a:spcAft>
         <a:buNone/>
-        <a:defRPr b="0" i="0" sz="1400" u="none" cap="none" strike="noStrike">
+        <a:defRPr sz="1400" b="0" i="0" u="none" strike="noStrike" cap="none">
           <a:solidFill>
             <a:srgbClr val="000000"/>
           </a:solidFill>
@@ -5952,7 +6352,7 @@
           <a:sym typeface="Arial"/>
         </a:defRPr>
       </a:lvl4pPr>
-      <a:lvl5pPr lvl="4" marR="0" rtl="0" algn="l">
+      <a:lvl5pPr marR="0" lvl="4" algn="l" rtl="0">
         <a:lnSpc>
           <a:spcPct val="100000"/>
         </a:lnSpc>
@@ -5963,7 +6363,7 @@
           <a:spcPts val="0"/>
         </a:spcAft>
         <a:buNone/>
-        <a:defRPr b="0" i="0" sz="1400" u="none" cap="none" strike="noStrike">
+        <a:defRPr sz="1400" b="0" i="0" u="none" strike="noStrike" cap="none">
           <a:solidFill>
             <a:srgbClr val="000000"/>
           </a:solidFill>
@@ -5973,7 +6373,7 @@
           <a:sym typeface="Arial"/>
         </a:defRPr>
       </a:lvl5pPr>
-      <a:lvl6pPr lvl="5" marR="0" rtl="0" algn="l">
+      <a:lvl6pPr marR="0" lvl="5" algn="l" rtl="0">
         <a:lnSpc>
           <a:spcPct val="100000"/>
         </a:lnSpc>
@@ -5984,7 +6384,7 @@
           <a:spcPts val="0"/>
         </a:spcAft>
         <a:buNone/>
-        <a:defRPr b="0" i="0" sz="1400" u="none" cap="none" strike="noStrike">
+        <a:defRPr sz="1400" b="0" i="0" u="none" strike="noStrike" cap="none">
           <a:solidFill>
             <a:srgbClr val="000000"/>
           </a:solidFill>
@@ -5994,7 +6394,7 @@
           <a:sym typeface="Arial"/>
         </a:defRPr>
       </a:lvl6pPr>
-      <a:lvl7pPr lvl="6" marR="0" rtl="0" algn="l">
+      <a:lvl7pPr marR="0" lvl="6" algn="l" rtl="0">
         <a:lnSpc>
           <a:spcPct val="100000"/>
         </a:lnSpc>
@@ -6005,7 +6405,7 @@
           <a:spcPts val="0"/>
         </a:spcAft>
         <a:buNone/>
-        <a:defRPr b="0" i="0" sz="1400" u="none" cap="none" strike="noStrike">
+        <a:defRPr sz="1400" b="0" i="0" u="none" strike="noStrike" cap="none">
           <a:solidFill>
             <a:srgbClr val="000000"/>
           </a:solidFill>
@@ -6015,7 +6415,7 @@
           <a:sym typeface="Arial"/>
         </a:defRPr>
       </a:lvl7pPr>
-      <a:lvl8pPr lvl="7" marR="0" rtl="0" algn="l">
+      <a:lvl8pPr marR="0" lvl="7" algn="l" rtl="0">
         <a:lnSpc>
           <a:spcPct val="100000"/>
         </a:lnSpc>
@@ -6026,7 +6426,7 @@
           <a:spcPts val="0"/>
         </a:spcAft>
         <a:buNone/>
-        <a:defRPr b="0" i="0" sz="1400" u="none" cap="none" strike="noStrike">
+        <a:defRPr sz="1400" b="0" i="0" u="none" strike="noStrike" cap="none">
           <a:solidFill>
             <a:srgbClr val="000000"/>
           </a:solidFill>
@@ -6036,7 +6436,7 @@
           <a:sym typeface="Arial"/>
         </a:defRPr>
       </a:lvl8pPr>
-      <a:lvl9pPr lvl="8" marR="0" rtl="0" algn="l">
+      <a:lvl9pPr marR="0" lvl="8" algn="l" rtl="0">
         <a:lnSpc>
           <a:spcPct val="100000"/>
         </a:lnSpc>
@@ -6047,7 +6447,7 @@
           <a:spcPts val="0"/>
         </a:spcAft>
         <a:buNone/>
-        <a:defRPr b="0" i="0" sz="1400" u="none" cap="none" strike="noStrike">
+        <a:defRPr sz="1400" b="0" i="0" u="none" strike="noStrike" cap="none">
           <a:solidFill>
             <a:srgbClr val="000000"/>
           </a:solidFill>
@@ -6059,7 +6459,7 @@
       </a:lvl9pPr>
     </p:bodyStyle>
     <p:otherStyle>
-      <a:defPPr lvl="0" marR="0" rtl="0" algn="l">
+      <a:defPPr marR="0" lvl="0" algn="l" rtl="0">
         <a:lnSpc>
           <a:spcPct val="100000"/>
         </a:lnSpc>
@@ -6070,7 +6470,7 @@
           <a:spcPts val="0"/>
         </a:spcAft>
       </a:defPPr>
-      <a:lvl1pPr lvl="0" marR="0" rtl="0" algn="l">
+      <a:lvl1pPr marR="0" lvl="0" algn="l" rtl="0">
         <a:lnSpc>
           <a:spcPct val="100000"/>
         </a:lnSpc>
@@ -6081,7 +6481,7 @@
           <a:spcPts val="0"/>
         </a:spcAft>
         <a:buNone/>
-        <a:defRPr b="0" i="0" sz="1400" u="none" cap="none" strike="noStrike">
+        <a:defRPr sz="1400" b="0" i="0" u="none" strike="noStrike" cap="none">
           <a:solidFill>
             <a:srgbClr val="000000"/>
           </a:solidFill>
@@ -6091,7 +6491,7 @@
           <a:sym typeface="Arial"/>
         </a:defRPr>
       </a:lvl1pPr>
-      <a:lvl2pPr lvl="1" marR="0" rtl="0" algn="l">
+      <a:lvl2pPr marR="0" lvl="1" algn="l" rtl="0">
         <a:lnSpc>
           <a:spcPct val="100000"/>
         </a:lnSpc>
@@ -6102,7 +6502,7 @@
           <a:spcPts val="0"/>
         </a:spcAft>
         <a:buNone/>
-        <a:defRPr b="0" i="0" sz="1400" u="none" cap="none" strike="noStrike">
+        <a:defRPr sz="1400" b="0" i="0" u="none" strike="noStrike" cap="none">
           <a:solidFill>
             <a:srgbClr val="000000"/>
           </a:solidFill>
@@ -6112,7 +6512,7 @@
           <a:sym typeface="Arial"/>
         </a:defRPr>
       </a:lvl2pPr>
-      <a:lvl3pPr lvl="2" marR="0" rtl="0" algn="l">
+      <a:lvl3pPr marR="0" lvl="2" algn="l" rtl="0">
         <a:lnSpc>
           <a:spcPct val="100000"/>
         </a:lnSpc>
@@ -6123,7 +6523,7 @@
           <a:spcPts val="0"/>
         </a:spcAft>
         <a:buNone/>
-        <a:defRPr b="0" i="0" sz="1400" u="none" cap="none" strike="noStrike">
+        <a:defRPr sz="1400" b="0" i="0" u="none" strike="noStrike" cap="none">
           <a:solidFill>
             <a:srgbClr val="000000"/>
           </a:solidFill>
@@ -6133,7 +6533,7 @@
           <a:sym typeface="Arial"/>
         </a:defRPr>
       </a:lvl3pPr>
-      <a:lvl4pPr lvl="3" marR="0" rtl="0" algn="l">
+      <a:lvl4pPr marR="0" lvl="3" algn="l" rtl="0">
         <a:lnSpc>
           <a:spcPct val="100000"/>
         </a:lnSpc>
@@ -6144,7 +6544,7 @@
           <a:spcPts val="0"/>
         </a:spcAft>
         <a:buNone/>
-        <a:defRPr b="0" i="0" sz="1400" u="none" cap="none" strike="noStrike">
+        <a:defRPr sz="1400" b="0" i="0" u="none" strike="noStrike" cap="none">
           <a:solidFill>
             <a:srgbClr val="000000"/>
           </a:solidFill>
@@ -6154,7 +6554,7 @@
           <a:sym typeface="Arial"/>
         </a:defRPr>
       </a:lvl4pPr>
-      <a:lvl5pPr lvl="4" marR="0" rtl="0" algn="l">
+      <a:lvl5pPr marR="0" lvl="4" algn="l" rtl="0">
         <a:lnSpc>
           <a:spcPct val="100000"/>
         </a:lnSpc>
@@ -6165,7 +6565,7 @@
           <a:spcPts val="0"/>
         </a:spcAft>
         <a:buNone/>
-        <a:defRPr b="0" i="0" sz="1400" u="none" cap="none" strike="noStrike">
+        <a:defRPr sz="1400" b="0" i="0" u="none" strike="noStrike" cap="none">
           <a:solidFill>
             <a:srgbClr val="000000"/>
           </a:solidFill>
@@ -6175,7 +6575,7 @@
           <a:sym typeface="Arial"/>
         </a:defRPr>
       </a:lvl5pPr>
-      <a:lvl6pPr lvl="5" marR="0" rtl="0" algn="l">
+      <a:lvl6pPr marR="0" lvl="5" algn="l" rtl="0">
         <a:lnSpc>
           <a:spcPct val="100000"/>
         </a:lnSpc>
@@ -6186,7 +6586,7 @@
           <a:spcPts val="0"/>
         </a:spcAft>
         <a:buNone/>
-        <a:defRPr b="0" i="0" sz="1400" u="none" cap="none" strike="noStrike">
+        <a:defRPr sz="1400" b="0" i="0" u="none" strike="noStrike" cap="none">
           <a:solidFill>
             <a:srgbClr val="000000"/>
           </a:solidFill>
@@ -6196,7 +6596,7 @@
           <a:sym typeface="Arial"/>
         </a:defRPr>
       </a:lvl6pPr>
-      <a:lvl7pPr lvl="6" marR="0" rtl="0" algn="l">
+      <a:lvl7pPr marR="0" lvl="6" algn="l" rtl="0">
         <a:lnSpc>
           <a:spcPct val="100000"/>
         </a:lnSpc>
@@ -6207,7 +6607,7 @@
           <a:spcPts val="0"/>
         </a:spcAft>
         <a:buNone/>
-        <a:defRPr b="0" i="0" sz="1400" u="none" cap="none" strike="noStrike">
+        <a:defRPr sz="1400" b="0" i="0" u="none" strike="noStrike" cap="none">
           <a:solidFill>
             <a:srgbClr val="000000"/>
           </a:solidFill>
@@ -6217,7 +6617,7 @@
           <a:sym typeface="Arial"/>
         </a:defRPr>
       </a:lvl7pPr>
-      <a:lvl8pPr lvl="7" marR="0" rtl="0" algn="l">
+      <a:lvl8pPr marR="0" lvl="7" algn="l" rtl="0">
         <a:lnSpc>
           <a:spcPct val="100000"/>
         </a:lnSpc>
@@ -6228,7 +6628,7 @@
           <a:spcPts val="0"/>
         </a:spcAft>
         <a:buNone/>
-        <a:defRPr b="0" i="0" sz="1400" u="none" cap="none" strike="noStrike">
+        <a:defRPr sz="1400" b="0" i="0" u="none" strike="noStrike" cap="none">
           <a:solidFill>
             <a:srgbClr val="000000"/>
           </a:solidFill>
@@ -6238,7 +6638,7 @@
           <a:sym typeface="Arial"/>
         </a:defRPr>
       </a:lvl8pPr>
-      <a:lvl9pPr lvl="8" marR="0" rtl="0" algn="l">
+      <a:lvl9pPr marR="0" lvl="8" algn="l" rtl="0">
         <a:lnSpc>
           <a:spcPct val="100000"/>
         </a:lnSpc>
@@ -6249,7 +6649,7 @@
           <a:spcPts val="0"/>
         </a:spcAft>
         <a:buNone/>
-        <a:defRPr b="0" i="0" sz="1400" u="none" cap="none" strike="noStrike">
+        <a:defRPr sz="1400" b="0" i="0" u="none" strike="noStrike" cap="none">
           <a:solidFill>
             <a:srgbClr val="000000"/>
           </a:solidFill>
@@ -6265,11 +6665,11 @@
 </file>
 
 <file path=ppt/slides/slide1.xml><?xml version="1.0" encoding="utf-8"?>
-<p:sld xmlns:a="http://schemas.openxmlformats.org/drawingml/2006/main" xmlns:r="http://schemas.openxmlformats.org/officeDocument/2006/relationships" xmlns:mc="http://schemas.openxmlformats.org/markup-compatibility/2006" xmlns:mv="urn:schemas-microsoft-com:mac:vml" xmlns:p="http://schemas.openxmlformats.org/presentationml/2006/main" xmlns:c="http://schemas.openxmlformats.org/drawingml/2006/chart" xmlns:dgm="http://schemas.openxmlformats.org/drawingml/2006/diagram" xmlns:o="urn:schemas-microsoft-com:office:office" xmlns:v="urn:schemas-microsoft-com:vml" xmlns:pvml="urn:schemas-microsoft-com:office:powerpoint" xmlns:com="http://schemas.openxmlformats.org/drawingml/2006/compatibility" xmlns:p14="http://schemas.microsoft.com/office/powerpoint/2010/main">
+<p:sld xmlns:a="http://schemas.openxmlformats.org/drawingml/2006/main" xmlns:r="http://schemas.openxmlformats.org/officeDocument/2006/relationships" xmlns:p="http://schemas.openxmlformats.org/presentationml/2006/main">
   <p:cSld>
     <p:spTree>
       <p:nvGrpSpPr>
-        <p:cNvPr id="53" name="Shape 53"/>
+        <p:cNvPr id="1" name="Shape 53"/>
         <p:cNvGrpSpPr/>
         <p:nvPr/>
       </p:nvGrpSpPr>
@@ -6284,7 +6684,9 @@
       <p:sp>
         <p:nvSpPr>
           <p:cNvPr id="54" name="Shape 54"/>
-          <p:cNvSpPr txBox="1"/>
+          <p:cNvSpPr txBox="1">
+            <a:spLocks noGrp="1"/>
+          </p:cNvSpPr>
           <p:nvPr>
             <p:ph type="ctrTitle"/>
           </p:nvPr>
@@ -6299,7 +6701,7 @@
           </a:prstGeom>
         </p:spPr>
         <p:txBody>
-          <a:bodyPr anchorCtr="0" anchor="b" bIns="91425" lIns="91425" rIns="91425" tIns="91425">
+          <a:bodyPr lIns="91425" tIns="91425" rIns="91425" bIns="91425" anchor="b" anchorCtr="0">
             <a:noAutofit/>
           </a:bodyPr>
           <a:lstStyle/>
@@ -6344,9 +6746,11 @@
       <p:sp>
         <p:nvSpPr>
           <p:cNvPr id="55" name="Shape 55"/>
-          <p:cNvSpPr txBox="1"/>
-          <p:nvPr>
-            <p:ph idx="1" type="subTitle"/>
+          <p:cNvSpPr txBox="1">
+            <a:spLocks noGrp="1"/>
+          </p:cNvSpPr>
+          <p:nvPr>
+            <p:ph type="subTitle" idx="1"/>
           </p:nvPr>
         </p:nvSpPr>
         <p:spPr>
@@ -6359,7 +6763,7 @@
           </a:prstGeom>
         </p:spPr>
         <p:txBody>
-          <a:bodyPr anchorCtr="0" anchor="t" bIns="91425" lIns="91425" rIns="91425" tIns="91425">
+          <a:bodyPr lIns="91425" tIns="91425" rIns="91425" bIns="91425" anchor="t" anchorCtr="0">
             <a:noAutofit/>
           </a:bodyPr>
           <a:lstStyle/>
@@ -6386,11 +6790,11 @@
 </file>
 
 <file path=ppt/slides/slide10.xml><?xml version="1.0" encoding="utf-8"?>
-<p:sld xmlns:a="http://schemas.openxmlformats.org/drawingml/2006/main" xmlns:r="http://schemas.openxmlformats.org/officeDocument/2006/relationships" xmlns:mc="http://schemas.openxmlformats.org/markup-compatibility/2006" xmlns:mv="urn:schemas-microsoft-com:mac:vml" xmlns:p="http://schemas.openxmlformats.org/presentationml/2006/main" xmlns:c="http://schemas.openxmlformats.org/drawingml/2006/chart" xmlns:dgm="http://schemas.openxmlformats.org/drawingml/2006/diagram" xmlns:o="urn:schemas-microsoft-com:office:office" xmlns:v="urn:schemas-microsoft-com:vml" xmlns:pvml="urn:schemas-microsoft-com:office:powerpoint" xmlns:com="http://schemas.openxmlformats.org/drawingml/2006/compatibility" xmlns:p14="http://schemas.microsoft.com/office/powerpoint/2010/main">
+<p:sld xmlns:a="http://schemas.openxmlformats.org/drawingml/2006/main" xmlns:r="http://schemas.openxmlformats.org/officeDocument/2006/relationships" xmlns:p="http://schemas.openxmlformats.org/presentationml/2006/main">
   <p:cSld>
     <p:spTree>
       <p:nvGrpSpPr>
-        <p:cNvPr id="103" name="Shape 103"/>
+        <p:cNvPr id="1" name="Shape 103"/>
         <p:cNvGrpSpPr/>
         <p:nvPr/>
       </p:nvGrpSpPr>
@@ -6404,7 +6808,7 @@
       </p:grpSpPr>
       <p:pic>
         <p:nvPicPr>
-          <p:cNvPr descr="3.2a.png" id="104" name="Shape 104"/>
+          <p:cNvPr id="104" name="Shape 104" descr="3.2a.png"/>
           <p:cNvPicPr preferRelativeResize="0"/>
           <p:nvPr/>
         </p:nvPicPr>
@@ -6432,7 +6836,7 @@
       </p:pic>
       <p:pic>
         <p:nvPicPr>
-          <p:cNvPr descr="3.2b.png" id="105" name="Shape 105"/>
+          <p:cNvPr id="105" name="Shape 105" descr="3.2b.png"/>
           <p:cNvPicPr preferRelativeResize="0"/>
           <p:nvPr/>
         </p:nvPicPr>
@@ -6461,9 +6865,11 @@
       <p:sp>
         <p:nvSpPr>
           <p:cNvPr id="106" name="Shape 106"/>
-          <p:cNvSpPr txBox="1"/>
-          <p:nvPr>
-            <p:ph idx="4294967295" type="title"/>
+          <p:cNvSpPr txBox="1">
+            <a:spLocks noGrp="1"/>
+          </p:cNvSpPr>
+          <p:nvPr>
+            <p:ph type="title" idx="4294967295"/>
           </p:nvPr>
         </p:nvSpPr>
         <p:spPr>
@@ -6476,12 +6882,12 @@
           </a:prstGeom>
         </p:spPr>
         <p:txBody>
-          <a:bodyPr anchorCtr="0" anchor="t" bIns="91425" lIns="91425" rIns="91425" tIns="91425">
+          <a:bodyPr lIns="91425" tIns="91425" rIns="91425" bIns="91425" anchor="t" anchorCtr="0">
             <a:noAutofit/>
           </a:bodyPr>
           <a:lstStyle/>
           <a:p>
-            <a:pPr indent="-508000" lvl="0" marL="457200" rtl="0" algn="ctr">
+            <a:pPr marL="457200" lvl="0" indent="-508000" algn="ctr" rtl="0">
               <a:spcBef>
                 <a:spcPts val="0"/>
               </a:spcBef>
@@ -6504,11 +6910,11 @@
 </file>
 
 <file path=ppt/slides/slide11.xml><?xml version="1.0" encoding="utf-8"?>
-<p:sld xmlns:a="http://schemas.openxmlformats.org/drawingml/2006/main" xmlns:r="http://schemas.openxmlformats.org/officeDocument/2006/relationships" xmlns:mc="http://schemas.openxmlformats.org/markup-compatibility/2006" xmlns:mv="urn:schemas-microsoft-com:mac:vml" xmlns:p="http://schemas.openxmlformats.org/presentationml/2006/main" xmlns:c="http://schemas.openxmlformats.org/drawingml/2006/chart" xmlns:dgm="http://schemas.openxmlformats.org/drawingml/2006/diagram" xmlns:o="urn:schemas-microsoft-com:office:office" xmlns:v="urn:schemas-microsoft-com:vml" xmlns:pvml="urn:schemas-microsoft-com:office:powerpoint" xmlns:com="http://schemas.openxmlformats.org/drawingml/2006/compatibility" xmlns:p14="http://schemas.microsoft.com/office/powerpoint/2010/main">
+<p:sld xmlns:a="http://schemas.openxmlformats.org/drawingml/2006/main" xmlns:r="http://schemas.openxmlformats.org/officeDocument/2006/relationships" xmlns:p="http://schemas.openxmlformats.org/presentationml/2006/main">
   <p:cSld>
     <p:spTree>
       <p:nvGrpSpPr>
-        <p:cNvPr id="110" name="Shape 110"/>
+        <p:cNvPr id="1" name="Shape 110"/>
         <p:cNvGrpSpPr/>
         <p:nvPr/>
       </p:nvGrpSpPr>
@@ -6520,2343 +6926,14 @@
           <a:chExt cx="0" cy="0"/>
         </a:xfrm>
       </p:grpSpPr>
-      <p:grpSp>
-        <p:nvGrpSpPr>
-          <p:cNvPr id="111" name="Shape 111"/>
-          <p:cNvGrpSpPr/>
-          <p:nvPr/>
-        </p:nvGrpSpPr>
-        <p:grpSpPr>
-          <a:xfrm>
-            <a:off x="1320926" y="941176"/>
-            <a:ext cx="6442880" cy="4202318"/>
-            <a:chOff x="2144058" y="1726100"/>
-            <a:chExt cx="5824335" cy="3330415"/>
-          </a:xfrm>
-        </p:grpSpPr>
-        <p:pic>
-          <p:nvPicPr>
-            <p:cNvPr id="112" name="Shape 112"/>
-            <p:cNvPicPr preferRelativeResize="0"/>
-            <p:nvPr/>
-          </p:nvPicPr>
-          <p:blipFill>
-            <a:blip r:embed="rId3">
-              <a:alphaModFix/>
-            </a:blip>
-            <a:stretch>
-              <a:fillRect/>
-            </a:stretch>
-          </p:blipFill>
-          <p:spPr>
-            <a:xfrm>
-              <a:off x="2144058" y="1726100"/>
-              <a:ext cx="5824335" cy="3330415"/>
-            </a:xfrm>
-            <a:prstGeom prst="rect">
-              <a:avLst/>
-            </a:prstGeom>
-            <a:noFill/>
-            <a:ln>
-              <a:noFill/>
-            </a:ln>
-          </p:spPr>
-        </p:pic>
-        <p:cxnSp>
-          <p:nvCxnSpPr>
-            <p:cNvPr id="113" name="Shape 113"/>
-            <p:cNvCxnSpPr/>
-            <p:nvPr/>
-          </p:nvCxnSpPr>
-          <p:spPr>
-            <a:xfrm rot="10800000">
-              <a:off x="2880327" y="2266611"/>
-              <a:ext cx="6000" cy="2411700"/>
-            </a:xfrm>
-            <a:prstGeom prst="straightConnector1">
-              <a:avLst/>
-            </a:prstGeom>
-            <a:noFill/>
-            <a:ln cap="flat" cmpd="sng" w="9525">
-              <a:solidFill>
-                <a:srgbClr val="FF0000"/>
-              </a:solidFill>
-              <a:prstDash val="solid"/>
-              <a:round/>
-              <a:headEnd len="lg" w="lg" type="none"/>
-              <a:tailEnd len="lg" w="lg" type="none"/>
-            </a:ln>
-          </p:spPr>
-        </p:cxnSp>
-        <p:cxnSp>
-          <p:nvCxnSpPr>
-            <p:cNvPr id="114" name="Shape 114"/>
-            <p:cNvCxnSpPr/>
-            <p:nvPr/>
-          </p:nvCxnSpPr>
-          <p:spPr>
-            <a:xfrm rot="10800000">
-              <a:off x="2915374" y="2266611"/>
-              <a:ext cx="6000" cy="2411700"/>
-            </a:xfrm>
-            <a:prstGeom prst="straightConnector1">
-              <a:avLst/>
-            </a:prstGeom>
-            <a:noFill/>
-            <a:ln cap="flat" cmpd="sng" w="9525">
-              <a:solidFill>
-                <a:srgbClr val="FF0000"/>
-              </a:solidFill>
-              <a:prstDash val="solid"/>
-              <a:round/>
-              <a:headEnd len="lg" w="lg" type="none"/>
-              <a:tailEnd len="lg" w="lg" type="none"/>
-            </a:ln>
-          </p:spPr>
-        </p:cxnSp>
-        <p:cxnSp>
-          <p:nvCxnSpPr>
-            <p:cNvPr id="115" name="Shape 115"/>
-            <p:cNvCxnSpPr/>
-            <p:nvPr/>
-          </p:nvCxnSpPr>
-          <p:spPr>
-            <a:xfrm rot="10800000">
-              <a:off x="2950420" y="2266611"/>
-              <a:ext cx="6000" cy="2411700"/>
-            </a:xfrm>
-            <a:prstGeom prst="straightConnector1">
-              <a:avLst/>
-            </a:prstGeom>
-            <a:noFill/>
-            <a:ln cap="flat" cmpd="sng" w="9525">
-              <a:solidFill>
-                <a:srgbClr val="FF0000"/>
-              </a:solidFill>
-              <a:prstDash val="solid"/>
-              <a:round/>
-              <a:headEnd len="lg" w="lg" type="none"/>
-              <a:tailEnd len="lg" w="lg" type="none"/>
-            </a:ln>
-          </p:spPr>
-        </p:cxnSp>
-        <p:cxnSp>
-          <p:nvCxnSpPr>
-            <p:cNvPr id="116" name="Shape 116"/>
-            <p:cNvCxnSpPr/>
-            <p:nvPr/>
-          </p:nvCxnSpPr>
-          <p:spPr>
-            <a:xfrm rot="10800000">
-              <a:off x="2985466" y="2266611"/>
-              <a:ext cx="6000" cy="2411700"/>
-            </a:xfrm>
-            <a:prstGeom prst="straightConnector1">
-              <a:avLst/>
-            </a:prstGeom>
-            <a:noFill/>
-            <a:ln cap="flat" cmpd="sng" w="9525">
-              <a:solidFill>
-                <a:srgbClr val="FF0000"/>
-              </a:solidFill>
-              <a:prstDash val="solid"/>
-              <a:round/>
-              <a:headEnd len="lg" w="lg" type="none"/>
-              <a:tailEnd len="lg" w="lg" type="none"/>
-            </a:ln>
-          </p:spPr>
-        </p:cxnSp>
-        <p:cxnSp>
-          <p:nvCxnSpPr>
-            <p:cNvPr id="117" name="Shape 117"/>
-            <p:cNvCxnSpPr/>
-            <p:nvPr/>
-          </p:nvCxnSpPr>
-          <p:spPr>
-            <a:xfrm rot="10800000">
-              <a:off x="3020512" y="2266611"/>
-              <a:ext cx="6000" cy="2411700"/>
-            </a:xfrm>
-            <a:prstGeom prst="straightConnector1">
-              <a:avLst/>
-            </a:prstGeom>
-            <a:noFill/>
-            <a:ln cap="flat" cmpd="sng" w="9525">
-              <a:solidFill>
-                <a:srgbClr val="FF0000"/>
-              </a:solidFill>
-              <a:prstDash val="solid"/>
-              <a:round/>
-              <a:headEnd len="lg" w="lg" type="none"/>
-              <a:tailEnd len="lg" w="lg" type="none"/>
-            </a:ln>
-          </p:spPr>
-        </p:cxnSp>
-        <p:cxnSp>
-          <p:nvCxnSpPr>
-            <p:cNvPr id="118" name="Shape 118"/>
-            <p:cNvCxnSpPr/>
-            <p:nvPr/>
-          </p:nvCxnSpPr>
-          <p:spPr>
-            <a:xfrm rot="10800000">
-              <a:off x="3055559" y="2266611"/>
-              <a:ext cx="6000" cy="2411700"/>
-            </a:xfrm>
-            <a:prstGeom prst="straightConnector1">
-              <a:avLst/>
-            </a:prstGeom>
-            <a:noFill/>
-            <a:ln cap="flat" cmpd="sng" w="9525">
-              <a:solidFill>
-                <a:srgbClr val="FF0000"/>
-              </a:solidFill>
-              <a:prstDash val="solid"/>
-              <a:round/>
-              <a:headEnd len="lg" w="lg" type="none"/>
-              <a:tailEnd len="lg" w="lg" type="none"/>
-            </a:ln>
-          </p:spPr>
-        </p:cxnSp>
-        <p:cxnSp>
-          <p:nvCxnSpPr>
-            <p:cNvPr id="119" name="Shape 119"/>
-            <p:cNvCxnSpPr/>
-            <p:nvPr/>
-          </p:nvCxnSpPr>
-          <p:spPr>
-            <a:xfrm rot="10800000">
-              <a:off x="3090638" y="2266611"/>
-              <a:ext cx="6000" cy="2411700"/>
-            </a:xfrm>
-            <a:prstGeom prst="straightConnector1">
-              <a:avLst/>
-            </a:prstGeom>
-            <a:noFill/>
-            <a:ln cap="flat" cmpd="sng" w="9525">
-              <a:solidFill>
-                <a:srgbClr val="FF0000"/>
-              </a:solidFill>
-              <a:prstDash val="solid"/>
-              <a:round/>
-              <a:headEnd len="lg" w="lg" type="none"/>
-              <a:tailEnd len="lg" w="lg" type="none"/>
-            </a:ln>
-          </p:spPr>
-        </p:cxnSp>
-        <p:cxnSp>
-          <p:nvCxnSpPr>
-            <p:cNvPr id="120" name="Shape 120"/>
-            <p:cNvCxnSpPr/>
-            <p:nvPr/>
-          </p:nvCxnSpPr>
-          <p:spPr>
-            <a:xfrm rot="10800000">
-              <a:off x="3125684" y="2266611"/>
-              <a:ext cx="6000" cy="2411700"/>
-            </a:xfrm>
-            <a:prstGeom prst="straightConnector1">
-              <a:avLst/>
-            </a:prstGeom>
-            <a:noFill/>
-            <a:ln cap="flat" cmpd="sng" w="9525">
-              <a:solidFill>
-                <a:srgbClr val="FF0000"/>
-              </a:solidFill>
-              <a:prstDash val="solid"/>
-              <a:round/>
-              <a:headEnd len="lg" w="lg" type="none"/>
-              <a:tailEnd len="lg" w="lg" type="none"/>
-            </a:ln>
-          </p:spPr>
-        </p:cxnSp>
-        <p:cxnSp>
-          <p:nvCxnSpPr>
-            <p:cNvPr id="121" name="Shape 121"/>
-            <p:cNvCxnSpPr/>
-            <p:nvPr/>
-          </p:nvCxnSpPr>
-          <p:spPr>
-            <a:xfrm rot="10800000">
-              <a:off x="3160731" y="2266611"/>
-              <a:ext cx="6000" cy="2411700"/>
-            </a:xfrm>
-            <a:prstGeom prst="straightConnector1">
-              <a:avLst/>
-            </a:prstGeom>
-            <a:noFill/>
-            <a:ln cap="flat" cmpd="sng" w="9525">
-              <a:solidFill>
-                <a:srgbClr val="FF0000"/>
-              </a:solidFill>
-              <a:prstDash val="solid"/>
-              <a:round/>
-              <a:headEnd len="lg" w="lg" type="none"/>
-              <a:tailEnd len="lg" w="lg" type="none"/>
-            </a:ln>
-          </p:spPr>
-        </p:cxnSp>
-        <p:cxnSp>
-          <p:nvCxnSpPr>
-            <p:cNvPr id="122" name="Shape 122"/>
-            <p:cNvCxnSpPr/>
-            <p:nvPr/>
-          </p:nvCxnSpPr>
-          <p:spPr>
-            <a:xfrm rot="10800000">
-              <a:off x="3195777" y="2266611"/>
-              <a:ext cx="6000" cy="2411700"/>
-            </a:xfrm>
-            <a:prstGeom prst="straightConnector1">
-              <a:avLst/>
-            </a:prstGeom>
-            <a:noFill/>
-            <a:ln cap="flat" cmpd="sng" w="9525">
-              <a:solidFill>
-                <a:srgbClr val="FF0000"/>
-              </a:solidFill>
-              <a:prstDash val="solid"/>
-              <a:round/>
-              <a:headEnd len="lg" w="lg" type="none"/>
-              <a:tailEnd len="lg" w="lg" type="none"/>
-            </a:ln>
-          </p:spPr>
-        </p:cxnSp>
-        <p:cxnSp>
-          <p:nvCxnSpPr>
-            <p:cNvPr id="123" name="Shape 123"/>
-            <p:cNvCxnSpPr/>
-            <p:nvPr/>
-          </p:nvCxnSpPr>
-          <p:spPr>
-            <a:xfrm rot="10800000">
-              <a:off x="3230823" y="2266611"/>
-              <a:ext cx="6000" cy="2411700"/>
-            </a:xfrm>
-            <a:prstGeom prst="straightConnector1">
-              <a:avLst/>
-            </a:prstGeom>
-            <a:noFill/>
-            <a:ln cap="flat" cmpd="sng" w="9525">
-              <a:solidFill>
-                <a:srgbClr val="FF0000"/>
-              </a:solidFill>
-              <a:prstDash val="solid"/>
-              <a:round/>
-              <a:headEnd len="lg" w="lg" type="none"/>
-              <a:tailEnd len="lg" w="lg" type="none"/>
-            </a:ln>
-          </p:spPr>
-        </p:cxnSp>
-        <p:cxnSp>
-          <p:nvCxnSpPr>
-            <p:cNvPr id="124" name="Shape 124"/>
-            <p:cNvCxnSpPr/>
-            <p:nvPr/>
-          </p:nvCxnSpPr>
-          <p:spPr>
-            <a:xfrm rot="10800000">
-              <a:off x="3265869" y="2266611"/>
-              <a:ext cx="6000" cy="2411700"/>
-            </a:xfrm>
-            <a:prstGeom prst="straightConnector1">
-              <a:avLst/>
-            </a:prstGeom>
-            <a:noFill/>
-            <a:ln cap="flat" cmpd="sng" w="9525">
-              <a:solidFill>
-                <a:srgbClr val="FF0000"/>
-              </a:solidFill>
-              <a:prstDash val="solid"/>
-              <a:round/>
-              <a:headEnd len="lg" w="lg" type="none"/>
-              <a:tailEnd len="lg" w="lg" type="none"/>
-            </a:ln>
-          </p:spPr>
-        </p:cxnSp>
-        <p:cxnSp>
-          <p:nvCxnSpPr>
-            <p:cNvPr id="125" name="Shape 125"/>
-            <p:cNvCxnSpPr/>
-            <p:nvPr/>
-          </p:nvCxnSpPr>
-          <p:spPr>
-            <a:xfrm rot="10800000">
-              <a:off x="3306779" y="2266611"/>
-              <a:ext cx="6000" cy="2411700"/>
-            </a:xfrm>
-            <a:prstGeom prst="straightConnector1">
-              <a:avLst/>
-            </a:prstGeom>
-            <a:noFill/>
-            <a:ln cap="flat" cmpd="sng" w="9525">
-              <a:solidFill>
-                <a:srgbClr val="FF0000"/>
-              </a:solidFill>
-              <a:prstDash val="solid"/>
-              <a:round/>
-              <a:headEnd len="lg" w="lg" type="none"/>
-              <a:tailEnd len="lg" w="lg" type="none"/>
-            </a:ln>
-          </p:spPr>
-        </p:cxnSp>
-        <p:cxnSp>
-          <p:nvCxnSpPr>
-            <p:cNvPr id="126" name="Shape 126"/>
-            <p:cNvCxnSpPr/>
-            <p:nvPr/>
-          </p:nvCxnSpPr>
-          <p:spPr>
-            <a:xfrm rot="10800000">
-              <a:off x="3341825" y="2266611"/>
-              <a:ext cx="6000" cy="2411700"/>
-            </a:xfrm>
-            <a:prstGeom prst="straightConnector1">
-              <a:avLst/>
-            </a:prstGeom>
-            <a:noFill/>
-            <a:ln cap="flat" cmpd="sng" w="9525">
-              <a:solidFill>
-                <a:srgbClr val="FF0000"/>
-              </a:solidFill>
-              <a:prstDash val="solid"/>
-              <a:round/>
-              <a:headEnd len="lg" w="lg" type="none"/>
-              <a:tailEnd len="lg" w="lg" type="none"/>
-            </a:ln>
-          </p:spPr>
-        </p:cxnSp>
-        <p:cxnSp>
-          <p:nvCxnSpPr>
-            <p:cNvPr id="127" name="Shape 127"/>
-            <p:cNvCxnSpPr/>
-            <p:nvPr/>
-          </p:nvCxnSpPr>
-          <p:spPr>
-            <a:xfrm rot="10800000">
-              <a:off x="3376871" y="2266611"/>
-              <a:ext cx="6000" cy="2411700"/>
-            </a:xfrm>
-            <a:prstGeom prst="straightConnector1">
-              <a:avLst/>
-            </a:prstGeom>
-            <a:noFill/>
-            <a:ln cap="flat" cmpd="sng" w="9525">
-              <a:solidFill>
-                <a:srgbClr val="FF0000"/>
-              </a:solidFill>
-              <a:prstDash val="solid"/>
-              <a:round/>
-              <a:headEnd len="lg" w="lg" type="none"/>
-              <a:tailEnd len="lg" w="lg" type="none"/>
-            </a:ln>
-          </p:spPr>
-        </p:cxnSp>
-        <p:cxnSp>
-          <p:nvCxnSpPr>
-            <p:cNvPr id="128" name="Shape 128"/>
-            <p:cNvCxnSpPr/>
-            <p:nvPr/>
-          </p:nvCxnSpPr>
-          <p:spPr>
-            <a:xfrm rot="10800000">
-              <a:off x="3411918" y="2266611"/>
-              <a:ext cx="6000" cy="2411700"/>
-            </a:xfrm>
-            <a:prstGeom prst="straightConnector1">
-              <a:avLst/>
-            </a:prstGeom>
-            <a:noFill/>
-            <a:ln cap="flat" cmpd="sng" w="9525">
-              <a:solidFill>
-                <a:srgbClr val="FF0000"/>
-              </a:solidFill>
-              <a:prstDash val="solid"/>
-              <a:round/>
-              <a:headEnd len="lg" w="lg" type="none"/>
-              <a:tailEnd len="lg" w="lg" type="none"/>
-            </a:ln>
-          </p:spPr>
-        </p:cxnSp>
-        <p:cxnSp>
-          <p:nvCxnSpPr>
-            <p:cNvPr id="129" name="Shape 129"/>
-            <p:cNvCxnSpPr/>
-            <p:nvPr/>
-          </p:nvCxnSpPr>
-          <p:spPr>
-            <a:xfrm rot="10800000">
-              <a:off x="3446964" y="2266611"/>
-              <a:ext cx="6000" cy="2411700"/>
-            </a:xfrm>
-            <a:prstGeom prst="straightConnector1">
-              <a:avLst/>
-            </a:prstGeom>
-            <a:noFill/>
-            <a:ln cap="flat" cmpd="sng" w="9525">
-              <a:solidFill>
-                <a:srgbClr val="FF0000"/>
-              </a:solidFill>
-              <a:prstDash val="solid"/>
-              <a:round/>
-              <a:headEnd len="lg" w="lg" type="none"/>
-              <a:tailEnd len="lg" w="lg" type="none"/>
-            </a:ln>
-          </p:spPr>
-        </p:cxnSp>
-        <p:cxnSp>
-          <p:nvCxnSpPr>
-            <p:cNvPr id="130" name="Shape 130"/>
-            <p:cNvCxnSpPr/>
-            <p:nvPr/>
-          </p:nvCxnSpPr>
-          <p:spPr>
-            <a:xfrm rot="10800000">
-              <a:off x="3482010" y="2266611"/>
-              <a:ext cx="6000" cy="2411700"/>
-            </a:xfrm>
-            <a:prstGeom prst="straightConnector1">
-              <a:avLst/>
-            </a:prstGeom>
-            <a:noFill/>
-            <a:ln cap="flat" cmpd="sng" w="9525">
-              <a:solidFill>
-                <a:srgbClr val="FF0000"/>
-              </a:solidFill>
-              <a:prstDash val="solid"/>
-              <a:round/>
-              <a:headEnd len="lg" w="lg" type="none"/>
-              <a:tailEnd len="lg" w="lg" type="none"/>
-            </a:ln>
-          </p:spPr>
-        </p:cxnSp>
-        <p:cxnSp>
-          <p:nvCxnSpPr>
-            <p:cNvPr id="131" name="Shape 131"/>
-            <p:cNvCxnSpPr/>
-            <p:nvPr/>
-          </p:nvCxnSpPr>
-          <p:spPr>
-            <a:xfrm rot="10800000">
-              <a:off x="3517090" y="2266611"/>
-              <a:ext cx="6000" cy="2411700"/>
-            </a:xfrm>
-            <a:prstGeom prst="straightConnector1">
-              <a:avLst/>
-            </a:prstGeom>
-            <a:noFill/>
-            <a:ln cap="flat" cmpd="sng" w="9525">
-              <a:solidFill>
-                <a:srgbClr val="FF0000"/>
-              </a:solidFill>
-              <a:prstDash val="solid"/>
-              <a:round/>
-              <a:headEnd len="lg" w="lg" type="none"/>
-              <a:tailEnd len="lg" w="lg" type="none"/>
-            </a:ln>
-          </p:spPr>
-        </p:cxnSp>
-        <p:cxnSp>
-          <p:nvCxnSpPr>
-            <p:cNvPr id="132" name="Shape 132"/>
-            <p:cNvCxnSpPr/>
-            <p:nvPr/>
-          </p:nvCxnSpPr>
-          <p:spPr>
-            <a:xfrm rot="10800000">
-              <a:off x="3552136" y="2266611"/>
-              <a:ext cx="6000" cy="2411700"/>
-            </a:xfrm>
-            <a:prstGeom prst="straightConnector1">
-              <a:avLst/>
-            </a:prstGeom>
-            <a:noFill/>
-            <a:ln cap="flat" cmpd="sng" w="9525">
-              <a:solidFill>
-                <a:srgbClr val="FF0000"/>
-              </a:solidFill>
-              <a:prstDash val="solid"/>
-              <a:round/>
-              <a:headEnd len="lg" w="lg" type="none"/>
-              <a:tailEnd len="lg" w="lg" type="none"/>
-            </a:ln>
-          </p:spPr>
-        </p:cxnSp>
-        <p:cxnSp>
-          <p:nvCxnSpPr>
-            <p:cNvPr id="133" name="Shape 133"/>
-            <p:cNvCxnSpPr/>
-            <p:nvPr/>
-          </p:nvCxnSpPr>
-          <p:spPr>
-            <a:xfrm rot="10800000">
-              <a:off x="3587182" y="2266611"/>
-              <a:ext cx="6000" cy="2411700"/>
-            </a:xfrm>
-            <a:prstGeom prst="straightConnector1">
-              <a:avLst/>
-            </a:prstGeom>
-            <a:noFill/>
-            <a:ln cap="flat" cmpd="sng" w="9525">
-              <a:solidFill>
-                <a:srgbClr val="FF0000"/>
-              </a:solidFill>
-              <a:prstDash val="solid"/>
-              <a:round/>
-              <a:headEnd len="lg" w="lg" type="none"/>
-              <a:tailEnd len="lg" w="lg" type="none"/>
-            </a:ln>
-          </p:spPr>
-        </p:cxnSp>
-        <p:cxnSp>
-          <p:nvCxnSpPr>
-            <p:cNvPr id="134" name="Shape 134"/>
-            <p:cNvCxnSpPr/>
-            <p:nvPr/>
-          </p:nvCxnSpPr>
-          <p:spPr>
-            <a:xfrm rot="10800000">
-              <a:off x="3622229" y="2266611"/>
-              <a:ext cx="6000" cy="2411700"/>
-            </a:xfrm>
-            <a:prstGeom prst="straightConnector1">
-              <a:avLst/>
-            </a:prstGeom>
-            <a:noFill/>
-            <a:ln cap="flat" cmpd="sng" w="9525">
-              <a:solidFill>
-                <a:srgbClr val="FF0000"/>
-              </a:solidFill>
-              <a:prstDash val="solid"/>
-              <a:round/>
-              <a:headEnd len="lg" w="lg" type="none"/>
-              <a:tailEnd len="lg" w="lg" type="none"/>
-            </a:ln>
-          </p:spPr>
-        </p:cxnSp>
-        <p:cxnSp>
-          <p:nvCxnSpPr>
-            <p:cNvPr id="135" name="Shape 135"/>
-            <p:cNvCxnSpPr/>
-            <p:nvPr/>
-          </p:nvCxnSpPr>
-          <p:spPr>
-            <a:xfrm rot="10800000">
-              <a:off x="3657275" y="2266611"/>
-              <a:ext cx="6000" cy="2411700"/>
-            </a:xfrm>
-            <a:prstGeom prst="straightConnector1">
-              <a:avLst/>
-            </a:prstGeom>
-            <a:noFill/>
-            <a:ln cap="flat" cmpd="sng" w="9525">
-              <a:solidFill>
-                <a:srgbClr val="FF0000"/>
-              </a:solidFill>
-              <a:prstDash val="solid"/>
-              <a:round/>
-              <a:headEnd len="lg" w="lg" type="none"/>
-              <a:tailEnd len="lg" w="lg" type="none"/>
-            </a:ln>
-          </p:spPr>
-        </p:cxnSp>
-        <p:cxnSp>
-          <p:nvCxnSpPr>
-            <p:cNvPr id="136" name="Shape 136"/>
-            <p:cNvCxnSpPr/>
-            <p:nvPr/>
-          </p:nvCxnSpPr>
-          <p:spPr>
-            <a:xfrm rot="10800000">
-              <a:off x="3692321" y="2266611"/>
-              <a:ext cx="6000" cy="2411700"/>
-            </a:xfrm>
-            <a:prstGeom prst="straightConnector1">
-              <a:avLst/>
-            </a:prstGeom>
-            <a:noFill/>
-            <a:ln cap="flat" cmpd="sng" w="9525">
-              <a:solidFill>
-                <a:srgbClr val="FF0000"/>
-              </a:solidFill>
-              <a:prstDash val="solid"/>
-              <a:round/>
-              <a:headEnd len="lg" w="lg" type="none"/>
-              <a:tailEnd len="lg" w="lg" type="none"/>
-            </a:ln>
-          </p:spPr>
-        </p:cxnSp>
-        <p:cxnSp>
-          <p:nvCxnSpPr>
-            <p:cNvPr id="137" name="Shape 137"/>
-            <p:cNvCxnSpPr/>
-            <p:nvPr/>
-          </p:nvCxnSpPr>
-          <p:spPr>
-            <a:xfrm rot="10800000">
-              <a:off x="3727384" y="2266611"/>
-              <a:ext cx="6000" cy="2411700"/>
-            </a:xfrm>
-            <a:prstGeom prst="straightConnector1">
-              <a:avLst/>
-            </a:prstGeom>
-            <a:noFill/>
-            <a:ln cap="flat" cmpd="sng" w="9525">
-              <a:solidFill>
-                <a:srgbClr val="FF0000"/>
-              </a:solidFill>
-              <a:prstDash val="solid"/>
-              <a:round/>
-              <a:headEnd len="lg" w="lg" type="none"/>
-              <a:tailEnd len="lg" w="lg" type="none"/>
-            </a:ln>
-          </p:spPr>
-        </p:cxnSp>
-        <p:cxnSp>
-          <p:nvCxnSpPr>
-            <p:cNvPr id="138" name="Shape 138"/>
-            <p:cNvCxnSpPr/>
-            <p:nvPr/>
-          </p:nvCxnSpPr>
-          <p:spPr>
-            <a:xfrm rot="10800000">
-              <a:off x="3762430" y="2266611"/>
-              <a:ext cx="6000" cy="2411700"/>
-            </a:xfrm>
-            <a:prstGeom prst="straightConnector1">
-              <a:avLst/>
-            </a:prstGeom>
-            <a:noFill/>
-            <a:ln cap="flat" cmpd="sng" w="9525">
-              <a:solidFill>
-                <a:srgbClr val="FF0000"/>
-              </a:solidFill>
-              <a:prstDash val="solid"/>
-              <a:round/>
-              <a:headEnd len="lg" w="lg" type="none"/>
-              <a:tailEnd len="lg" w="lg" type="none"/>
-            </a:ln>
-          </p:spPr>
-        </p:cxnSp>
-        <p:cxnSp>
-          <p:nvCxnSpPr>
-            <p:cNvPr id="139" name="Shape 139"/>
-            <p:cNvCxnSpPr/>
-            <p:nvPr/>
-          </p:nvCxnSpPr>
-          <p:spPr>
-            <a:xfrm rot="10800000">
-              <a:off x="3797476" y="2266611"/>
-              <a:ext cx="6000" cy="2411700"/>
-            </a:xfrm>
-            <a:prstGeom prst="straightConnector1">
-              <a:avLst/>
-            </a:prstGeom>
-            <a:noFill/>
-            <a:ln cap="flat" cmpd="sng" w="9525">
-              <a:solidFill>
-                <a:srgbClr val="FF0000"/>
-              </a:solidFill>
-              <a:prstDash val="solid"/>
-              <a:round/>
-              <a:headEnd len="lg" w="lg" type="none"/>
-              <a:tailEnd len="lg" w="lg" type="none"/>
-            </a:ln>
-          </p:spPr>
-        </p:cxnSp>
-        <p:cxnSp>
-          <p:nvCxnSpPr>
-            <p:cNvPr id="140" name="Shape 140"/>
-            <p:cNvCxnSpPr/>
-            <p:nvPr/>
-          </p:nvCxnSpPr>
-          <p:spPr>
-            <a:xfrm rot="10800000">
-              <a:off x="3832523" y="2266611"/>
-              <a:ext cx="6000" cy="2411700"/>
-            </a:xfrm>
-            <a:prstGeom prst="straightConnector1">
-              <a:avLst/>
-            </a:prstGeom>
-            <a:noFill/>
-            <a:ln cap="flat" cmpd="sng" w="9525">
-              <a:solidFill>
-                <a:srgbClr val="FF0000"/>
-              </a:solidFill>
-              <a:prstDash val="solid"/>
-              <a:round/>
-              <a:headEnd len="lg" w="lg" type="none"/>
-              <a:tailEnd len="lg" w="lg" type="none"/>
-            </a:ln>
-          </p:spPr>
-        </p:cxnSp>
-        <p:cxnSp>
-          <p:nvCxnSpPr>
-            <p:cNvPr id="141" name="Shape 141"/>
-            <p:cNvCxnSpPr/>
-            <p:nvPr/>
-          </p:nvCxnSpPr>
-          <p:spPr>
-            <a:xfrm rot="10800000">
-              <a:off x="3867569" y="2266611"/>
-              <a:ext cx="6000" cy="2411700"/>
-            </a:xfrm>
-            <a:prstGeom prst="straightConnector1">
-              <a:avLst/>
-            </a:prstGeom>
-            <a:noFill/>
-            <a:ln cap="flat" cmpd="sng" w="9525">
-              <a:solidFill>
-                <a:srgbClr val="FF0000"/>
-              </a:solidFill>
-              <a:prstDash val="solid"/>
-              <a:round/>
-              <a:headEnd len="lg" w="lg" type="none"/>
-              <a:tailEnd len="lg" w="lg" type="none"/>
-            </a:ln>
-          </p:spPr>
-        </p:cxnSp>
-        <p:cxnSp>
-          <p:nvCxnSpPr>
-            <p:cNvPr id="142" name="Shape 142"/>
-            <p:cNvCxnSpPr/>
-            <p:nvPr/>
-          </p:nvCxnSpPr>
-          <p:spPr>
-            <a:xfrm rot="10800000">
-              <a:off x="3902615" y="2266611"/>
-              <a:ext cx="6000" cy="2411700"/>
-            </a:xfrm>
-            <a:prstGeom prst="straightConnector1">
-              <a:avLst/>
-            </a:prstGeom>
-            <a:noFill/>
-            <a:ln cap="flat" cmpd="sng" w="9525">
-              <a:solidFill>
-                <a:srgbClr val="FF0000"/>
-              </a:solidFill>
-              <a:prstDash val="solid"/>
-              <a:round/>
-              <a:headEnd len="lg" w="lg" type="none"/>
-              <a:tailEnd len="lg" w="lg" type="none"/>
-            </a:ln>
-          </p:spPr>
-        </p:cxnSp>
-        <p:cxnSp>
-          <p:nvCxnSpPr>
-            <p:cNvPr id="143" name="Shape 143"/>
-            <p:cNvCxnSpPr/>
-            <p:nvPr/>
-          </p:nvCxnSpPr>
-          <p:spPr>
-            <a:xfrm rot="10800000">
-              <a:off x="3937695" y="2266611"/>
-              <a:ext cx="6000" cy="2411700"/>
-            </a:xfrm>
-            <a:prstGeom prst="straightConnector1">
-              <a:avLst/>
-            </a:prstGeom>
-            <a:noFill/>
-            <a:ln cap="flat" cmpd="sng" w="9525">
-              <a:solidFill>
-                <a:srgbClr val="FF0000"/>
-              </a:solidFill>
-              <a:prstDash val="solid"/>
-              <a:round/>
-              <a:headEnd len="lg" w="lg" type="none"/>
-              <a:tailEnd len="lg" w="lg" type="none"/>
-            </a:ln>
-          </p:spPr>
-        </p:cxnSp>
-        <p:cxnSp>
-          <p:nvCxnSpPr>
-            <p:cNvPr id="144" name="Shape 144"/>
-            <p:cNvCxnSpPr/>
-            <p:nvPr/>
-          </p:nvCxnSpPr>
-          <p:spPr>
-            <a:xfrm rot="10800000">
-              <a:off x="3972741" y="2266611"/>
-              <a:ext cx="6000" cy="2411700"/>
-            </a:xfrm>
-            <a:prstGeom prst="straightConnector1">
-              <a:avLst/>
-            </a:prstGeom>
-            <a:noFill/>
-            <a:ln cap="flat" cmpd="sng" w="9525">
-              <a:solidFill>
-                <a:srgbClr val="FF0000"/>
-              </a:solidFill>
-              <a:prstDash val="solid"/>
-              <a:round/>
-              <a:headEnd len="lg" w="lg" type="none"/>
-              <a:tailEnd len="lg" w="lg" type="none"/>
-            </a:ln>
-          </p:spPr>
-        </p:cxnSp>
-        <p:cxnSp>
-          <p:nvCxnSpPr>
-            <p:cNvPr id="145" name="Shape 145"/>
-            <p:cNvCxnSpPr/>
-            <p:nvPr/>
-          </p:nvCxnSpPr>
-          <p:spPr>
-            <a:xfrm rot="10800000">
-              <a:off x="4007787" y="2266611"/>
-              <a:ext cx="6000" cy="2411700"/>
-            </a:xfrm>
-            <a:prstGeom prst="straightConnector1">
-              <a:avLst/>
-            </a:prstGeom>
-            <a:noFill/>
-            <a:ln cap="flat" cmpd="sng" w="9525">
-              <a:solidFill>
-                <a:srgbClr val="FF0000"/>
-              </a:solidFill>
-              <a:prstDash val="solid"/>
-              <a:round/>
-              <a:headEnd len="lg" w="lg" type="none"/>
-              <a:tailEnd len="lg" w="lg" type="none"/>
-            </a:ln>
-          </p:spPr>
-        </p:cxnSp>
-        <p:cxnSp>
-          <p:nvCxnSpPr>
-            <p:cNvPr id="146" name="Shape 146"/>
-            <p:cNvCxnSpPr/>
-            <p:nvPr/>
-          </p:nvCxnSpPr>
-          <p:spPr>
-            <a:xfrm rot="10800000">
-              <a:off x="4042834" y="2266611"/>
-              <a:ext cx="6000" cy="2411700"/>
-            </a:xfrm>
-            <a:prstGeom prst="straightConnector1">
-              <a:avLst/>
-            </a:prstGeom>
-            <a:noFill/>
-            <a:ln cap="flat" cmpd="sng" w="9525">
-              <a:solidFill>
-                <a:srgbClr val="FF0000"/>
-              </a:solidFill>
-              <a:prstDash val="solid"/>
-              <a:round/>
-              <a:headEnd len="lg" w="lg" type="none"/>
-              <a:tailEnd len="lg" w="lg" type="none"/>
-            </a:ln>
-          </p:spPr>
-        </p:cxnSp>
-        <p:cxnSp>
-          <p:nvCxnSpPr>
-            <p:cNvPr id="147" name="Shape 147"/>
-            <p:cNvCxnSpPr/>
-            <p:nvPr/>
-          </p:nvCxnSpPr>
-          <p:spPr>
-            <a:xfrm rot="10800000">
-              <a:off x="4077880" y="2266611"/>
-              <a:ext cx="6000" cy="2411700"/>
-            </a:xfrm>
-            <a:prstGeom prst="straightConnector1">
-              <a:avLst/>
-            </a:prstGeom>
-            <a:noFill/>
-            <a:ln cap="flat" cmpd="sng" w="9525">
-              <a:solidFill>
-                <a:srgbClr val="FF0000"/>
-              </a:solidFill>
-              <a:prstDash val="solid"/>
-              <a:round/>
-              <a:headEnd len="lg" w="lg" type="none"/>
-              <a:tailEnd len="lg" w="lg" type="none"/>
-            </a:ln>
-          </p:spPr>
-        </p:cxnSp>
-        <p:cxnSp>
-          <p:nvCxnSpPr>
-            <p:cNvPr id="148" name="Shape 148"/>
-            <p:cNvCxnSpPr/>
-            <p:nvPr/>
-          </p:nvCxnSpPr>
-          <p:spPr>
-            <a:xfrm rot="10800000">
-              <a:off x="4112926" y="2266611"/>
-              <a:ext cx="6000" cy="2411700"/>
-            </a:xfrm>
-            <a:prstGeom prst="straightConnector1">
-              <a:avLst/>
-            </a:prstGeom>
-            <a:noFill/>
-            <a:ln cap="flat" cmpd="sng" w="9525">
-              <a:solidFill>
-                <a:srgbClr val="FF0000"/>
-              </a:solidFill>
-              <a:prstDash val="solid"/>
-              <a:round/>
-              <a:headEnd len="lg" w="lg" type="none"/>
-              <a:tailEnd len="lg" w="lg" type="none"/>
-            </a:ln>
-          </p:spPr>
-        </p:cxnSp>
-        <p:cxnSp>
-          <p:nvCxnSpPr>
-            <p:cNvPr id="149" name="Shape 149"/>
-            <p:cNvCxnSpPr/>
-            <p:nvPr/>
-          </p:nvCxnSpPr>
-          <p:spPr>
-            <a:xfrm rot="10800000">
-              <a:off x="4153836" y="2266611"/>
-              <a:ext cx="6000" cy="2411700"/>
-            </a:xfrm>
-            <a:prstGeom prst="straightConnector1">
-              <a:avLst/>
-            </a:prstGeom>
-            <a:noFill/>
-            <a:ln cap="flat" cmpd="sng" w="9525">
-              <a:solidFill>
-                <a:srgbClr val="FF0000"/>
-              </a:solidFill>
-              <a:prstDash val="solid"/>
-              <a:round/>
-              <a:headEnd len="lg" w="lg" type="none"/>
-              <a:tailEnd len="lg" w="lg" type="none"/>
-            </a:ln>
-          </p:spPr>
-        </p:cxnSp>
-        <p:cxnSp>
-          <p:nvCxnSpPr>
-            <p:cNvPr id="150" name="Shape 150"/>
-            <p:cNvCxnSpPr/>
-            <p:nvPr/>
-          </p:nvCxnSpPr>
-          <p:spPr>
-            <a:xfrm rot="10800000">
-              <a:off x="4188882" y="2266611"/>
-              <a:ext cx="6000" cy="2411700"/>
-            </a:xfrm>
-            <a:prstGeom prst="straightConnector1">
-              <a:avLst/>
-            </a:prstGeom>
-            <a:noFill/>
-            <a:ln cap="flat" cmpd="sng" w="9525">
-              <a:solidFill>
-                <a:srgbClr val="FF0000"/>
-              </a:solidFill>
-              <a:prstDash val="solid"/>
-              <a:round/>
-              <a:headEnd len="lg" w="lg" type="none"/>
-              <a:tailEnd len="lg" w="lg" type="none"/>
-            </a:ln>
-          </p:spPr>
-        </p:cxnSp>
-        <p:cxnSp>
-          <p:nvCxnSpPr>
-            <p:cNvPr id="151" name="Shape 151"/>
-            <p:cNvCxnSpPr/>
-            <p:nvPr/>
-          </p:nvCxnSpPr>
-          <p:spPr>
-            <a:xfrm rot="10800000">
-              <a:off x="4223928" y="2266611"/>
-              <a:ext cx="6000" cy="2411700"/>
-            </a:xfrm>
-            <a:prstGeom prst="straightConnector1">
-              <a:avLst/>
-            </a:prstGeom>
-            <a:noFill/>
-            <a:ln cap="flat" cmpd="sng" w="9525">
-              <a:solidFill>
-                <a:srgbClr val="FF0000"/>
-              </a:solidFill>
-              <a:prstDash val="solid"/>
-              <a:round/>
-              <a:headEnd len="lg" w="lg" type="none"/>
-              <a:tailEnd len="lg" w="lg" type="none"/>
-            </a:ln>
-          </p:spPr>
-        </p:cxnSp>
-        <p:cxnSp>
-          <p:nvCxnSpPr>
-            <p:cNvPr id="152" name="Shape 152"/>
-            <p:cNvCxnSpPr/>
-            <p:nvPr/>
-          </p:nvCxnSpPr>
-          <p:spPr>
-            <a:xfrm rot="10800000">
-              <a:off x="4258974" y="2266611"/>
-              <a:ext cx="6000" cy="2411700"/>
-            </a:xfrm>
-            <a:prstGeom prst="straightConnector1">
-              <a:avLst/>
-            </a:prstGeom>
-            <a:noFill/>
-            <a:ln cap="flat" cmpd="sng" w="9525">
-              <a:solidFill>
-                <a:srgbClr val="FF0000"/>
-              </a:solidFill>
-              <a:prstDash val="solid"/>
-              <a:round/>
-              <a:headEnd len="lg" w="lg" type="none"/>
-              <a:tailEnd len="lg" w="lg" type="none"/>
-            </a:ln>
-          </p:spPr>
-        </p:cxnSp>
-        <p:cxnSp>
-          <p:nvCxnSpPr>
-            <p:cNvPr id="153" name="Shape 153"/>
-            <p:cNvCxnSpPr/>
-            <p:nvPr/>
-          </p:nvCxnSpPr>
-          <p:spPr>
-            <a:xfrm rot="10800000">
-              <a:off x="4294021" y="2266611"/>
-              <a:ext cx="6000" cy="2411700"/>
-            </a:xfrm>
-            <a:prstGeom prst="straightConnector1">
-              <a:avLst/>
-            </a:prstGeom>
-            <a:noFill/>
-            <a:ln cap="flat" cmpd="sng" w="9525">
-              <a:solidFill>
-                <a:srgbClr val="FF0000"/>
-              </a:solidFill>
-              <a:prstDash val="solid"/>
-              <a:round/>
-              <a:headEnd len="lg" w="lg" type="none"/>
-              <a:tailEnd len="lg" w="lg" type="none"/>
-            </a:ln>
-          </p:spPr>
-        </p:cxnSp>
-        <p:cxnSp>
-          <p:nvCxnSpPr>
-            <p:cNvPr id="154" name="Shape 154"/>
-            <p:cNvCxnSpPr/>
-            <p:nvPr/>
-          </p:nvCxnSpPr>
-          <p:spPr>
-            <a:xfrm rot="10800000">
-              <a:off x="4329067" y="2266611"/>
-              <a:ext cx="6000" cy="2411700"/>
-            </a:xfrm>
-            <a:prstGeom prst="straightConnector1">
-              <a:avLst/>
-            </a:prstGeom>
-            <a:noFill/>
-            <a:ln cap="flat" cmpd="sng" w="9525">
-              <a:solidFill>
-                <a:srgbClr val="FF0000"/>
-              </a:solidFill>
-              <a:prstDash val="solid"/>
-              <a:round/>
-              <a:headEnd len="lg" w="lg" type="none"/>
-              <a:tailEnd len="lg" w="lg" type="none"/>
-            </a:ln>
-          </p:spPr>
-        </p:cxnSp>
-        <p:cxnSp>
-          <p:nvCxnSpPr>
-            <p:cNvPr id="155" name="Shape 155"/>
-            <p:cNvCxnSpPr/>
-            <p:nvPr/>
-          </p:nvCxnSpPr>
-          <p:spPr>
-            <a:xfrm rot="10800000">
-              <a:off x="4364147" y="2266611"/>
-              <a:ext cx="6000" cy="2411700"/>
-            </a:xfrm>
-            <a:prstGeom prst="straightConnector1">
-              <a:avLst/>
-            </a:prstGeom>
-            <a:noFill/>
-            <a:ln cap="flat" cmpd="sng" w="9525">
-              <a:solidFill>
-                <a:srgbClr val="FF0000"/>
-              </a:solidFill>
-              <a:prstDash val="solid"/>
-              <a:round/>
-              <a:headEnd len="lg" w="lg" type="none"/>
-              <a:tailEnd len="lg" w="lg" type="none"/>
-            </a:ln>
-          </p:spPr>
-        </p:cxnSp>
-        <p:cxnSp>
-          <p:nvCxnSpPr>
-            <p:cNvPr id="156" name="Shape 156"/>
-            <p:cNvCxnSpPr/>
-            <p:nvPr/>
-          </p:nvCxnSpPr>
-          <p:spPr>
-            <a:xfrm rot="10800000">
-              <a:off x="4399193" y="2266611"/>
-              <a:ext cx="6000" cy="2411700"/>
-            </a:xfrm>
-            <a:prstGeom prst="straightConnector1">
-              <a:avLst/>
-            </a:prstGeom>
-            <a:noFill/>
-            <a:ln cap="flat" cmpd="sng" w="9525">
-              <a:solidFill>
-                <a:srgbClr val="FF0000"/>
-              </a:solidFill>
-              <a:prstDash val="solid"/>
-              <a:round/>
-              <a:headEnd len="lg" w="lg" type="none"/>
-              <a:tailEnd len="lg" w="lg" type="none"/>
-            </a:ln>
-          </p:spPr>
-        </p:cxnSp>
-        <p:cxnSp>
-          <p:nvCxnSpPr>
-            <p:cNvPr id="157" name="Shape 157"/>
-            <p:cNvCxnSpPr/>
-            <p:nvPr/>
-          </p:nvCxnSpPr>
-          <p:spPr>
-            <a:xfrm rot="10800000">
-              <a:off x="4434239" y="2266611"/>
-              <a:ext cx="6000" cy="2411700"/>
-            </a:xfrm>
-            <a:prstGeom prst="straightConnector1">
-              <a:avLst/>
-            </a:prstGeom>
-            <a:noFill/>
-            <a:ln cap="flat" cmpd="sng" w="9525">
-              <a:solidFill>
-                <a:srgbClr val="FF0000"/>
-              </a:solidFill>
-              <a:prstDash val="solid"/>
-              <a:round/>
-              <a:headEnd len="lg" w="lg" type="none"/>
-              <a:tailEnd len="lg" w="lg" type="none"/>
-            </a:ln>
-          </p:spPr>
-        </p:cxnSp>
-        <p:cxnSp>
-          <p:nvCxnSpPr>
-            <p:cNvPr id="158" name="Shape 158"/>
-            <p:cNvCxnSpPr/>
-            <p:nvPr/>
-          </p:nvCxnSpPr>
-          <p:spPr>
-            <a:xfrm rot="10800000">
-              <a:off x="4469285" y="2266611"/>
-              <a:ext cx="6000" cy="2411700"/>
-            </a:xfrm>
-            <a:prstGeom prst="straightConnector1">
-              <a:avLst/>
-            </a:prstGeom>
-            <a:noFill/>
-            <a:ln cap="flat" cmpd="sng" w="9525">
-              <a:solidFill>
-                <a:srgbClr val="FF0000"/>
-              </a:solidFill>
-              <a:prstDash val="solid"/>
-              <a:round/>
-              <a:headEnd len="lg" w="lg" type="none"/>
-              <a:tailEnd len="lg" w="lg" type="none"/>
-            </a:ln>
-          </p:spPr>
-        </p:cxnSp>
-        <p:cxnSp>
-          <p:nvCxnSpPr>
-            <p:cNvPr id="159" name="Shape 159"/>
-            <p:cNvCxnSpPr/>
-            <p:nvPr/>
-          </p:nvCxnSpPr>
-          <p:spPr>
-            <a:xfrm rot="10800000">
-              <a:off x="4504331" y="2266611"/>
-              <a:ext cx="6000" cy="2411700"/>
-            </a:xfrm>
-            <a:prstGeom prst="straightConnector1">
-              <a:avLst/>
-            </a:prstGeom>
-            <a:noFill/>
-            <a:ln cap="flat" cmpd="sng" w="9525">
-              <a:solidFill>
-                <a:srgbClr val="FF0000"/>
-              </a:solidFill>
-              <a:prstDash val="solid"/>
-              <a:round/>
-              <a:headEnd len="lg" w="lg" type="none"/>
-              <a:tailEnd len="lg" w="lg" type="none"/>
-            </a:ln>
-          </p:spPr>
-        </p:cxnSp>
-        <p:cxnSp>
-          <p:nvCxnSpPr>
-            <p:cNvPr id="160" name="Shape 160"/>
-            <p:cNvCxnSpPr/>
-            <p:nvPr/>
-          </p:nvCxnSpPr>
-          <p:spPr>
-            <a:xfrm rot="10800000">
-              <a:off x="4539378" y="2266611"/>
-              <a:ext cx="6000" cy="2411700"/>
-            </a:xfrm>
-            <a:prstGeom prst="straightConnector1">
-              <a:avLst/>
-            </a:prstGeom>
-            <a:noFill/>
-            <a:ln cap="flat" cmpd="sng" w="9525">
-              <a:solidFill>
-                <a:srgbClr val="FF0000"/>
-              </a:solidFill>
-              <a:prstDash val="solid"/>
-              <a:round/>
-              <a:headEnd len="lg" w="lg" type="none"/>
-              <a:tailEnd len="lg" w="lg" type="none"/>
-            </a:ln>
-          </p:spPr>
-        </p:cxnSp>
-        <p:cxnSp>
-          <p:nvCxnSpPr>
-            <p:cNvPr id="161" name="Shape 161"/>
-            <p:cNvCxnSpPr/>
-            <p:nvPr/>
-          </p:nvCxnSpPr>
-          <p:spPr>
-            <a:xfrm rot="10800000">
-              <a:off x="4574457" y="2266611"/>
-              <a:ext cx="6000" cy="2411700"/>
-            </a:xfrm>
-            <a:prstGeom prst="straightConnector1">
-              <a:avLst/>
-            </a:prstGeom>
-            <a:noFill/>
-            <a:ln cap="flat" cmpd="sng" w="9525">
-              <a:solidFill>
-                <a:srgbClr val="FF0000"/>
-              </a:solidFill>
-              <a:prstDash val="solid"/>
-              <a:round/>
-              <a:headEnd len="lg" w="lg" type="none"/>
-              <a:tailEnd len="lg" w="lg" type="none"/>
-            </a:ln>
-          </p:spPr>
-        </p:cxnSp>
-        <p:cxnSp>
-          <p:nvCxnSpPr>
-            <p:cNvPr id="162" name="Shape 162"/>
-            <p:cNvCxnSpPr/>
-            <p:nvPr/>
-          </p:nvCxnSpPr>
-          <p:spPr>
-            <a:xfrm rot="10800000">
-              <a:off x="4609504" y="2266611"/>
-              <a:ext cx="6000" cy="2411700"/>
-            </a:xfrm>
-            <a:prstGeom prst="straightConnector1">
-              <a:avLst/>
-            </a:prstGeom>
-            <a:noFill/>
-            <a:ln cap="flat" cmpd="sng" w="9525">
-              <a:solidFill>
-                <a:srgbClr val="FF0000"/>
-              </a:solidFill>
-              <a:prstDash val="solid"/>
-              <a:round/>
-              <a:headEnd len="lg" w="lg" type="none"/>
-              <a:tailEnd len="lg" w="lg" type="none"/>
-            </a:ln>
-          </p:spPr>
-        </p:cxnSp>
-        <p:cxnSp>
-          <p:nvCxnSpPr>
-            <p:cNvPr id="163" name="Shape 163"/>
-            <p:cNvCxnSpPr/>
-            <p:nvPr/>
-          </p:nvCxnSpPr>
-          <p:spPr>
-            <a:xfrm rot="10800000">
-              <a:off x="4644550" y="2266611"/>
-              <a:ext cx="6000" cy="2411700"/>
-            </a:xfrm>
-            <a:prstGeom prst="straightConnector1">
-              <a:avLst/>
-            </a:prstGeom>
-            <a:noFill/>
-            <a:ln cap="flat" cmpd="sng" w="9525">
-              <a:solidFill>
-                <a:srgbClr val="FF0000"/>
-              </a:solidFill>
-              <a:prstDash val="solid"/>
-              <a:round/>
-              <a:headEnd len="lg" w="lg" type="none"/>
-              <a:tailEnd len="lg" w="lg" type="none"/>
-            </a:ln>
-          </p:spPr>
-        </p:cxnSp>
-        <p:cxnSp>
-          <p:nvCxnSpPr>
-            <p:cNvPr id="164" name="Shape 164"/>
-            <p:cNvCxnSpPr/>
-            <p:nvPr/>
-          </p:nvCxnSpPr>
-          <p:spPr>
-            <a:xfrm rot="10800000">
-              <a:off x="4679596" y="2266611"/>
-              <a:ext cx="6000" cy="2411700"/>
-            </a:xfrm>
-            <a:prstGeom prst="straightConnector1">
-              <a:avLst/>
-            </a:prstGeom>
-            <a:noFill/>
-            <a:ln cap="flat" cmpd="sng" w="9525">
-              <a:solidFill>
-                <a:srgbClr val="FF0000"/>
-              </a:solidFill>
-              <a:prstDash val="solid"/>
-              <a:round/>
-              <a:headEnd len="lg" w="lg" type="none"/>
-              <a:tailEnd len="lg" w="lg" type="none"/>
-            </a:ln>
-          </p:spPr>
-        </p:cxnSp>
-        <p:cxnSp>
-          <p:nvCxnSpPr>
-            <p:cNvPr id="165" name="Shape 165"/>
-            <p:cNvCxnSpPr/>
-            <p:nvPr/>
-          </p:nvCxnSpPr>
-          <p:spPr>
-            <a:xfrm rot="10800000">
-              <a:off x="4714642" y="2266611"/>
-              <a:ext cx="6000" cy="2411700"/>
-            </a:xfrm>
-            <a:prstGeom prst="straightConnector1">
-              <a:avLst/>
-            </a:prstGeom>
-            <a:noFill/>
-            <a:ln cap="flat" cmpd="sng" w="9525">
-              <a:solidFill>
-                <a:srgbClr val="FF0000"/>
-              </a:solidFill>
-              <a:prstDash val="solid"/>
-              <a:round/>
-              <a:headEnd len="lg" w="lg" type="none"/>
-              <a:tailEnd len="lg" w="lg" type="none"/>
-            </a:ln>
-          </p:spPr>
-        </p:cxnSp>
-        <p:cxnSp>
-          <p:nvCxnSpPr>
-            <p:cNvPr id="166" name="Shape 166"/>
-            <p:cNvCxnSpPr/>
-            <p:nvPr/>
-          </p:nvCxnSpPr>
-          <p:spPr>
-            <a:xfrm rot="10800000">
-              <a:off x="4749689" y="2266611"/>
-              <a:ext cx="6000" cy="2411700"/>
-            </a:xfrm>
-            <a:prstGeom prst="straightConnector1">
-              <a:avLst/>
-            </a:prstGeom>
-            <a:noFill/>
-            <a:ln cap="flat" cmpd="sng" w="9525">
-              <a:solidFill>
-                <a:srgbClr val="FF0000"/>
-              </a:solidFill>
-              <a:prstDash val="solid"/>
-              <a:round/>
-              <a:headEnd len="lg" w="lg" type="none"/>
-              <a:tailEnd len="lg" w="lg" type="none"/>
-            </a:ln>
-          </p:spPr>
-        </p:cxnSp>
-        <p:cxnSp>
-          <p:nvCxnSpPr>
-            <p:cNvPr id="167" name="Shape 167"/>
-            <p:cNvCxnSpPr/>
-            <p:nvPr/>
-          </p:nvCxnSpPr>
-          <p:spPr>
-            <a:xfrm rot="10800000">
-              <a:off x="4784768" y="2266611"/>
-              <a:ext cx="6000" cy="2411700"/>
-            </a:xfrm>
-            <a:prstGeom prst="straightConnector1">
-              <a:avLst/>
-            </a:prstGeom>
-            <a:noFill/>
-            <a:ln cap="flat" cmpd="sng" w="9525">
-              <a:solidFill>
-                <a:srgbClr val="FF0000"/>
-              </a:solidFill>
-              <a:prstDash val="solid"/>
-              <a:round/>
-              <a:headEnd len="lg" w="lg" type="none"/>
-              <a:tailEnd len="lg" w="lg" type="none"/>
-            </a:ln>
-          </p:spPr>
-        </p:cxnSp>
-        <p:cxnSp>
-          <p:nvCxnSpPr>
-            <p:cNvPr id="168" name="Shape 168"/>
-            <p:cNvCxnSpPr/>
-            <p:nvPr/>
-          </p:nvCxnSpPr>
-          <p:spPr>
-            <a:xfrm rot="10800000">
-              <a:off x="4819815" y="2266611"/>
-              <a:ext cx="6000" cy="2411700"/>
-            </a:xfrm>
-            <a:prstGeom prst="straightConnector1">
-              <a:avLst/>
-            </a:prstGeom>
-            <a:noFill/>
-            <a:ln cap="flat" cmpd="sng" w="9525">
-              <a:solidFill>
-                <a:srgbClr val="FF0000"/>
-              </a:solidFill>
-              <a:prstDash val="solid"/>
-              <a:round/>
-              <a:headEnd len="lg" w="lg" type="none"/>
-              <a:tailEnd len="lg" w="lg" type="none"/>
-            </a:ln>
-          </p:spPr>
-        </p:cxnSp>
-        <p:cxnSp>
-          <p:nvCxnSpPr>
-            <p:cNvPr id="169" name="Shape 169"/>
-            <p:cNvCxnSpPr/>
-            <p:nvPr/>
-          </p:nvCxnSpPr>
-          <p:spPr>
-            <a:xfrm rot="10800000">
-              <a:off x="4854861" y="2266611"/>
-              <a:ext cx="6000" cy="2411700"/>
-            </a:xfrm>
-            <a:prstGeom prst="straightConnector1">
-              <a:avLst/>
-            </a:prstGeom>
-            <a:noFill/>
-            <a:ln cap="flat" cmpd="sng" w="9525">
-              <a:solidFill>
-                <a:srgbClr val="FF0000"/>
-              </a:solidFill>
-              <a:prstDash val="solid"/>
-              <a:round/>
-              <a:headEnd len="lg" w="lg" type="none"/>
-              <a:tailEnd len="lg" w="lg" type="none"/>
-            </a:ln>
-          </p:spPr>
-        </p:cxnSp>
-        <p:cxnSp>
-          <p:nvCxnSpPr>
-            <p:cNvPr id="170" name="Shape 170"/>
-            <p:cNvCxnSpPr/>
-            <p:nvPr/>
-          </p:nvCxnSpPr>
-          <p:spPr>
-            <a:xfrm rot="10800000">
-              <a:off x="4889907" y="2266611"/>
-              <a:ext cx="6000" cy="2411700"/>
-            </a:xfrm>
-            <a:prstGeom prst="straightConnector1">
-              <a:avLst/>
-            </a:prstGeom>
-            <a:noFill/>
-            <a:ln cap="flat" cmpd="sng" w="9525">
-              <a:solidFill>
-                <a:srgbClr val="FF0000"/>
-              </a:solidFill>
-              <a:prstDash val="solid"/>
-              <a:round/>
-              <a:headEnd len="lg" w="lg" type="none"/>
-              <a:tailEnd len="lg" w="lg" type="none"/>
-            </a:ln>
-          </p:spPr>
-        </p:cxnSp>
-        <p:cxnSp>
-          <p:nvCxnSpPr>
-            <p:cNvPr id="171" name="Shape 171"/>
-            <p:cNvCxnSpPr/>
-            <p:nvPr/>
-          </p:nvCxnSpPr>
-          <p:spPr>
-            <a:xfrm rot="10800000">
-              <a:off x="4924953" y="2266611"/>
-              <a:ext cx="6000" cy="2411700"/>
-            </a:xfrm>
-            <a:prstGeom prst="straightConnector1">
-              <a:avLst/>
-            </a:prstGeom>
-            <a:noFill/>
-            <a:ln cap="flat" cmpd="sng" w="9525">
-              <a:solidFill>
-                <a:srgbClr val="FF0000"/>
-              </a:solidFill>
-              <a:prstDash val="solid"/>
-              <a:round/>
-              <a:headEnd len="lg" w="lg" type="none"/>
-              <a:tailEnd len="lg" w="lg" type="none"/>
-            </a:ln>
-          </p:spPr>
-        </p:cxnSp>
-        <p:cxnSp>
-          <p:nvCxnSpPr>
-            <p:cNvPr id="172" name="Shape 172"/>
-            <p:cNvCxnSpPr/>
-            <p:nvPr/>
-          </p:nvCxnSpPr>
-          <p:spPr>
-            <a:xfrm rot="10800000">
-              <a:off x="4959999" y="2266611"/>
-              <a:ext cx="6000" cy="2411700"/>
-            </a:xfrm>
-            <a:prstGeom prst="straightConnector1">
-              <a:avLst/>
-            </a:prstGeom>
-            <a:noFill/>
-            <a:ln cap="flat" cmpd="sng" w="9525">
-              <a:solidFill>
-                <a:srgbClr val="FF0000"/>
-              </a:solidFill>
-              <a:prstDash val="solid"/>
-              <a:round/>
-              <a:headEnd len="lg" w="lg" type="none"/>
-              <a:tailEnd len="lg" w="lg" type="none"/>
-            </a:ln>
-          </p:spPr>
-        </p:cxnSp>
-        <p:cxnSp>
-          <p:nvCxnSpPr>
-            <p:cNvPr id="173" name="Shape 173"/>
-            <p:cNvCxnSpPr/>
-            <p:nvPr/>
-          </p:nvCxnSpPr>
-          <p:spPr>
-            <a:xfrm rot="10800000">
-              <a:off x="5000909" y="2266611"/>
-              <a:ext cx="6000" cy="2411700"/>
-            </a:xfrm>
-            <a:prstGeom prst="straightConnector1">
-              <a:avLst/>
-            </a:prstGeom>
-            <a:noFill/>
-            <a:ln cap="flat" cmpd="sng" w="9525">
-              <a:solidFill>
-                <a:srgbClr val="FF0000"/>
-              </a:solidFill>
-              <a:prstDash val="solid"/>
-              <a:round/>
-              <a:headEnd len="lg" w="lg" type="none"/>
-              <a:tailEnd len="lg" w="lg" type="none"/>
-            </a:ln>
-          </p:spPr>
-        </p:cxnSp>
-        <p:cxnSp>
-          <p:nvCxnSpPr>
-            <p:cNvPr id="174" name="Shape 174"/>
-            <p:cNvCxnSpPr/>
-            <p:nvPr/>
-          </p:nvCxnSpPr>
-          <p:spPr>
-            <a:xfrm rot="10800000">
-              <a:off x="5035955" y="2266611"/>
-              <a:ext cx="6000" cy="2411700"/>
-            </a:xfrm>
-            <a:prstGeom prst="straightConnector1">
-              <a:avLst/>
-            </a:prstGeom>
-            <a:noFill/>
-            <a:ln cap="flat" cmpd="sng" w="9525">
-              <a:solidFill>
-                <a:srgbClr val="FF0000"/>
-              </a:solidFill>
-              <a:prstDash val="solid"/>
-              <a:round/>
-              <a:headEnd len="lg" w="lg" type="none"/>
-              <a:tailEnd len="lg" w="lg" type="none"/>
-            </a:ln>
-          </p:spPr>
-        </p:cxnSp>
-        <p:cxnSp>
-          <p:nvCxnSpPr>
-            <p:cNvPr id="175" name="Shape 175"/>
-            <p:cNvCxnSpPr/>
-            <p:nvPr/>
-          </p:nvCxnSpPr>
-          <p:spPr>
-            <a:xfrm rot="10800000">
-              <a:off x="5071002" y="2266611"/>
-              <a:ext cx="6000" cy="2411700"/>
-            </a:xfrm>
-            <a:prstGeom prst="straightConnector1">
-              <a:avLst/>
-            </a:prstGeom>
-            <a:noFill/>
-            <a:ln cap="flat" cmpd="sng" w="9525">
-              <a:solidFill>
-                <a:srgbClr val="FF0000"/>
-              </a:solidFill>
-              <a:prstDash val="solid"/>
-              <a:round/>
-              <a:headEnd len="lg" w="lg" type="none"/>
-              <a:tailEnd len="lg" w="lg" type="none"/>
-            </a:ln>
-          </p:spPr>
-        </p:cxnSp>
-        <p:cxnSp>
-          <p:nvCxnSpPr>
-            <p:cNvPr id="176" name="Shape 176"/>
-            <p:cNvCxnSpPr/>
-            <p:nvPr/>
-          </p:nvCxnSpPr>
-          <p:spPr>
-            <a:xfrm rot="10800000">
-              <a:off x="5106048" y="2266611"/>
-              <a:ext cx="6000" cy="2411700"/>
-            </a:xfrm>
-            <a:prstGeom prst="straightConnector1">
-              <a:avLst/>
-            </a:prstGeom>
-            <a:noFill/>
-            <a:ln cap="flat" cmpd="sng" w="9525">
-              <a:solidFill>
-                <a:srgbClr val="FF0000"/>
-              </a:solidFill>
-              <a:prstDash val="solid"/>
-              <a:round/>
-              <a:headEnd len="lg" w="lg" type="none"/>
-              <a:tailEnd len="lg" w="lg" type="none"/>
-            </a:ln>
-          </p:spPr>
-        </p:cxnSp>
-        <p:cxnSp>
-          <p:nvCxnSpPr>
-            <p:cNvPr id="177" name="Shape 177"/>
-            <p:cNvCxnSpPr/>
-            <p:nvPr/>
-          </p:nvCxnSpPr>
-          <p:spPr>
-            <a:xfrm rot="10800000">
-              <a:off x="5141094" y="2266611"/>
-              <a:ext cx="6000" cy="2411700"/>
-            </a:xfrm>
-            <a:prstGeom prst="straightConnector1">
-              <a:avLst/>
-            </a:prstGeom>
-            <a:noFill/>
-            <a:ln cap="flat" cmpd="sng" w="9525">
-              <a:solidFill>
-                <a:srgbClr val="FF0000"/>
-              </a:solidFill>
-              <a:prstDash val="solid"/>
-              <a:round/>
-              <a:headEnd len="lg" w="lg" type="none"/>
-              <a:tailEnd len="lg" w="lg" type="none"/>
-            </a:ln>
-          </p:spPr>
-        </p:cxnSp>
-        <p:cxnSp>
-          <p:nvCxnSpPr>
-            <p:cNvPr id="178" name="Shape 178"/>
-            <p:cNvCxnSpPr/>
-            <p:nvPr/>
-          </p:nvCxnSpPr>
-          <p:spPr>
-            <a:xfrm rot="10800000">
-              <a:off x="5176140" y="2266611"/>
-              <a:ext cx="6000" cy="2411700"/>
-            </a:xfrm>
-            <a:prstGeom prst="straightConnector1">
-              <a:avLst/>
-            </a:prstGeom>
-            <a:noFill/>
-            <a:ln cap="flat" cmpd="sng" w="9525">
-              <a:solidFill>
-                <a:srgbClr val="FF0000"/>
-              </a:solidFill>
-              <a:prstDash val="solid"/>
-              <a:round/>
-              <a:headEnd len="lg" w="lg" type="none"/>
-              <a:tailEnd len="lg" w="lg" type="none"/>
-            </a:ln>
-          </p:spPr>
-        </p:cxnSp>
-        <p:cxnSp>
-          <p:nvCxnSpPr>
-            <p:cNvPr id="179" name="Shape 179"/>
-            <p:cNvCxnSpPr/>
-            <p:nvPr/>
-          </p:nvCxnSpPr>
-          <p:spPr>
-            <a:xfrm rot="10800000">
-              <a:off x="5211220" y="2266611"/>
-              <a:ext cx="6000" cy="2411700"/>
-            </a:xfrm>
-            <a:prstGeom prst="straightConnector1">
-              <a:avLst/>
-            </a:prstGeom>
-            <a:noFill/>
-            <a:ln cap="flat" cmpd="sng" w="9525">
-              <a:solidFill>
-                <a:srgbClr val="FF0000"/>
-              </a:solidFill>
-              <a:prstDash val="solid"/>
-              <a:round/>
-              <a:headEnd len="lg" w="lg" type="none"/>
-              <a:tailEnd len="lg" w="lg" type="none"/>
-            </a:ln>
-          </p:spPr>
-        </p:cxnSp>
-        <p:cxnSp>
-          <p:nvCxnSpPr>
-            <p:cNvPr id="180" name="Shape 180"/>
-            <p:cNvCxnSpPr/>
-            <p:nvPr/>
-          </p:nvCxnSpPr>
-          <p:spPr>
-            <a:xfrm rot="10800000">
-              <a:off x="5246266" y="2266611"/>
-              <a:ext cx="6000" cy="2411700"/>
-            </a:xfrm>
-            <a:prstGeom prst="straightConnector1">
-              <a:avLst/>
-            </a:prstGeom>
-            <a:noFill/>
-            <a:ln cap="flat" cmpd="sng" w="9525">
-              <a:solidFill>
-                <a:srgbClr val="FF0000"/>
-              </a:solidFill>
-              <a:prstDash val="solid"/>
-              <a:round/>
-              <a:headEnd len="lg" w="lg" type="none"/>
-              <a:tailEnd len="lg" w="lg" type="none"/>
-            </a:ln>
-          </p:spPr>
-        </p:cxnSp>
-        <p:cxnSp>
-          <p:nvCxnSpPr>
-            <p:cNvPr id="181" name="Shape 181"/>
-            <p:cNvCxnSpPr/>
-            <p:nvPr/>
-          </p:nvCxnSpPr>
-          <p:spPr>
-            <a:xfrm rot="10800000">
-              <a:off x="5281312" y="2266611"/>
-              <a:ext cx="6000" cy="2411700"/>
-            </a:xfrm>
-            <a:prstGeom prst="straightConnector1">
-              <a:avLst/>
-            </a:prstGeom>
-            <a:noFill/>
-            <a:ln cap="flat" cmpd="sng" w="9525">
-              <a:solidFill>
-                <a:srgbClr val="FF0000"/>
-              </a:solidFill>
-              <a:prstDash val="solid"/>
-              <a:round/>
-              <a:headEnd len="lg" w="lg" type="none"/>
-              <a:tailEnd len="lg" w="lg" type="none"/>
-            </a:ln>
-          </p:spPr>
-        </p:cxnSp>
-        <p:cxnSp>
-          <p:nvCxnSpPr>
-            <p:cNvPr id="182" name="Shape 182"/>
-            <p:cNvCxnSpPr/>
-            <p:nvPr/>
-          </p:nvCxnSpPr>
-          <p:spPr>
-            <a:xfrm rot="10800000">
-              <a:off x="5316359" y="2266611"/>
-              <a:ext cx="6000" cy="2411700"/>
-            </a:xfrm>
-            <a:prstGeom prst="straightConnector1">
-              <a:avLst/>
-            </a:prstGeom>
-            <a:noFill/>
-            <a:ln cap="flat" cmpd="sng" w="9525">
-              <a:solidFill>
-                <a:srgbClr val="FF0000"/>
-              </a:solidFill>
-              <a:prstDash val="solid"/>
-              <a:round/>
-              <a:headEnd len="lg" w="lg" type="none"/>
-              <a:tailEnd len="lg" w="lg" type="none"/>
-            </a:ln>
-          </p:spPr>
-        </p:cxnSp>
-        <p:cxnSp>
-          <p:nvCxnSpPr>
-            <p:cNvPr id="183" name="Shape 183"/>
-            <p:cNvCxnSpPr/>
-            <p:nvPr/>
-          </p:nvCxnSpPr>
-          <p:spPr>
-            <a:xfrm rot="10800000">
-              <a:off x="5351405" y="2266611"/>
-              <a:ext cx="6000" cy="2411700"/>
-            </a:xfrm>
-            <a:prstGeom prst="straightConnector1">
-              <a:avLst/>
-            </a:prstGeom>
-            <a:noFill/>
-            <a:ln cap="flat" cmpd="sng" w="9525">
-              <a:solidFill>
-                <a:srgbClr val="FF0000"/>
-              </a:solidFill>
-              <a:prstDash val="solid"/>
-              <a:round/>
-              <a:headEnd len="lg" w="lg" type="none"/>
-              <a:tailEnd len="lg" w="lg" type="none"/>
-            </a:ln>
-          </p:spPr>
-        </p:cxnSp>
-        <p:cxnSp>
-          <p:nvCxnSpPr>
-            <p:cNvPr id="184" name="Shape 184"/>
-            <p:cNvCxnSpPr/>
-            <p:nvPr/>
-          </p:nvCxnSpPr>
-          <p:spPr>
-            <a:xfrm rot="10800000">
-              <a:off x="5386451" y="2266611"/>
-              <a:ext cx="6000" cy="2411700"/>
-            </a:xfrm>
-            <a:prstGeom prst="straightConnector1">
-              <a:avLst/>
-            </a:prstGeom>
-            <a:noFill/>
-            <a:ln cap="flat" cmpd="sng" w="9525">
-              <a:solidFill>
-                <a:srgbClr val="FF0000"/>
-              </a:solidFill>
-              <a:prstDash val="solid"/>
-              <a:round/>
-              <a:headEnd len="lg" w="lg" type="none"/>
-              <a:tailEnd len="lg" w="lg" type="none"/>
-            </a:ln>
-          </p:spPr>
-        </p:cxnSp>
-        <p:cxnSp>
-          <p:nvCxnSpPr>
-            <p:cNvPr id="185" name="Shape 185"/>
-            <p:cNvCxnSpPr/>
-            <p:nvPr/>
-          </p:nvCxnSpPr>
-          <p:spPr>
-            <a:xfrm rot="10800000">
-              <a:off x="5421514" y="2266611"/>
-              <a:ext cx="6000" cy="2411700"/>
-            </a:xfrm>
-            <a:prstGeom prst="straightConnector1">
-              <a:avLst/>
-            </a:prstGeom>
-            <a:noFill/>
-            <a:ln cap="flat" cmpd="sng" w="9525">
-              <a:solidFill>
-                <a:srgbClr val="FF0000"/>
-              </a:solidFill>
-              <a:prstDash val="solid"/>
-              <a:round/>
-              <a:headEnd len="lg" w="lg" type="none"/>
-              <a:tailEnd len="lg" w="lg" type="none"/>
-            </a:ln>
-          </p:spPr>
-        </p:cxnSp>
-        <p:cxnSp>
-          <p:nvCxnSpPr>
-            <p:cNvPr id="186" name="Shape 186"/>
-            <p:cNvCxnSpPr/>
-            <p:nvPr/>
-          </p:nvCxnSpPr>
-          <p:spPr>
-            <a:xfrm rot="10800000">
-              <a:off x="5456560" y="2266611"/>
-              <a:ext cx="6000" cy="2411700"/>
-            </a:xfrm>
-            <a:prstGeom prst="straightConnector1">
-              <a:avLst/>
-            </a:prstGeom>
-            <a:noFill/>
-            <a:ln cap="flat" cmpd="sng" w="9525">
-              <a:solidFill>
-                <a:srgbClr val="FF0000"/>
-              </a:solidFill>
-              <a:prstDash val="solid"/>
-              <a:round/>
-              <a:headEnd len="lg" w="lg" type="none"/>
-              <a:tailEnd len="lg" w="lg" type="none"/>
-            </a:ln>
-          </p:spPr>
-        </p:cxnSp>
-        <p:cxnSp>
-          <p:nvCxnSpPr>
-            <p:cNvPr id="187" name="Shape 187"/>
-            <p:cNvCxnSpPr/>
-            <p:nvPr/>
-          </p:nvCxnSpPr>
-          <p:spPr>
-            <a:xfrm rot="10800000">
-              <a:off x="5491607" y="2266611"/>
-              <a:ext cx="6000" cy="2411700"/>
-            </a:xfrm>
-            <a:prstGeom prst="straightConnector1">
-              <a:avLst/>
-            </a:prstGeom>
-            <a:noFill/>
-            <a:ln cap="flat" cmpd="sng" w="9525">
-              <a:solidFill>
-                <a:srgbClr val="FF0000"/>
-              </a:solidFill>
-              <a:prstDash val="solid"/>
-              <a:round/>
-              <a:headEnd len="lg" w="lg" type="none"/>
-              <a:tailEnd len="lg" w="lg" type="none"/>
-            </a:ln>
-          </p:spPr>
-        </p:cxnSp>
-        <p:cxnSp>
-          <p:nvCxnSpPr>
-            <p:cNvPr id="188" name="Shape 188"/>
-            <p:cNvCxnSpPr/>
-            <p:nvPr/>
-          </p:nvCxnSpPr>
-          <p:spPr>
-            <a:xfrm rot="10800000">
-              <a:off x="5526653" y="2266611"/>
-              <a:ext cx="6000" cy="2411700"/>
-            </a:xfrm>
-            <a:prstGeom prst="straightConnector1">
-              <a:avLst/>
-            </a:prstGeom>
-            <a:noFill/>
-            <a:ln cap="flat" cmpd="sng" w="9525">
-              <a:solidFill>
-                <a:srgbClr val="FF0000"/>
-              </a:solidFill>
-              <a:prstDash val="solid"/>
-              <a:round/>
-              <a:headEnd len="lg" w="lg" type="none"/>
-              <a:tailEnd len="lg" w="lg" type="none"/>
-            </a:ln>
-          </p:spPr>
-        </p:cxnSp>
-        <p:cxnSp>
-          <p:nvCxnSpPr>
-            <p:cNvPr id="189" name="Shape 189"/>
-            <p:cNvCxnSpPr/>
-            <p:nvPr/>
-          </p:nvCxnSpPr>
-          <p:spPr>
-            <a:xfrm rot="10800000">
-              <a:off x="5561699" y="2266611"/>
-              <a:ext cx="6000" cy="2411700"/>
-            </a:xfrm>
-            <a:prstGeom prst="straightConnector1">
-              <a:avLst/>
-            </a:prstGeom>
-            <a:noFill/>
-            <a:ln cap="flat" cmpd="sng" w="9525">
-              <a:solidFill>
-                <a:srgbClr val="FF0000"/>
-              </a:solidFill>
-              <a:prstDash val="solid"/>
-              <a:round/>
-              <a:headEnd len="lg" w="lg" type="none"/>
-              <a:tailEnd len="lg" w="lg" type="none"/>
-            </a:ln>
-          </p:spPr>
-        </p:cxnSp>
-        <p:cxnSp>
-          <p:nvCxnSpPr>
-            <p:cNvPr id="190" name="Shape 190"/>
-            <p:cNvCxnSpPr/>
-            <p:nvPr/>
-          </p:nvCxnSpPr>
-          <p:spPr>
-            <a:xfrm rot="10800000">
-              <a:off x="5596745" y="2266611"/>
-              <a:ext cx="6000" cy="2411700"/>
-            </a:xfrm>
-            <a:prstGeom prst="straightConnector1">
-              <a:avLst/>
-            </a:prstGeom>
-            <a:noFill/>
-            <a:ln cap="flat" cmpd="sng" w="9525">
-              <a:solidFill>
-                <a:srgbClr val="FF0000"/>
-              </a:solidFill>
-              <a:prstDash val="solid"/>
-              <a:round/>
-              <a:headEnd len="lg" w="lg" type="none"/>
-              <a:tailEnd len="lg" w="lg" type="none"/>
-            </a:ln>
-          </p:spPr>
-        </p:cxnSp>
-        <p:cxnSp>
-          <p:nvCxnSpPr>
-            <p:cNvPr id="191" name="Shape 191"/>
-            <p:cNvCxnSpPr/>
-            <p:nvPr/>
-          </p:nvCxnSpPr>
-          <p:spPr>
-            <a:xfrm rot="10800000">
-              <a:off x="5631825" y="2266611"/>
-              <a:ext cx="6000" cy="2411700"/>
-            </a:xfrm>
-            <a:prstGeom prst="straightConnector1">
-              <a:avLst/>
-            </a:prstGeom>
-            <a:noFill/>
-            <a:ln cap="flat" cmpd="sng" w="9525">
-              <a:solidFill>
-                <a:srgbClr val="FF0000"/>
-              </a:solidFill>
-              <a:prstDash val="solid"/>
-              <a:round/>
-              <a:headEnd len="lg" w="lg" type="none"/>
-              <a:tailEnd len="lg" w="lg" type="none"/>
-            </a:ln>
-          </p:spPr>
-        </p:cxnSp>
-        <p:cxnSp>
-          <p:nvCxnSpPr>
-            <p:cNvPr id="192" name="Shape 192"/>
-            <p:cNvCxnSpPr/>
-            <p:nvPr/>
-          </p:nvCxnSpPr>
-          <p:spPr>
-            <a:xfrm rot="10800000">
-              <a:off x="5666871" y="2266611"/>
-              <a:ext cx="6000" cy="2411700"/>
-            </a:xfrm>
-            <a:prstGeom prst="straightConnector1">
-              <a:avLst/>
-            </a:prstGeom>
-            <a:noFill/>
-            <a:ln cap="flat" cmpd="sng" w="9525">
-              <a:solidFill>
-                <a:srgbClr val="FF0000"/>
-              </a:solidFill>
-              <a:prstDash val="solid"/>
-              <a:round/>
-              <a:headEnd len="lg" w="lg" type="none"/>
-              <a:tailEnd len="lg" w="lg" type="none"/>
-            </a:ln>
-          </p:spPr>
-        </p:cxnSp>
-        <p:cxnSp>
-          <p:nvCxnSpPr>
-            <p:cNvPr id="193" name="Shape 193"/>
-            <p:cNvCxnSpPr/>
-            <p:nvPr/>
-          </p:nvCxnSpPr>
-          <p:spPr>
-            <a:xfrm rot="10800000">
-              <a:off x="5701917" y="2266611"/>
-              <a:ext cx="6000" cy="2411700"/>
-            </a:xfrm>
-            <a:prstGeom prst="straightConnector1">
-              <a:avLst/>
-            </a:prstGeom>
-            <a:noFill/>
-            <a:ln cap="flat" cmpd="sng" w="9525">
-              <a:solidFill>
-                <a:srgbClr val="FF0000"/>
-              </a:solidFill>
-              <a:prstDash val="solid"/>
-              <a:round/>
-              <a:headEnd len="lg" w="lg" type="none"/>
-              <a:tailEnd len="lg" w="lg" type="none"/>
-            </a:ln>
-          </p:spPr>
-        </p:cxnSp>
-        <p:cxnSp>
-          <p:nvCxnSpPr>
-            <p:cNvPr id="194" name="Shape 194"/>
-            <p:cNvCxnSpPr/>
-            <p:nvPr/>
-          </p:nvCxnSpPr>
-          <p:spPr>
-            <a:xfrm rot="10800000">
-              <a:off x="5736964" y="2266611"/>
-              <a:ext cx="6000" cy="2411700"/>
-            </a:xfrm>
-            <a:prstGeom prst="straightConnector1">
-              <a:avLst/>
-            </a:prstGeom>
-            <a:noFill/>
-            <a:ln cap="flat" cmpd="sng" w="9525">
-              <a:solidFill>
-                <a:srgbClr val="FF0000"/>
-              </a:solidFill>
-              <a:prstDash val="solid"/>
-              <a:round/>
-              <a:headEnd len="lg" w="lg" type="none"/>
-              <a:tailEnd len="lg" w="lg" type="none"/>
-            </a:ln>
-          </p:spPr>
-        </p:cxnSp>
-        <p:cxnSp>
-          <p:nvCxnSpPr>
-            <p:cNvPr id="195" name="Shape 195"/>
-            <p:cNvCxnSpPr/>
-            <p:nvPr/>
-          </p:nvCxnSpPr>
-          <p:spPr>
-            <a:xfrm rot="10800000">
-              <a:off x="5772010" y="2266611"/>
-              <a:ext cx="6000" cy="2411700"/>
-            </a:xfrm>
-            <a:prstGeom prst="straightConnector1">
-              <a:avLst/>
-            </a:prstGeom>
-            <a:noFill/>
-            <a:ln cap="flat" cmpd="sng" w="9525">
-              <a:solidFill>
-                <a:srgbClr val="FF0000"/>
-              </a:solidFill>
-              <a:prstDash val="solid"/>
-              <a:round/>
-              <a:headEnd len="lg" w="lg" type="none"/>
-              <a:tailEnd len="lg" w="lg" type="none"/>
-            </a:ln>
-          </p:spPr>
-        </p:cxnSp>
-        <p:cxnSp>
-          <p:nvCxnSpPr>
-            <p:cNvPr id="196" name="Shape 196"/>
-            <p:cNvCxnSpPr/>
-            <p:nvPr/>
-          </p:nvCxnSpPr>
-          <p:spPr>
-            <a:xfrm rot="10800000">
-              <a:off x="5807056" y="2266611"/>
-              <a:ext cx="6000" cy="2411700"/>
-            </a:xfrm>
-            <a:prstGeom prst="straightConnector1">
-              <a:avLst/>
-            </a:prstGeom>
-            <a:noFill/>
-            <a:ln cap="flat" cmpd="sng" w="9525">
-              <a:solidFill>
-                <a:srgbClr val="FF0000"/>
-              </a:solidFill>
-              <a:prstDash val="solid"/>
-              <a:round/>
-              <a:headEnd len="lg" w="lg" type="none"/>
-              <a:tailEnd len="lg" w="lg" type="none"/>
-            </a:ln>
-          </p:spPr>
-        </p:cxnSp>
-        <p:cxnSp>
-          <p:nvCxnSpPr>
-            <p:cNvPr id="197" name="Shape 197"/>
-            <p:cNvCxnSpPr/>
-            <p:nvPr/>
-          </p:nvCxnSpPr>
-          <p:spPr>
-            <a:xfrm rot="10800000">
-              <a:off x="5847966" y="2266611"/>
-              <a:ext cx="6000" cy="2411700"/>
-            </a:xfrm>
-            <a:prstGeom prst="straightConnector1">
-              <a:avLst/>
-            </a:prstGeom>
-            <a:noFill/>
-            <a:ln cap="flat" cmpd="sng" w="9525">
-              <a:solidFill>
-                <a:srgbClr val="FF0000"/>
-              </a:solidFill>
-              <a:prstDash val="solid"/>
-              <a:round/>
-              <a:headEnd len="lg" w="lg" type="none"/>
-              <a:tailEnd len="lg" w="lg" type="none"/>
-            </a:ln>
-          </p:spPr>
-        </p:cxnSp>
-        <p:cxnSp>
-          <p:nvCxnSpPr>
-            <p:cNvPr id="198" name="Shape 198"/>
-            <p:cNvCxnSpPr/>
-            <p:nvPr/>
-          </p:nvCxnSpPr>
-          <p:spPr>
-            <a:xfrm rot="10800000">
-              <a:off x="5883012" y="2266611"/>
-              <a:ext cx="6000" cy="2411700"/>
-            </a:xfrm>
-            <a:prstGeom prst="straightConnector1">
-              <a:avLst/>
-            </a:prstGeom>
-            <a:noFill/>
-            <a:ln cap="flat" cmpd="sng" w="9525">
-              <a:solidFill>
-                <a:srgbClr val="FF0000"/>
-              </a:solidFill>
-              <a:prstDash val="solid"/>
-              <a:round/>
-              <a:headEnd len="lg" w="lg" type="none"/>
-              <a:tailEnd len="lg" w="lg" type="none"/>
-            </a:ln>
-          </p:spPr>
-        </p:cxnSp>
-        <p:cxnSp>
-          <p:nvCxnSpPr>
-            <p:cNvPr id="199" name="Shape 199"/>
-            <p:cNvCxnSpPr/>
-            <p:nvPr/>
-          </p:nvCxnSpPr>
-          <p:spPr>
-            <a:xfrm rot="10800000">
-              <a:off x="5918058" y="2266611"/>
-              <a:ext cx="6000" cy="2411700"/>
-            </a:xfrm>
-            <a:prstGeom prst="straightConnector1">
-              <a:avLst/>
-            </a:prstGeom>
-            <a:noFill/>
-            <a:ln cap="flat" cmpd="sng" w="9525">
-              <a:solidFill>
-                <a:srgbClr val="FF0000"/>
-              </a:solidFill>
-              <a:prstDash val="solid"/>
-              <a:round/>
-              <a:headEnd len="lg" w="lg" type="none"/>
-              <a:tailEnd len="lg" w="lg" type="none"/>
-            </a:ln>
-          </p:spPr>
-        </p:cxnSp>
-        <p:cxnSp>
-          <p:nvCxnSpPr>
-            <p:cNvPr id="200" name="Shape 200"/>
-            <p:cNvCxnSpPr/>
-            <p:nvPr/>
-          </p:nvCxnSpPr>
-          <p:spPr>
-            <a:xfrm rot="10800000">
-              <a:off x="5953104" y="2266611"/>
-              <a:ext cx="6000" cy="2411700"/>
-            </a:xfrm>
-            <a:prstGeom prst="straightConnector1">
-              <a:avLst/>
-            </a:prstGeom>
-            <a:noFill/>
-            <a:ln cap="flat" cmpd="sng" w="9525">
-              <a:solidFill>
-                <a:srgbClr val="FF0000"/>
-              </a:solidFill>
-              <a:prstDash val="solid"/>
-              <a:round/>
-              <a:headEnd len="lg" w="lg" type="none"/>
-              <a:tailEnd len="lg" w="lg" type="none"/>
-            </a:ln>
-          </p:spPr>
-        </p:cxnSp>
-      </p:grpSp>
       <p:sp>
         <p:nvSpPr>
           <p:cNvPr id="201" name="Shape 201"/>
-          <p:cNvSpPr txBox="1"/>
-          <p:nvPr>
-            <p:ph idx="4294967295" type="title"/>
+          <p:cNvSpPr txBox="1">
+            <a:spLocks noGrp="1"/>
+          </p:cNvSpPr>
+          <p:nvPr>
+            <p:ph type="title" idx="4294967295"/>
           </p:nvPr>
         </p:nvSpPr>
         <p:spPr>
@@ -8869,12 +6946,12 @@
           </a:prstGeom>
         </p:spPr>
         <p:txBody>
-          <a:bodyPr anchorCtr="0" anchor="t" bIns="91425" lIns="91425" rIns="91425" tIns="91425">
+          <a:bodyPr lIns="91425" tIns="91425" rIns="91425" bIns="91425" anchor="t" anchorCtr="0">
             <a:noAutofit/>
           </a:bodyPr>
           <a:lstStyle/>
           <a:p>
-            <a:pPr lvl="0" rtl="0" algn="ctr">
+            <a:pPr lvl="0" algn="ctr" rtl="0">
               <a:spcBef>
                 <a:spcPts val="0"/>
               </a:spcBef>
@@ -8887,6 +6964,36 @@
           </a:p>
         </p:txBody>
       </p:sp>
+      <p:pic>
+        <p:nvPicPr>
+          <p:cNvPr id="2" name="Picture 1"/>
+          <p:cNvPicPr>
+            <a:picLocks noChangeAspect="1"/>
+          </p:cNvPicPr>
+          <p:nvPr/>
+        </p:nvPicPr>
+        <p:blipFill>
+          <a:blip r:embed="rId3">
+            <a:extLst>
+              <a:ext uri="{28A0092B-C50C-407E-A947-70E740481C1C}">
+                <a14:useLocalDpi xmlns:a14="http://schemas.microsoft.com/office/drawing/2010/main" val="0"/>
+              </a:ext>
+            </a:extLst>
+          </a:blip>
+          <a:stretch>
+            <a:fillRect/>
+          </a:stretch>
+        </p:blipFill>
+        <p:spPr>
+          <a:xfrm>
+            <a:off x="1005239" y="978950"/>
+            <a:ext cx="7074245" cy="4164550"/>
+          </a:xfrm>
+          <a:prstGeom prst="rect">
+            <a:avLst/>
+          </a:prstGeom>
+        </p:spPr>
+      </p:pic>
     </p:spTree>
   </p:cSld>
   <p:clrMapOvr>
@@ -8896,11 +7003,11 @@
 </file>
 
 <file path=ppt/slides/slide12.xml><?xml version="1.0" encoding="utf-8"?>
-<p:sld xmlns:a="http://schemas.openxmlformats.org/drawingml/2006/main" xmlns:r="http://schemas.openxmlformats.org/officeDocument/2006/relationships" xmlns:mc="http://schemas.openxmlformats.org/markup-compatibility/2006" xmlns:mv="urn:schemas-microsoft-com:mac:vml" xmlns:p="http://schemas.openxmlformats.org/presentationml/2006/main" xmlns:c="http://schemas.openxmlformats.org/drawingml/2006/chart" xmlns:dgm="http://schemas.openxmlformats.org/drawingml/2006/diagram" xmlns:o="urn:schemas-microsoft-com:office:office" xmlns:v="urn:schemas-microsoft-com:vml" xmlns:pvml="urn:schemas-microsoft-com:office:powerpoint" xmlns:com="http://schemas.openxmlformats.org/drawingml/2006/compatibility" xmlns:p14="http://schemas.microsoft.com/office/powerpoint/2010/main">
+<p:sld xmlns:a="http://schemas.openxmlformats.org/drawingml/2006/main" xmlns:r="http://schemas.openxmlformats.org/officeDocument/2006/relationships" xmlns:p="http://schemas.openxmlformats.org/presentationml/2006/main">
   <p:cSld>
     <p:spTree>
       <p:nvGrpSpPr>
-        <p:cNvPr id="205" name="Shape 205"/>
+        <p:cNvPr id="1" name="Shape 205"/>
         <p:cNvGrpSpPr/>
         <p:nvPr/>
       </p:nvGrpSpPr>
@@ -8914,7 +7021,7 @@
       </p:grpSpPr>
       <p:pic>
         <p:nvPicPr>
-          <p:cNvPr descr="3.3.png" id="206" name="Shape 206"/>
+          <p:cNvPr id="206" name="Shape 206" descr="3.3.png"/>
           <p:cNvPicPr preferRelativeResize="0"/>
           <p:nvPr/>
         </p:nvPicPr>
@@ -8960,7 +7067,7 @@
           </a:ln>
         </p:spPr>
         <p:txBody>
-          <a:bodyPr anchorCtr="0" anchor="t" bIns="91425" lIns="91425" rIns="91425" tIns="91425">
+          <a:bodyPr lIns="91425" tIns="91425" rIns="91425" bIns="91425" anchor="t" anchorCtr="0">
             <a:noAutofit/>
           </a:bodyPr>
           <a:lstStyle/>
@@ -8971,9 +7078,6 @@
               </a:spcBef>
               <a:buNone/>
             </a:pPr>
-            <a:r>
-              <a:t/>
-            </a:r>
             <a:endParaRPr/>
           </a:p>
         </p:txBody>
@@ -8998,7 +7102,7 @@
           </a:ln>
         </p:spPr>
         <p:txBody>
-          <a:bodyPr anchorCtr="0" anchor="t" bIns="91425" lIns="91425" rIns="91425" tIns="91425">
+          <a:bodyPr lIns="91425" tIns="91425" rIns="91425" bIns="91425" anchor="t" anchorCtr="0">
             <a:noAutofit/>
           </a:bodyPr>
           <a:lstStyle/>
@@ -9036,7 +7140,7 @@
           </a:ln>
         </p:spPr>
         <p:txBody>
-          <a:bodyPr anchorCtr="0" anchor="t" bIns="91425" lIns="91425" rIns="91425" tIns="91425">
+          <a:bodyPr lIns="91425" tIns="91425" rIns="91425" bIns="91425" anchor="t" anchorCtr="0">
             <a:noAutofit/>
           </a:bodyPr>
           <a:lstStyle/>
@@ -9063,11 +7167,11 @@
 </file>
 
 <file path=ppt/slides/slide13.xml><?xml version="1.0" encoding="utf-8"?>
-<p:sld xmlns:a="http://schemas.openxmlformats.org/drawingml/2006/main" xmlns:r="http://schemas.openxmlformats.org/officeDocument/2006/relationships" xmlns:mc="http://schemas.openxmlformats.org/markup-compatibility/2006" xmlns:mv="urn:schemas-microsoft-com:mac:vml" xmlns:p="http://schemas.openxmlformats.org/presentationml/2006/main" xmlns:c="http://schemas.openxmlformats.org/drawingml/2006/chart" xmlns:dgm="http://schemas.openxmlformats.org/drawingml/2006/diagram" xmlns:o="urn:schemas-microsoft-com:office:office" xmlns:v="urn:schemas-microsoft-com:vml" xmlns:pvml="urn:schemas-microsoft-com:office:powerpoint" xmlns:com="http://schemas.openxmlformats.org/drawingml/2006/compatibility" xmlns:p14="http://schemas.microsoft.com/office/powerpoint/2010/main">
+<p:sld xmlns:a="http://schemas.openxmlformats.org/drawingml/2006/main" xmlns:r="http://schemas.openxmlformats.org/officeDocument/2006/relationships" xmlns:p="http://schemas.openxmlformats.org/presentationml/2006/main">
   <p:cSld>
     <p:spTree>
       <p:nvGrpSpPr>
-        <p:cNvPr id="213" name="Shape 213"/>
+        <p:cNvPr id="1" name="Shape 213"/>
         <p:cNvGrpSpPr/>
         <p:nvPr/>
       </p:nvGrpSpPr>
@@ -9082,7 +7186,9 @@
       <p:sp>
         <p:nvSpPr>
           <p:cNvPr id="214" name="Shape 214"/>
-          <p:cNvSpPr txBox="1"/>
+          <p:cNvSpPr txBox="1">
+            <a:spLocks noGrp="1"/>
+          </p:cNvSpPr>
           <p:nvPr>
             <p:ph type="title"/>
           </p:nvPr>
@@ -9097,7 +7203,7 @@
           </a:prstGeom>
         </p:spPr>
         <p:txBody>
-          <a:bodyPr anchorCtr="0" anchor="ctr" bIns="91425" lIns="91425" rIns="91425" tIns="91425">
+          <a:bodyPr lIns="91425" tIns="91425" rIns="91425" bIns="91425" anchor="ctr" anchorCtr="0">
             <a:noAutofit/>
           </a:bodyPr>
           <a:lstStyle/>
@@ -9124,11 +7230,11 @@
 </file>
 
 <file path=ppt/slides/slide14.xml><?xml version="1.0" encoding="utf-8"?>
-<p:sld xmlns:a="http://schemas.openxmlformats.org/drawingml/2006/main" xmlns:r="http://schemas.openxmlformats.org/officeDocument/2006/relationships" xmlns:mc="http://schemas.openxmlformats.org/markup-compatibility/2006" xmlns:mv="urn:schemas-microsoft-com:mac:vml" xmlns:p="http://schemas.openxmlformats.org/presentationml/2006/main" xmlns:c="http://schemas.openxmlformats.org/drawingml/2006/chart" xmlns:dgm="http://schemas.openxmlformats.org/drawingml/2006/diagram" xmlns:o="urn:schemas-microsoft-com:office:office" xmlns:v="urn:schemas-microsoft-com:vml" xmlns:pvml="urn:schemas-microsoft-com:office:powerpoint" xmlns:com="http://schemas.openxmlformats.org/drawingml/2006/compatibility" xmlns:p14="http://schemas.microsoft.com/office/powerpoint/2010/main">
+<p:sld xmlns:a="http://schemas.openxmlformats.org/drawingml/2006/main" xmlns:r="http://schemas.openxmlformats.org/officeDocument/2006/relationships" xmlns:p="http://schemas.openxmlformats.org/presentationml/2006/main">
   <p:cSld>
     <p:spTree>
       <p:nvGrpSpPr>
-        <p:cNvPr id="218" name="Shape 218"/>
+        <p:cNvPr id="1" name="Shape 218"/>
         <p:cNvGrpSpPr/>
         <p:nvPr/>
       </p:nvGrpSpPr>
@@ -9164,9 +7270,7 @@
               <a:tr h="437500">
                 <a:tc>
                   <a:txBody>
-                    <a:bodyPr>
-                      <a:noAutofit/>
-                    </a:bodyPr>
+                    <a:bodyPr/>
                     <a:lstStyle/>
                     <a:p>
                       <a:pPr lvl="0" rtl="0">
@@ -9185,13 +7289,11 @@
                       </a:r>
                     </a:p>
                   </a:txBody>
-                  <a:tcPr marT="91425" marB="91425" marR="91425" marL="91425"/>
+                  <a:tcPr marL="91425" marR="91425" marT="91425" marB="91425"/>
                 </a:tc>
                 <a:tc>
                   <a:txBody>
-                    <a:bodyPr>
-                      <a:noAutofit/>
-                    </a:bodyPr>
+                    <a:bodyPr/>
                     <a:lstStyle/>
                     <a:p>
                       <a:pPr lvl="0">
@@ -9206,18 +7308,16 @@
                       </a:r>
                     </a:p>
                   </a:txBody>
-                  <a:tcPr marT="91425" marB="91425" marR="91425" marL="91425"/>
+                  <a:tcPr marL="91425" marR="91425" marT="91425" marB="91425"/>
                 </a:tc>
               </a:tr>
               <a:tr h="671250">
                 <a:tc>
                   <a:txBody>
-                    <a:bodyPr>
-                      <a:noAutofit/>
-                    </a:bodyPr>
+                    <a:bodyPr/>
                     <a:lstStyle/>
                     <a:p>
-                      <a:pPr indent="0" lvl="0" marL="0" rtl="0">
+                      <a:pPr marL="0" lvl="0" indent="0" rtl="0">
                         <a:spcBef>
                           <a:spcPts val="0"/>
                         </a:spcBef>
@@ -9233,13 +7333,11 @@
                       </a:r>
                     </a:p>
                   </a:txBody>
-                  <a:tcPr marT="91425" marB="91425" marR="91425" marL="91425"/>
+                  <a:tcPr marL="91425" marR="91425" marT="91425" marB="91425"/>
                 </a:tc>
                 <a:tc>
                   <a:txBody>
-                    <a:bodyPr>
-                      <a:noAutofit/>
-                    </a:bodyPr>
+                    <a:bodyPr/>
                     <a:lstStyle/>
                     <a:p>
                       <a:pPr lvl="0">
@@ -9260,21 +7358,16 @@
                         </a:spcBef>
                         <a:buNone/>
                       </a:pPr>
-                      <a:r>
-                        <a:t/>
-                      </a:r>
                       <a:endParaRPr sz="1800"/>
                     </a:p>
                   </a:txBody>
-                  <a:tcPr marT="91425" marB="91425" marR="91425" marL="91425"/>
+                  <a:tcPr marL="91425" marR="91425" marT="91425" marB="91425"/>
                 </a:tc>
               </a:tr>
               <a:tr h="404150">
                 <a:tc>
                   <a:txBody>
-                    <a:bodyPr>
-                      <a:noAutofit/>
-                    </a:bodyPr>
+                    <a:bodyPr/>
                     <a:lstStyle/>
                     <a:p>
                       <a:pPr lvl="0" rtl="0">
@@ -9293,13 +7386,11 @@
                       </a:r>
                     </a:p>
                   </a:txBody>
-                  <a:tcPr marT="91425" marB="91425" marR="91425" marL="91425"/>
+                  <a:tcPr marL="91425" marR="91425" marT="91425" marB="91425"/>
                 </a:tc>
                 <a:tc>
                   <a:txBody>
-                    <a:bodyPr>
-                      <a:noAutofit/>
-                    </a:bodyPr>
+                    <a:bodyPr/>
                     <a:lstStyle/>
                     <a:p>
                       <a:pPr lvl="0" rtl="0">
@@ -9314,15 +7405,13 @@
                       </a:r>
                     </a:p>
                   </a:txBody>
-                  <a:tcPr marT="91425" marB="91425" marR="91425" marL="91425"/>
+                  <a:tcPr marL="91425" marR="91425" marT="91425" marB="91425"/>
                 </a:tc>
               </a:tr>
               <a:tr h="477475">
                 <a:tc>
                   <a:txBody>
-                    <a:bodyPr>
-                      <a:noAutofit/>
-                    </a:bodyPr>
+                    <a:bodyPr/>
                     <a:lstStyle/>
                     <a:p>
                       <a:pPr lvl="0" rtl="0">
@@ -9341,13 +7430,11 @@
                       </a:r>
                     </a:p>
                   </a:txBody>
-                  <a:tcPr marT="91425" marB="91425" marR="91425" marL="91425"/>
+                  <a:tcPr marL="91425" marR="91425" marT="91425" marB="91425"/>
                 </a:tc>
                 <a:tc>
                   <a:txBody>
-                    <a:bodyPr>
-                      <a:noAutofit/>
-                    </a:bodyPr>
+                    <a:bodyPr/>
                     <a:lstStyle/>
                     <a:p>
                       <a:pPr lvl="0" rtl="0">
@@ -9362,15 +7449,13 @@
                       </a:r>
                     </a:p>
                   </a:txBody>
-                  <a:tcPr marT="91425" marB="91425" marR="91425" marL="91425"/>
+                  <a:tcPr marL="91425" marR="91425" marT="91425" marB="91425"/>
                 </a:tc>
               </a:tr>
               <a:tr h="454150">
                 <a:tc>
                   <a:txBody>
-                    <a:bodyPr>
-                      <a:noAutofit/>
-                    </a:bodyPr>
+                    <a:bodyPr/>
                     <a:lstStyle/>
                     <a:p>
                       <a:pPr lvl="0" rtl="0">
@@ -9389,13 +7474,11 @@
                       </a:r>
                     </a:p>
                   </a:txBody>
-                  <a:tcPr marT="91425" marB="91425" marR="91425" marL="91425"/>
+                  <a:tcPr marL="91425" marR="91425" marT="91425" marB="91425"/>
                 </a:tc>
                 <a:tc>
                   <a:txBody>
-                    <a:bodyPr>
-                      <a:noAutofit/>
-                    </a:bodyPr>
+                    <a:bodyPr/>
                     <a:lstStyle/>
                     <a:p>
                       <a:pPr lvl="0" rtl="0">
@@ -9410,15 +7493,13 @@
                       </a:r>
                     </a:p>
                   </a:txBody>
-                  <a:tcPr marT="91425" marB="91425" marR="91425" marL="91425"/>
+                  <a:tcPr marL="91425" marR="91425" marT="91425" marB="91425"/>
                 </a:tc>
               </a:tr>
               <a:tr h="707825">
                 <a:tc>
                   <a:txBody>
-                    <a:bodyPr>
-                      <a:noAutofit/>
-                    </a:bodyPr>
+                    <a:bodyPr/>
                     <a:lstStyle/>
                     <a:p>
                       <a:pPr lvl="0" rtl="0">
@@ -9437,13 +7518,11 @@
                       </a:r>
                     </a:p>
                   </a:txBody>
-                  <a:tcPr marT="91425" marB="91425" marR="91425" marL="91425"/>
+                  <a:tcPr marL="91425" marR="91425" marT="91425" marB="91425"/>
                 </a:tc>
                 <a:tc>
                   <a:txBody>
-                    <a:bodyPr>
-                      <a:noAutofit/>
-                    </a:bodyPr>
+                    <a:bodyPr/>
                     <a:lstStyle/>
                     <a:p>
                       <a:pPr lvl="0" rtl="0">
@@ -9466,15 +7545,13 @@
                       </a:r>
                     </a:p>
                   </a:txBody>
-                  <a:tcPr marT="91425" marB="91425" marR="91425" marL="91425"/>
+                  <a:tcPr marL="91425" marR="91425" marT="91425" marB="91425"/>
                 </a:tc>
               </a:tr>
               <a:tr h="457425">
                 <a:tc>
                   <a:txBody>
-                    <a:bodyPr>
-                      <a:noAutofit/>
-                    </a:bodyPr>
+                    <a:bodyPr/>
                     <a:lstStyle/>
                     <a:p>
                       <a:pPr lvl="0" rtl="0">
@@ -9493,13 +7570,11 @@
                       </a:r>
                     </a:p>
                   </a:txBody>
-                  <a:tcPr marT="91425" marB="91425" marR="91425" marL="91425"/>
+                  <a:tcPr marL="91425" marR="91425" marT="91425" marB="91425"/>
                 </a:tc>
                 <a:tc>
                   <a:txBody>
-                    <a:bodyPr>
-                      <a:noAutofit/>
-                    </a:bodyPr>
+                    <a:bodyPr/>
                     <a:lstStyle/>
                     <a:p>
                       <a:pPr lvl="0" rtl="0">
@@ -9514,15 +7589,13 @@
                       </a:r>
                     </a:p>
                   </a:txBody>
-                  <a:tcPr marT="91425" marB="91425" marR="91425" marL="91425"/>
+                  <a:tcPr marL="91425" marR="91425" marT="91425" marB="91425"/>
                 </a:tc>
               </a:tr>
               <a:tr h="417375">
                 <a:tc>
                   <a:txBody>
-                    <a:bodyPr>
-                      <a:noAutofit/>
-                    </a:bodyPr>
+                    <a:bodyPr/>
                     <a:lstStyle/>
                     <a:p>
                       <a:pPr lvl="0" rtl="0">
@@ -9541,13 +7614,11 @@
                       </a:r>
                     </a:p>
                   </a:txBody>
-                  <a:tcPr marT="91425" marB="91425" marR="91425" marL="91425"/>
+                  <a:tcPr marL="91425" marR="91425" marT="91425" marB="91425"/>
                 </a:tc>
                 <a:tc>
                   <a:txBody>
-                    <a:bodyPr>
-                      <a:noAutofit/>
-                    </a:bodyPr>
+                    <a:bodyPr/>
                     <a:lstStyle/>
                     <a:p>
                       <a:pPr lvl="0" rtl="0">
@@ -9562,15 +7633,13 @@
                       </a:r>
                     </a:p>
                   </a:txBody>
-                  <a:tcPr marT="91425" marB="91425" marR="91425" marL="91425"/>
+                  <a:tcPr marL="91425" marR="91425" marT="91425" marB="91425"/>
                 </a:tc>
               </a:tr>
               <a:tr h="357275">
                 <a:tc>
                   <a:txBody>
-                    <a:bodyPr>
-                      <a:noAutofit/>
-                    </a:bodyPr>
+                    <a:bodyPr/>
                     <a:lstStyle/>
                     <a:p>
                       <a:pPr lvl="0" rtl="0">
@@ -9589,13 +7658,11 @@
                       </a:r>
                     </a:p>
                   </a:txBody>
-                  <a:tcPr marT="91425" marB="91425" marR="91425" marL="91425"/>
+                  <a:tcPr marL="91425" marR="91425" marT="91425" marB="91425"/>
                 </a:tc>
                 <a:tc>
                   <a:txBody>
-                    <a:bodyPr>
-                      <a:noAutofit/>
-                    </a:bodyPr>
+                    <a:bodyPr/>
                     <a:lstStyle/>
                     <a:p>
                       <a:pPr lvl="0" rtl="0">
@@ -9610,7 +7677,7 @@
                       </a:r>
                     </a:p>
                   </a:txBody>
-                  <a:tcPr marT="91425" marB="91425" marR="91425" marL="91425"/>
+                  <a:tcPr marL="91425" marR="91425" marT="91425" marB="91425"/>
                 </a:tc>
               </a:tr>
             </a:tbl>
@@ -9619,7 +7686,7 @@
       </p:graphicFrame>
       <p:pic>
         <p:nvPicPr>
-          <p:cNvPr descr="Image result for violin" id="220" name="Shape 220" title="http://www.guitarcenter.com/Violins.gc"/>
+          <p:cNvPr id="220" name="Shape 220" descr="Image result for violin" title="http://www.guitarcenter.com/Violins.gc"/>
           <p:cNvPicPr preferRelativeResize="0"/>
           <p:nvPr/>
         </p:nvPicPr>
@@ -9654,11 +7721,11 @@
 </file>
 
 <file path=ppt/slides/slide15.xml><?xml version="1.0" encoding="utf-8"?>
-<p:sld xmlns:a="http://schemas.openxmlformats.org/drawingml/2006/main" xmlns:r="http://schemas.openxmlformats.org/officeDocument/2006/relationships" xmlns:mc="http://schemas.openxmlformats.org/markup-compatibility/2006" xmlns:mv="urn:schemas-microsoft-com:mac:vml" xmlns:p="http://schemas.openxmlformats.org/presentationml/2006/main" xmlns:c="http://schemas.openxmlformats.org/drawingml/2006/chart" xmlns:dgm="http://schemas.openxmlformats.org/drawingml/2006/diagram" xmlns:o="urn:schemas-microsoft-com:office:office" xmlns:v="urn:schemas-microsoft-com:vml" xmlns:pvml="urn:schemas-microsoft-com:office:powerpoint" xmlns:com="http://schemas.openxmlformats.org/drawingml/2006/compatibility" xmlns:p14="http://schemas.microsoft.com/office/powerpoint/2010/main">
+<p:sld xmlns:a="http://schemas.openxmlformats.org/drawingml/2006/main" xmlns:r="http://schemas.openxmlformats.org/officeDocument/2006/relationships" xmlns:p="http://schemas.openxmlformats.org/presentationml/2006/main">
   <p:cSld>
     <p:spTree>
       <p:nvGrpSpPr>
-        <p:cNvPr id="224" name="Shape 224"/>
+        <p:cNvPr id="1" name="Shape 224"/>
         <p:cNvGrpSpPr/>
         <p:nvPr/>
       </p:nvGrpSpPr>
@@ -9673,7 +7740,9 @@
       <p:sp>
         <p:nvSpPr>
           <p:cNvPr id="225" name="Shape 225"/>
-          <p:cNvSpPr txBox="1"/>
+          <p:cNvSpPr txBox="1">
+            <a:spLocks noGrp="1"/>
+          </p:cNvSpPr>
           <p:nvPr>
             <p:ph type="title"/>
           </p:nvPr>
@@ -9688,7 +7757,7 @@
           </a:prstGeom>
         </p:spPr>
         <p:txBody>
-          <a:bodyPr anchorCtr="0" anchor="t" bIns="91425" lIns="91425" rIns="91425" tIns="91425">
+          <a:bodyPr lIns="91425" tIns="91425" rIns="91425" bIns="91425" anchor="t" anchorCtr="0">
             <a:noAutofit/>
           </a:bodyPr>
           <a:lstStyle/>
@@ -9705,7 +7774,7 @@
             </a:r>
           </a:p>
           <a:p>
-            <a:pPr lvl="0" rtl="0" algn="ctr">
+            <a:pPr lvl="0" algn="ctr" rtl="0">
               <a:spcBef>
                 <a:spcPts val="0"/>
               </a:spcBef>
@@ -9720,7 +7789,7 @@
       </p:sp>
       <p:pic>
         <p:nvPicPr>
-          <p:cNvPr descr="(Law, L. N. C., &amp; Zentner, M., 2012).png" id="226" name="Shape 226"/>
+          <p:cNvPr id="226" name="Shape 226" descr="(Law, L. N. C., &amp; Zentner, M., 2012).png"/>
           <p:cNvPicPr preferRelativeResize="0"/>
           <p:nvPr/>
         </p:nvPicPr>
@@ -9755,11 +7824,11 @@
 </file>
 
 <file path=ppt/slides/slide16.xml><?xml version="1.0" encoding="utf-8"?>
-<p:sld xmlns:a="http://schemas.openxmlformats.org/drawingml/2006/main" xmlns:r="http://schemas.openxmlformats.org/officeDocument/2006/relationships" xmlns:mc="http://schemas.openxmlformats.org/markup-compatibility/2006" xmlns:mv="urn:schemas-microsoft-com:mac:vml" xmlns:p="http://schemas.openxmlformats.org/presentationml/2006/main" xmlns:c="http://schemas.openxmlformats.org/drawingml/2006/chart" xmlns:dgm="http://schemas.openxmlformats.org/drawingml/2006/diagram" xmlns:o="urn:schemas-microsoft-com:office:office" xmlns:v="urn:schemas-microsoft-com:vml" xmlns:pvml="urn:schemas-microsoft-com:office:powerpoint" xmlns:com="http://schemas.openxmlformats.org/drawingml/2006/compatibility" xmlns:p14="http://schemas.microsoft.com/office/powerpoint/2010/main">
+<p:sld xmlns:a="http://schemas.openxmlformats.org/drawingml/2006/main" xmlns:r="http://schemas.openxmlformats.org/officeDocument/2006/relationships" xmlns:p="http://schemas.openxmlformats.org/presentationml/2006/main">
   <p:cSld>
     <p:spTree>
       <p:nvGrpSpPr>
-        <p:cNvPr id="230" name="Shape 230"/>
+        <p:cNvPr id="1" name="Shape 230"/>
         <p:cNvGrpSpPr/>
         <p:nvPr/>
       </p:nvGrpSpPr>
@@ -9774,7 +7843,9 @@
       <p:sp>
         <p:nvSpPr>
           <p:cNvPr id="231" name="Shape 231"/>
-          <p:cNvSpPr txBox="1"/>
+          <p:cNvSpPr txBox="1">
+            <a:spLocks noGrp="1"/>
+          </p:cNvSpPr>
           <p:nvPr>
             <p:ph type="title"/>
           </p:nvPr>
@@ -9789,7 +7860,7 @@
           </a:prstGeom>
         </p:spPr>
         <p:txBody>
-          <a:bodyPr anchorCtr="0" anchor="ctr" bIns="91425" lIns="91425" rIns="91425" tIns="91425">
+          <a:bodyPr lIns="91425" tIns="91425" rIns="91425" bIns="91425" anchor="ctr" anchorCtr="0">
             <a:noAutofit/>
           </a:bodyPr>
           <a:lstStyle/>
@@ -9816,11 +7887,11 @@
 </file>
 
 <file path=ppt/slides/slide17.xml><?xml version="1.0" encoding="utf-8"?>
-<p:sld xmlns:a="http://schemas.openxmlformats.org/drawingml/2006/main" xmlns:r="http://schemas.openxmlformats.org/officeDocument/2006/relationships" xmlns:mc="http://schemas.openxmlformats.org/markup-compatibility/2006" xmlns:mv="urn:schemas-microsoft-com:mac:vml" xmlns:p="http://schemas.openxmlformats.org/presentationml/2006/main" xmlns:c="http://schemas.openxmlformats.org/drawingml/2006/chart" xmlns:dgm="http://schemas.openxmlformats.org/drawingml/2006/diagram" xmlns:o="urn:schemas-microsoft-com:office:office" xmlns:v="urn:schemas-microsoft-com:vml" xmlns:pvml="urn:schemas-microsoft-com:office:powerpoint" xmlns:com="http://schemas.openxmlformats.org/drawingml/2006/compatibility" xmlns:p14="http://schemas.microsoft.com/office/powerpoint/2010/main">
+<p:sld xmlns:a="http://schemas.openxmlformats.org/drawingml/2006/main" xmlns:r="http://schemas.openxmlformats.org/officeDocument/2006/relationships" xmlns:p="http://schemas.openxmlformats.org/presentationml/2006/main">
   <p:cSld>
     <p:spTree>
       <p:nvGrpSpPr>
-        <p:cNvPr id="235" name="Shape 235"/>
+        <p:cNvPr id="1" name="Shape 235"/>
         <p:cNvGrpSpPr/>
         <p:nvPr/>
       </p:nvGrpSpPr>
@@ -9835,7 +7906,9 @@
       <p:sp>
         <p:nvSpPr>
           <p:cNvPr id="236" name="Shape 236"/>
-          <p:cNvSpPr txBox="1"/>
+          <p:cNvSpPr txBox="1">
+            <a:spLocks noGrp="1"/>
+          </p:cNvSpPr>
           <p:nvPr>
             <p:ph type="title"/>
           </p:nvPr>
@@ -9850,7 +7923,7 @@
           </a:prstGeom>
         </p:spPr>
         <p:txBody>
-          <a:bodyPr anchorCtr="0" anchor="t" bIns="91425" lIns="91425" rIns="91425" tIns="91425">
+          <a:bodyPr lIns="91425" tIns="91425" rIns="91425" bIns="91425" anchor="t" anchorCtr="0">
             <a:noAutofit/>
           </a:bodyPr>
           <a:lstStyle/>
@@ -9905,11 +7978,11 @@
 </file>
 
 <file path=ppt/slides/slide18.xml><?xml version="1.0" encoding="utf-8"?>
-<p:sld xmlns:a="http://schemas.openxmlformats.org/drawingml/2006/main" xmlns:r="http://schemas.openxmlformats.org/officeDocument/2006/relationships" xmlns:mc="http://schemas.openxmlformats.org/markup-compatibility/2006" xmlns:mv="urn:schemas-microsoft-com:mac:vml" xmlns:p="http://schemas.openxmlformats.org/presentationml/2006/main" xmlns:c="http://schemas.openxmlformats.org/drawingml/2006/chart" xmlns:dgm="http://schemas.openxmlformats.org/drawingml/2006/diagram" xmlns:o="urn:schemas-microsoft-com:office:office" xmlns:v="urn:schemas-microsoft-com:vml" xmlns:pvml="urn:schemas-microsoft-com:office:powerpoint" xmlns:com="http://schemas.openxmlformats.org/drawingml/2006/compatibility" xmlns:p14="http://schemas.microsoft.com/office/powerpoint/2010/main">
+<p:sld xmlns:a="http://schemas.openxmlformats.org/drawingml/2006/main" xmlns:r="http://schemas.openxmlformats.org/officeDocument/2006/relationships" xmlns:p="http://schemas.openxmlformats.org/presentationml/2006/main">
   <p:cSld>
     <p:spTree>
       <p:nvGrpSpPr>
-        <p:cNvPr id="241" name="Shape 241"/>
+        <p:cNvPr id="1" name="Shape 241"/>
         <p:cNvGrpSpPr/>
         <p:nvPr/>
       </p:nvGrpSpPr>
@@ -9952,7 +8025,9 @@
       <p:sp>
         <p:nvSpPr>
           <p:cNvPr id="243" name="Shape 243"/>
-          <p:cNvSpPr txBox="1"/>
+          <p:cNvSpPr txBox="1">
+            <a:spLocks noGrp="1"/>
+          </p:cNvSpPr>
           <p:nvPr>
             <p:ph type="title"/>
           </p:nvPr>
@@ -9967,12 +8042,12 @@
           </a:prstGeom>
         </p:spPr>
         <p:txBody>
-          <a:bodyPr anchorCtr="0" anchor="t" bIns="91425" lIns="91425" rIns="91425" tIns="91425">
+          <a:bodyPr lIns="91425" tIns="91425" rIns="91425" bIns="91425" anchor="t" anchorCtr="0">
             <a:noAutofit/>
           </a:bodyPr>
           <a:lstStyle/>
           <a:p>
-            <a:pPr lvl="0" rtl="0" algn="ctr">
+            <a:pPr lvl="0" algn="ctr" rtl="0">
               <a:spcBef>
                 <a:spcPts val="0"/>
               </a:spcBef>
@@ -9994,11 +8069,11 @@
 </file>
 
 <file path=ppt/slides/slide19.xml><?xml version="1.0" encoding="utf-8"?>
-<p:sld xmlns:a="http://schemas.openxmlformats.org/drawingml/2006/main" xmlns:r="http://schemas.openxmlformats.org/officeDocument/2006/relationships" xmlns:mc="http://schemas.openxmlformats.org/markup-compatibility/2006" xmlns:mv="urn:schemas-microsoft-com:mac:vml" xmlns:p="http://schemas.openxmlformats.org/presentationml/2006/main" xmlns:c="http://schemas.openxmlformats.org/drawingml/2006/chart" xmlns:dgm="http://schemas.openxmlformats.org/drawingml/2006/diagram" xmlns:o="urn:schemas-microsoft-com:office:office" xmlns:v="urn:schemas-microsoft-com:vml" xmlns:pvml="urn:schemas-microsoft-com:office:powerpoint" xmlns:com="http://schemas.openxmlformats.org/drawingml/2006/compatibility" xmlns:p14="http://schemas.microsoft.com/office/powerpoint/2010/main">
+<p:sld xmlns:a="http://schemas.openxmlformats.org/drawingml/2006/main" xmlns:r="http://schemas.openxmlformats.org/officeDocument/2006/relationships" xmlns:p="http://schemas.openxmlformats.org/presentationml/2006/main">
   <p:cSld>
     <p:spTree>
       <p:nvGrpSpPr>
-        <p:cNvPr id="247" name="Shape 247"/>
+        <p:cNvPr id="1" name="Shape 247"/>
         <p:cNvGrpSpPr/>
         <p:nvPr/>
       </p:nvGrpSpPr>
@@ -10013,7 +8088,9 @@
       <p:sp>
         <p:nvSpPr>
           <p:cNvPr id="248" name="Shape 248"/>
-          <p:cNvSpPr txBox="1"/>
+          <p:cNvSpPr txBox="1">
+            <a:spLocks noGrp="1"/>
+          </p:cNvSpPr>
           <p:nvPr>
             <p:ph type="title"/>
           </p:nvPr>
@@ -10028,7 +8105,7 @@
           </a:prstGeom>
         </p:spPr>
         <p:txBody>
-          <a:bodyPr anchorCtr="0" anchor="ctr" bIns="91425" lIns="91425" rIns="91425" tIns="91425">
+          <a:bodyPr lIns="91425" tIns="91425" rIns="91425" bIns="91425" anchor="ctr" anchorCtr="0">
             <a:noAutofit/>
           </a:bodyPr>
           <a:lstStyle/>
@@ -10055,11 +8132,11 @@
 </file>
 
 <file path=ppt/slides/slide2.xml><?xml version="1.0" encoding="utf-8"?>
-<p:sld xmlns:a="http://schemas.openxmlformats.org/drawingml/2006/main" xmlns:r="http://schemas.openxmlformats.org/officeDocument/2006/relationships" xmlns:mc="http://schemas.openxmlformats.org/markup-compatibility/2006" xmlns:mv="urn:schemas-microsoft-com:mac:vml" xmlns:p="http://schemas.openxmlformats.org/presentationml/2006/main" xmlns:c="http://schemas.openxmlformats.org/drawingml/2006/chart" xmlns:dgm="http://schemas.openxmlformats.org/drawingml/2006/diagram" xmlns:o="urn:schemas-microsoft-com:office:office" xmlns:v="urn:schemas-microsoft-com:vml" xmlns:pvml="urn:schemas-microsoft-com:office:powerpoint" xmlns:com="http://schemas.openxmlformats.org/drawingml/2006/compatibility" xmlns:p14="http://schemas.microsoft.com/office/powerpoint/2010/main">
+<p:sld xmlns:a="http://schemas.openxmlformats.org/drawingml/2006/main" xmlns:r="http://schemas.openxmlformats.org/officeDocument/2006/relationships" xmlns:p="http://schemas.openxmlformats.org/presentationml/2006/main">
   <p:cSld>
     <p:spTree>
       <p:nvGrpSpPr>
-        <p:cNvPr id="59" name="Shape 59"/>
+        <p:cNvPr id="1" name="Shape 59"/>
         <p:cNvGrpSpPr/>
         <p:nvPr/>
       </p:nvGrpSpPr>
@@ -10074,7 +8151,9 @@
       <p:sp>
         <p:nvSpPr>
           <p:cNvPr id="60" name="Shape 60"/>
-          <p:cNvSpPr txBox="1"/>
+          <p:cNvSpPr txBox="1">
+            <a:spLocks noGrp="1"/>
+          </p:cNvSpPr>
           <p:nvPr>
             <p:ph type="title"/>
           </p:nvPr>
@@ -10089,7 +8168,7 @@
           </a:prstGeom>
         </p:spPr>
         <p:txBody>
-          <a:bodyPr anchorCtr="0" anchor="ctr" bIns="91425" lIns="91425" rIns="91425" tIns="91425">
+          <a:bodyPr lIns="91425" tIns="91425" rIns="91425" bIns="91425" anchor="ctr" anchorCtr="0">
             <a:noAutofit/>
           </a:bodyPr>
           <a:lstStyle/>
@@ -10118,11 +8197,7 @@
             </a:r>
             <a:r>
               <a:rPr lang="en" sz="4400"/>
-              <a:t> (dependent variable)</a:t>
-            </a:r>
-            <a:r>
-              <a:rPr lang="en" sz="4400"/>
-              <a:t>?</a:t>
+              <a:t> (dependent variable)?</a:t>
             </a:r>
           </a:p>
         </p:txBody>
@@ -10136,11 +8211,11 @@
 </file>
 
 <file path=ppt/slides/slide20.xml><?xml version="1.0" encoding="utf-8"?>
-<p:sld xmlns:a="http://schemas.openxmlformats.org/drawingml/2006/main" xmlns:r="http://schemas.openxmlformats.org/officeDocument/2006/relationships" xmlns:mc="http://schemas.openxmlformats.org/markup-compatibility/2006" xmlns:mv="urn:schemas-microsoft-com:mac:vml" xmlns:p="http://schemas.openxmlformats.org/presentationml/2006/main" xmlns:c="http://schemas.openxmlformats.org/drawingml/2006/chart" xmlns:dgm="http://schemas.openxmlformats.org/drawingml/2006/diagram" xmlns:o="urn:schemas-microsoft-com:office:office" xmlns:v="urn:schemas-microsoft-com:vml" xmlns:pvml="urn:schemas-microsoft-com:office:powerpoint" xmlns:com="http://schemas.openxmlformats.org/drawingml/2006/compatibility" xmlns:p14="http://schemas.microsoft.com/office/powerpoint/2010/main">
+<p:sld xmlns:a="http://schemas.openxmlformats.org/drawingml/2006/main" xmlns:r="http://schemas.openxmlformats.org/officeDocument/2006/relationships" xmlns:p="http://schemas.openxmlformats.org/presentationml/2006/main">
   <p:cSld>
     <p:spTree>
       <p:nvGrpSpPr>
-        <p:cNvPr id="252" name="Shape 252"/>
+        <p:cNvPr id="1" name="Shape 252"/>
         <p:cNvGrpSpPr/>
         <p:nvPr/>
       </p:nvGrpSpPr>
@@ -10155,7 +8230,9 @@
       <p:sp>
         <p:nvSpPr>
           <p:cNvPr id="253" name="Shape 253"/>
-          <p:cNvSpPr txBox="1"/>
+          <p:cNvSpPr txBox="1">
+            <a:spLocks noGrp="1"/>
+          </p:cNvSpPr>
           <p:nvPr>
             <p:ph type="title"/>
           </p:nvPr>
@@ -10170,7 +8247,7 @@
           </a:prstGeom>
         </p:spPr>
         <p:txBody>
-          <a:bodyPr anchorCtr="0" anchor="ctr" bIns="91425" lIns="91425" rIns="91425" tIns="91425">
+          <a:bodyPr lIns="91425" tIns="91425" rIns="91425" bIns="91425" anchor="ctr" anchorCtr="0">
             <a:noAutofit/>
           </a:bodyPr>
           <a:lstStyle/>
@@ -10197,11 +8274,11 @@
 </file>
 
 <file path=ppt/slides/slide21.xml><?xml version="1.0" encoding="utf-8"?>
-<p:sld xmlns:a="http://schemas.openxmlformats.org/drawingml/2006/main" xmlns:r="http://schemas.openxmlformats.org/officeDocument/2006/relationships" xmlns:mc="http://schemas.openxmlformats.org/markup-compatibility/2006" xmlns:mv="urn:schemas-microsoft-com:mac:vml" xmlns:p="http://schemas.openxmlformats.org/presentationml/2006/main" xmlns:c="http://schemas.openxmlformats.org/drawingml/2006/chart" xmlns:dgm="http://schemas.openxmlformats.org/drawingml/2006/diagram" xmlns:o="urn:schemas-microsoft-com:office:office" xmlns:v="urn:schemas-microsoft-com:vml" xmlns:pvml="urn:schemas-microsoft-com:office:powerpoint" xmlns:com="http://schemas.openxmlformats.org/drawingml/2006/compatibility" xmlns:p14="http://schemas.microsoft.com/office/powerpoint/2010/main">
+<p:sld xmlns:a="http://schemas.openxmlformats.org/drawingml/2006/main" xmlns:r="http://schemas.openxmlformats.org/officeDocument/2006/relationships" xmlns:p="http://schemas.openxmlformats.org/presentationml/2006/main">
   <p:cSld>
     <p:spTree>
       <p:nvGrpSpPr>
-        <p:cNvPr id="257" name="Shape 257"/>
+        <p:cNvPr id="1" name="Shape 257"/>
         <p:cNvGrpSpPr/>
         <p:nvPr/>
       </p:nvGrpSpPr>
@@ -10216,7 +8293,9 @@
       <p:sp>
         <p:nvSpPr>
           <p:cNvPr id="258" name="Shape 258"/>
-          <p:cNvSpPr txBox="1"/>
+          <p:cNvSpPr txBox="1">
+            <a:spLocks noGrp="1"/>
+          </p:cNvSpPr>
           <p:nvPr>
             <p:ph type="title"/>
           </p:nvPr>
@@ -10231,7 +8310,7 @@
           </a:prstGeom>
         </p:spPr>
         <p:txBody>
-          <a:bodyPr anchorCtr="0" anchor="t" bIns="91425" lIns="91425" rIns="91425" tIns="91425">
+          <a:bodyPr lIns="91425" tIns="91425" rIns="91425" bIns="91425" anchor="t" anchorCtr="0">
             <a:noAutofit/>
           </a:bodyPr>
           <a:lstStyle/>
@@ -10251,7 +8330,7 @@
       </p:sp>
       <p:pic>
         <p:nvPicPr>
-          <p:cNvPr descr="fullreg-melody.png" id="259" name="Shape 259"/>
+          <p:cNvPr id="259" name="Shape 259" descr="fullreg-melody.png"/>
           <p:cNvPicPr preferRelativeResize="0"/>
           <p:nvPr/>
         </p:nvPicPr>
@@ -10279,7 +8358,7 @@
       </p:pic>
       <p:pic>
         <p:nvPicPr>
-          <p:cNvPr descr="fullreg-tuning.png" id="260" name="Shape 260"/>
+          <p:cNvPr id="260" name="Shape 260" descr="fullreg-tuning.png"/>
           <p:cNvPicPr preferRelativeResize="0"/>
           <p:nvPr/>
         </p:nvPicPr>
@@ -10350,18 +8429,18 @@
           <a:solidFill>
             <a:srgbClr val="FF0000"/>
           </a:solidFill>
-          <a:ln cap="flat" cmpd="sng" w="9525">
+          <a:ln w="9525" cap="flat" cmpd="sng">
             <a:solidFill>
               <a:srgbClr val="FF0000"/>
             </a:solidFill>
             <a:prstDash val="solid"/>
             <a:round/>
-            <a:headEnd len="med" w="med" type="none"/>
-            <a:tailEnd len="med" w="med" type="none"/>
+            <a:headEnd type="none" w="med" len="med"/>
+            <a:tailEnd type="none" w="med" len="med"/>
           </a:ln>
         </p:spPr>
         <p:txBody>
-          <a:bodyPr anchorCtr="0" anchor="t" bIns="91425" lIns="91425" rIns="91425" tIns="91425">
+          <a:bodyPr lIns="91425" tIns="91425" rIns="91425" bIns="91425" anchor="t" anchorCtr="0">
             <a:noAutofit/>
           </a:bodyPr>
           <a:lstStyle/>
@@ -10373,7 +8452,7 @@
               <a:buNone/>
             </a:pPr>
             <a:r>
-              <a:rPr b="1" lang="en"/>
+              <a:rPr lang="en" b="1"/>
               <a:t>1</a:t>
             </a:r>
           </a:p>
@@ -10396,18 +8475,18 @@
           <a:solidFill>
             <a:srgbClr val="FF0000"/>
           </a:solidFill>
-          <a:ln cap="flat" cmpd="sng" w="9525">
+          <a:ln w="9525" cap="flat" cmpd="sng">
             <a:solidFill>
               <a:srgbClr val="FF0000"/>
             </a:solidFill>
             <a:prstDash val="solid"/>
             <a:round/>
-            <a:headEnd len="med" w="med" type="none"/>
-            <a:tailEnd len="med" w="med" type="none"/>
+            <a:headEnd type="none" w="med" len="med"/>
+            <a:tailEnd type="none" w="med" len="med"/>
           </a:ln>
         </p:spPr>
         <p:txBody>
-          <a:bodyPr anchorCtr="0" anchor="t" bIns="91425" lIns="91425" rIns="91425" tIns="91425">
+          <a:bodyPr lIns="91425" tIns="91425" rIns="91425" bIns="91425" anchor="t" anchorCtr="0">
             <a:noAutofit/>
           </a:bodyPr>
           <a:lstStyle/>
@@ -10419,7 +8498,7 @@
               <a:buNone/>
             </a:pPr>
             <a:r>
-              <a:rPr b="1" lang="en"/>
+              <a:rPr lang="en" b="1"/>
               <a:t>2</a:t>
             </a:r>
           </a:p>
@@ -10434,11 +8513,11 @@
 </file>
 
 <file path=ppt/slides/slide22.xml><?xml version="1.0" encoding="utf-8"?>
-<p:sld xmlns:a="http://schemas.openxmlformats.org/drawingml/2006/main" xmlns:r="http://schemas.openxmlformats.org/officeDocument/2006/relationships" xmlns:mc="http://schemas.openxmlformats.org/markup-compatibility/2006" xmlns:mv="urn:schemas-microsoft-com:mac:vml" xmlns:p="http://schemas.openxmlformats.org/presentationml/2006/main" xmlns:c="http://schemas.openxmlformats.org/drawingml/2006/chart" xmlns:dgm="http://schemas.openxmlformats.org/drawingml/2006/diagram" xmlns:o="urn:schemas-microsoft-com:office:office" xmlns:v="urn:schemas-microsoft-com:vml" xmlns:pvml="urn:schemas-microsoft-com:office:powerpoint" xmlns:com="http://schemas.openxmlformats.org/drawingml/2006/compatibility" xmlns:p14="http://schemas.microsoft.com/office/powerpoint/2010/main">
+<p:sld xmlns:a="http://schemas.openxmlformats.org/drawingml/2006/main" xmlns:r="http://schemas.openxmlformats.org/officeDocument/2006/relationships" xmlns:p="http://schemas.openxmlformats.org/presentationml/2006/main">
   <p:cSld>
     <p:spTree>
       <p:nvGrpSpPr>
-        <p:cNvPr id="267" name="Shape 267"/>
+        <p:cNvPr id="1" name="Shape 267"/>
         <p:cNvGrpSpPr/>
         <p:nvPr/>
       </p:nvGrpSpPr>
@@ -10453,7 +8532,9 @@
       <p:sp>
         <p:nvSpPr>
           <p:cNvPr id="268" name="Shape 268"/>
-          <p:cNvSpPr txBox="1"/>
+          <p:cNvSpPr txBox="1">
+            <a:spLocks noGrp="1"/>
+          </p:cNvSpPr>
           <p:nvPr>
             <p:ph type="title"/>
           </p:nvPr>
@@ -10468,12 +8549,12 @@
           </a:prstGeom>
         </p:spPr>
         <p:txBody>
-          <a:bodyPr anchorCtr="0" anchor="t" bIns="91425" lIns="91425" rIns="91425" tIns="91425">
+          <a:bodyPr lIns="91425" tIns="91425" rIns="91425" bIns="91425" anchor="t" anchorCtr="0">
             <a:noAutofit/>
           </a:bodyPr>
           <a:lstStyle/>
           <a:p>
-            <a:pPr lvl="0" rtl="0" algn="ctr">
+            <a:pPr lvl="0" algn="ctr" rtl="0">
               <a:spcBef>
                 <a:spcPts val="0"/>
               </a:spcBef>
@@ -10491,9 +8572,6 @@
               </a:spcBef>
               <a:buNone/>
             </a:pPr>
-            <a:r>
-              <a:t/>
-            </a:r>
             <a:endParaRPr/>
           </a:p>
         </p:txBody>
@@ -10535,11 +8613,11 @@
 </file>
 
 <file path=ppt/slides/slide23.xml><?xml version="1.0" encoding="utf-8"?>
-<p:sld xmlns:a="http://schemas.openxmlformats.org/drawingml/2006/main" xmlns:r="http://schemas.openxmlformats.org/officeDocument/2006/relationships" xmlns:mc="http://schemas.openxmlformats.org/markup-compatibility/2006" xmlns:mv="urn:schemas-microsoft-com:mac:vml" xmlns:p="http://schemas.openxmlformats.org/presentationml/2006/main" xmlns:c="http://schemas.openxmlformats.org/drawingml/2006/chart" xmlns:dgm="http://schemas.openxmlformats.org/drawingml/2006/diagram" xmlns:o="urn:schemas-microsoft-com:office:office" xmlns:v="urn:schemas-microsoft-com:vml" xmlns:pvml="urn:schemas-microsoft-com:office:powerpoint" xmlns:com="http://schemas.openxmlformats.org/drawingml/2006/compatibility" xmlns:p14="http://schemas.microsoft.com/office/powerpoint/2010/main">
+<p:sld xmlns:a="http://schemas.openxmlformats.org/drawingml/2006/main" xmlns:r="http://schemas.openxmlformats.org/officeDocument/2006/relationships" xmlns:p="http://schemas.openxmlformats.org/presentationml/2006/main">
   <p:cSld>
     <p:spTree>
       <p:nvGrpSpPr>
-        <p:cNvPr id="273" name="Shape 273"/>
+        <p:cNvPr id="1" name="Shape 273"/>
         <p:cNvGrpSpPr/>
         <p:nvPr/>
       </p:nvGrpSpPr>
@@ -10554,7 +8632,9 @@
       <p:sp>
         <p:nvSpPr>
           <p:cNvPr id="274" name="Shape 274"/>
-          <p:cNvSpPr txBox="1"/>
+          <p:cNvSpPr txBox="1">
+            <a:spLocks noGrp="1"/>
+          </p:cNvSpPr>
           <p:nvPr>
             <p:ph type="title"/>
           </p:nvPr>
@@ -10569,7 +8649,7 @@
           </a:prstGeom>
         </p:spPr>
         <p:txBody>
-          <a:bodyPr anchorCtr="0" anchor="t" bIns="91425" lIns="91425" rIns="91425" tIns="91425">
+          <a:bodyPr lIns="91425" tIns="91425" rIns="91425" bIns="91425" anchor="t" anchorCtr="0">
             <a:noAutofit/>
           </a:bodyPr>
           <a:lstStyle/>
@@ -10582,11 +8662,7 @@
             </a:pPr>
             <a:r>
               <a:rPr lang="en"/>
-              <a:t>#5: </a:t>
-            </a:r>
-            <a:r>
-              <a:rPr lang="en"/>
-              <a:t>Residuals</a:t>
+              <a:t>#5: Residuals</a:t>
             </a:r>
           </a:p>
         </p:txBody>
@@ -10628,11 +8704,11 @@
 </file>
 
 <file path=ppt/slides/slide24.xml><?xml version="1.0" encoding="utf-8"?>
-<p:sld xmlns:a="http://schemas.openxmlformats.org/drawingml/2006/main" xmlns:r="http://schemas.openxmlformats.org/officeDocument/2006/relationships" xmlns:mc="http://schemas.openxmlformats.org/markup-compatibility/2006" xmlns:mv="urn:schemas-microsoft-com:mac:vml" xmlns:p="http://schemas.openxmlformats.org/presentationml/2006/main" xmlns:c="http://schemas.openxmlformats.org/drawingml/2006/chart" xmlns:dgm="http://schemas.openxmlformats.org/drawingml/2006/diagram" xmlns:o="urn:schemas-microsoft-com:office:office" xmlns:v="urn:schemas-microsoft-com:vml" xmlns:pvml="urn:schemas-microsoft-com:office:powerpoint" xmlns:com="http://schemas.openxmlformats.org/drawingml/2006/compatibility" xmlns:p14="http://schemas.microsoft.com/office/powerpoint/2010/main">
+<p:sld xmlns:a="http://schemas.openxmlformats.org/drawingml/2006/main" xmlns:r="http://schemas.openxmlformats.org/officeDocument/2006/relationships" xmlns:p="http://schemas.openxmlformats.org/presentationml/2006/main">
   <p:cSld>
     <p:spTree>
       <p:nvGrpSpPr>
-        <p:cNvPr id="279" name="Shape 279"/>
+        <p:cNvPr id="1" name="Shape 279"/>
         <p:cNvGrpSpPr/>
         <p:nvPr/>
       </p:nvGrpSpPr>
@@ -10647,7 +8723,9 @@
       <p:sp>
         <p:nvSpPr>
           <p:cNvPr id="280" name="Shape 280"/>
-          <p:cNvSpPr txBox="1"/>
+          <p:cNvSpPr txBox="1">
+            <a:spLocks noGrp="1"/>
+          </p:cNvSpPr>
           <p:nvPr>
             <p:ph type="title"/>
           </p:nvPr>
@@ -10662,7 +8740,7 @@
           </a:prstGeom>
         </p:spPr>
         <p:txBody>
-          <a:bodyPr anchorCtr="0" anchor="t" bIns="91425" lIns="91425" rIns="91425" tIns="91425">
+          <a:bodyPr lIns="91425" tIns="91425" rIns="91425" bIns="91425" anchor="t" anchorCtr="0">
             <a:noAutofit/>
           </a:bodyPr>
           <a:lstStyle/>
@@ -10690,9 +8768,6 @@
               </a:spcBef>
               <a:buNone/>
             </a:pPr>
-            <a:r>
-              <a:t/>
-            </a:r>
             <a:endParaRPr/>
           </a:p>
         </p:txBody>
@@ -10700,9 +8775,11 @@
       <p:sp>
         <p:nvSpPr>
           <p:cNvPr id="281" name="Shape 281"/>
-          <p:cNvSpPr txBox="1"/>
-          <p:nvPr>
-            <p:ph idx="1" type="body"/>
+          <p:cNvSpPr txBox="1">
+            <a:spLocks noGrp="1"/>
+          </p:cNvSpPr>
+          <p:nvPr>
+            <p:ph type="body" idx="1"/>
           </p:nvPr>
         </p:nvSpPr>
         <p:spPr>
@@ -10715,7 +8792,7 @@
           </a:prstGeom>
         </p:spPr>
         <p:txBody>
-          <a:bodyPr anchorCtr="0" anchor="t" bIns="91425" lIns="91425" rIns="91425" tIns="91425">
+          <a:bodyPr lIns="91425" tIns="91425" rIns="91425" bIns="91425" anchor="t" anchorCtr="0">
             <a:noAutofit/>
           </a:bodyPr>
           <a:lstStyle/>
@@ -10732,15 +8809,7 @@
                   <a:srgbClr val="434343"/>
                 </a:solidFill>
               </a:rPr>
-              <a:t>null hypothesis</a:t>
-            </a:r>
-            <a:r>
-              <a:rPr lang="en" sz="2400">
-                <a:solidFill>
-                  <a:srgbClr val="434343"/>
-                </a:solidFill>
-              </a:rPr>
-              <a:t>: all regression coefficients are zero</a:t>
+              <a:t>null hypothesis: all regression coefficients are zero</a:t>
             </a:r>
           </a:p>
           <a:p>
@@ -10759,7 +8828,7 @@
               <a:t>alternative hypothesis: β</a:t>
             </a:r>
             <a:r>
-              <a:rPr baseline="-25000" lang="en" sz="2400">
+              <a:rPr lang="en" sz="2400" baseline="-25000">
                 <a:solidFill>
                   <a:srgbClr val="434343"/>
                 </a:solidFill>
@@ -10819,9 +8888,6 @@
               <a:buFont typeface="Arial"/>
               <a:buNone/>
             </a:pPr>
-            <a:r>
-              <a:t/>
-            </a:r>
             <a:endParaRPr sz="2400">
               <a:solidFill>
                 <a:srgbClr val="434343"/>
@@ -10839,11 +8905,11 @@
 </file>
 
 <file path=ppt/slides/slide25.xml><?xml version="1.0" encoding="utf-8"?>
-<p:sld xmlns:a="http://schemas.openxmlformats.org/drawingml/2006/main" xmlns:r="http://schemas.openxmlformats.org/officeDocument/2006/relationships" xmlns:mc="http://schemas.openxmlformats.org/markup-compatibility/2006" xmlns:mv="urn:schemas-microsoft-com:mac:vml" xmlns:p="http://schemas.openxmlformats.org/presentationml/2006/main" xmlns:c="http://schemas.openxmlformats.org/drawingml/2006/chart" xmlns:dgm="http://schemas.openxmlformats.org/drawingml/2006/diagram" xmlns:o="urn:schemas-microsoft-com:office:office" xmlns:v="urn:schemas-microsoft-com:vml" xmlns:pvml="urn:schemas-microsoft-com:office:powerpoint" xmlns:com="http://schemas.openxmlformats.org/drawingml/2006/compatibility" xmlns:p14="http://schemas.microsoft.com/office/powerpoint/2010/main">
+<p:sld xmlns:a="http://schemas.openxmlformats.org/drawingml/2006/main" xmlns:r="http://schemas.openxmlformats.org/officeDocument/2006/relationships" xmlns:p="http://schemas.openxmlformats.org/presentationml/2006/main">
   <p:cSld>
     <p:spTree>
       <p:nvGrpSpPr>
-        <p:cNvPr id="285" name="Shape 285"/>
+        <p:cNvPr id="1" name="Shape 285"/>
         <p:cNvGrpSpPr/>
         <p:nvPr/>
       </p:nvGrpSpPr>
@@ -10858,7 +8924,9 @@
       <p:sp>
         <p:nvSpPr>
           <p:cNvPr id="286" name="Shape 286"/>
-          <p:cNvSpPr txBox="1"/>
+          <p:cNvSpPr txBox="1">
+            <a:spLocks noGrp="1"/>
+          </p:cNvSpPr>
           <p:nvPr>
             <p:ph type="title"/>
           </p:nvPr>
@@ -10873,7 +8941,7 @@
           </a:prstGeom>
         </p:spPr>
         <p:txBody>
-          <a:bodyPr anchorCtr="0" anchor="ctr" bIns="91425" lIns="91425" rIns="91425" tIns="91425">
+          <a:bodyPr lIns="91425" tIns="91425" rIns="91425" bIns="91425" anchor="ctr" anchorCtr="0">
             <a:noAutofit/>
           </a:bodyPr>
           <a:lstStyle/>
@@ -10906,7 +8974,9 @@
       <p:sp>
         <p:nvSpPr>
           <p:cNvPr id="287" name="Shape 287"/>
-          <p:cNvSpPr txBox="1"/>
+          <p:cNvSpPr txBox="1">
+            <a:spLocks noGrp="1"/>
+          </p:cNvSpPr>
           <p:nvPr>
             <p:ph type="title"/>
           </p:nvPr>
@@ -10921,7 +8991,7 @@
           </a:prstGeom>
         </p:spPr>
         <p:txBody>
-          <a:bodyPr anchorCtr="0" anchor="ctr" bIns="91425" lIns="91425" rIns="91425" tIns="91425">
+          <a:bodyPr lIns="91425" tIns="91425" rIns="91425" bIns="91425" anchor="ctr" anchorCtr="0">
             <a:noAutofit/>
           </a:bodyPr>
           <a:lstStyle/>
@@ -10948,11 +9018,11 @@
 </file>
 
 <file path=ppt/slides/slide26.xml><?xml version="1.0" encoding="utf-8"?>
-<p:sld xmlns:a="http://schemas.openxmlformats.org/drawingml/2006/main" xmlns:r="http://schemas.openxmlformats.org/officeDocument/2006/relationships" xmlns:mc="http://schemas.openxmlformats.org/markup-compatibility/2006" xmlns:mv="urn:schemas-microsoft-com:mac:vml" xmlns:p="http://schemas.openxmlformats.org/presentationml/2006/main" xmlns:c="http://schemas.openxmlformats.org/drawingml/2006/chart" xmlns:dgm="http://schemas.openxmlformats.org/drawingml/2006/diagram" xmlns:o="urn:schemas-microsoft-com:office:office" xmlns:v="urn:schemas-microsoft-com:vml" xmlns:pvml="urn:schemas-microsoft-com:office:powerpoint" xmlns:com="http://schemas.openxmlformats.org/drawingml/2006/compatibility" xmlns:p14="http://schemas.microsoft.com/office/powerpoint/2010/main">
+<p:sld xmlns:a="http://schemas.openxmlformats.org/drawingml/2006/main" xmlns:r="http://schemas.openxmlformats.org/officeDocument/2006/relationships" xmlns:p="http://schemas.openxmlformats.org/presentationml/2006/main">
   <p:cSld>
     <p:spTree>
       <p:nvGrpSpPr>
-        <p:cNvPr id="291" name="Shape 291"/>
+        <p:cNvPr id="1" name="Shape 291"/>
         <p:cNvGrpSpPr/>
         <p:nvPr/>
       </p:nvGrpSpPr>
@@ -10967,7 +9037,9 @@
       <p:sp>
         <p:nvSpPr>
           <p:cNvPr id="292" name="Shape 292"/>
-          <p:cNvSpPr txBox="1"/>
+          <p:cNvSpPr txBox="1">
+            <a:spLocks noGrp="1"/>
+          </p:cNvSpPr>
           <p:nvPr>
             <p:ph type="title"/>
           </p:nvPr>
@@ -10982,7 +9054,7 @@
           </a:prstGeom>
         </p:spPr>
         <p:txBody>
-          <a:bodyPr anchorCtr="0" anchor="t" bIns="91425" lIns="91425" rIns="91425" tIns="91425">
+          <a:bodyPr lIns="91425" tIns="91425" rIns="91425" bIns="91425" anchor="t" anchorCtr="0">
             <a:noAutofit/>
           </a:bodyPr>
           <a:lstStyle/>
@@ -11003,9 +9075,11 @@
       <p:sp>
         <p:nvSpPr>
           <p:cNvPr id="293" name="Shape 293"/>
-          <p:cNvSpPr txBox="1"/>
-          <p:nvPr>
-            <p:ph idx="1" type="body"/>
+          <p:cNvSpPr txBox="1">
+            <a:spLocks noGrp="1"/>
+          </p:cNvSpPr>
+          <p:nvPr>
+            <p:ph type="body" idx="1"/>
           </p:nvPr>
         </p:nvSpPr>
         <p:spPr>
@@ -11018,12 +9092,12 @@
           </a:prstGeom>
         </p:spPr>
         <p:txBody>
-          <a:bodyPr anchorCtr="0" anchor="t" bIns="91425" lIns="91425" rIns="91425" tIns="91425">
+          <a:bodyPr lIns="91425" tIns="91425" rIns="91425" bIns="91425" anchor="t" anchorCtr="0">
             <a:noAutofit/>
           </a:bodyPr>
           <a:lstStyle/>
           <a:p>
-            <a:pPr indent="-381000" lvl="0" marL="457200" rtl="0">
+            <a:pPr marL="457200" lvl="0" indent="-381000" rtl="0">
               <a:spcBef>
                 <a:spcPts val="0"/>
               </a:spcBef>
@@ -11036,7 +9110,7 @@
             </a:r>
           </a:p>
           <a:p>
-            <a:pPr indent="-381000" lvl="0" marL="457200" rtl="0">
+            <a:pPr marL="457200" lvl="0" indent="-381000" rtl="0">
               <a:spcBef>
                 <a:spcPts val="0"/>
               </a:spcBef>
@@ -11059,11 +9133,11 @@
 </file>
 
 <file path=ppt/slides/slide27.xml><?xml version="1.0" encoding="utf-8"?>
-<p:sld xmlns:a="http://schemas.openxmlformats.org/drawingml/2006/main" xmlns:r="http://schemas.openxmlformats.org/officeDocument/2006/relationships" xmlns:mc="http://schemas.openxmlformats.org/markup-compatibility/2006" xmlns:mv="urn:schemas-microsoft-com:mac:vml" xmlns:p="http://schemas.openxmlformats.org/presentationml/2006/main" xmlns:c="http://schemas.openxmlformats.org/drawingml/2006/chart" xmlns:dgm="http://schemas.openxmlformats.org/drawingml/2006/diagram" xmlns:o="urn:schemas-microsoft-com:office:office" xmlns:v="urn:schemas-microsoft-com:vml" xmlns:pvml="urn:schemas-microsoft-com:office:powerpoint" xmlns:com="http://schemas.openxmlformats.org/drawingml/2006/compatibility" xmlns:p14="http://schemas.microsoft.com/office/powerpoint/2010/main">
+<p:sld xmlns:a="http://schemas.openxmlformats.org/drawingml/2006/main" xmlns:r="http://schemas.openxmlformats.org/officeDocument/2006/relationships" xmlns:p="http://schemas.openxmlformats.org/presentationml/2006/main">
   <p:cSld>
     <p:spTree>
       <p:nvGrpSpPr>
-        <p:cNvPr id="297" name="Shape 297"/>
+        <p:cNvPr id="1" name="Shape 297"/>
         <p:cNvGrpSpPr/>
         <p:nvPr/>
       </p:nvGrpSpPr>
@@ -11078,7 +9152,9 @@
       <p:sp>
         <p:nvSpPr>
           <p:cNvPr id="298" name="Shape 298"/>
-          <p:cNvSpPr txBox="1"/>
+          <p:cNvSpPr txBox="1">
+            <a:spLocks noGrp="1"/>
+          </p:cNvSpPr>
           <p:nvPr>
             <p:ph type="title"/>
           </p:nvPr>
@@ -11093,7 +9169,7 @@
           </a:prstGeom>
         </p:spPr>
         <p:txBody>
-          <a:bodyPr anchorCtr="0" anchor="t" bIns="91425" lIns="91425" rIns="91425" tIns="91425">
+          <a:bodyPr lIns="91425" tIns="91425" rIns="91425" bIns="91425" anchor="t" anchorCtr="0">
             <a:noAutofit/>
           </a:bodyPr>
           <a:lstStyle/>
@@ -11114,9 +9190,11 @@
       <p:sp>
         <p:nvSpPr>
           <p:cNvPr id="299" name="Shape 299"/>
-          <p:cNvSpPr txBox="1"/>
-          <p:nvPr>
-            <p:ph idx="1" type="body"/>
+          <p:cNvSpPr txBox="1">
+            <a:spLocks noGrp="1"/>
+          </p:cNvSpPr>
+          <p:nvPr>
+            <p:ph type="body" idx="1"/>
           </p:nvPr>
         </p:nvSpPr>
         <p:spPr>
@@ -11129,12 +9207,12 @@
           </a:prstGeom>
         </p:spPr>
         <p:txBody>
-          <a:bodyPr anchorCtr="0" anchor="t" bIns="91425" lIns="91425" rIns="91425" tIns="91425">
+          <a:bodyPr lIns="91425" tIns="91425" rIns="91425" bIns="91425" anchor="t" anchorCtr="0">
             <a:noAutofit/>
           </a:bodyPr>
           <a:lstStyle/>
           <a:p>
-            <a:pPr indent="-228600" lvl="0" marL="457200" rtl="0">
+            <a:pPr marL="457200" lvl="0" indent="-228600" rtl="0">
               <a:spcBef>
                 <a:spcPts val="0"/>
               </a:spcBef>
@@ -11146,7 +9224,7 @@
             </a:r>
           </a:p>
           <a:p>
-            <a:pPr indent="-228600" lvl="0" marL="457200" rtl="0">
+            <a:pPr marL="457200" lvl="0" indent="-228600" rtl="0">
               <a:spcBef>
                 <a:spcPts val="0"/>
               </a:spcBef>
@@ -11158,7 +9236,7 @@
             </a:r>
           </a:p>
           <a:p>
-            <a:pPr indent="-228600" lvl="0" marL="457200" rtl="0">
+            <a:pPr marL="457200" lvl="0" indent="-228600" rtl="0">
               <a:spcBef>
                 <a:spcPts val="0"/>
               </a:spcBef>
@@ -11170,7 +9248,7 @@
             </a:r>
           </a:p>
           <a:p>
-            <a:pPr indent="-228600" lvl="0" marL="457200" rtl="0">
+            <a:pPr marL="457200" lvl="0" indent="-228600" rtl="0">
               <a:spcBef>
                 <a:spcPts val="0"/>
               </a:spcBef>
@@ -11182,7 +9260,7 @@
             </a:r>
           </a:p>
           <a:p>
-            <a:pPr indent="-228600" lvl="0" marL="457200" rtl="0">
+            <a:pPr marL="457200" lvl="0" indent="-228600" rtl="0">
               <a:spcBef>
                 <a:spcPts val="0"/>
               </a:spcBef>
@@ -11204,11 +9282,11 @@
 </file>
 
 <file path=ppt/slides/slide28.xml><?xml version="1.0" encoding="utf-8"?>
-<p:sld xmlns:a="http://schemas.openxmlformats.org/drawingml/2006/main" xmlns:r="http://schemas.openxmlformats.org/officeDocument/2006/relationships" xmlns:mc="http://schemas.openxmlformats.org/markup-compatibility/2006" xmlns:mv="urn:schemas-microsoft-com:mac:vml" xmlns:p="http://schemas.openxmlformats.org/presentationml/2006/main" xmlns:c="http://schemas.openxmlformats.org/drawingml/2006/chart" xmlns:dgm="http://schemas.openxmlformats.org/drawingml/2006/diagram" xmlns:o="urn:schemas-microsoft-com:office:office" xmlns:v="urn:schemas-microsoft-com:vml" xmlns:pvml="urn:schemas-microsoft-com:office:powerpoint" xmlns:com="http://schemas.openxmlformats.org/drawingml/2006/compatibility" xmlns:p14="http://schemas.microsoft.com/office/powerpoint/2010/main">
+<p:sld xmlns:a="http://schemas.openxmlformats.org/drawingml/2006/main" xmlns:r="http://schemas.openxmlformats.org/officeDocument/2006/relationships" xmlns:p="http://schemas.openxmlformats.org/presentationml/2006/main">
   <p:cSld>
     <p:spTree>
       <p:nvGrpSpPr>
-        <p:cNvPr id="303" name="Shape 303"/>
+        <p:cNvPr id="1" name="Shape 303"/>
         <p:cNvGrpSpPr/>
         <p:nvPr/>
       </p:nvGrpSpPr>
@@ -11223,7 +9301,9 @@
       <p:sp>
         <p:nvSpPr>
           <p:cNvPr id="304" name="Shape 304"/>
-          <p:cNvSpPr txBox="1"/>
+          <p:cNvSpPr txBox="1">
+            <a:spLocks noGrp="1"/>
+          </p:cNvSpPr>
           <p:nvPr>
             <p:ph type="title"/>
           </p:nvPr>
@@ -11238,7 +9318,7 @@
           </a:prstGeom>
         </p:spPr>
         <p:txBody>
-          <a:bodyPr anchorCtr="0" anchor="t" bIns="91425" lIns="91425" rIns="91425" tIns="91425">
+          <a:bodyPr lIns="91425" tIns="91425" rIns="91425" bIns="91425" anchor="t" anchorCtr="0">
             <a:noAutofit/>
           </a:bodyPr>
           <a:lstStyle/>
@@ -11259,9 +9339,11 @@
       <p:sp>
         <p:nvSpPr>
           <p:cNvPr id="305" name="Shape 305"/>
-          <p:cNvSpPr txBox="1"/>
-          <p:nvPr>
-            <p:ph idx="1" type="body"/>
+          <p:cNvSpPr txBox="1">
+            <a:spLocks noGrp="1"/>
+          </p:cNvSpPr>
+          <p:nvPr>
+            <p:ph type="body" idx="1"/>
           </p:nvPr>
         </p:nvSpPr>
         <p:spPr>
@@ -11274,12 +9356,12 @@
           </a:prstGeom>
         </p:spPr>
         <p:txBody>
-          <a:bodyPr anchorCtr="0" anchor="t" bIns="91425" lIns="91425" rIns="91425" tIns="91425">
+          <a:bodyPr lIns="91425" tIns="91425" rIns="91425" bIns="91425" anchor="t" anchorCtr="0">
             <a:noAutofit/>
           </a:bodyPr>
           <a:lstStyle/>
           <a:p>
-            <a:pPr indent="-228600" lvl="0" marL="457200" rtl="0">
+            <a:pPr marL="457200" lvl="0" indent="-228600" rtl="0">
               <a:spcBef>
                 <a:spcPts val="0"/>
               </a:spcBef>
@@ -11291,7 +9373,7 @@
             </a:r>
           </a:p>
           <a:p>
-            <a:pPr indent="-228600" lvl="0" marL="457200" rtl="0">
+            <a:pPr marL="457200" lvl="0" indent="-228600" rtl="0">
               <a:spcBef>
                 <a:spcPts val="0"/>
               </a:spcBef>
@@ -11313,11 +9395,11 @@
 </file>
 
 <file path=ppt/slides/slide3.xml><?xml version="1.0" encoding="utf-8"?>
-<p:sld xmlns:a="http://schemas.openxmlformats.org/drawingml/2006/main" xmlns:r="http://schemas.openxmlformats.org/officeDocument/2006/relationships" xmlns:mc="http://schemas.openxmlformats.org/markup-compatibility/2006" xmlns:mv="urn:schemas-microsoft-com:mac:vml" xmlns:p="http://schemas.openxmlformats.org/presentationml/2006/main" xmlns:c="http://schemas.openxmlformats.org/drawingml/2006/chart" xmlns:dgm="http://schemas.openxmlformats.org/drawingml/2006/diagram" xmlns:o="urn:schemas-microsoft-com:office:office" xmlns:v="urn:schemas-microsoft-com:vml" xmlns:pvml="urn:schemas-microsoft-com:office:powerpoint" xmlns:com="http://schemas.openxmlformats.org/drawingml/2006/compatibility" xmlns:p14="http://schemas.microsoft.com/office/powerpoint/2010/main">
+<p:sld xmlns:a="http://schemas.openxmlformats.org/drawingml/2006/main" xmlns:r="http://schemas.openxmlformats.org/officeDocument/2006/relationships" xmlns:p="http://schemas.openxmlformats.org/presentationml/2006/main">
   <p:cSld>
     <p:spTree>
       <p:nvGrpSpPr>
-        <p:cNvPr id="64" name="Shape 64"/>
+        <p:cNvPr id="1" name="Shape 64"/>
         <p:cNvGrpSpPr/>
         <p:nvPr/>
       </p:nvGrpSpPr>
@@ -11332,7 +9414,9 @@
       <p:sp>
         <p:nvSpPr>
           <p:cNvPr id="65" name="Shape 65"/>
-          <p:cNvSpPr txBox="1"/>
+          <p:cNvSpPr txBox="1">
+            <a:spLocks noGrp="1"/>
+          </p:cNvSpPr>
           <p:nvPr>
             <p:ph type="title"/>
           </p:nvPr>
@@ -11347,7 +9431,7 @@
           </a:prstGeom>
         </p:spPr>
         <p:txBody>
-          <a:bodyPr anchorCtr="0" anchor="t" bIns="91425" lIns="91425" rIns="91425" tIns="91425">
+          <a:bodyPr lIns="91425" tIns="91425" rIns="91425" bIns="91425" anchor="t" anchorCtr="0">
             <a:noAutofit/>
           </a:bodyPr>
           <a:lstStyle/>
@@ -11368,9 +9452,11 @@
       <p:sp>
         <p:nvSpPr>
           <p:cNvPr id="66" name="Shape 66"/>
-          <p:cNvSpPr txBox="1"/>
-          <p:nvPr>
-            <p:ph idx="1" type="body"/>
+          <p:cNvSpPr txBox="1">
+            <a:spLocks noGrp="1"/>
+          </p:cNvSpPr>
+          <p:nvPr>
+            <p:ph type="body" idx="1"/>
           </p:nvPr>
         </p:nvSpPr>
         <p:spPr>
@@ -11383,12 +9469,12 @@
           </a:prstGeom>
         </p:spPr>
         <p:txBody>
-          <a:bodyPr anchorCtr="0" anchor="t" bIns="91425" lIns="91425" rIns="91425" tIns="91425">
+          <a:bodyPr lIns="91425" tIns="91425" rIns="91425" bIns="91425" anchor="t" anchorCtr="0">
             <a:noAutofit/>
           </a:bodyPr>
           <a:lstStyle/>
           <a:p>
-            <a:pPr indent="-228600" lvl="0" marL="457200" rtl="0">
+            <a:pPr marL="457200" lvl="0" indent="-228600" rtl="0">
               <a:spcBef>
                 <a:spcPts val="0"/>
               </a:spcBef>
@@ -11410,11 +9496,11 @@
 </file>
 
 <file path=ppt/slides/slide4.xml><?xml version="1.0" encoding="utf-8"?>
-<p:sld xmlns:a="http://schemas.openxmlformats.org/drawingml/2006/main" xmlns:r="http://schemas.openxmlformats.org/officeDocument/2006/relationships" xmlns:mc="http://schemas.openxmlformats.org/markup-compatibility/2006" xmlns:mv="urn:schemas-microsoft-com:mac:vml" xmlns:p="http://schemas.openxmlformats.org/presentationml/2006/main" xmlns:c="http://schemas.openxmlformats.org/drawingml/2006/chart" xmlns:dgm="http://schemas.openxmlformats.org/drawingml/2006/diagram" xmlns:o="urn:schemas-microsoft-com:office:office" xmlns:v="urn:schemas-microsoft-com:vml" xmlns:pvml="urn:schemas-microsoft-com:office:powerpoint" xmlns:com="http://schemas.openxmlformats.org/drawingml/2006/compatibility" xmlns:p14="http://schemas.microsoft.com/office/powerpoint/2010/main">
+<p:sld xmlns:a="http://schemas.openxmlformats.org/drawingml/2006/main" xmlns:r="http://schemas.openxmlformats.org/officeDocument/2006/relationships" xmlns:p="http://schemas.openxmlformats.org/presentationml/2006/main">
   <p:cSld>
     <p:spTree>
       <p:nvGrpSpPr>
-        <p:cNvPr id="70" name="Shape 70"/>
+        <p:cNvPr id="1" name="Shape 70"/>
         <p:cNvGrpSpPr/>
         <p:nvPr/>
       </p:nvGrpSpPr>
@@ -11429,7 +9515,9 @@
       <p:sp>
         <p:nvSpPr>
           <p:cNvPr id="71" name="Shape 71"/>
-          <p:cNvSpPr txBox="1"/>
+          <p:cNvSpPr txBox="1">
+            <a:spLocks noGrp="1"/>
+          </p:cNvSpPr>
           <p:nvPr>
             <p:ph type="title"/>
           </p:nvPr>
@@ -11444,7 +9532,7 @@
           </a:prstGeom>
         </p:spPr>
         <p:txBody>
-          <a:bodyPr anchorCtr="0" anchor="ctr" bIns="91425" lIns="91425" rIns="91425" tIns="91425">
+          <a:bodyPr lIns="91425" tIns="91425" rIns="91425" bIns="91425" anchor="ctr" anchorCtr="0">
             <a:noAutofit/>
           </a:bodyPr>
           <a:lstStyle/>
@@ -11483,11 +9571,11 @@
 </file>
 
 <file path=ppt/slides/slide5.xml><?xml version="1.0" encoding="utf-8"?>
-<p:sld xmlns:a="http://schemas.openxmlformats.org/drawingml/2006/main" xmlns:r="http://schemas.openxmlformats.org/officeDocument/2006/relationships" xmlns:mc="http://schemas.openxmlformats.org/markup-compatibility/2006" xmlns:mv="urn:schemas-microsoft-com:mac:vml" xmlns:p="http://schemas.openxmlformats.org/presentationml/2006/main" xmlns:c="http://schemas.openxmlformats.org/drawingml/2006/chart" xmlns:dgm="http://schemas.openxmlformats.org/drawingml/2006/diagram" xmlns:o="urn:schemas-microsoft-com:office:office" xmlns:v="urn:schemas-microsoft-com:vml" xmlns:pvml="urn:schemas-microsoft-com:office:powerpoint" xmlns:com="http://schemas.openxmlformats.org/drawingml/2006/compatibility" xmlns:p14="http://schemas.microsoft.com/office/powerpoint/2010/main">
+<p:sld xmlns:a="http://schemas.openxmlformats.org/drawingml/2006/main" xmlns:r="http://schemas.openxmlformats.org/officeDocument/2006/relationships" xmlns:p="http://schemas.openxmlformats.org/presentationml/2006/main">
   <p:cSld>
     <p:spTree>
       <p:nvGrpSpPr>
-        <p:cNvPr id="75" name="Shape 75"/>
+        <p:cNvPr id="1" name="Shape 75"/>
         <p:cNvGrpSpPr/>
         <p:nvPr/>
       </p:nvGrpSpPr>
@@ -11502,7 +9590,9 @@
       <p:sp>
         <p:nvSpPr>
           <p:cNvPr id="76" name="Shape 76"/>
-          <p:cNvSpPr txBox="1"/>
+          <p:cNvSpPr txBox="1">
+            <a:spLocks noGrp="1"/>
+          </p:cNvSpPr>
           <p:nvPr>
             <p:ph type="ctrTitle"/>
           </p:nvPr>
@@ -11517,7 +9607,7 @@
           </a:prstGeom>
         </p:spPr>
         <p:txBody>
-          <a:bodyPr anchorCtr="0" anchor="b" bIns="91425" lIns="91425" rIns="91425" tIns="91425">
+          <a:bodyPr lIns="91425" tIns="91425" rIns="91425" bIns="91425" anchor="b" anchorCtr="0">
             <a:noAutofit/>
           </a:bodyPr>
           <a:lstStyle/>
@@ -11538,9 +9628,11 @@
       <p:sp>
         <p:nvSpPr>
           <p:cNvPr id="77" name="Shape 77"/>
-          <p:cNvSpPr txBox="1"/>
-          <p:nvPr>
-            <p:ph idx="1" type="subTitle"/>
+          <p:cNvSpPr txBox="1">
+            <a:spLocks noGrp="1"/>
+          </p:cNvSpPr>
+          <p:nvPr>
+            <p:ph type="subTitle" idx="1"/>
           </p:nvPr>
         </p:nvSpPr>
         <p:spPr>
@@ -11553,7 +9645,7 @@
           </a:prstGeom>
         </p:spPr>
         <p:txBody>
-          <a:bodyPr anchorCtr="0" anchor="t" bIns="91425" lIns="91425" rIns="91425" tIns="91425">
+          <a:bodyPr lIns="91425" tIns="91425" rIns="91425" bIns="91425" anchor="t" anchorCtr="0">
             <a:noAutofit/>
           </a:bodyPr>
           <a:lstStyle/>
@@ -11585,9 +9677,6 @@
               </a:spcBef>
               <a:buNone/>
             </a:pPr>
-            <a:r>
-              <a:t/>
-            </a:r>
             <a:endParaRPr sz="5200">
               <a:solidFill>
                 <a:schemeClr val="dk1"/>
@@ -11605,11 +9694,11 @@
 </file>
 
 <file path=ppt/slides/slide6.xml><?xml version="1.0" encoding="utf-8"?>
-<p:sld xmlns:a="http://schemas.openxmlformats.org/drawingml/2006/main" xmlns:r="http://schemas.openxmlformats.org/officeDocument/2006/relationships" xmlns:mc="http://schemas.openxmlformats.org/markup-compatibility/2006" xmlns:mv="urn:schemas-microsoft-com:mac:vml" xmlns:p="http://schemas.openxmlformats.org/presentationml/2006/main" xmlns:c="http://schemas.openxmlformats.org/drawingml/2006/chart" xmlns:dgm="http://schemas.openxmlformats.org/drawingml/2006/diagram" xmlns:o="urn:schemas-microsoft-com:office:office" xmlns:v="urn:schemas-microsoft-com:vml" xmlns:pvml="urn:schemas-microsoft-com:office:powerpoint" xmlns:com="http://schemas.openxmlformats.org/drawingml/2006/compatibility" xmlns:p14="http://schemas.microsoft.com/office/powerpoint/2010/main">
+<p:sld xmlns:a="http://schemas.openxmlformats.org/drawingml/2006/main" xmlns:r="http://schemas.openxmlformats.org/officeDocument/2006/relationships" xmlns:p="http://schemas.openxmlformats.org/presentationml/2006/main">
   <p:cSld>
     <p:spTree>
       <p:nvGrpSpPr>
-        <p:cNvPr id="81" name="Shape 81"/>
+        <p:cNvPr id="1" name="Shape 81"/>
         <p:cNvGrpSpPr/>
         <p:nvPr/>
       </p:nvGrpSpPr>
@@ -11623,7 +9712,7 @@
       </p:grpSpPr>
       <p:pic>
         <p:nvPicPr>
-          <p:cNvPr descr="Image result for mandarin tones" id="82" name="Shape 82"/>
+          <p:cNvPr id="82" name="Shape 82" descr="Image result for mandarin tones"/>
           <p:cNvPicPr preferRelativeResize="0"/>
           <p:nvPr/>
         </p:nvPicPr>
@@ -11658,11 +9747,11 @@
 </file>
 
 <file path=ppt/slides/slide7.xml><?xml version="1.0" encoding="utf-8"?>
-<p:sld xmlns:a="http://schemas.openxmlformats.org/drawingml/2006/main" xmlns:r="http://schemas.openxmlformats.org/officeDocument/2006/relationships" xmlns:mc="http://schemas.openxmlformats.org/markup-compatibility/2006" xmlns:mv="urn:schemas-microsoft-com:mac:vml" xmlns:p="http://schemas.openxmlformats.org/presentationml/2006/main" xmlns:c="http://schemas.openxmlformats.org/drawingml/2006/chart" xmlns:dgm="http://schemas.openxmlformats.org/drawingml/2006/diagram" xmlns:o="urn:schemas-microsoft-com:office:office" xmlns:v="urn:schemas-microsoft-com:vml" xmlns:pvml="urn:schemas-microsoft-com:office:powerpoint" xmlns:com="http://schemas.openxmlformats.org/drawingml/2006/compatibility" xmlns:p14="http://schemas.microsoft.com/office/powerpoint/2010/main">
+<p:sld xmlns:a="http://schemas.openxmlformats.org/drawingml/2006/main" xmlns:r="http://schemas.openxmlformats.org/officeDocument/2006/relationships" xmlns:p="http://schemas.openxmlformats.org/presentationml/2006/main">
   <p:cSld>
     <p:spTree>
       <p:nvGrpSpPr>
-        <p:cNvPr id="86" name="Shape 86"/>
+        <p:cNvPr id="1" name="Shape 86"/>
         <p:cNvGrpSpPr/>
         <p:nvPr/>
       </p:nvGrpSpPr>
@@ -11676,7 +9765,7 @@
       </p:grpSpPr>
       <p:pic>
         <p:nvPicPr>
-          <p:cNvPr descr="native-tone.png" id="87" name="Shape 87"/>
+          <p:cNvPr id="87" name="Shape 87" descr="native-tone.png"/>
           <p:cNvPicPr preferRelativeResize="0"/>
           <p:nvPr/>
         </p:nvPicPr>
@@ -11711,11 +9800,11 @@
 </file>
 
 <file path=ppt/slides/slide8.xml><?xml version="1.0" encoding="utf-8"?>
-<p:sld xmlns:a="http://schemas.openxmlformats.org/drawingml/2006/main" xmlns:r="http://schemas.openxmlformats.org/officeDocument/2006/relationships" xmlns:mc="http://schemas.openxmlformats.org/markup-compatibility/2006" xmlns:mv="urn:schemas-microsoft-com:mac:vml" xmlns:p="http://schemas.openxmlformats.org/presentationml/2006/main" xmlns:c="http://schemas.openxmlformats.org/drawingml/2006/chart" xmlns:dgm="http://schemas.openxmlformats.org/drawingml/2006/diagram" xmlns:o="urn:schemas-microsoft-com:office:office" xmlns:v="urn:schemas-microsoft-com:vml" xmlns:pvml="urn:schemas-microsoft-com:office:powerpoint" xmlns:com="http://schemas.openxmlformats.org/drawingml/2006/compatibility" xmlns:p14="http://schemas.microsoft.com/office/powerpoint/2010/main">
+<p:sld xmlns:a="http://schemas.openxmlformats.org/drawingml/2006/main" xmlns:r="http://schemas.openxmlformats.org/officeDocument/2006/relationships" xmlns:p="http://schemas.openxmlformats.org/presentationml/2006/main">
   <p:cSld>
     <p:spTree>
       <p:nvGrpSpPr>
-        <p:cNvPr id="91" name="Shape 91"/>
+        <p:cNvPr id="1" name="Shape 91"/>
         <p:cNvGrpSpPr/>
         <p:nvPr/>
       </p:nvGrpSpPr>
@@ -11730,7 +9819,9 @@
       <p:sp>
         <p:nvSpPr>
           <p:cNvPr id="92" name="Shape 92"/>
-          <p:cNvSpPr txBox="1"/>
+          <p:cNvSpPr txBox="1">
+            <a:spLocks noGrp="1"/>
+          </p:cNvSpPr>
           <p:nvPr>
             <p:ph type="title"/>
           </p:nvPr>
@@ -11745,7 +9836,7 @@
           </a:prstGeom>
         </p:spPr>
         <p:txBody>
-          <a:bodyPr anchorCtr="0" anchor="ctr" bIns="91425" lIns="91425" rIns="91425" tIns="91425">
+          <a:bodyPr lIns="91425" tIns="91425" rIns="91425" bIns="91425" anchor="ctr" anchorCtr="0">
             <a:noAutofit/>
           </a:bodyPr>
           <a:lstStyle/>
@@ -11773,7 +9864,7 @@
           <a:blip r:embed="rId3">
             <a:alphaModFix/>
           </a:blip>
-          <a:srcRect b="0" l="0" r="0" t="50194"/>
+          <a:srcRect t="50194"/>
           <a:stretch/>
         </p:blipFill>
         <p:spPr>
@@ -11827,11 +9918,11 @@
 </file>
 
 <file path=ppt/slides/slide9.xml><?xml version="1.0" encoding="utf-8"?>
-<p:sld xmlns:a="http://schemas.openxmlformats.org/drawingml/2006/main" xmlns:r="http://schemas.openxmlformats.org/officeDocument/2006/relationships" xmlns:mc="http://schemas.openxmlformats.org/markup-compatibility/2006" xmlns:mv="urn:schemas-microsoft-com:mac:vml" xmlns:p="http://schemas.openxmlformats.org/presentationml/2006/main" xmlns:c="http://schemas.openxmlformats.org/drawingml/2006/chart" xmlns:dgm="http://schemas.openxmlformats.org/drawingml/2006/diagram" xmlns:o="urn:schemas-microsoft-com:office:office" xmlns:v="urn:schemas-microsoft-com:vml" xmlns:pvml="urn:schemas-microsoft-com:office:powerpoint" xmlns:com="http://schemas.openxmlformats.org/drawingml/2006/compatibility" xmlns:p14="http://schemas.microsoft.com/office/powerpoint/2010/main">
+<p:sld xmlns:a="http://schemas.openxmlformats.org/drawingml/2006/main" xmlns:r="http://schemas.openxmlformats.org/officeDocument/2006/relationships" xmlns:p="http://schemas.openxmlformats.org/presentationml/2006/main">
   <p:cSld>
     <p:spTree>
       <p:nvGrpSpPr>
-        <p:cNvPr id="98" name="Shape 98"/>
+        <p:cNvPr id="1" name="Shape 98"/>
         <p:cNvGrpSpPr/>
         <p:nvPr/>
       </p:nvGrpSpPr>
@@ -11846,7 +9937,9 @@
       <p:sp>
         <p:nvSpPr>
           <p:cNvPr id="99" name="Shape 99"/>
-          <p:cNvSpPr txBox="1"/>
+          <p:cNvSpPr txBox="1">
+            <a:spLocks noGrp="1"/>
+          </p:cNvSpPr>
           <p:nvPr>
             <p:ph type="title"/>
           </p:nvPr>
@@ -11861,7 +9954,7 @@
           </a:prstGeom>
         </p:spPr>
         <p:txBody>
-          <a:bodyPr anchorCtr="0" anchor="ctr" bIns="91425" lIns="91425" rIns="91425" tIns="91425">
+          <a:bodyPr lIns="91425" tIns="91425" rIns="91425" bIns="91425" anchor="ctr" anchorCtr="0">
             <a:noAutofit/>
           </a:bodyPr>
           <a:lstStyle/>
@@ -11888,7 +9981,288 @@
 </file>
 
 <file path=ppt/theme/theme1.xml><?xml version="1.0" encoding="utf-8"?>
-<a:theme xmlns:a="http://schemas.openxmlformats.org/drawingml/2006/main" xmlns:r="http://schemas.openxmlformats.org/officeDocument/2006/relationships" name="Custom Theme">
+<a:theme xmlns:a="http://schemas.openxmlformats.org/drawingml/2006/main" name="simple-light-2">
+  <a:themeElements>
+    <a:clrScheme name="Simple Light">
+      <a:dk1>
+        <a:srgbClr val="000000"/>
+      </a:dk1>
+      <a:lt1>
+        <a:srgbClr val="FFFFFF"/>
+      </a:lt1>
+      <a:dk2>
+        <a:srgbClr val="595959"/>
+      </a:dk2>
+      <a:lt2>
+        <a:srgbClr val="EEEEEE"/>
+      </a:lt2>
+      <a:accent1>
+        <a:srgbClr val="FFAB40"/>
+      </a:accent1>
+      <a:accent2>
+        <a:srgbClr val="212121"/>
+      </a:accent2>
+      <a:accent3>
+        <a:srgbClr val="78909C"/>
+      </a:accent3>
+      <a:accent4>
+        <a:srgbClr val="FFAB40"/>
+      </a:accent4>
+      <a:accent5>
+        <a:srgbClr val="0097A7"/>
+      </a:accent5>
+      <a:accent6>
+        <a:srgbClr val="EEFF41"/>
+      </a:accent6>
+      <a:hlink>
+        <a:srgbClr val="0097A7"/>
+      </a:hlink>
+      <a:folHlink>
+        <a:srgbClr val="0097A7"/>
+      </a:folHlink>
+    </a:clrScheme>
+    <a:fontScheme name="Office">
+      <a:majorFont>
+        <a:latin typeface="Arial"/>
+        <a:ea typeface=""/>
+        <a:cs typeface=""/>
+        <a:font script="Jpan" typeface="ＭＳ Ｐゴシック"/>
+        <a:font script="Hang" typeface="맑은 고딕"/>
+        <a:font script="Hans" typeface="宋体"/>
+        <a:font script="Hant" typeface="新細明體"/>
+        <a:font script="Arab" typeface="Times New Roman"/>
+        <a:font script="Hebr" typeface="Times New Roman"/>
+        <a:font script="Thai" typeface="Angsana New"/>
+        <a:font script="Ethi" typeface="Nyala"/>
+        <a:font script="Beng" typeface="Vrinda"/>
+        <a:font script="Gujr" typeface="Shruti"/>
+        <a:font script="Khmr" typeface="MoolBoran"/>
+        <a:font script="Knda" typeface="Tunga"/>
+        <a:font script="Guru" typeface="Raavi"/>
+        <a:font script="Cans" typeface="Euphemia"/>
+        <a:font script="Cher" typeface="Plantagenet Cherokee"/>
+        <a:font script="Yiii" typeface="Microsoft Yi Baiti"/>
+        <a:font script="Tibt" typeface="Microsoft Himalaya"/>
+        <a:font script="Thaa" typeface="MV Boli"/>
+        <a:font script="Deva" typeface="Mangal"/>
+        <a:font script="Telu" typeface="Gautami"/>
+        <a:font script="Taml" typeface="Latha"/>
+        <a:font script="Syrc" typeface="Estrangelo Edessa"/>
+        <a:font script="Orya" typeface="Kalinga"/>
+        <a:font script="Mlym" typeface="Kartika"/>
+        <a:font script="Laoo" typeface="DokChampa"/>
+        <a:font script="Sinh" typeface="Iskoola Pota"/>
+        <a:font script="Mong" typeface="Mongolian Baiti"/>
+        <a:font script="Viet" typeface="Times New Roman"/>
+        <a:font script="Uigh" typeface="Microsoft Uighur"/>
+        <a:font script="Geor" typeface="Sylfaen"/>
+      </a:majorFont>
+      <a:minorFont>
+        <a:latin typeface="Arial"/>
+        <a:ea typeface=""/>
+        <a:cs typeface=""/>
+        <a:font script="Jpan" typeface="ＭＳ Ｐゴシック"/>
+        <a:font script="Hang" typeface="맑은 고딕"/>
+        <a:font script="Hans" typeface="宋体"/>
+        <a:font script="Hant" typeface="新細明體"/>
+        <a:font script="Arab" typeface="Arial"/>
+        <a:font script="Hebr" typeface="Arial"/>
+        <a:font script="Thai" typeface="Cordia New"/>
+        <a:font script="Ethi" typeface="Nyala"/>
+        <a:font script="Beng" typeface="Vrinda"/>
+        <a:font script="Gujr" typeface="Shruti"/>
+        <a:font script="Khmr" typeface="DaunPenh"/>
+        <a:font script="Knda" typeface="Tunga"/>
+        <a:font script="Guru" typeface="Raavi"/>
+        <a:font script="Cans" typeface="Euphemia"/>
+        <a:font script="Cher" typeface="Plantagenet Cherokee"/>
+        <a:font script="Yiii" typeface="Microsoft Yi Baiti"/>
+        <a:font script="Tibt" typeface="Microsoft Himalaya"/>
+        <a:font script="Thaa" typeface="MV Boli"/>
+        <a:font script="Deva" typeface="Mangal"/>
+        <a:font script="Telu" typeface="Gautami"/>
+        <a:font script="Taml" typeface="Latha"/>
+        <a:font script="Syrc" typeface="Estrangelo Edessa"/>
+        <a:font script="Orya" typeface="Kalinga"/>
+        <a:font script="Mlym" typeface="Kartika"/>
+        <a:font script="Laoo" typeface="DokChampa"/>
+        <a:font script="Sinh" typeface="Iskoola Pota"/>
+        <a:font script="Mong" typeface="Mongolian Baiti"/>
+        <a:font script="Viet" typeface="Arial"/>
+        <a:font script="Uigh" typeface="Microsoft Uighur"/>
+        <a:font script="Geor" typeface="Sylfaen"/>
+      </a:minorFont>
+    </a:fontScheme>
+    <a:fmtScheme name="Office">
+      <a:fillStyleLst>
+        <a:solidFill>
+          <a:schemeClr val="phClr"/>
+        </a:solidFill>
+        <a:gradFill rotWithShape="1">
+          <a:gsLst>
+            <a:gs pos="0">
+              <a:schemeClr val="phClr">
+                <a:tint val="50000"/>
+                <a:satMod val="300000"/>
+              </a:schemeClr>
+            </a:gs>
+            <a:gs pos="35000">
+              <a:schemeClr val="phClr">
+                <a:tint val="37000"/>
+                <a:satMod val="300000"/>
+              </a:schemeClr>
+            </a:gs>
+            <a:gs pos="100000">
+              <a:schemeClr val="phClr">
+                <a:tint val="15000"/>
+                <a:satMod val="350000"/>
+              </a:schemeClr>
+            </a:gs>
+          </a:gsLst>
+          <a:lin ang="16200000" scaled="1"/>
+        </a:gradFill>
+        <a:gradFill rotWithShape="1">
+          <a:gsLst>
+            <a:gs pos="0">
+              <a:schemeClr val="phClr">
+                <a:tint val="100000"/>
+                <a:shade val="100000"/>
+                <a:satMod val="130000"/>
+              </a:schemeClr>
+            </a:gs>
+            <a:gs pos="100000">
+              <a:schemeClr val="phClr">
+                <a:tint val="50000"/>
+                <a:shade val="100000"/>
+                <a:satMod val="350000"/>
+              </a:schemeClr>
+            </a:gs>
+          </a:gsLst>
+          <a:lin ang="16200000" scaled="0"/>
+        </a:gradFill>
+      </a:fillStyleLst>
+      <a:lnStyleLst>
+        <a:ln w="9525" cap="flat" cmpd="sng" algn="ctr">
+          <a:solidFill>
+            <a:schemeClr val="phClr">
+              <a:shade val="95000"/>
+              <a:satMod val="105000"/>
+            </a:schemeClr>
+          </a:solidFill>
+          <a:prstDash val="solid"/>
+        </a:ln>
+        <a:ln w="25400" cap="flat" cmpd="sng" algn="ctr">
+          <a:solidFill>
+            <a:schemeClr val="phClr"/>
+          </a:solidFill>
+          <a:prstDash val="solid"/>
+        </a:ln>
+        <a:ln w="38100" cap="flat" cmpd="sng" algn="ctr">
+          <a:solidFill>
+            <a:schemeClr val="phClr"/>
+          </a:solidFill>
+          <a:prstDash val="solid"/>
+        </a:ln>
+      </a:lnStyleLst>
+      <a:effectStyleLst>
+        <a:effectStyle>
+          <a:effectLst>
+            <a:outerShdw blurRad="40000" dist="20000" dir="5400000" rotWithShape="0">
+              <a:srgbClr val="000000">
+                <a:alpha val="38000"/>
+              </a:srgbClr>
+            </a:outerShdw>
+          </a:effectLst>
+        </a:effectStyle>
+        <a:effectStyle>
+          <a:effectLst>
+            <a:outerShdw blurRad="40000" dist="23000" dir="5400000" rotWithShape="0">
+              <a:srgbClr val="000000">
+                <a:alpha val="35000"/>
+              </a:srgbClr>
+            </a:outerShdw>
+          </a:effectLst>
+        </a:effectStyle>
+        <a:effectStyle>
+          <a:effectLst>
+            <a:outerShdw blurRad="40000" dist="23000" dir="5400000" rotWithShape="0">
+              <a:srgbClr val="000000">
+                <a:alpha val="35000"/>
+              </a:srgbClr>
+            </a:outerShdw>
+          </a:effectLst>
+          <a:scene3d>
+            <a:camera prst="orthographicFront">
+              <a:rot lat="0" lon="0" rev="0"/>
+            </a:camera>
+            <a:lightRig rig="threePt" dir="t">
+              <a:rot lat="0" lon="0" rev="1200000"/>
+            </a:lightRig>
+          </a:scene3d>
+          <a:sp3d>
+            <a:bevelT w="63500" h="25400"/>
+          </a:sp3d>
+        </a:effectStyle>
+      </a:effectStyleLst>
+      <a:bgFillStyleLst>
+        <a:solidFill>
+          <a:schemeClr val="phClr"/>
+        </a:solidFill>
+        <a:gradFill rotWithShape="1">
+          <a:gsLst>
+            <a:gs pos="0">
+              <a:schemeClr val="phClr">
+                <a:tint val="40000"/>
+                <a:satMod val="350000"/>
+              </a:schemeClr>
+            </a:gs>
+            <a:gs pos="40000">
+              <a:schemeClr val="phClr">
+                <a:tint val="45000"/>
+                <a:shade val="99000"/>
+                <a:satMod val="350000"/>
+              </a:schemeClr>
+            </a:gs>
+            <a:gs pos="100000">
+              <a:schemeClr val="phClr">
+                <a:shade val="20000"/>
+                <a:satMod val="255000"/>
+              </a:schemeClr>
+            </a:gs>
+          </a:gsLst>
+          <a:path path="circle">
+            <a:fillToRect l="50000" t="-80000" r="50000" b="180000"/>
+          </a:path>
+        </a:gradFill>
+        <a:gradFill rotWithShape="1">
+          <a:gsLst>
+            <a:gs pos="0">
+              <a:schemeClr val="phClr">
+                <a:tint val="80000"/>
+                <a:satMod val="300000"/>
+              </a:schemeClr>
+            </a:gs>
+            <a:gs pos="100000">
+              <a:schemeClr val="phClr">
+                <a:shade val="30000"/>
+                <a:satMod val="200000"/>
+              </a:schemeClr>
+            </a:gs>
+          </a:gsLst>
+          <a:path path="circle">
+            <a:fillToRect l="50000" t="50000" r="50000" b="50000"/>
+          </a:path>
+        </a:gradFill>
+      </a:bgFillStyleLst>
+    </a:fmtScheme>
+  </a:themeElements>
+  <a:objectDefaults/>
+  <a:extraClrSchemeLst/>
+</a:theme>
+</file>
+
+<file path=ppt/theme/theme2.xml><?xml version="1.0" encoding="utf-8"?>
+<a:theme xmlns:a="http://schemas.openxmlformats.org/drawingml/2006/main" name="Custom Theme">
   <a:themeElements>
     <a:clrScheme name="Default">
       <a:dk1>
@@ -12163,284 +10537,7 @@
       </a:bgFillStyleLst>
     </a:fmtScheme>
   </a:themeElements>
-</a:theme>
-</file>
-
-<file path=ppt/theme/theme2.xml><?xml version="1.0" encoding="utf-8"?>
-<a:theme xmlns:a="http://schemas.openxmlformats.org/drawingml/2006/main" xmlns:r="http://schemas.openxmlformats.org/officeDocument/2006/relationships" name="simple-light-2">
-  <a:themeElements>
-    <a:clrScheme name="Simple Light">
-      <a:dk1>
-        <a:srgbClr val="000000"/>
-      </a:dk1>
-      <a:lt1>
-        <a:srgbClr val="FFFFFF"/>
-      </a:lt1>
-      <a:dk2>
-        <a:srgbClr val="595959"/>
-      </a:dk2>
-      <a:lt2>
-        <a:srgbClr val="EEEEEE"/>
-      </a:lt2>
-      <a:accent1>
-        <a:srgbClr val="FFAB40"/>
-      </a:accent1>
-      <a:accent2>
-        <a:srgbClr val="212121"/>
-      </a:accent2>
-      <a:accent3>
-        <a:srgbClr val="78909C"/>
-      </a:accent3>
-      <a:accent4>
-        <a:srgbClr val="FFAB40"/>
-      </a:accent4>
-      <a:accent5>
-        <a:srgbClr val="0097A7"/>
-      </a:accent5>
-      <a:accent6>
-        <a:srgbClr val="EEFF41"/>
-      </a:accent6>
-      <a:hlink>
-        <a:srgbClr val="0097A7"/>
-      </a:hlink>
-      <a:folHlink>
-        <a:srgbClr val="0097A7"/>
-      </a:folHlink>
-    </a:clrScheme>
-    <a:fontScheme name="Office">
-      <a:majorFont>
-        <a:latin typeface="Arial"/>
-        <a:ea typeface=""/>
-        <a:cs typeface=""/>
-        <a:font script="Jpan" typeface="ＭＳ Ｐゴシック"/>
-        <a:font script="Hang" typeface="맑은 고딕"/>
-        <a:font script="Hans" typeface="宋体"/>
-        <a:font script="Hant" typeface="新細明體"/>
-        <a:font script="Arab" typeface="Times New Roman"/>
-        <a:font script="Hebr" typeface="Times New Roman"/>
-        <a:font script="Thai" typeface="Angsana New"/>
-        <a:font script="Ethi" typeface="Nyala"/>
-        <a:font script="Beng" typeface="Vrinda"/>
-        <a:font script="Gujr" typeface="Shruti"/>
-        <a:font script="Khmr" typeface="MoolBoran"/>
-        <a:font script="Knda" typeface="Tunga"/>
-        <a:font script="Guru" typeface="Raavi"/>
-        <a:font script="Cans" typeface="Euphemia"/>
-        <a:font script="Cher" typeface="Plantagenet Cherokee"/>
-        <a:font script="Yiii" typeface="Microsoft Yi Baiti"/>
-        <a:font script="Tibt" typeface="Microsoft Himalaya"/>
-        <a:font script="Thaa" typeface="MV Boli"/>
-        <a:font script="Deva" typeface="Mangal"/>
-        <a:font script="Telu" typeface="Gautami"/>
-        <a:font script="Taml" typeface="Latha"/>
-        <a:font script="Syrc" typeface="Estrangelo Edessa"/>
-        <a:font script="Orya" typeface="Kalinga"/>
-        <a:font script="Mlym" typeface="Kartika"/>
-        <a:font script="Laoo" typeface="DokChampa"/>
-        <a:font script="Sinh" typeface="Iskoola Pota"/>
-        <a:font script="Mong" typeface="Mongolian Baiti"/>
-        <a:font script="Viet" typeface="Times New Roman"/>
-        <a:font script="Uigh" typeface="Microsoft Uighur"/>
-        <a:font script="Geor" typeface="Sylfaen"/>
-      </a:majorFont>
-      <a:minorFont>
-        <a:latin typeface="Arial"/>
-        <a:ea typeface=""/>
-        <a:cs typeface=""/>
-        <a:font script="Jpan" typeface="ＭＳ Ｐゴシック"/>
-        <a:font script="Hang" typeface="맑은 고딕"/>
-        <a:font script="Hans" typeface="宋体"/>
-        <a:font script="Hant" typeface="新細明體"/>
-        <a:font script="Arab" typeface="Arial"/>
-        <a:font script="Hebr" typeface="Arial"/>
-        <a:font script="Thai" typeface="Cordia New"/>
-        <a:font script="Ethi" typeface="Nyala"/>
-        <a:font script="Beng" typeface="Vrinda"/>
-        <a:font script="Gujr" typeface="Shruti"/>
-        <a:font script="Khmr" typeface="DaunPenh"/>
-        <a:font script="Knda" typeface="Tunga"/>
-        <a:font script="Guru" typeface="Raavi"/>
-        <a:font script="Cans" typeface="Euphemia"/>
-        <a:font script="Cher" typeface="Plantagenet Cherokee"/>
-        <a:font script="Yiii" typeface="Microsoft Yi Baiti"/>
-        <a:font script="Tibt" typeface="Microsoft Himalaya"/>
-        <a:font script="Thaa" typeface="MV Boli"/>
-        <a:font script="Deva" typeface="Mangal"/>
-        <a:font script="Telu" typeface="Gautami"/>
-        <a:font script="Taml" typeface="Latha"/>
-        <a:font script="Syrc" typeface="Estrangelo Edessa"/>
-        <a:font script="Orya" typeface="Kalinga"/>
-        <a:font script="Mlym" typeface="Kartika"/>
-        <a:font script="Laoo" typeface="DokChampa"/>
-        <a:font script="Sinh" typeface="Iskoola Pota"/>
-        <a:font script="Mong" typeface="Mongolian Baiti"/>
-        <a:font script="Viet" typeface="Arial"/>
-        <a:font script="Uigh" typeface="Microsoft Uighur"/>
-        <a:font script="Geor" typeface="Sylfaen"/>
-      </a:minorFont>
-    </a:fontScheme>
-    <a:fmtScheme name="Office">
-      <a:fillStyleLst>
-        <a:solidFill>
-          <a:schemeClr val="phClr"/>
-        </a:solidFill>
-        <a:gradFill rotWithShape="1">
-          <a:gsLst>
-            <a:gs pos="0">
-              <a:schemeClr val="phClr">
-                <a:tint val="50000"/>
-                <a:satMod val="300000"/>
-              </a:schemeClr>
-            </a:gs>
-            <a:gs pos="35000">
-              <a:schemeClr val="phClr">
-                <a:tint val="37000"/>
-                <a:satMod val="300000"/>
-              </a:schemeClr>
-            </a:gs>
-            <a:gs pos="100000">
-              <a:schemeClr val="phClr">
-                <a:tint val="15000"/>
-                <a:satMod val="350000"/>
-              </a:schemeClr>
-            </a:gs>
-          </a:gsLst>
-          <a:lin ang="16200000" scaled="1"/>
-        </a:gradFill>
-        <a:gradFill rotWithShape="1">
-          <a:gsLst>
-            <a:gs pos="0">
-              <a:schemeClr val="phClr">
-                <a:tint val="100000"/>
-                <a:shade val="100000"/>
-                <a:satMod val="130000"/>
-              </a:schemeClr>
-            </a:gs>
-            <a:gs pos="100000">
-              <a:schemeClr val="phClr">
-                <a:tint val="50000"/>
-                <a:shade val="100000"/>
-                <a:satMod val="350000"/>
-              </a:schemeClr>
-            </a:gs>
-          </a:gsLst>
-          <a:lin ang="16200000" scaled="0"/>
-        </a:gradFill>
-      </a:fillStyleLst>
-      <a:lnStyleLst>
-        <a:ln w="9525" cap="flat" cmpd="sng" algn="ctr">
-          <a:solidFill>
-            <a:schemeClr val="phClr">
-              <a:shade val="95000"/>
-              <a:satMod val="105000"/>
-            </a:schemeClr>
-          </a:solidFill>
-          <a:prstDash val="solid"/>
-        </a:ln>
-        <a:ln w="25400" cap="flat" cmpd="sng" algn="ctr">
-          <a:solidFill>
-            <a:schemeClr val="phClr"/>
-          </a:solidFill>
-          <a:prstDash val="solid"/>
-        </a:ln>
-        <a:ln w="38100" cap="flat" cmpd="sng" algn="ctr">
-          <a:solidFill>
-            <a:schemeClr val="phClr"/>
-          </a:solidFill>
-          <a:prstDash val="solid"/>
-        </a:ln>
-      </a:lnStyleLst>
-      <a:effectStyleLst>
-        <a:effectStyle>
-          <a:effectLst>
-            <a:outerShdw blurRad="40000" dist="20000" dir="5400000" rotWithShape="0">
-              <a:srgbClr val="000000">
-                <a:alpha val="38000"/>
-              </a:srgbClr>
-            </a:outerShdw>
-          </a:effectLst>
-        </a:effectStyle>
-        <a:effectStyle>
-          <a:effectLst>
-            <a:outerShdw blurRad="40000" dist="23000" dir="5400000" rotWithShape="0">
-              <a:srgbClr val="000000">
-                <a:alpha val="35000"/>
-              </a:srgbClr>
-            </a:outerShdw>
-          </a:effectLst>
-        </a:effectStyle>
-        <a:effectStyle>
-          <a:effectLst>
-            <a:outerShdw blurRad="40000" dist="23000" dir="5400000" rotWithShape="0">
-              <a:srgbClr val="000000">
-                <a:alpha val="35000"/>
-              </a:srgbClr>
-            </a:outerShdw>
-          </a:effectLst>
-          <a:scene3d>
-            <a:camera prst="orthographicFront">
-              <a:rot lat="0" lon="0" rev="0"/>
-            </a:camera>
-            <a:lightRig rig="threePt" dir="t">
-              <a:rot lat="0" lon="0" rev="1200000"/>
-            </a:lightRig>
-          </a:scene3d>
-          <a:sp3d>
-            <a:bevelT w="63500" h="25400"/>
-          </a:sp3d>
-        </a:effectStyle>
-      </a:effectStyleLst>
-      <a:bgFillStyleLst>
-        <a:solidFill>
-          <a:schemeClr val="phClr"/>
-        </a:solidFill>
-        <a:gradFill rotWithShape="1">
-          <a:gsLst>
-            <a:gs pos="0">
-              <a:schemeClr val="phClr">
-                <a:tint val="40000"/>
-                <a:satMod val="350000"/>
-              </a:schemeClr>
-            </a:gs>
-            <a:gs pos="40000">
-              <a:schemeClr val="phClr">
-                <a:tint val="45000"/>
-                <a:shade val="99000"/>
-                <a:satMod val="350000"/>
-              </a:schemeClr>
-            </a:gs>
-            <a:gs pos="100000">
-              <a:schemeClr val="phClr">
-                <a:shade val="20000"/>
-                <a:satMod val="255000"/>
-              </a:schemeClr>
-            </a:gs>
-          </a:gsLst>
-          <a:path path="circle">
-            <a:fillToRect l="50000" t="-80000" r="50000" b="180000"/>
-          </a:path>
-        </a:gradFill>
-        <a:gradFill rotWithShape="1">
-          <a:gsLst>
-            <a:gs pos="0">
-              <a:schemeClr val="phClr">
-                <a:tint val="80000"/>
-                <a:satMod val="300000"/>
-              </a:schemeClr>
-            </a:gs>
-            <a:gs pos="100000">
-              <a:schemeClr val="phClr">
-                <a:shade val="30000"/>
-                <a:satMod val="200000"/>
-              </a:schemeClr>
-            </a:gs>
-          </a:gsLst>
-          <a:path path="circle">
-            <a:fillToRect l="50000" t="50000" r="50000" b="50000"/>
-          </a:path>
-        </a:gradFill>
-      </a:bgFillStyleLst>
-    </a:fmtScheme>
-  </a:themeElements>
+  <a:objectDefaults/>
+  <a:extraClrSchemeLst/>
 </a:theme>
 </file>